--- a/ONIP/onip_b1_methodes_numeriques/seance2_equation_diff/B1_s2_1_Approche_Symbolique.pptx
+++ b/ONIP/onip_b1_methodes_numeriques/seance2_equation_diff/B1_s2_1_Approche_Symbolique.pptx
@@ -5,31 +5,32 @@
     <p:sldMasterId id="2147483711" r:id="rId1"/>
   </p:sldMasterIdLst>
   <p:notesMasterIdLst>
-    <p:notesMasterId r:id="rId24"/>
+    <p:notesMasterId r:id="rId25"/>
   </p:notesMasterIdLst>
   <p:sldIdLst>
     <p:sldId id="261" r:id="rId2"/>
     <p:sldId id="276" r:id="rId3"/>
-    <p:sldId id="262" r:id="rId4"/>
-    <p:sldId id="263" r:id="rId5"/>
-    <p:sldId id="264" r:id="rId6"/>
-    <p:sldId id="265" r:id="rId7"/>
-    <p:sldId id="267" r:id="rId8"/>
-    <p:sldId id="268" r:id="rId9"/>
-    <p:sldId id="266" r:id="rId10"/>
-    <p:sldId id="269" r:id="rId11"/>
-    <p:sldId id="270" r:id="rId12"/>
-    <p:sldId id="271" r:id="rId13"/>
-    <p:sldId id="294" r:id="rId14"/>
-    <p:sldId id="295" r:id="rId15"/>
-    <p:sldId id="292" r:id="rId16"/>
-    <p:sldId id="272" r:id="rId17"/>
-    <p:sldId id="273" r:id="rId18"/>
-    <p:sldId id="274" r:id="rId19"/>
-    <p:sldId id="291" r:id="rId20"/>
-    <p:sldId id="277" r:id="rId21"/>
-    <p:sldId id="275" r:id="rId22"/>
-    <p:sldId id="287" r:id="rId23"/>
+    <p:sldId id="296" r:id="rId4"/>
+    <p:sldId id="262" r:id="rId5"/>
+    <p:sldId id="263" r:id="rId6"/>
+    <p:sldId id="264" r:id="rId7"/>
+    <p:sldId id="265" r:id="rId8"/>
+    <p:sldId id="267" r:id="rId9"/>
+    <p:sldId id="268" r:id="rId10"/>
+    <p:sldId id="266" r:id="rId11"/>
+    <p:sldId id="269" r:id="rId12"/>
+    <p:sldId id="270" r:id="rId13"/>
+    <p:sldId id="271" r:id="rId14"/>
+    <p:sldId id="294" r:id="rId15"/>
+    <p:sldId id="295" r:id="rId16"/>
+    <p:sldId id="292" r:id="rId17"/>
+    <p:sldId id="272" r:id="rId18"/>
+    <p:sldId id="273" r:id="rId19"/>
+    <p:sldId id="274" r:id="rId20"/>
+    <p:sldId id="291" r:id="rId21"/>
+    <p:sldId id="277" r:id="rId22"/>
+    <p:sldId id="275" r:id="rId23"/>
+    <p:sldId id="287" r:id="rId24"/>
   </p:sldIdLst>
   <p:sldSz cx="12192000" cy="6858000"/>
   <p:notesSz cx="6858000" cy="9144000"/>
@@ -218,7 +219,7 @@
           <a:p>
             <a:fld id="{95F60532-AC81-4152-B45E-E054A978F780}" type="datetimeFigureOut">
               <a:rPr lang="fr-FR" smtClean="0"/>
-              <a:t>13/05/2023</a:t>
+              <a:t>18/07/2023</a:t>
             </a:fld>
             <a:endParaRPr lang="fr-FR"/>
           </a:p>
@@ -550,7 +551,7 @@
           <a:p>
             <a:fld id="{ED1A4448-0F40-450F-9A3E-C9B9A6927FAC}" type="slidenum">
               <a:rPr lang="fr-FR" smtClean="0"/>
-              <a:t>21</a:t>
+              <a:t>22</a:t>
             </a:fld>
             <a:endParaRPr lang="fr-FR"/>
           </a:p>
@@ -725,7 +726,7 @@
           <a:p>
             <a:fld id="{785B9D93-2D6F-4658-911E-89FF557AACEE}" type="datetime1">
               <a:rPr lang="en-US" smtClean="0"/>
-              <a:t>5/13/2023</a:t>
+              <a:t>7/18/2023</a:t>
             </a:fld>
             <a:endParaRPr lang="en-US" dirty="0"/>
           </a:p>
@@ -1095,7 +1096,7 @@
           <a:p>
             <a:fld id="{4709A133-4251-46D0-8E1C-3DC2CCEEC594}" type="datetime1">
               <a:rPr lang="en-US" smtClean="0"/>
-              <a:t>5/13/2023</a:t>
+              <a:t>7/18/2023</a:t>
             </a:fld>
             <a:endParaRPr lang="en-US"/>
           </a:p>
@@ -1304,7 +1305,7 @@
           <a:p>
             <a:fld id="{757C9D7A-C246-41BC-AB36-CBBE03C4FC3D}" type="datetime1">
               <a:rPr lang="en-US" smtClean="0"/>
-              <a:t>5/13/2023</a:t>
+              <a:t>7/18/2023</a:t>
             </a:fld>
             <a:endParaRPr lang="en-US"/>
           </a:p>
@@ -1774,7 +1775,7 @@
           <a:p>
             <a:fld id="{DD23859D-5799-4C59-B29C-0D397C1B3B07}" type="datetime1">
               <a:rPr lang="en-US" smtClean="0"/>
-              <a:t>5/13/2023</a:t>
+              <a:t>7/18/2023</a:t>
             </a:fld>
             <a:endParaRPr lang="en-US"/>
           </a:p>
@@ -2228,7 +2229,7 @@
           <a:p>
             <a:fld id="{B36A9650-6794-4EE4-9500-0C43A7CB6B4A}" type="datetime1">
               <a:rPr lang="en-US" smtClean="0"/>
-              <a:t>5/13/2023</a:t>
+              <a:t>7/18/2023</a:t>
             </a:fld>
             <a:endParaRPr lang="en-US"/>
           </a:p>
@@ -2760,7 +2761,7 @@
           <a:p>
             <a:fld id="{1792256C-3121-4D72-8DFF-855B713C834E}" type="datetime1">
               <a:rPr lang="en-US" smtClean="0"/>
-              <a:t>5/13/2023</a:t>
+              <a:t>7/18/2023</a:t>
             </a:fld>
             <a:endParaRPr lang="en-US"/>
           </a:p>
@@ -3459,7 +3460,7 @@
           <a:p>
             <a:fld id="{580DF3A2-C727-46A5-9AC9-16B2E63C7D3A}" type="datetime1">
               <a:rPr lang="en-US" smtClean="0"/>
-              <a:t>5/13/2023</a:t>
+              <a:t>7/18/2023</a:t>
             </a:fld>
             <a:endParaRPr lang="en-US"/>
           </a:p>
@@ -3788,7 +3789,7 @@
           <a:p>
             <a:fld id="{9D23748C-796D-4F23-89AF-A2738DF446EE}" type="datetime1">
               <a:rPr lang="en-US" smtClean="0"/>
-              <a:t>5/13/2023</a:t>
+              <a:t>7/18/2023</a:t>
             </a:fld>
             <a:endParaRPr lang="en-US"/>
           </a:p>
@@ -3901,7 +3902,7 @@
           <a:p>
             <a:fld id="{B3AFB1A7-BA76-4344-B812-B8E53F62AA62}" type="datetime1">
               <a:rPr lang="en-US" smtClean="0"/>
-              <a:t>5/13/2023</a:t>
+              <a:t>7/18/2023</a:t>
             </a:fld>
             <a:endParaRPr lang="en-US"/>
           </a:p>
@@ -4396,7 +4397,7 @@
           <a:p>
             <a:fld id="{D2DB139E-AA5F-415E-A7EE-D6EE1B304D34}" type="datetime1">
               <a:rPr lang="en-US" smtClean="0"/>
-              <a:t>5/13/2023</a:t>
+              <a:t>7/18/2023</a:t>
             </a:fld>
             <a:endParaRPr lang="en-US" dirty="0"/>
           </a:p>
@@ -4873,7 +4874,7 @@
           <a:p>
             <a:fld id="{B0611B75-8EAE-4E82-AD4E-BC980BBD0DF6}" type="datetime1">
               <a:rPr lang="en-US" smtClean="0"/>
-              <a:t>5/13/2023</a:t>
+              <a:t>7/18/2023</a:t>
             </a:fld>
             <a:endParaRPr lang="en-US"/>
           </a:p>
@@ -5116,7 +5117,7 @@
           <a:p>
             <a:fld id="{5A39691B-EC2E-4EEE-9557-97A59C128178}" type="datetime1">
               <a:rPr lang="en-US" smtClean="0"/>
-              <a:t>5/13/2023</a:t>
+              <a:t>7/18/2023</a:t>
             </a:fld>
             <a:endParaRPr lang="en-US"/>
           </a:p>
@@ -6257,6 +6258,509 @@
               <a:rPr lang="en-US" smtClean="0"/>
               <a:t>10</a:t>
             </a:fld>
+            <a:endParaRPr lang="en-US"/>
+          </a:p>
+        </p:txBody>
+      </p:sp>
+      <p:pic>
+        <p:nvPicPr>
+          <p:cNvPr id="1026" name="Picture 2" descr="SymPy Logo">
+            <a:extLst>
+              <a:ext uri="{FF2B5EF4-FFF2-40B4-BE49-F238E27FC236}">
+                <a16:creationId xmlns:a16="http://schemas.microsoft.com/office/drawing/2014/main" id="{6F826F4C-FC0E-452A-4FE2-7AD4240C9A6B}"/>
+              </a:ext>
+            </a:extLst>
+          </p:cNvPr>
+          <p:cNvPicPr>
+            <a:picLocks noChangeAspect="1" noChangeArrowheads="1"/>
+          </p:cNvPicPr>
+          <p:nvPr/>
+        </p:nvPicPr>
+        <p:blipFill>
+          <a:blip r:embed="rId3">
+            <a:extLst>
+              <a:ext uri="{28A0092B-C50C-407E-A947-70E740481C1C}">
+                <a14:useLocalDpi xmlns:a14="http://schemas.microsoft.com/office/drawing/2010/main" val="0"/>
+              </a:ext>
+            </a:extLst>
+          </a:blip>
+          <a:srcRect/>
+          <a:stretch>
+            <a:fillRect/>
+          </a:stretch>
+        </p:blipFill>
+        <p:spPr bwMode="auto">
+          <a:xfrm>
+            <a:off x="9915213" y="655319"/>
+            <a:ext cx="915348" cy="613283"/>
+          </a:xfrm>
+          <a:prstGeom prst="rect">
+            <a:avLst/>
+          </a:prstGeom>
+          <a:noFill/>
+          <a:extLst>
+            <a:ext uri="{909E8E84-426E-40DD-AFC4-6F175D3DCCD1}">
+              <a14:hiddenFill xmlns:a14="http://schemas.microsoft.com/office/drawing/2010/main">
+                <a:solidFill>
+                  <a:srgbClr val="FFFFFF"/>
+                </a:solidFill>
+              </a14:hiddenFill>
+            </a:ext>
+          </a:extLst>
+        </p:spPr>
+      </p:pic>
+      <p:sp>
+        <p:nvSpPr>
+          <p:cNvPr id="7" name="ZoneTexte 6">
+            <a:extLst>
+              <a:ext uri="{FF2B5EF4-FFF2-40B4-BE49-F238E27FC236}">
+                <a16:creationId xmlns:a16="http://schemas.microsoft.com/office/drawing/2014/main" id="{F0FBF19C-22B5-76E5-0F93-DF8BB4A2F385}"/>
+              </a:ext>
+            </a:extLst>
+          </p:cNvPr>
+          <p:cNvSpPr txBox="1"/>
+          <p:nvPr/>
+        </p:nvSpPr>
+        <p:spPr>
+          <a:xfrm>
+            <a:off x="822960" y="3302376"/>
+            <a:ext cx="4765173" cy="923330"/>
+          </a:xfrm>
+          <a:prstGeom prst="rect">
+            <a:avLst/>
+          </a:prstGeom>
+          <a:solidFill>
+            <a:schemeClr val="accent1">
+              <a:lumMod val="40000"/>
+              <a:lumOff val="60000"/>
+            </a:schemeClr>
+          </a:solidFill>
+        </p:spPr>
+        <p:txBody>
+          <a:bodyPr wrap="square" rtlCol="0">
+            <a:spAutoFit/>
+          </a:bodyPr>
+          <a:lstStyle/>
+          <a:p>
+            <a:r>
+              <a:rPr lang="fr-FR" dirty="0"/>
+              <a:t>x, y = </a:t>
+            </a:r>
+            <a:r>
+              <a:rPr lang="fr-FR" i="1" dirty="0" err="1"/>
+              <a:t>sympy</a:t>
+            </a:r>
+            <a:r>
+              <a:rPr lang="fr-FR" dirty="0" err="1"/>
+              <a:t>.</a:t>
+            </a:r>
+            <a:r>
+              <a:rPr lang="fr-FR" b="1" dirty="0" err="1"/>
+              <a:t>symbols</a:t>
+            </a:r>
+            <a:r>
+              <a:rPr lang="fr-FR" dirty="0"/>
+              <a:t>('x y')</a:t>
+            </a:r>
+          </a:p>
+          <a:p>
+            <a:r>
+              <a:rPr lang="fr-FR" dirty="0" err="1"/>
+              <a:t>expr</a:t>
+            </a:r>
+            <a:r>
+              <a:rPr lang="fr-FR" b="1" dirty="0"/>
+              <a:t> = </a:t>
+            </a:r>
+            <a:r>
+              <a:rPr lang="fr-FR" dirty="0"/>
+              <a:t>x**2 - 4 * x + 5</a:t>
+            </a:r>
+          </a:p>
+          <a:p>
+            <a:r>
+              <a:rPr lang="fr-FR" dirty="0" err="1"/>
+              <a:t>expr</a:t>
+            </a:r>
+            <a:endParaRPr lang="fr-FR" dirty="0"/>
+          </a:p>
+        </p:txBody>
+      </p:sp>
+      <p:sp>
+        <p:nvSpPr>
+          <p:cNvPr id="8" name="ZoneTexte 7">
+            <a:extLst>
+              <a:ext uri="{FF2B5EF4-FFF2-40B4-BE49-F238E27FC236}">
+                <a16:creationId xmlns:a16="http://schemas.microsoft.com/office/drawing/2014/main" id="{79268CDE-11DF-5549-D1F0-1652BAD1B16C}"/>
+              </a:ext>
+            </a:extLst>
+          </p:cNvPr>
+          <p:cNvSpPr txBox="1"/>
+          <p:nvPr/>
+        </p:nvSpPr>
+        <p:spPr>
+          <a:xfrm>
+            <a:off x="1391037" y="4340869"/>
+            <a:ext cx="4197096" cy="369332"/>
+          </a:xfrm>
+          <a:prstGeom prst="rect">
+            <a:avLst/>
+          </a:prstGeom>
+          <a:solidFill>
+            <a:schemeClr val="accent4">
+              <a:lumMod val="40000"/>
+              <a:lumOff val="60000"/>
+            </a:schemeClr>
+          </a:solidFill>
+        </p:spPr>
+        <p:txBody>
+          <a:bodyPr wrap="square" rtlCol="0">
+            <a:spAutoFit/>
+          </a:bodyPr>
+          <a:lstStyle/>
+          <a:p>
+            <a:r>
+              <a:rPr lang="fr-FR" dirty="0"/>
+              <a:t>???</a:t>
+            </a:r>
+          </a:p>
+        </p:txBody>
+      </p:sp>
+      <p:pic>
+        <p:nvPicPr>
+          <p:cNvPr id="2051" name="Picture 3">
+            <a:extLst>
+              <a:ext uri="{FF2B5EF4-FFF2-40B4-BE49-F238E27FC236}">
+                <a16:creationId xmlns:a16="http://schemas.microsoft.com/office/drawing/2014/main" id="{3BB5514F-6568-D4F1-89C4-C79629C862E1}"/>
+              </a:ext>
+            </a:extLst>
+          </p:cNvPr>
+          <p:cNvPicPr>
+            <a:picLocks noChangeAspect="1" noChangeArrowheads="1"/>
+          </p:cNvPicPr>
+          <p:nvPr/>
+        </p:nvPicPr>
+        <p:blipFill>
+          <a:blip r:embed="rId4">
+            <a:extLst>
+              <a:ext uri="{28A0092B-C50C-407E-A947-70E740481C1C}">
+                <a14:useLocalDpi xmlns:a14="http://schemas.microsoft.com/office/drawing/2010/main" val="0"/>
+              </a:ext>
+            </a:extLst>
+          </a:blip>
+          <a:srcRect/>
+          <a:stretch>
+            <a:fillRect/>
+          </a:stretch>
+        </p:blipFill>
+        <p:spPr bwMode="auto">
+          <a:xfrm>
+            <a:off x="11422935" y="1728216"/>
+            <a:ext cx="449659" cy="523240"/>
+          </a:xfrm>
+          <a:prstGeom prst="rect">
+            <a:avLst/>
+          </a:prstGeom>
+          <a:noFill/>
+          <a:extLst>
+            <a:ext uri="{909E8E84-426E-40DD-AFC4-6F175D3DCCD1}">
+              <a14:hiddenFill xmlns:a14="http://schemas.microsoft.com/office/drawing/2010/main">
+                <a:solidFill>
+                  <a:srgbClr val="FFFFFF"/>
+                </a:solidFill>
+              </a14:hiddenFill>
+            </a:ext>
+          </a:extLst>
+        </p:spPr>
+      </p:pic>
+      <p:sp>
+        <p:nvSpPr>
+          <p:cNvPr id="11" name="ZoneTexte 10">
+            <a:extLst>
+              <a:ext uri="{FF2B5EF4-FFF2-40B4-BE49-F238E27FC236}">
+                <a16:creationId xmlns:a16="http://schemas.microsoft.com/office/drawing/2014/main" id="{542E132A-43C2-1A6E-DA9E-DF3A2FD6C989}"/>
+              </a:ext>
+            </a:extLst>
+          </p:cNvPr>
+          <p:cNvSpPr txBox="1"/>
+          <p:nvPr/>
+        </p:nvSpPr>
+        <p:spPr>
+          <a:xfrm>
+            <a:off x="6344973" y="3298959"/>
+            <a:ext cx="4765173" cy="369332"/>
+          </a:xfrm>
+          <a:prstGeom prst="rect">
+            <a:avLst/>
+          </a:prstGeom>
+          <a:solidFill>
+            <a:schemeClr val="accent1">
+              <a:lumMod val="40000"/>
+              <a:lumOff val="60000"/>
+            </a:schemeClr>
+          </a:solidFill>
+        </p:spPr>
+        <p:txBody>
+          <a:bodyPr wrap="square" rtlCol="0">
+            <a:spAutoFit/>
+          </a:bodyPr>
+          <a:lstStyle/>
+          <a:p>
+            <a:r>
+              <a:rPr lang="fr-FR" dirty="0" err="1"/>
+              <a:t>expr.</a:t>
+            </a:r>
+            <a:r>
+              <a:rPr lang="fr-FR" b="1" dirty="0" err="1"/>
+              <a:t>subs</a:t>
+            </a:r>
+            <a:r>
+              <a:rPr lang="fr-FR" dirty="0"/>
+              <a:t>(x, 1)</a:t>
+            </a:r>
+          </a:p>
+        </p:txBody>
+      </p:sp>
+      <p:sp>
+        <p:nvSpPr>
+          <p:cNvPr id="12" name="ZoneTexte 11">
+            <a:extLst>
+              <a:ext uri="{FF2B5EF4-FFF2-40B4-BE49-F238E27FC236}">
+                <a16:creationId xmlns:a16="http://schemas.microsoft.com/office/drawing/2014/main" id="{20E35B53-F2EA-B123-3508-8F5AAEC50C69}"/>
+              </a:ext>
+            </a:extLst>
+          </p:cNvPr>
+          <p:cNvSpPr txBox="1"/>
+          <p:nvPr/>
+        </p:nvSpPr>
+        <p:spPr>
+          <a:xfrm>
+            <a:off x="6913050" y="3764041"/>
+            <a:ext cx="4197096" cy="369332"/>
+          </a:xfrm>
+          <a:prstGeom prst="rect">
+            <a:avLst/>
+          </a:prstGeom>
+          <a:solidFill>
+            <a:schemeClr val="accent4">
+              <a:lumMod val="40000"/>
+              <a:lumOff val="60000"/>
+            </a:schemeClr>
+          </a:solidFill>
+        </p:spPr>
+        <p:txBody>
+          <a:bodyPr wrap="square" rtlCol="0">
+            <a:spAutoFit/>
+          </a:bodyPr>
+          <a:lstStyle/>
+          <a:p>
+            <a:r>
+              <a:rPr lang="fr-FR" dirty="0"/>
+              <a:t>???</a:t>
+            </a:r>
+          </a:p>
+        </p:txBody>
+      </p:sp>
+      <p:pic>
+        <p:nvPicPr>
+          <p:cNvPr id="6" name="Picture 8" descr="Résultat de recherche d'images pour &quot;spyder logo&quot;">
+            <a:extLst>
+              <a:ext uri="{FF2B5EF4-FFF2-40B4-BE49-F238E27FC236}">
+                <a16:creationId xmlns:a16="http://schemas.microsoft.com/office/drawing/2014/main" id="{E85F49B7-CBEF-E8D8-8D48-9A3FF4434292}"/>
+              </a:ext>
+            </a:extLst>
+          </p:cNvPr>
+          <p:cNvPicPr>
+            <a:picLocks noChangeAspect="1" noChangeArrowheads="1"/>
+          </p:cNvPicPr>
+          <p:nvPr/>
+        </p:nvPicPr>
+        <p:blipFill>
+          <a:blip r:embed="rId5">
+            <a:extLst>
+              <a:ext uri="{28A0092B-C50C-407E-A947-70E740481C1C}">
+                <a14:useLocalDpi xmlns:a14="http://schemas.microsoft.com/office/drawing/2010/main" val="0"/>
+              </a:ext>
+            </a:extLst>
+          </a:blip>
+          <a:srcRect/>
+          <a:stretch>
+            <a:fillRect/>
+          </a:stretch>
+        </p:blipFill>
+        <p:spPr bwMode="auto">
+          <a:xfrm>
+            <a:off x="10162526" y="1757291"/>
+            <a:ext cx="947620" cy="473810"/>
+          </a:xfrm>
+          <a:prstGeom prst="rect">
+            <a:avLst/>
+          </a:prstGeom>
+          <a:noFill/>
+          <a:extLst>
+            <a:ext uri="{909E8E84-426E-40DD-AFC4-6F175D3DCCD1}">
+              <a14:hiddenFill xmlns:a14="http://schemas.microsoft.com/office/drawing/2010/main">
+                <a:solidFill>
+                  <a:srgbClr val="FFFFFF"/>
+                </a:solidFill>
+              </a14:hiddenFill>
+            </a:ext>
+          </a:extLst>
+        </p:spPr>
+      </p:pic>
+    </p:spTree>
+    <p:extLst>
+      <p:ext uri="{BB962C8B-B14F-4D97-AF65-F5344CB8AC3E}">
+        <p14:creationId xmlns:p14="http://schemas.microsoft.com/office/powerpoint/2010/main" val="722868114"/>
+      </p:ext>
+    </p:extLst>
+  </p:cSld>
+  <p:clrMapOvr>
+    <a:masterClrMapping/>
+  </p:clrMapOvr>
+</p:sld>
+</file>
+
+<file path=ppt/slides/slide11.xml><?xml version="1.0" encoding="utf-8"?>
+<p:sld xmlns:a="http://schemas.openxmlformats.org/drawingml/2006/main" xmlns:r="http://schemas.openxmlformats.org/officeDocument/2006/relationships" xmlns:p="http://schemas.openxmlformats.org/presentationml/2006/main">
+  <p:cSld>
+    <p:spTree>
+      <p:nvGrpSpPr>
+        <p:cNvPr id="1" name=""/>
+        <p:cNvGrpSpPr/>
+        <p:nvPr/>
+      </p:nvGrpSpPr>
+      <p:grpSpPr>
+        <a:xfrm>
+          <a:off x="0" y="0"/>
+          <a:ext cx="0" cy="0"/>
+          <a:chOff x="0" y="0"/>
+          <a:chExt cx="0" cy="0"/>
+        </a:xfrm>
+      </p:grpSpPr>
+      <p:sp>
+        <p:nvSpPr>
+          <p:cNvPr id="2" name="Titre 1">
+            <a:extLst>
+              <a:ext uri="{FF2B5EF4-FFF2-40B4-BE49-F238E27FC236}">
+                <a16:creationId xmlns:a16="http://schemas.microsoft.com/office/drawing/2014/main" id="{90162AE8-C1B0-5C56-8313-DEE494F38273}"/>
+              </a:ext>
+            </a:extLst>
+          </p:cNvPr>
+          <p:cNvSpPr>
+            <a:spLocks noGrp="1"/>
+          </p:cNvSpPr>
+          <p:nvPr>
+            <p:ph type="title"/>
+          </p:nvPr>
+        </p:nvSpPr>
+        <p:spPr/>
+        <p:txBody>
+          <a:bodyPr>
+            <a:normAutofit/>
+          </a:bodyPr>
+          <a:lstStyle/>
+          <a:p>
+            <a:r>
+              <a:rPr lang="fr-FR" dirty="0" err="1"/>
+              <a:t>SymPy</a:t>
+            </a:r>
+            <a:r>
+              <a:rPr lang="fr-FR" dirty="0"/>
+              <a:t> pour le calcul formel</a:t>
+            </a:r>
+          </a:p>
+        </p:txBody>
+      </p:sp>
+      <p:sp>
+        <p:nvSpPr>
+          <p:cNvPr id="3" name="Espace réservé du contenu 2">
+            <a:extLst>
+              <a:ext uri="{FF2B5EF4-FFF2-40B4-BE49-F238E27FC236}">
+                <a16:creationId xmlns:a16="http://schemas.microsoft.com/office/drawing/2014/main" id="{E0BBB9DE-019C-C741-F224-494739D4B752}"/>
+              </a:ext>
+            </a:extLst>
+          </p:cNvPr>
+          <p:cNvSpPr>
+            <a:spLocks noGrp="1"/>
+          </p:cNvSpPr>
+          <p:nvPr>
+            <p:ph sz="half" idx="1"/>
+          </p:nvPr>
+        </p:nvSpPr>
+        <p:spPr/>
+        <p:txBody>
+          <a:bodyPr/>
+          <a:lstStyle/>
+          <a:p>
+            <a:r>
+              <a:rPr lang="fr-FR" dirty="0"/>
+              <a:t>Expressions</a:t>
+            </a:r>
+          </a:p>
+        </p:txBody>
+      </p:sp>
+      <p:pic>
+        <p:nvPicPr>
+          <p:cNvPr id="5" name="Image 4" descr="Une image contenant texte&#10;&#10;Description générée automatiquement">
+            <a:extLst>
+              <a:ext uri="{FF2B5EF4-FFF2-40B4-BE49-F238E27FC236}">
+                <a16:creationId xmlns:a16="http://schemas.microsoft.com/office/drawing/2014/main" id="{66D2630B-81F4-A4EB-21BA-8B90CF30BD92}"/>
+              </a:ext>
+            </a:extLst>
+          </p:cNvPr>
+          <p:cNvPicPr>
+            <a:picLocks noChangeAspect="1"/>
+          </p:cNvPicPr>
+          <p:nvPr/>
+        </p:nvPicPr>
+        <p:blipFill>
+          <a:blip r:embed="rId2">
+            <a:extLst>
+              <a:ext uri="{28A0092B-C50C-407E-A947-70E740481C1C}">
+                <a14:useLocalDpi xmlns:a14="http://schemas.microsoft.com/office/drawing/2010/main" val="0"/>
+              </a:ext>
+            </a:extLst>
+          </a:blip>
+          <a:stretch>
+            <a:fillRect/>
+          </a:stretch>
+        </p:blipFill>
+        <p:spPr>
+          <a:xfrm>
+            <a:off x="202922" y="5934456"/>
+            <a:ext cx="1825291" cy="749808"/>
+          </a:xfrm>
+          <a:prstGeom prst="rect">
+            <a:avLst/>
+          </a:prstGeom>
+        </p:spPr>
+      </p:pic>
+      <p:sp>
+        <p:nvSpPr>
+          <p:cNvPr id="4" name="Espace réservé du numéro de diapositive 3">
+            <a:extLst>
+              <a:ext uri="{FF2B5EF4-FFF2-40B4-BE49-F238E27FC236}">
+                <a16:creationId xmlns:a16="http://schemas.microsoft.com/office/drawing/2014/main" id="{F08CDEFC-50F0-4C47-46AC-D28A2807E4F8}"/>
+              </a:ext>
+            </a:extLst>
+          </p:cNvPr>
+          <p:cNvSpPr>
+            <a:spLocks noGrp="1"/>
+          </p:cNvSpPr>
+          <p:nvPr>
+            <p:ph type="sldNum" sz="quarter" idx="12"/>
+          </p:nvPr>
+        </p:nvSpPr>
+        <p:spPr/>
+        <p:txBody>
+          <a:bodyPr/>
+          <a:lstStyle/>
+          <a:p>
+            <a:fld id="{B2DC25EE-239B-4C5F-AAD1-255A7D5F1EE2}" type="slidenum">
+              <a:rPr lang="en-US" smtClean="0"/>
+              <a:t>11</a:t>
+            </a:fld>
             <a:endParaRPr lang="en-US" dirty="0"/>
           </a:p>
         </p:txBody>
@@ -6945,7 +7449,7 @@
 </p:sld>
 </file>
 
-<file path=ppt/slides/slide11.xml><?xml version="1.0" encoding="utf-8"?>
+<file path=ppt/slides/slide12.xml><?xml version="1.0" encoding="utf-8"?>
 <p:sld xmlns:a="http://schemas.openxmlformats.org/drawingml/2006/main" xmlns:r="http://schemas.openxmlformats.org/officeDocument/2006/relationships" xmlns:p="http://schemas.openxmlformats.org/presentationml/2006/main">
   <p:cSld>
     <p:spTree>
@@ -7083,7 +7587,7 @@
           <a:p>
             <a:fld id="{B2DC25EE-239B-4C5F-AAD1-255A7D5F1EE2}" type="slidenum">
               <a:rPr lang="en-US" smtClean="0"/>
-              <a:t>11</a:t>
+              <a:t>12</a:t>
             </a:fld>
             <a:endParaRPr lang="en-US" dirty="0"/>
           </a:p>
@@ -8122,7 +8626,7 @@
 </p:sld>
 </file>
 
-<file path=ppt/slides/slide12.xml><?xml version="1.0" encoding="utf-8"?>
+<file path=ppt/slides/slide13.xml><?xml version="1.0" encoding="utf-8"?>
 <p:sld xmlns:a="http://schemas.openxmlformats.org/drawingml/2006/main" xmlns:r="http://schemas.openxmlformats.org/officeDocument/2006/relationships" xmlns:p="http://schemas.openxmlformats.org/presentationml/2006/main">
   <p:cSld>
     <p:spTree>
@@ -8265,7 +8769,7 @@
           <a:p>
             <a:fld id="{B2DC25EE-239B-4C5F-AAD1-255A7D5F1EE2}" type="slidenum">
               <a:rPr lang="en-US" smtClean="0"/>
-              <a:t>12</a:t>
+              <a:t>13</a:t>
             </a:fld>
             <a:endParaRPr lang="en-US" dirty="0"/>
           </a:p>
@@ -8825,589 +9329,6 @@
 </p:sld>
 </file>
 
-<file path=ppt/slides/slide13.xml><?xml version="1.0" encoding="utf-8"?>
-<p:sld xmlns:a="http://schemas.openxmlformats.org/drawingml/2006/main" xmlns:r="http://schemas.openxmlformats.org/officeDocument/2006/relationships" xmlns:p="http://schemas.openxmlformats.org/presentationml/2006/main">
-  <p:cSld>
-    <p:spTree>
-      <p:nvGrpSpPr>
-        <p:cNvPr id="1" name=""/>
-        <p:cNvGrpSpPr/>
-        <p:nvPr/>
-      </p:nvGrpSpPr>
-      <p:grpSpPr>
-        <a:xfrm>
-          <a:off x="0" y="0"/>
-          <a:ext cx="0" cy="0"/>
-          <a:chOff x="0" y="0"/>
-          <a:chExt cx="0" cy="0"/>
-        </a:xfrm>
-      </p:grpSpPr>
-      <p:sp>
-        <p:nvSpPr>
-          <p:cNvPr id="2" name="Titre 1">
-            <a:extLst>
-              <a:ext uri="{FF2B5EF4-FFF2-40B4-BE49-F238E27FC236}">
-                <a16:creationId xmlns:a16="http://schemas.microsoft.com/office/drawing/2014/main" id="{90162AE8-C1B0-5C56-8313-DEE494F38273}"/>
-              </a:ext>
-            </a:extLst>
-          </p:cNvPr>
-          <p:cNvSpPr>
-            <a:spLocks noGrp="1"/>
-          </p:cNvSpPr>
-          <p:nvPr>
-            <p:ph type="title"/>
-          </p:nvPr>
-        </p:nvSpPr>
-        <p:spPr/>
-        <p:txBody>
-          <a:bodyPr>
-            <a:normAutofit/>
-          </a:bodyPr>
-          <a:lstStyle/>
-          <a:p>
-            <a:r>
-              <a:rPr lang="fr-FR" dirty="0" err="1"/>
-              <a:t>SymPy</a:t>
-            </a:r>
-            <a:r>
-              <a:rPr lang="fr-FR" dirty="0"/>
-              <a:t> pour le calcul formel</a:t>
-            </a:r>
-          </a:p>
-        </p:txBody>
-      </p:sp>
-      <p:sp>
-        <p:nvSpPr>
-          <p:cNvPr id="3" name="Espace réservé du contenu 2">
-            <a:extLst>
-              <a:ext uri="{FF2B5EF4-FFF2-40B4-BE49-F238E27FC236}">
-                <a16:creationId xmlns:a16="http://schemas.microsoft.com/office/drawing/2014/main" id="{E0BBB9DE-019C-C741-F224-494739D4B752}"/>
-              </a:ext>
-            </a:extLst>
-          </p:cNvPr>
-          <p:cNvSpPr>
-            <a:spLocks noGrp="1"/>
-          </p:cNvSpPr>
-          <p:nvPr>
-            <p:ph sz="half" idx="1"/>
-          </p:nvPr>
-        </p:nvSpPr>
-        <p:spPr/>
-        <p:txBody>
-          <a:bodyPr/>
-          <a:lstStyle/>
-          <a:p>
-            <a:r>
-              <a:rPr lang="fr-FR" dirty="0"/>
-              <a:t>Vectoriser une fonction</a:t>
-            </a:r>
-          </a:p>
-        </p:txBody>
-      </p:sp>
-      <p:pic>
-        <p:nvPicPr>
-          <p:cNvPr id="5" name="Image 4" descr="Une image contenant texte&#10;&#10;Description générée automatiquement">
-            <a:extLst>
-              <a:ext uri="{FF2B5EF4-FFF2-40B4-BE49-F238E27FC236}">
-                <a16:creationId xmlns:a16="http://schemas.microsoft.com/office/drawing/2014/main" id="{66D2630B-81F4-A4EB-21BA-8B90CF30BD92}"/>
-              </a:ext>
-            </a:extLst>
-          </p:cNvPr>
-          <p:cNvPicPr>
-            <a:picLocks noChangeAspect="1"/>
-          </p:cNvPicPr>
-          <p:nvPr/>
-        </p:nvPicPr>
-        <p:blipFill>
-          <a:blip r:embed="rId2">
-            <a:extLst>
-              <a:ext uri="{28A0092B-C50C-407E-A947-70E740481C1C}">
-                <a14:useLocalDpi xmlns:a14="http://schemas.microsoft.com/office/drawing/2010/main" val="0"/>
-              </a:ext>
-            </a:extLst>
-          </a:blip>
-          <a:stretch>
-            <a:fillRect/>
-          </a:stretch>
-        </p:blipFill>
-        <p:spPr>
-          <a:xfrm>
-            <a:off x="202922" y="5934456"/>
-            <a:ext cx="1825291" cy="749808"/>
-          </a:xfrm>
-          <a:prstGeom prst="rect">
-            <a:avLst/>
-          </a:prstGeom>
-        </p:spPr>
-      </p:pic>
-      <p:sp>
-        <p:nvSpPr>
-          <p:cNvPr id="4" name="Espace réservé du numéro de diapositive 3">
-            <a:extLst>
-              <a:ext uri="{FF2B5EF4-FFF2-40B4-BE49-F238E27FC236}">
-                <a16:creationId xmlns:a16="http://schemas.microsoft.com/office/drawing/2014/main" id="{F08CDEFC-50F0-4C47-46AC-D28A2807E4F8}"/>
-              </a:ext>
-            </a:extLst>
-          </p:cNvPr>
-          <p:cNvSpPr>
-            <a:spLocks noGrp="1"/>
-          </p:cNvSpPr>
-          <p:nvPr>
-            <p:ph type="sldNum" sz="quarter" idx="12"/>
-          </p:nvPr>
-        </p:nvSpPr>
-        <p:spPr/>
-        <p:txBody>
-          <a:bodyPr/>
-          <a:lstStyle/>
-          <a:p>
-            <a:fld id="{B2DC25EE-239B-4C5F-AAD1-255A7D5F1EE2}" type="slidenum">
-              <a:rPr lang="en-US" smtClean="0"/>
-              <a:t>13</a:t>
-            </a:fld>
-            <a:endParaRPr lang="en-US" dirty="0"/>
-          </a:p>
-        </p:txBody>
-      </p:sp>
-      <p:pic>
-        <p:nvPicPr>
-          <p:cNvPr id="1026" name="Picture 2" descr="SymPy Logo">
-            <a:extLst>
-              <a:ext uri="{FF2B5EF4-FFF2-40B4-BE49-F238E27FC236}">
-                <a16:creationId xmlns:a16="http://schemas.microsoft.com/office/drawing/2014/main" id="{6F826F4C-FC0E-452A-4FE2-7AD4240C9A6B}"/>
-              </a:ext>
-            </a:extLst>
-          </p:cNvPr>
-          <p:cNvPicPr>
-            <a:picLocks noChangeAspect="1" noChangeArrowheads="1"/>
-          </p:cNvPicPr>
-          <p:nvPr/>
-        </p:nvPicPr>
-        <p:blipFill>
-          <a:blip r:embed="rId3">
-            <a:extLst>
-              <a:ext uri="{28A0092B-C50C-407E-A947-70E740481C1C}">
-                <a14:useLocalDpi xmlns:a14="http://schemas.microsoft.com/office/drawing/2010/main" val="0"/>
-              </a:ext>
-            </a:extLst>
-          </a:blip>
-          <a:srcRect/>
-          <a:stretch>
-            <a:fillRect/>
-          </a:stretch>
-        </p:blipFill>
-        <p:spPr bwMode="auto">
-          <a:xfrm>
-            <a:off x="9915213" y="655319"/>
-            <a:ext cx="915348" cy="613283"/>
-          </a:xfrm>
-          <a:prstGeom prst="rect">
-            <a:avLst/>
-          </a:prstGeom>
-          <a:noFill/>
-          <a:extLst>
-            <a:ext uri="{909E8E84-426E-40DD-AFC4-6F175D3DCCD1}">
-              <a14:hiddenFill xmlns:a14="http://schemas.microsoft.com/office/drawing/2010/main">
-                <a:solidFill>
-                  <a:srgbClr val="FFFFFF"/>
-                </a:solidFill>
-              </a14:hiddenFill>
-            </a:ext>
-          </a:extLst>
-        </p:spPr>
-      </p:pic>
-      <p:sp>
-        <p:nvSpPr>
-          <p:cNvPr id="7" name="ZoneTexte 6">
-            <a:extLst>
-              <a:ext uri="{FF2B5EF4-FFF2-40B4-BE49-F238E27FC236}">
-                <a16:creationId xmlns:a16="http://schemas.microsoft.com/office/drawing/2014/main" id="{F0FBF19C-22B5-76E5-0F93-DF8BB4A2F385}"/>
-              </a:ext>
-            </a:extLst>
-          </p:cNvPr>
-          <p:cNvSpPr txBox="1"/>
-          <p:nvPr/>
-        </p:nvSpPr>
-        <p:spPr>
-          <a:xfrm>
-            <a:off x="822960" y="3302376"/>
-            <a:ext cx="4765173" cy="646331"/>
-          </a:xfrm>
-          <a:prstGeom prst="rect">
-            <a:avLst/>
-          </a:prstGeom>
-          <a:solidFill>
-            <a:schemeClr val="accent1">
-              <a:lumMod val="40000"/>
-              <a:lumOff val="60000"/>
-            </a:schemeClr>
-          </a:solidFill>
-        </p:spPr>
-        <p:txBody>
-          <a:bodyPr wrap="square" rtlCol="0">
-            <a:spAutoFit/>
-          </a:bodyPr>
-          <a:lstStyle/>
-          <a:p>
-            <a:r>
-              <a:rPr lang="fr-FR" dirty="0"/>
-              <a:t>g </a:t>
-            </a:r>
-            <a:r>
-              <a:rPr lang="fr-FR" b="1" dirty="0"/>
-              <a:t>=</a:t>
-            </a:r>
-            <a:r>
-              <a:rPr lang="fr-FR" dirty="0"/>
-              <a:t> </a:t>
-            </a:r>
-            <a:r>
-              <a:rPr lang="fr-FR" dirty="0" err="1"/>
-              <a:t>sympy.</a:t>
-            </a:r>
-            <a:r>
-              <a:rPr lang="fr-FR" b="1" dirty="0" err="1"/>
-              <a:t>Function</a:t>
-            </a:r>
-            <a:r>
-              <a:rPr lang="fr-FR" dirty="0"/>
-              <a:t>('g')</a:t>
-            </a:r>
-          </a:p>
-          <a:p>
-            <a:r>
-              <a:rPr lang="fr-FR" dirty="0"/>
-              <a:t>g </a:t>
-            </a:r>
-            <a:r>
-              <a:rPr lang="fr-FR" b="1" dirty="0"/>
-              <a:t>=</a:t>
-            </a:r>
-            <a:r>
-              <a:rPr lang="fr-FR" dirty="0"/>
-              <a:t> </a:t>
-            </a:r>
-            <a:r>
-              <a:rPr lang="fr-FR" dirty="0" err="1"/>
-              <a:t>sympy.</a:t>
-            </a:r>
-            <a:r>
-              <a:rPr lang="fr-FR" b="1" dirty="0" err="1"/>
-              <a:t>sin</a:t>
-            </a:r>
-            <a:r>
-              <a:rPr lang="fr-FR" dirty="0"/>
-              <a:t>(x/2 + </a:t>
-            </a:r>
-            <a:r>
-              <a:rPr lang="fr-FR" dirty="0" err="1"/>
-              <a:t>sympy.</a:t>
-            </a:r>
-            <a:r>
-              <a:rPr lang="fr-FR" b="1" dirty="0" err="1"/>
-              <a:t>sin</a:t>
-            </a:r>
-            <a:r>
-              <a:rPr lang="fr-FR" dirty="0"/>
-              <a:t>(x))</a:t>
-            </a:r>
-          </a:p>
-        </p:txBody>
-      </p:sp>
-      <p:pic>
-        <p:nvPicPr>
-          <p:cNvPr id="2051" name="Picture 3">
-            <a:extLst>
-              <a:ext uri="{FF2B5EF4-FFF2-40B4-BE49-F238E27FC236}">
-                <a16:creationId xmlns:a16="http://schemas.microsoft.com/office/drawing/2014/main" id="{3BB5514F-6568-D4F1-89C4-C79629C862E1}"/>
-              </a:ext>
-            </a:extLst>
-          </p:cNvPr>
-          <p:cNvPicPr>
-            <a:picLocks noChangeAspect="1" noChangeArrowheads="1"/>
-          </p:cNvPicPr>
-          <p:nvPr/>
-        </p:nvPicPr>
-        <p:blipFill>
-          <a:blip r:embed="rId4">
-            <a:extLst>
-              <a:ext uri="{28A0092B-C50C-407E-A947-70E740481C1C}">
-                <a14:useLocalDpi xmlns:a14="http://schemas.microsoft.com/office/drawing/2010/main" val="0"/>
-              </a:ext>
-            </a:extLst>
-          </a:blip>
-          <a:srcRect/>
-          <a:stretch>
-            <a:fillRect/>
-          </a:stretch>
-        </p:blipFill>
-        <p:spPr bwMode="auto">
-          <a:xfrm>
-            <a:off x="11422935" y="1728216"/>
-            <a:ext cx="449659" cy="523240"/>
-          </a:xfrm>
-          <a:prstGeom prst="rect">
-            <a:avLst/>
-          </a:prstGeom>
-          <a:noFill/>
-          <a:extLst>
-            <a:ext uri="{909E8E84-426E-40DD-AFC4-6F175D3DCCD1}">
-              <a14:hiddenFill xmlns:a14="http://schemas.microsoft.com/office/drawing/2010/main">
-                <a:solidFill>
-                  <a:srgbClr val="FFFFFF"/>
-                </a:solidFill>
-              </a14:hiddenFill>
-            </a:ext>
-          </a:extLst>
-        </p:spPr>
-      </p:pic>
-      <p:pic>
-        <p:nvPicPr>
-          <p:cNvPr id="9" name="Picture 8" descr="Résultat de recherche d'images pour &quot;spyder logo&quot;">
-            <a:extLst>
-              <a:ext uri="{FF2B5EF4-FFF2-40B4-BE49-F238E27FC236}">
-                <a16:creationId xmlns:a16="http://schemas.microsoft.com/office/drawing/2014/main" id="{187FEACF-67EE-A272-3578-9298FD1503B1}"/>
-              </a:ext>
-            </a:extLst>
-          </p:cNvPr>
-          <p:cNvPicPr>
-            <a:picLocks noChangeAspect="1" noChangeArrowheads="1"/>
-          </p:cNvPicPr>
-          <p:nvPr/>
-        </p:nvPicPr>
-        <p:blipFill>
-          <a:blip r:embed="rId5">
-            <a:extLst>
-              <a:ext uri="{28A0092B-C50C-407E-A947-70E740481C1C}">
-                <a14:useLocalDpi xmlns:a14="http://schemas.microsoft.com/office/drawing/2010/main" val="0"/>
-              </a:ext>
-            </a:extLst>
-          </a:blip>
-          <a:srcRect/>
-          <a:stretch>
-            <a:fillRect/>
-          </a:stretch>
-        </p:blipFill>
-        <p:spPr bwMode="auto">
-          <a:xfrm>
-            <a:off x="10162526" y="1757291"/>
-            <a:ext cx="947620" cy="473810"/>
-          </a:xfrm>
-          <a:prstGeom prst="rect">
-            <a:avLst/>
-          </a:prstGeom>
-          <a:noFill/>
-          <a:extLst>
-            <a:ext uri="{909E8E84-426E-40DD-AFC4-6F175D3DCCD1}">
-              <a14:hiddenFill xmlns:a14="http://schemas.microsoft.com/office/drawing/2010/main">
-                <a:solidFill>
-                  <a:srgbClr val="FFFFFF"/>
-                </a:solidFill>
-              </a14:hiddenFill>
-            </a:ext>
-          </a:extLst>
-        </p:spPr>
-      </p:pic>
-      <p:sp>
-        <p:nvSpPr>
-          <p:cNvPr id="12" name="ZoneTexte 11">
-            <a:extLst>
-              <a:ext uri="{FF2B5EF4-FFF2-40B4-BE49-F238E27FC236}">
-                <a16:creationId xmlns:a16="http://schemas.microsoft.com/office/drawing/2014/main" id="{82BBDB35-4A80-870B-62F7-B2E5829B4FC3}"/>
-              </a:ext>
-            </a:extLst>
-          </p:cNvPr>
-          <p:cNvSpPr txBox="1"/>
-          <p:nvPr/>
-        </p:nvSpPr>
-        <p:spPr>
-          <a:xfrm>
-            <a:off x="822959" y="4083679"/>
-            <a:ext cx="4765173" cy="1200329"/>
-          </a:xfrm>
-          <a:prstGeom prst="rect">
-            <a:avLst/>
-          </a:prstGeom>
-          <a:solidFill>
-            <a:schemeClr val="accent1">
-              <a:lumMod val="40000"/>
-              <a:lumOff val="60000"/>
-            </a:schemeClr>
-          </a:solidFill>
-        </p:spPr>
-        <p:txBody>
-          <a:bodyPr wrap="square" rtlCol="0">
-            <a:spAutoFit/>
-          </a:bodyPr>
-          <a:lstStyle/>
-          <a:p>
-            <a:r>
-              <a:rPr lang="fr-FR" dirty="0" err="1"/>
-              <a:t>xlin</a:t>
-            </a:r>
-            <a:r>
-              <a:rPr lang="fr-FR" dirty="0"/>
-              <a:t> </a:t>
-            </a:r>
-            <a:r>
-              <a:rPr lang="fr-FR" b="1" dirty="0"/>
-              <a:t>=</a:t>
-            </a:r>
-            <a:r>
-              <a:rPr lang="fr-FR" dirty="0"/>
-              <a:t> </a:t>
-            </a:r>
-            <a:r>
-              <a:rPr lang="fr-FR" dirty="0" err="1"/>
-              <a:t>np.</a:t>
-            </a:r>
-            <a:r>
-              <a:rPr lang="fr-FR" b="1" dirty="0" err="1"/>
-              <a:t>linspace</a:t>
-            </a:r>
-            <a:r>
-              <a:rPr lang="fr-FR" dirty="0"/>
-              <a:t>(-</a:t>
-            </a:r>
-            <a:r>
-              <a:rPr lang="fr-FR" dirty="0" err="1"/>
-              <a:t>np.</a:t>
-            </a:r>
-            <a:r>
-              <a:rPr lang="fr-FR" b="1" dirty="0" err="1"/>
-              <a:t>pi</a:t>
-            </a:r>
-            <a:r>
-              <a:rPr lang="fr-FR" dirty="0"/>
-              <a:t>, </a:t>
-            </a:r>
-            <a:r>
-              <a:rPr lang="fr-FR" dirty="0" err="1"/>
-              <a:t>np.</a:t>
-            </a:r>
-            <a:r>
-              <a:rPr lang="fr-FR" b="1" dirty="0" err="1"/>
-              <a:t>pi</a:t>
-            </a:r>
-            <a:r>
-              <a:rPr lang="fr-FR" dirty="0"/>
-              <a:t>, 21)</a:t>
-            </a:r>
-          </a:p>
-          <a:p>
-            <a:endParaRPr lang="fr-FR" dirty="0"/>
-          </a:p>
-          <a:p>
-            <a:r>
-              <a:rPr lang="fr-FR" dirty="0" err="1"/>
-              <a:t>result</a:t>
-            </a:r>
-            <a:r>
-              <a:rPr lang="fr-FR" dirty="0"/>
-              <a:t> </a:t>
-            </a:r>
-            <a:r>
-              <a:rPr lang="fr-FR" b="1" dirty="0"/>
-              <a:t>=</a:t>
-            </a:r>
-            <a:r>
-              <a:rPr lang="fr-FR" dirty="0"/>
-              <a:t> </a:t>
-            </a:r>
-            <a:r>
-              <a:rPr lang="fr-FR" dirty="0" err="1"/>
-              <a:t>g.</a:t>
-            </a:r>
-            <a:r>
-              <a:rPr lang="fr-FR" b="1" dirty="0" err="1"/>
-              <a:t>subs</a:t>
-            </a:r>
-            <a:r>
-              <a:rPr lang="fr-FR" dirty="0"/>
-              <a:t>(x, </a:t>
-            </a:r>
-            <a:r>
-              <a:rPr lang="fr-FR" dirty="0" err="1"/>
-              <a:t>xlin</a:t>
-            </a:r>
-            <a:r>
-              <a:rPr lang="fr-FR" dirty="0"/>
-              <a:t>)</a:t>
-            </a:r>
-          </a:p>
-          <a:p>
-            <a:r>
-              <a:rPr lang="fr-FR" b="1" dirty="0"/>
-              <a:t>display</a:t>
-            </a:r>
-            <a:r>
-              <a:rPr lang="fr-FR" dirty="0"/>
-              <a:t>(</a:t>
-            </a:r>
-            <a:r>
-              <a:rPr lang="fr-FR" dirty="0" err="1"/>
-              <a:t>result</a:t>
-            </a:r>
-            <a:r>
-              <a:rPr lang="fr-FR" dirty="0"/>
-              <a:t>)</a:t>
-            </a:r>
-          </a:p>
-        </p:txBody>
-      </p:sp>
-      <p:sp>
-        <p:nvSpPr>
-          <p:cNvPr id="13" name="ZoneTexte 12">
-            <a:extLst>
-              <a:ext uri="{FF2B5EF4-FFF2-40B4-BE49-F238E27FC236}">
-                <a16:creationId xmlns:a16="http://schemas.microsoft.com/office/drawing/2014/main" id="{DAAB29C5-E0CF-8AD3-567C-F70809069A9F}"/>
-              </a:ext>
-            </a:extLst>
-          </p:cNvPr>
-          <p:cNvSpPr txBox="1"/>
-          <p:nvPr/>
-        </p:nvSpPr>
-        <p:spPr>
-          <a:xfrm>
-            <a:off x="1391036" y="5418980"/>
-            <a:ext cx="4197096" cy="369332"/>
-          </a:xfrm>
-          <a:prstGeom prst="rect">
-            <a:avLst/>
-          </a:prstGeom>
-          <a:solidFill>
-            <a:schemeClr val="accent4">
-              <a:lumMod val="40000"/>
-              <a:lumOff val="60000"/>
-            </a:schemeClr>
-          </a:solidFill>
-        </p:spPr>
-        <p:txBody>
-          <a:bodyPr wrap="square" rtlCol="0">
-            <a:spAutoFit/>
-          </a:bodyPr>
-          <a:lstStyle/>
-          <a:p>
-            <a:r>
-              <a:rPr lang="fr-FR" dirty="0"/>
-              <a:t>???</a:t>
-            </a:r>
-          </a:p>
-        </p:txBody>
-      </p:sp>
-    </p:spTree>
-    <p:extLst>
-      <p:ext uri="{BB962C8B-B14F-4D97-AF65-F5344CB8AC3E}">
-        <p14:creationId xmlns:p14="http://schemas.microsoft.com/office/powerpoint/2010/main" val="1361826688"/>
-      </p:ext>
-    </p:extLst>
-  </p:cSld>
-  <p:clrMapOvr>
-    <a:masterClrMapping/>
-  </p:clrMapOvr>
-</p:sld>
-</file>
-
 <file path=ppt/slides/slide14.xml><?xml version="1.0" encoding="utf-8"?>
 <p:sld xmlns:a="http://schemas.openxmlformats.org/drawingml/2006/main" xmlns:r="http://schemas.openxmlformats.org/officeDocument/2006/relationships" xmlns:p="http://schemas.openxmlformats.org/presentationml/2006/main">
   <p:cSld>
@@ -9978,175 +9899,10 @@
           </a:p>
         </p:txBody>
       </p:sp>
-      <p:sp>
-        <p:nvSpPr>
-          <p:cNvPr id="14" name="ZoneTexte 13">
-            <a:extLst>
-              <a:ext uri="{FF2B5EF4-FFF2-40B4-BE49-F238E27FC236}">
-                <a16:creationId xmlns:a16="http://schemas.microsoft.com/office/drawing/2014/main" id="{5715271A-C19C-F9EC-328A-494EF011B9DE}"/>
-              </a:ext>
-            </a:extLst>
-          </p:cNvPr>
-          <p:cNvSpPr txBox="1"/>
-          <p:nvPr/>
-        </p:nvSpPr>
-        <p:spPr>
-          <a:xfrm>
-            <a:off x="6344973" y="3584949"/>
-            <a:ext cx="4765173" cy="1477328"/>
-          </a:xfrm>
-          <a:prstGeom prst="rect">
-            <a:avLst/>
-          </a:prstGeom>
-          <a:solidFill>
-            <a:schemeClr val="accent1">
-              <a:lumMod val="40000"/>
-              <a:lumOff val="60000"/>
-            </a:schemeClr>
-          </a:solidFill>
-        </p:spPr>
-        <p:txBody>
-          <a:bodyPr wrap="square" rtlCol="0">
-            <a:spAutoFit/>
-          </a:bodyPr>
-          <a:lstStyle/>
-          <a:p>
-            <a:r>
-              <a:rPr lang="en-US" b="1" dirty="0"/>
-              <a:t>from</a:t>
-            </a:r>
-            <a:r>
-              <a:rPr lang="en-US" dirty="0"/>
-              <a:t> </a:t>
-            </a:r>
-            <a:r>
-              <a:rPr lang="en-US" dirty="0" err="1"/>
-              <a:t>sympy.utilities.lambdify</a:t>
-            </a:r>
-            <a:r>
-              <a:rPr lang="en-US" dirty="0"/>
-              <a:t> </a:t>
-            </a:r>
-            <a:r>
-              <a:rPr lang="en-US" b="1" dirty="0"/>
-              <a:t>import</a:t>
-            </a:r>
-            <a:r>
-              <a:rPr lang="en-US" dirty="0"/>
-              <a:t> </a:t>
-            </a:r>
-            <a:r>
-              <a:rPr lang="en-US" dirty="0" err="1"/>
-              <a:t>lambdify</a:t>
-            </a:r>
-            <a:endParaRPr lang="en-US" dirty="0"/>
-          </a:p>
-          <a:p>
-            <a:r>
-              <a:rPr lang="en-US" dirty="0" err="1"/>
-              <a:t>func</a:t>
-            </a:r>
-            <a:r>
-              <a:rPr lang="en-US" dirty="0"/>
-              <a:t> </a:t>
-            </a:r>
-            <a:r>
-              <a:rPr lang="en-US" b="1" dirty="0"/>
-              <a:t>=</a:t>
-            </a:r>
-            <a:r>
-              <a:rPr lang="en-US" dirty="0"/>
-              <a:t> </a:t>
-            </a:r>
-            <a:r>
-              <a:rPr lang="en-US" b="1" dirty="0" err="1"/>
-              <a:t>lambdify</a:t>
-            </a:r>
-            <a:r>
-              <a:rPr lang="en-US" dirty="0"/>
-              <a:t>( [x] , g)</a:t>
-            </a:r>
-          </a:p>
-          <a:p>
-            <a:endParaRPr lang="en-US" dirty="0"/>
-          </a:p>
-          <a:p>
-            <a:r>
-              <a:rPr lang="en-US" dirty="0" err="1"/>
-              <a:t>yres</a:t>
-            </a:r>
-            <a:r>
-              <a:rPr lang="en-US" dirty="0"/>
-              <a:t> </a:t>
-            </a:r>
-            <a:r>
-              <a:rPr lang="en-US" b="1" dirty="0"/>
-              <a:t>= </a:t>
-            </a:r>
-            <a:r>
-              <a:rPr lang="en-US" dirty="0" err="1"/>
-              <a:t>func</a:t>
-            </a:r>
-            <a:r>
-              <a:rPr lang="en-US" dirty="0"/>
-              <a:t>( </a:t>
-            </a:r>
-            <a:r>
-              <a:rPr lang="en-US" dirty="0" err="1"/>
-              <a:t>xlin</a:t>
-            </a:r>
-            <a:r>
-              <a:rPr lang="en-US" dirty="0"/>
-              <a:t> )</a:t>
-            </a:r>
-            <a:endParaRPr lang="fr-FR" dirty="0"/>
-          </a:p>
-        </p:txBody>
-      </p:sp>
-      <p:sp>
-        <p:nvSpPr>
-          <p:cNvPr id="8" name="ZoneTexte 7">
-            <a:extLst>
-              <a:ext uri="{FF2B5EF4-FFF2-40B4-BE49-F238E27FC236}">
-                <a16:creationId xmlns:a16="http://schemas.microsoft.com/office/drawing/2014/main" id="{F2AC3B8B-C127-A91B-9EEB-6E7DC4574F66}"/>
-              </a:ext>
-            </a:extLst>
-          </p:cNvPr>
-          <p:cNvSpPr txBox="1"/>
-          <p:nvPr/>
-        </p:nvSpPr>
-        <p:spPr>
-          <a:xfrm>
-            <a:off x="6913050" y="5166226"/>
-            <a:ext cx="4197096" cy="369332"/>
-          </a:xfrm>
-          <a:prstGeom prst="rect">
-            <a:avLst/>
-          </a:prstGeom>
-          <a:solidFill>
-            <a:schemeClr val="accent4">
-              <a:lumMod val="40000"/>
-              <a:lumOff val="60000"/>
-            </a:schemeClr>
-          </a:solidFill>
-        </p:spPr>
-        <p:txBody>
-          <a:bodyPr wrap="square" rtlCol="0">
-            <a:spAutoFit/>
-          </a:bodyPr>
-          <a:lstStyle/>
-          <a:p>
-            <a:r>
-              <a:rPr lang="fr-FR" dirty="0"/>
-              <a:t>???</a:t>
-            </a:r>
-          </a:p>
-        </p:txBody>
-      </p:sp>
     </p:spTree>
     <p:extLst>
       <p:ext uri="{BB962C8B-B14F-4D97-AF65-F5344CB8AC3E}">
-        <p14:creationId xmlns:p14="http://schemas.microsoft.com/office/powerpoint/2010/main" val="4226087511"/>
+        <p14:creationId xmlns:p14="http://schemas.microsoft.com/office/powerpoint/2010/main" val="1361826688"/>
       </p:ext>
     </p:extLst>
   </p:cSld>
@@ -10223,19 +9979,14 @@
             <p:ph sz="half" idx="1"/>
           </p:nvPr>
         </p:nvSpPr>
-        <p:spPr>
-          <a:xfrm>
-            <a:off x="1115568" y="2478024"/>
-            <a:ext cx="10460736" cy="3694176"/>
-          </a:xfrm>
-        </p:spPr>
+        <p:spPr/>
         <p:txBody>
           <a:bodyPr/>
           <a:lstStyle/>
           <a:p>
             <a:r>
               <a:rPr lang="fr-FR" dirty="0"/>
-              <a:t>Déclarer une expression avec des dérivées</a:t>
+              <a:t>Vectoriser une fonction</a:t>
             </a:r>
           </a:p>
         </p:txBody>
@@ -10387,37 +10138,65 @@
           <a:p>
             <a:r>
               <a:rPr lang="fr-FR" dirty="0"/>
-              <a:t>t, tau = </a:t>
+              <a:t>g </a:t>
+            </a:r>
+            <a:r>
+              <a:rPr lang="fr-FR" b="1" dirty="0"/>
+              <a:t>=</a:t>
+            </a:r>
+            <a:r>
+              <a:rPr lang="fr-FR" dirty="0"/>
+              <a:t> </a:t>
             </a:r>
             <a:r>
               <a:rPr lang="fr-FR" dirty="0" err="1"/>
-              <a:t>sympy.symbols</a:t>
+              <a:t>sympy.</a:t>
+            </a:r>
+            <a:r>
+              <a:rPr lang="fr-FR" b="1" dirty="0" err="1"/>
+              <a:t>Function</a:t>
             </a:r>
             <a:r>
               <a:rPr lang="fr-FR" dirty="0"/>
-              <a:t>('t tau')</a:t>
+              <a:t>('g')</a:t>
             </a:r>
           </a:p>
           <a:p>
             <a:r>
               <a:rPr lang="fr-FR" dirty="0"/>
-              <a:t>vs = </a:t>
+              <a:t>g </a:t>
+            </a:r>
+            <a:r>
+              <a:rPr lang="fr-FR" b="1" dirty="0"/>
+              <a:t>=</a:t>
+            </a:r>
+            <a:r>
+              <a:rPr lang="fr-FR" dirty="0"/>
+              <a:t> </a:t>
             </a:r>
             <a:r>
               <a:rPr lang="fr-FR" dirty="0" err="1"/>
-              <a:t>sympy.Function</a:t>
+              <a:t>sympy.</a:t>
+            </a:r>
+            <a:r>
+              <a:rPr lang="fr-FR" b="1" dirty="0" err="1"/>
+              <a:t>sin</a:t>
             </a:r>
             <a:r>
               <a:rPr lang="fr-FR" dirty="0"/>
-              <a:t>('</a:t>
+              <a:t>(x/2 + </a:t>
             </a:r>
             <a:r>
               <a:rPr lang="fr-FR" dirty="0" err="1"/>
-              <a:t>V_s</a:t>
+              <a:t>sympy.</a:t>
+            </a:r>
+            <a:r>
+              <a:rPr lang="fr-FR" b="1" dirty="0" err="1"/>
+              <a:t>sin</a:t>
             </a:r>
             <a:r>
               <a:rPr lang="fr-FR" dirty="0"/>
-              <a:t>')(t)</a:t>
+              <a:t>(x))</a:t>
             </a:r>
           </a:p>
         </p:txBody>
@@ -10471,10 +10250,10 @@
       </p:pic>
       <p:pic>
         <p:nvPicPr>
-          <p:cNvPr id="6" name="Picture 8" descr="Résultat de recherche d'images pour &quot;spyder logo&quot;">
-            <a:extLst>
-              <a:ext uri="{FF2B5EF4-FFF2-40B4-BE49-F238E27FC236}">
-                <a16:creationId xmlns:a16="http://schemas.microsoft.com/office/drawing/2014/main" id="{15EF5648-F6C6-A818-2130-8F02900DDFE1}"/>
+          <p:cNvPr id="9" name="Picture 8" descr="Résultat de recherche d'images pour &quot;spyder logo&quot;">
+            <a:extLst>
+              <a:ext uri="{FF2B5EF4-FFF2-40B4-BE49-F238E27FC236}">
+                <a16:creationId xmlns:a16="http://schemas.microsoft.com/office/drawing/2014/main" id="{187FEACF-67EE-A272-3578-9298FD1503B1}"/>
               </a:ext>
             </a:extLst>
           </p:cNvPr>
@@ -10518,10 +10297,10 @@
       </p:pic>
       <p:sp>
         <p:nvSpPr>
-          <p:cNvPr id="8" name="ZoneTexte 7">
-            <a:extLst>
-              <a:ext uri="{FF2B5EF4-FFF2-40B4-BE49-F238E27FC236}">
-                <a16:creationId xmlns:a16="http://schemas.microsoft.com/office/drawing/2014/main" id="{0C31541C-7059-E77F-45EF-8D090E3CF106}"/>
+          <p:cNvPr id="12" name="ZoneTexte 11">
+            <a:extLst>
+              <a:ext uri="{FF2B5EF4-FFF2-40B4-BE49-F238E27FC236}">
+                <a16:creationId xmlns:a16="http://schemas.microsoft.com/office/drawing/2014/main" id="{82BBDB35-4A80-870B-62F7-B2E5829B4FC3}"/>
               </a:ext>
             </a:extLst>
           </p:cNvPr>
@@ -10531,7 +10310,7 @@
         <p:spPr>
           <a:xfrm>
             <a:off x="822959" y="4083679"/>
-            <a:ext cx="4765173" cy="923330"/>
+            <a:ext cx="4765173" cy="1200329"/>
           </a:xfrm>
           <a:prstGeom prst="rect">
             <a:avLst/>
@@ -10551,7 +10330,7 @@
           <a:p>
             <a:r>
               <a:rPr lang="fr-FR" dirty="0" err="1"/>
-              <a:t>dvs</a:t>
+              <a:t>xlin</a:t>
             </a:r>
             <a:r>
               <a:rPr lang="fr-FR" dirty="0"/>
@@ -10567,21 +10346,48 @@
             </a:r>
             <a:r>
               <a:rPr lang="fr-FR" dirty="0" err="1"/>
-              <a:t>sympy.</a:t>
+              <a:t>np.</a:t>
             </a:r>
             <a:r>
               <a:rPr lang="fr-FR" b="1" dirty="0" err="1"/>
-              <a:t>Derivative</a:t>
+              <a:t>linspace</a:t>
             </a:r>
             <a:r>
               <a:rPr lang="fr-FR" dirty="0"/>
-              <a:t>( vs , t ) </a:t>
-            </a:r>
-          </a:p>
-          <a:p>
+              <a:t>(-</a:t>
+            </a:r>
             <a:r>
               <a:rPr lang="fr-FR" dirty="0" err="1"/>
-              <a:t>exp</a:t>
+              <a:t>np.</a:t>
+            </a:r>
+            <a:r>
+              <a:rPr lang="fr-FR" b="1" dirty="0" err="1"/>
+              <a:t>pi</a:t>
+            </a:r>
+            <a:r>
+              <a:rPr lang="fr-FR" dirty="0"/>
+              <a:t>, </a:t>
+            </a:r>
+            <a:r>
+              <a:rPr lang="fr-FR" dirty="0" err="1"/>
+              <a:t>np.</a:t>
+            </a:r>
+            <a:r>
+              <a:rPr lang="fr-FR" b="1" dirty="0" err="1"/>
+              <a:t>pi</a:t>
+            </a:r>
+            <a:r>
+              <a:rPr lang="fr-FR" dirty="0"/>
+              <a:t>, 21)</a:t>
+            </a:r>
+          </a:p>
+          <a:p>
+            <a:endParaRPr lang="fr-FR" dirty="0"/>
+          </a:p>
+          <a:p>
+            <a:r>
+              <a:rPr lang="fr-FR" dirty="0" err="1"/>
+              <a:t>result</a:t>
             </a:r>
             <a:r>
               <a:rPr lang="fr-FR" dirty="0"/>
@@ -10593,13 +10399,28 @@
             </a:r>
             <a:r>
               <a:rPr lang="fr-FR" dirty="0"/>
-              <a:t> vs + tau * </a:t>
+              <a:t> </a:t>
             </a:r>
             <a:r>
               <a:rPr lang="fr-FR" dirty="0" err="1"/>
-              <a:t>dvs</a:t>
-            </a:r>
-            <a:endParaRPr lang="fr-FR" dirty="0"/>
+              <a:t>g.</a:t>
+            </a:r>
+            <a:r>
+              <a:rPr lang="fr-FR" b="1" dirty="0" err="1"/>
+              <a:t>subs</a:t>
+            </a:r>
+            <a:r>
+              <a:rPr lang="fr-FR" dirty="0"/>
+              <a:t>(x, </a:t>
+            </a:r>
+            <a:r>
+              <a:rPr lang="fr-FR" dirty="0" err="1"/>
+              <a:t>xlin</a:t>
+            </a:r>
+            <a:r>
+              <a:rPr lang="fr-FR" dirty="0"/>
+              <a:t>)</a:t>
+            </a:r>
           </a:p>
           <a:p>
             <a:r>
@@ -10608,25 +10429,25 @@
             </a:r>
             <a:r>
               <a:rPr lang="fr-FR" dirty="0"/>
-              <a:t>( </a:t>
+              <a:t>(</a:t>
             </a:r>
             <a:r>
               <a:rPr lang="fr-FR" dirty="0" err="1"/>
-              <a:t>exp</a:t>
+              <a:t>result</a:t>
             </a:r>
             <a:r>
               <a:rPr lang="fr-FR" dirty="0"/>
-              <a:t> )</a:t>
-            </a:r>
-          </a:p>
-        </p:txBody>
-      </p:sp>
-      <p:sp>
-        <p:nvSpPr>
-          <p:cNvPr id="9" name="ZoneTexte 8">
-            <a:extLst>
-              <a:ext uri="{FF2B5EF4-FFF2-40B4-BE49-F238E27FC236}">
-                <a16:creationId xmlns:a16="http://schemas.microsoft.com/office/drawing/2014/main" id="{17A91F7C-A8E1-773C-9ED3-B6A99AE652F7}"/>
+              <a:t>)</a:t>
+            </a:r>
+          </a:p>
+        </p:txBody>
+      </p:sp>
+      <p:sp>
+        <p:nvSpPr>
+          <p:cNvPr id="13" name="ZoneTexte 12">
+            <a:extLst>
+              <a:ext uri="{FF2B5EF4-FFF2-40B4-BE49-F238E27FC236}">
+                <a16:creationId xmlns:a16="http://schemas.microsoft.com/office/drawing/2014/main" id="{DAAB29C5-E0CF-8AD3-567C-F70809069A9F}"/>
               </a:ext>
             </a:extLst>
           </p:cNvPr>
@@ -10635,7 +10456,7 @@
         </p:nvSpPr>
         <p:spPr>
           <a:xfrm>
-            <a:off x="1391036" y="5101400"/>
+            <a:off x="1391036" y="5418980"/>
             <a:ext cx="4197096" cy="369332"/>
           </a:xfrm>
           <a:prstGeom prst="rect">
@@ -10661,10 +10482,175 @@
           </a:p>
         </p:txBody>
       </p:sp>
+      <p:sp>
+        <p:nvSpPr>
+          <p:cNvPr id="14" name="ZoneTexte 13">
+            <a:extLst>
+              <a:ext uri="{FF2B5EF4-FFF2-40B4-BE49-F238E27FC236}">
+                <a16:creationId xmlns:a16="http://schemas.microsoft.com/office/drawing/2014/main" id="{5715271A-C19C-F9EC-328A-494EF011B9DE}"/>
+              </a:ext>
+            </a:extLst>
+          </p:cNvPr>
+          <p:cNvSpPr txBox="1"/>
+          <p:nvPr/>
+        </p:nvSpPr>
+        <p:spPr>
+          <a:xfrm>
+            <a:off x="6344973" y="3584949"/>
+            <a:ext cx="4765173" cy="1477328"/>
+          </a:xfrm>
+          <a:prstGeom prst="rect">
+            <a:avLst/>
+          </a:prstGeom>
+          <a:solidFill>
+            <a:schemeClr val="accent1">
+              <a:lumMod val="40000"/>
+              <a:lumOff val="60000"/>
+            </a:schemeClr>
+          </a:solidFill>
+        </p:spPr>
+        <p:txBody>
+          <a:bodyPr wrap="square" rtlCol="0">
+            <a:spAutoFit/>
+          </a:bodyPr>
+          <a:lstStyle/>
+          <a:p>
+            <a:r>
+              <a:rPr lang="en-US" b="1" dirty="0"/>
+              <a:t>from</a:t>
+            </a:r>
+            <a:r>
+              <a:rPr lang="en-US" dirty="0"/>
+              <a:t> </a:t>
+            </a:r>
+            <a:r>
+              <a:rPr lang="en-US" dirty="0" err="1"/>
+              <a:t>sympy.utilities.lambdify</a:t>
+            </a:r>
+            <a:r>
+              <a:rPr lang="en-US" dirty="0"/>
+              <a:t> </a:t>
+            </a:r>
+            <a:r>
+              <a:rPr lang="en-US" b="1" dirty="0"/>
+              <a:t>import</a:t>
+            </a:r>
+            <a:r>
+              <a:rPr lang="en-US" dirty="0"/>
+              <a:t> </a:t>
+            </a:r>
+            <a:r>
+              <a:rPr lang="en-US" dirty="0" err="1"/>
+              <a:t>lambdify</a:t>
+            </a:r>
+            <a:endParaRPr lang="en-US" dirty="0"/>
+          </a:p>
+          <a:p>
+            <a:r>
+              <a:rPr lang="en-US" dirty="0" err="1"/>
+              <a:t>func</a:t>
+            </a:r>
+            <a:r>
+              <a:rPr lang="en-US" dirty="0"/>
+              <a:t> </a:t>
+            </a:r>
+            <a:r>
+              <a:rPr lang="en-US" b="1" dirty="0"/>
+              <a:t>=</a:t>
+            </a:r>
+            <a:r>
+              <a:rPr lang="en-US" dirty="0"/>
+              <a:t> </a:t>
+            </a:r>
+            <a:r>
+              <a:rPr lang="en-US" b="1" dirty="0" err="1"/>
+              <a:t>lambdify</a:t>
+            </a:r>
+            <a:r>
+              <a:rPr lang="en-US" dirty="0"/>
+              <a:t>( [x] , g)</a:t>
+            </a:r>
+          </a:p>
+          <a:p>
+            <a:endParaRPr lang="en-US" dirty="0"/>
+          </a:p>
+          <a:p>
+            <a:r>
+              <a:rPr lang="en-US" dirty="0" err="1"/>
+              <a:t>yres</a:t>
+            </a:r>
+            <a:r>
+              <a:rPr lang="en-US" dirty="0"/>
+              <a:t> </a:t>
+            </a:r>
+            <a:r>
+              <a:rPr lang="en-US" b="1" dirty="0"/>
+              <a:t>= </a:t>
+            </a:r>
+            <a:r>
+              <a:rPr lang="en-US" dirty="0" err="1"/>
+              <a:t>func</a:t>
+            </a:r>
+            <a:r>
+              <a:rPr lang="en-US" dirty="0"/>
+              <a:t>( </a:t>
+            </a:r>
+            <a:r>
+              <a:rPr lang="en-US" dirty="0" err="1"/>
+              <a:t>xlin</a:t>
+            </a:r>
+            <a:r>
+              <a:rPr lang="en-US" dirty="0"/>
+              <a:t> )</a:t>
+            </a:r>
+            <a:endParaRPr lang="fr-FR" dirty="0"/>
+          </a:p>
+        </p:txBody>
+      </p:sp>
+      <p:sp>
+        <p:nvSpPr>
+          <p:cNvPr id="8" name="ZoneTexte 7">
+            <a:extLst>
+              <a:ext uri="{FF2B5EF4-FFF2-40B4-BE49-F238E27FC236}">
+                <a16:creationId xmlns:a16="http://schemas.microsoft.com/office/drawing/2014/main" id="{F2AC3B8B-C127-A91B-9EEB-6E7DC4574F66}"/>
+              </a:ext>
+            </a:extLst>
+          </p:cNvPr>
+          <p:cNvSpPr txBox="1"/>
+          <p:nvPr/>
+        </p:nvSpPr>
+        <p:spPr>
+          <a:xfrm>
+            <a:off x="6913050" y="5166226"/>
+            <a:ext cx="4197096" cy="369332"/>
+          </a:xfrm>
+          <a:prstGeom prst="rect">
+            <a:avLst/>
+          </a:prstGeom>
+          <a:solidFill>
+            <a:schemeClr val="accent4">
+              <a:lumMod val="40000"/>
+              <a:lumOff val="60000"/>
+            </a:schemeClr>
+          </a:solidFill>
+        </p:spPr>
+        <p:txBody>
+          <a:bodyPr wrap="square" rtlCol="0">
+            <a:spAutoFit/>
+          </a:bodyPr>
+          <a:lstStyle/>
+          <a:p>
+            <a:r>
+              <a:rPr lang="fr-FR" dirty="0"/>
+              <a:t>???</a:t>
+            </a:r>
+          </a:p>
+        </p:txBody>
+      </p:sp>
     </p:spTree>
     <p:extLst>
       <p:ext uri="{BB962C8B-B14F-4D97-AF65-F5344CB8AC3E}">
-        <p14:creationId xmlns:p14="http://schemas.microsoft.com/office/powerpoint/2010/main" val="115123252"/>
+        <p14:creationId xmlns:p14="http://schemas.microsoft.com/office/powerpoint/2010/main" val="4226087511"/>
       </p:ext>
     </p:extLst>
   </p:cSld>
@@ -10741,14 +10727,19 @@
             <p:ph sz="half" idx="1"/>
           </p:nvPr>
         </p:nvSpPr>
-        <p:spPr/>
+        <p:spPr>
+          <a:xfrm>
+            <a:off x="1115568" y="2478024"/>
+            <a:ext cx="10460736" cy="3694176"/>
+          </a:xfrm>
+        </p:spPr>
         <p:txBody>
           <a:bodyPr/>
           <a:lstStyle/>
           <a:p>
             <a:r>
               <a:rPr lang="fr-FR" dirty="0"/>
-              <a:t>Calculer des limites</a:t>
+              <a:t>Déclarer une expression avec des dérivées</a:t>
             </a:r>
           </a:p>
         </p:txBody>
@@ -10880,7 +10871,7 @@
         <p:spPr>
           <a:xfrm>
             <a:off x="822960" y="3302376"/>
-            <a:ext cx="4765173" cy="923330"/>
+            <a:ext cx="4765173" cy="646331"/>
           </a:xfrm>
           <a:prstGeom prst="rect">
             <a:avLst/>
@@ -10900,83 +10891,37 @@
           <a:p>
             <a:r>
               <a:rPr lang="fr-FR" dirty="0"/>
-              <a:t>g </a:t>
-            </a:r>
-            <a:r>
-              <a:rPr lang="fr-FR" b="1" dirty="0"/>
-              <a:t>=</a:t>
+              <a:t>t, tau = </a:t>
+            </a:r>
+            <a:r>
+              <a:rPr lang="fr-FR" dirty="0" err="1"/>
+              <a:t>sympy.symbols</a:t>
             </a:r>
             <a:r>
               <a:rPr lang="fr-FR" dirty="0"/>
-              <a:t> </a:t>
-            </a:r>
-            <a:r>
-              <a:rPr lang="fr-FR" i="1" dirty="0" err="1"/>
-              <a:t>sympy</a:t>
+              <a:t>('t tau')</a:t>
+            </a:r>
+          </a:p>
+          <a:p>
+            <a:r>
+              <a:rPr lang="fr-FR" dirty="0"/>
+              <a:t>vs = </a:t>
             </a:r>
             <a:r>
               <a:rPr lang="fr-FR" dirty="0" err="1"/>
-              <a:t>.</a:t>
-            </a:r>
-            <a:r>
-              <a:rPr lang="fr-FR" b="1" dirty="0" err="1"/>
-              <a:t>Function</a:t>
+              <a:t>sympy.Function</a:t>
             </a:r>
             <a:r>
               <a:rPr lang="fr-FR" dirty="0"/>
-              <a:t>('g’)(x)</a:t>
-            </a:r>
-          </a:p>
-          <a:p>
+              <a:t>('</a:t>
+            </a:r>
+            <a:r>
+              <a:rPr lang="fr-FR" dirty="0" err="1"/>
+              <a:t>V_s</a:t>
+            </a:r>
             <a:r>
               <a:rPr lang="fr-FR" dirty="0"/>
-              <a:t>g </a:t>
-            </a:r>
-            <a:r>
-              <a:rPr lang="fr-FR" b="1" dirty="0"/>
-              <a:t>=</a:t>
-            </a:r>
-            <a:r>
-              <a:rPr lang="fr-FR" dirty="0"/>
-              <a:t> </a:t>
-            </a:r>
-            <a:r>
-              <a:rPr lang="fr-FR" i="1" dirty="0" err="1"/>
-              <a:t>sympy</a:t>
-            </a:r>
-            <a:r>
-              <a:rPr lang="fr-FR" dirty="0" err="1"/>
-              <a:t>.</a:t>
-            </a:r>
-            <a:r>
-              <a:rPr lang="fr-FR" b="1" dirty="0" err="1"/>
-              <a:t>sin</a:t>
-            </a:r>
-            <a:r>
-              <a:rPr lang="fr-FR" dirty="0"/>
-              <a:t>(x/2 + </a:t>
-            </a:r>
-            <a:r>
-              <a:rPr lang="fr-FR" i="1" dirty="0" err="1"/>
-              <a:t>sympy</a:t>
-            </a:r>
-            <a:r>
-              <a:rPr lang="fr-FR" dirty="0" err="1"/>
-              <a:t>.</a:t>
-            </a:r>
-            <a:r>
-              <a:rPr lang="fr-FR" b="1" dirty="0" err="1"/>
-              <a:t>sin</a:t>
-            </a:r>
-            <a:r>
-              <a:rPr lang="fr-FR" dirty="0"/>
-              <a:t>(x))</a:t>
-            </a:r>
-          </a:p>
-          <a:p>
-            <a:r>
-              <a:rPr lang="fr-FR" dirty="0"/>
-              <a:t>g</a:t>
+              <a:t>')(t)</a:t>
             </a:r>
           </a:p>
         </p:txBody>
@@ -11028,375 +10973,12 @@
           </a:extLst>
         </p:spPr>
       </p:pic>
-      <p:sp>
-        <p:nvSpPr>
-          <p:cNvPr id="6" name="ZoneTexte 5">
-            <a:extLst>
-              <a:ext uri="{FF2B5EF4-FFF2-40B4-BE49-F238E27FC236}">
-                <a16:creationId xmlns:a16="http://schemas.microsoft.com/office/drawing/2014/main" id="{AEFD5A99-E3CF-2C1C-8E83-C187FF550E65}"/>
-              </a:ext>
-            </a:extLst>
-          </p:cNvPr>
-          <p:cNvSpPr txBox="1"/>
-          <p:nvPr/>
-        </p:nvSpPr>
-        <p:spPr>
-          <a:xfrm>
-            <a:off x="822959" y="4372625"/>
-            <a:ext cx="4765173" cy="646331"/>
-          </a:xfrm>
-          <a:prstGeom prst="rect">
-            <a:avLst/>
-          </a:prstGeom>
-          <a:solidFill>
-            <a:schemeClr val="accent1">
-              <a:lumMod val="40000"/>
-              <a:lumOff val="60000"/>
-            </a:schemeClr>
-          </a:solidFill>
-        </p:spPr>
-        <p:txBody>
-          <a:bodyPr wrap="square" rtlCol="0">
-            <a:spAutoFit/>
-          </a:bodyPr>
-          <a:lstStyle/>
-          <a:p>
-            <a:r>
-              <a:rPr lang="fr-FR" dirty="0"/>
-              <a:t>lg </a:t>
-            </a:r>
-            <a:r>
-              <a:rPr lang="fr-FR" b="1" dirty="0"/>
-              <a:t>=</a:t>
-            </a:r>
-            <a:r>
-              <a:rPr lang="fr-FR" dirty="0"/>
-              <a:t> </a:t>
-            </a:r>
-            <a:r>
-              <a:rPr lang="fr-FR" i="1" dirty="0" err="1"/>
-              <a:t>sympy</a:t>
-            </a:r>
-            <a:r>
-              <a:rPr lang="fr-FR" dirty="0" err="1"/>
-              <a:t>.</a:t>
-            </a:r>
-            <a:r>
-              <a:rPr lang="fr-FR" b="1" dirty="0" err="1"/>
-              <a:t>limit</a:t>
-            </a:r>
-            <a:r>
-              <a:rPr lang="fr-FR" dirty="0"/>
-              <a:t>(g, x, </a:t>
-            </a:r>
-            <a:r>
-              <a:rPr lang="fr-FR" i="1" dirty="0" err="1"/>
-              <a:t>sympy</a:t>
-            </a:r>
-            <a:r>
-              <a:rPr lang="fr-FR" dirty="0" err="1"/>
-              <a:t>.</a:t>
-            </a:r>
-            <a:r>
-              <a:rPr lang="fr-FR" b="1" dirty="0" err="1"/>
-              <a:t>pi</a:t>
-            </a:r>
-            <a:r>
-              <a:rPr lang="fr-FR" dirty="0"/>
-              <a:t>)</a:t>
-            </a:r>
-          </a:p>
-          <a:p>
-            <a:r>
-              <a:rPr lang="fr-FR" dirty="0"/>
-              <a:t>lg</a:t>
-            </a:r>
-          </a:p>
-        </p:txBody>
-      </p:sp>
-      <p:sp>
-        <p:nvSpPr>
-          <p:cNvPr id="11" name="ZoneTexte 10">
-            <a:extLst>
-              <a:ext uri="{FF2B5EF4-FFF2-40B4-BE49-F238E27FC236}">
-                <a16:creationId xmlns:a16="http://schemas.microsoft.com/office/drawing/2014/main" id="{749C4619-CBA7-331E-98D1-87CB9CB976E1}"/>
-              </a:ext>
-            </a:extLst>
-          </p:cNvPr>
-          <p:cNvSpPr txBox="1"/>
-          <p:nvPr/>
-        </p:nvSpPr>
-        <p:spPr>
-          <a:xfrm>
-            <a:off x="6345936" y="3302376"/>
-            <a:ext cx="4765173" cy="1200329"/>
-          </a:xfrm>
-          <a:prstGeom prst="rect">
-            <a:avLst/>
-          </a:prstGeom>
-          <a:solidFill>
-            <a:schemeClr val="accent1">
-              <a:lumMod val="40000"/>
-              <a:lumOff val="60000"/>
-            </a:schemeClr>
-          </a:solidFill>
-        </p:spPr>
-        <p:txBody>
-          <a:bodyPr wrap="square" rtlCol="0">
-            <a:spAutoFit/>
-          </a:bodyPr>
-          <a:lstStyle/>
-          <a:p>
-            <a:r>
-              <a:rPr lang="fr-FR" dirty="0"/>
-              <a:t>h </a:t>
-            </a:r>
-            <a:r>
-              <a:rPr lang="fr-FR" b="1" dirty="0"/>
-              <a:t>=</a:t>
-            </a:r>
-            <a:r>
-              <a:rPr lang="fr-FR" dirty="0"/>
-              <a:t> 2*</a:t>
-            </a:r>
-            <a:r>
-              <a:rPr lang="fr-FR" i="1" dirty="0" err="1"/>
-              <a:t>sympy</a:t>
-            </a:r>
-            <a:r>
-              <a:rPr lang="fr-FR" dirty="0" err="1"/>
-              <a:t>.</a:t>
-            </a:r>
-            <a:r>
-              <a:rPr lang="fr-FR" b="1" dirty="0" err="1"/>
-              <a:t>exp</a:t>
-            </a:r>
-            <a:r>
-              <a:rPr lang="fr-FR" dirty="0"/>
-              <a:t>(1/x)/(</a:t>
-            </a:r>
-            <a:r>
-              <a:rPr lang="fr-FR" i="1" dirty="0" err="1"/>
-              <a:t>sympy</a:t>
-            </a:r>
-            <a:r>
-              <a:rPr lang="fr-FR" dirty="0" err="1"/>
-              <a:t>.</a:t>
-            </a:r>
-            <a:r>
-              <a:rPr lang="fr-FR" b="1" dirty="0" err="1"/>
-              <a:t>exp</a:t>
-            </a:r>
-            <a:r>
-              <a:rPr lang="fr-FR" dirty="0"/>
-              <a:t>(1/x)+1)</a:t>
-            </a:r>
-          </a:p>
-          <a:p>
-            <a:r>
-              <a:rPr lang="fr-FR" dirty="0"/>
-              <a:t>h</a:t>
-            </a:r>
-          </a:p>
-          <a:p>
-            <a:r>
-              <a:rPr lang="fr-FR" dirty="0" err="1"/>
-              <a:t>lhplus</a:t>
-            </a:r>
-            <a:r>
-              <a:rPr lang="fr-FR" dirty="0"/>
-              <a:t> </a:t>
-            </a:r>
-            <a:r>
-              <a:rPr lang="fr-FR" b="1" dirty="0"/>
-              <a:t>=</a:t>
-            </a:r>
-            <a:r>
-              <a:rPr lang="fr-FR" dirty="0"/>
-              <a:t> </a:t>
-            </a:r>
-            <a:r>
-              <a:rPr lang="fr-FR" i="1" dirty="0" err="1"/>
-              <a:t>sympy</a:t>
-            </a:r>
-            <a:r>
-              <a:rPr lang="fr-FR" dirty="0" err="1"/>
-              <a:t>.</a:t>
-            </a:r>
-            <a:r>
-              <a:rPr lang="fr-FR" b="1" dirty="0" err="1"/>
-              <a:t>limit</a:t>
-            </a:r>
-            <a:r>
-              <a:rPr lang="fr-FR" dirty="0"/>
-              <a:t>(h, x, 0, </a:t>
-            </a:r>
-            <a:r>
-              <a:rPr lang="fr-FR" dirty="0" err="1"/>
-              <a:t>dir</a:t>
-            </a:r>
-            <a:r>
-              <a:rPr lang="fr-FR" dirty="0"/>
-              <a:t>='+')</a:t>
-            </a:r>
-          </a:p>
-          <a:p>
-            <a:r>
-              <a:rPr lang="fr-FR" dirty="0" err="1"/>
-              <a:t>lhplus</a:t>
-            </a:r>
-            <a:endParaRPr lang="fr-FR" dirty="0"/>
-          </a:p>
-        </p:txBody>
-      </p:sp>
-      <p:sp>
-        <p:nvSpPr>
-          <p:cNvPr id="13" name="ZoneTexte 12">
-            <a:extLst>
-              <a:ext uri="{FF2B5EF4-FFF2-40B4-BE49-F238E27FC236}">
-                <a16:creationId xmlns:a16="http://schemas.microsoft.com/office/drawing/2014/main" id="{71A637E6-BA41-CCC6-E0C2-4D39E40B9096}"/>
-              </a:ext>
-            </a:extLst>
-          </p:cNvPr>
-          <p:cNvSpPr txBox="1"/>
-          <p:nvPr/>
-        </p:nvSpPr>
-        <p:spPr>
-          <a:xfrm>
-            <a:off x="6345936" y="4613016"/>
-            <a:ext cx="4765173" cy="1200329"/>
-          </a:xfrm>
-          <a:prstGeom prst="rect">
-            <a:avLst/>
-          </a:prstGeom>
-          <a:solidFill>
-            <a:schemeClr val="accent1">
-              <a:lumMod val="40000"/>
-              <a:lumOff val="60000"/>
-            </a:schemeClr>
-          </a:solidFill>
-        </p:spPr>
-        <p:txBody>
-          <a:bodyPr wrap="square" rtlCol="0">
-            <a:spAutoFit/>
-          </a:bodyPr>
-          <a:lstStyle/>
-          <a:p>
-            <a:r>
-              <a:rPr lang="fr-FR" dirty="0"/>
-              <a:t>m </a:t>
-            </a:r>
-            <a:r>
-              <a:rPr lang="fr-FR" b="1" dirty="0"/>
-              <a:t>=</a:t>
-            </a:r>
-            <a:r>
-              <a:rPr lang="fr-FR" dirty="0"/>
-              <a:t> (</a:t>
-            </a:r>
-            <a:r>
-              <a:rPr lang="fr-FR" i="1" dirty="0" err="1"/>
-              <a:t>sympy</a:t>
-            </a:r>
-            <a:r>
-              <a:rPr lang="fr-FR" dirty="0" err="1"/>
-              <a:t>.</a:t>
-            </a:r>
-            <a:r>
-              <a:rPr lang="fr-FR" b="1" dirty="0" err="1"/>
-              <a:t>cos</a:t>
-            </a:r>
-            <a:r>
-              <a:rPr lang="fr-FR" dirty="0"/>
-              <a:t>(x)-1)/x</a:t>
-            </a:r>
-          </a:p>
-          <a:p>
-            <a:r>
-              <a:rPr lang="fr-FR" dirty="0"/>
-              <a:t>m</a:t>
-            </a:r>
-          </a:p>
-          <a:p>
-            <a:r>
-              <a:rPr lang="fr-FR" dirty="0"/>
-              <a:t>lm </a:t>
-            </a:r>
-            <a:r>
-              <a:rPr lang="fr-FR" b="1" dirty="0"/>
-              <a:t>=</a:t>
-            </a:r>
-            <a:r>
-              <a:rPr lang="fr-FR" dirty="0"/>
-              <a:t> </a:t>
-            </a:r>
-            <a:r>
-              <a:rPr lang="fr-FR" i="1" dirty="0" err="1"/>
-              <a:t>sympy</a:t>
-            </a:r>
-            <a:r>
-              <a:rPr lang="fr-FR" dirty="0" err="1"/>
-              <a:t>.</a:t>
-            </a:r>
-            <a:r>
-              <a:rPr lang="fr-FR" b="1" dirty="0" err="1"/>
-              <a:t>limit</a:t>
-            </a:r>
-            <a:r>
-              <a:rPr lang="fr-FR" dirty="0"/>
-              <a:t>(m, x, </a:t>
-            </a:r>
-            <a:r>
-              <a:rPr lang="fr-FR" i="1" dirty="0" err="1"/>
-              <a:t>sympy</a:t>
-            </a:r>
-            <a:r>
-              <a:rPr lang="fr-FR" dirty="0" err="1"/>
-              <a:t>.</a:t>
-            </a:r>
-            <a:r>
-              <a:rPr lang="fr-FR" b="1" dirty="0" err="1"/>
-              <a:t>oo</a:t>
-            </a:r>
-            <a:r>
-              <a:rPr lang="fr-FR" dirty="0"/>
-              <a:t>)</a:t>
-            </a:r>
-          </a:p>
-          <a:p>
-            <a:r>
-              <a:rPr lang="fr-FR" dirty="0" err="1"/>
-              <a:t>print</a:t>
-            </a:r>
-            <a:r>
-              <a:rPr lang="fr-FR" dirty="0"/>
-              <a:t>(</a:t>
-            </a:r>
-            <a:r>
-              <a:rPr lang="fr-FR" dirty="0" err="1"/>
-              <a:t>f'Limit</a:t>
-            </a:r>
-            <a:r>
-              <a:rPr lang="fr-FR" dirty="0"/>
-              <a:t> in +</a:t>
-            </a:r>
-            <a:r>
-              <a:rPr lang="fr-FR" dirty="0" err="1"/>
-              <a:t>inf</a:t>
-            </a:r>
-            <a:r>
-              <a:rPr lang="fr-FR" dirty="0"/>
-              <a:t> = {lm}')</a:t>
-            </a:r>
-          </a:p>
-        </p:txBody>
-      </p:sp>
       <p:pic>
         <p:nvPicPr>
-          <p:cNvPr id="8" name="Picture 8" descr="Résultat de recherche d'images pour &quot;spyder logo&quot;">
-            <a:extLst>
-              <a:ext uri="{FF2B5EF4-FFF2-40B4-BE49-F238E27FC236}">
-                <a16:creationId xmlns:a16="http://schemas.microsoft.com/office/drawing/2014/main" id="{BCFD813A-057B-CC90-5277-E9DE2A6AFF11}"/>
+          <p:cNvPr id="6" name="Picture 8" descr="Résultat de recherche d'images pour &quot;spyder logo&quot;">
+            <a:extLst>
+              <a:ext uri="{FF2B5EF4-FFF2-40B4-BE49-F238E27FC236}">
+                <a16:creationId xmlns:a16="http://schemas.microsoft.com/office/drawing/2014/main" id="{15EF5648-F6C6-A818-2130-8F02900DDFE1}"/>
               </a:ext>
             </a:extLst>
           </p:cNvPr>
@@ -11438,10 +11020,155 @@
           </a:extLst>
         </p:spPr>
       </p:pic>
+      <p:sp>
+        <p:nvSpPr>
+          <p:cNvPr id="8" name="ZoneTexte 7">
+            <a:extLst>
+              <a:ext uri="{FF2B5EF4-FFF2-40B4-BE49-F238E27FC236}">
+                <a16:creationId xmlns:a16="http://schemas.microsoft.com/office/drawing/2014/main" id="{0C31541C-7059-E77F-45EF-8D090E3CF106}"/>
+              </a:ext>
+            </a:extLst>
+          </p:cNvPr>
+          <p:cNvSpPr txBox="1"/>
+          <p:nvPr/>
+        </p:nvSpPr>
+        <p:spPr>
+          <a:xfrm>
+            <a:off x="822959" y="4083679"/>
+            <a:ext cx="4765173" cy="923330"/>
+          </a:xfrm>
+          <a:prstGeom prst="rect">
+            <a:avLst/>
+          </a:prstGeom>
+          <a:solidFill>
+            <a:schemeClr val="accent1">
+              <a:lumMod val="40000"/>
+              <a:lumOff val="60000"/>
+            </a:schemeClr>
+          </a:solidFill>
+        </p:spPr>
+        <p:txBody>
+          <a:bodyPr wrap="square" rtlCol="0">
+            <a:spAutoFit/>
+          </a:bodyPr>
+          <a:lstStyle/>
+          <a:p>
+            <a:r>
+              <a:rPr lang="fr-FR" dirty="0" err="1"/>
+              <a:t>dvs</a:t>
+            </a:r>
+            <a:r>
+              <a:rPr lang="fr-FR" dirty="0"/>
+              <a:t> </a:t>
+            </a:r>
+            <a:r>
+              <a:rPr lang="fr-FR" b="1" dirty="0"/>
+              <a:t>=</a:t>
+            </a:r>
+            <a:r>
+              <a:rPr lang="fr-FR" dirty="0"/>
+              <a:t> </a:t>
+            </a:r>
+            <a:r>
+              <a:rPr lang="fr-FR" dirty="0" err="1"/>
+              <a:t>sympy.</a:t>
+            </a:r>
+            <a:r>
+              <a:rPr lang="fr-FR" b="1" dirty="0" err="1"/>
+              <a:t>Derivative</a:t>
+            </a:r>
+            <a:r>
+              <a:rPr lang="fr-FR" dirty="0"/>
+              <a:t>( vs , t ) </a:t>
+            </a:r>
+          </a:p>
+          <a:p>
+            <a:r>
+              <a:rPr lang="fr-FR" dirty="0" err="1"/>
+              <a:t>exp</a:t>
+            </a:r>
+            <a:r>
+              <a:rPr lang="fr-FR" dirty="0"/>
+              <a:t> </a:t>
+            </a:r>
+            <a:r>
+              <a:rPr lang="fr-FR" b="1" dirty="0"/>
+              <a:t>=</a:t>
+            </a:r>
+            <a:r>
+              <a:rPr lang="fr-FR" dirty="0"/>
+              <a:t> vs + tau * </a:t>
+            </a:r>
+            <a:r>
+              <a:rPr lang="fr-FR" dirty="0" err="1"/>
+              <a:t>dvs</a:t>
+            </a:r>
+            <a:endParaRPr lang="fr-FR" dirty="0"/>
+          </a:p>
+          <a:p>
+            <a:r>
+              <a:rPr lang="fr-FR" b="1" dirty="0"/>
+              <a:t>display</a:t>
+            </a:r>
+            <a:r>
+              <a:rPr lang="fr-FR" dirty="0"/>
+              <a:t>( </a:t>
+            </a:r>
+            <a:r>
+              <a:rPr lang="fr-FR" dirty="0" err="1"/>
+              <a:t>exp</a:t>
+            </a:r>
+            <a:r>
+              <a:rPr lang="fr-FR" dirty="0"/>
+              <a:t> )</a:t>
+            </a:r>
+          </a:p>
+        </p:txBody>
+      </p:sp>
+      <p:sp>
+        <p:nvSpPr>
+          <p:cNvPr id="9" name="ZoneTexte 8">
+            <a:extLst>
+              <a:ext uri="{FF2B5EF4-FFF2-40B4-BE49-F238E27FC236}">
+                <a16:creationId xmlns:a16="http://schemas.microsoft.com/office/drawing/2014/main" id="{17A91F7C-A8E1-773C-9ED3-B6A99AE652F7}"/>
+              </a:ext>
+            </a:extLst>
+          </p:cNvPr>
+          <p:cNvSpPr txBox="1"/>
+          <p:nvPr/>
+        </p:nvSpPr>
+        <p:spPr>
+          <a:xfrm>
+            <a:off x="1391036" y="5101400"/>
+            <a:ext cx="4197096" cy="369332"/>
+          </a:xfrm>
+          <a:prstGeom prst="rect">
+            <a:avLst/>
+          </a:prstGeom>
+          <a:solidFill>
+            <a:schemeClr val="accent4">
+              <a:lumMod val="40000"/>
+              <a:lumOff val="60000"/>
+            </a:schemeClr>
+          </a:solidFill>
+        </p:spPr>
+        <p:txBody>
+          <a:bodyPr wrap="square" rtlCol="0">
+            <a:spAutoFit/>
+          </a:bodyPr>
+          <a:lstStyle/>
+          <a:p>
+            <a:r>
+              <a:rPr lang="fr-FR" dirty="0"/>
+              <a:t>???</a:t>
+            </a:r>
+          </a:p>
+        </p:txBody>
+      </p:sp>
     </p:spTree>
     <p:extLst>
       <p:ext uri="{BB962C8B-B14F-4D97-AF65-F5344CB8AC3E}">
-        <p14:creationId xmlns:p14="http://schemas.microsoft.com/office/powerpoint/2010/main" val="403736579"/>
+        <p14:creationId xmlns:p14="http://schemas.microsoft.com/office/powerpoint/2010/main" val="115123252"/>
       </p:ext>
     </p:extLst>
   </p:cSld>
@@ -11524,12 +11251,8 @@
           <a:lstStyle/>
           <a:p>
             <a:r>
-              <a:rPr lang="fr-FR" dirty="0" err="1"/>
-              <a:t>Caculer</a:t>
-            </a:r>
-            <a:r>
               <a:rPr lang="fr-FR" dirty="0"/>
-              <a:t> des dérivées…</a:t>
+              <a:t>Calculer des limites</a:t>
             </a:r>
           </a:p>
         </p:txBody>
@@ -11594,6 +11317,787 @@
             <a:fld id="{B2DC25EE-239B-4C5F-AAD1-255A7D5F1EE2}" type="slidenum">
               <a:rPr lang="en-US" smtClean="0"/>
               <a:t>17</a:t>
+            </a:fld>
+            <a:endParaRPr lang="en-US" dirty="0"/>
+          </a:p>
+        </p:txBody>
+      </p:sp>
+      <p:pic>
+        <p:nvPicPr>
+          <p:cNvPr id="1026" name="Picture 2" descr="SymPy Logo">
+            <a:extLst>
+              <a:ext uri="{FF2B5EF4-FFF2-40B4-BE49-F238E27FC236}">
+                <a16:creationId xmlns:a16="http://schemas.microsoft.com/office/drawing/2014/main" id="{6F826F4C-FC0E-452A-4FE2-7AD4240C9A6B}"/>
+              </a:ext>
+            </a:extLst>
+          </p:cNvPr>
+          <p:cNvPicPr>
+            <a:picLocks noChangeAspect="1" noChangeArrowheads="1"/>
+          </p:cNvPicPr>
+          <p:nvPr/>
+        </p:nvPicPr>
+        <p:blipFill>
+          <a:blip r:embed="rId3">
+            <a:extLst>
+              <a:ext uri="{28A0092B-C50C-407E-A947-70E740481C1C}">
+                <a14:useLocalDpi xmlns:a14="http://schemas.microsoft.com/office/drawing/2010/main" val="0"/>
+              </a:ext>
+            </a:extLst>
+          </a:blip>
+          <a:srcRect/>
+          <a:stretch>
+            <a:fillRect/>
+          </a:stretch>
+        </p:blipFill>
+        <p:spPr bwMode="auto">
+          <a:xfrm>
+            <a:off x="9915213" y="655319"/>
+            <a:ext cx="915348" cy="613283"/>
+          </a:xfrm>
+          <a:prstGeom prst="rect">
+            <a:avLst/>
+          </a:prstGeom>
+          <a:noFill/>
+          <a:extLst>
+            <a:ext uri="{909E8E84-426E-40DD-AFC4-6F175D3DCCD1}">
+              <a14:hiddenFill xmlns:a14="http://schemas.microsoft.com/office/drawing/2010/main">
+                <a:solidFill>
+                  <a:srgbClr val="FFFFFF"/>
+                </a:solidFill>
+              </a14:hiddenFill>
+            </a:ext>
+          </a:extLst>
+        </p:spPr>
+      </p:pic>
+      <p:sp>
+        <p:nvSpPr>
+          <p:cNvPr id="7" name="ZoneTexte 6">
+            <a:extLst>
+              <a:ext uri="{FF2B5EF4-FFF2-40B4-BE49-F238E27FC236}">
+                <a16:creationId xmlns:a16="http://schemas.microsoft.com/office/drawing/2014/main" id="{F0FBF19C-22B5-76E5-0F93-DF8BB4A2F385}"/>
+              </a:ext>
+            </a:extLst>
+          </p:cNvPr>
+          <p:cNvSpPr txBox="1"/>
+          <p:nvPr/>
+        </p:nvSpPr>
+        <p:spPr>
+          <a:xfrm>
+            <a:off x="822960" y="3302376"/>
+            <a:ext cx="4765173" cy="923330"/>
+          </a:xfrm>
+          <a:prstGeom prst="rect">
+            <a:avLst/>
+          </a:prstGeom>
+          <a:solidFill>
+            <a:schemeClr val="accent1">
+              <a:lumMod val="40000"/>
+              <a:lumOff val="60000"/>
+            </a:schemeClr>
+          </a:solidFill>
+        </p:spPr>
+        <p:txBody>
+          <a:bodyPr wrap="square" rtlCol="0">
+            <a:spAutoFit/>
+          </a:bodyPr>
+          <a:lstStyle/>
+          <a:p>
+            <a:r>
+              <a:rPr lang="fr-FR" dirty="0"/>
+              <a:t>g </a:t>
+            </a:r>
+            <a:r>
+              <a:rPr lang="fr-FR" b="1" dirty="0"/>
+              <a:t>=</a:t>
+            </a:r>
+            <a:r>
+              <a:rPr lang="fr-FR" dirty="0"/>
+              <a:t> </a:t>
+            </a:r>
+            <a:r>
+              <a:rPr lang="fr-FR" i="1" dirty="0" err="1"/>
+              <a:t>sympy</a:t>
+            </a:r>
+            <a:r>
+              <a:rPr lang="fr-FR" dirty="0" err="1"/>
+              <a:t>.</a:t>
+            </a:r>
+            <a:r>
+              <a:rPr lang="fr-FR" b="1" dirty="0" err="1"/>
+              <a:t>Function</a:t>
+            </a:r>
+            <a:r>
+              <a:rPr lang="fr-FR" dirty="0"/>
+              <a:t>('g’)(x)</a:t>
+            </a:r>
+          </a:p>
+          <a:p>
+            <a:r>
+              <a:rPr lang="fr-FR" dirty="0"/>
+              <a:t>g </a:t>
+            </a:r>
+            <a:r>
+              <a:rPr lang="fr-FR" b="1" dirty="0"/>
+              <a:t>=</a:t>
+            </a:r>
+            <a:r>
+              <a:rPr lang="fr-FR" dirty="0"/>
+              <a:t> </a:t>
+            </a:r>
+            <a:r>
+              <a:rPr lang="fr-FR" i="1" dirty="0" err="1"/>
+              <a:t>sympy</a:t>
+            </a:r>
+            <a:r>
+              <a:rPr lang="fr-FR" dirty="0" err="1"/>
+              <a:t>.</a:t>
+            </a:r>
+            <a:r>
+              <a:rPr lang="fr-FR" b="1" dirty="0" err="1"/>
+              <a:t>sin</a:t>
+            </a:r>
+            <a:r>
+              <a:rPr lang="fr-FR" dirty="0"/>
+              <a:t>(x/2 + </a:t>
+            </a:r>
+            <a:r>
+              <a:rPr lang="fr-FR" i="1" dirty="0" err="1"/>
+              <a:t>sympy</a:t>
+            </a:r>
+            <a:r>
+              <a:rPr lang="fr-FR" dirty="0" err="1"/>
+              <a:t>.</a:t>
+            </a:r>
+            <a:r>
+              <a:rPr lang="fr-FR" b="1" dirty="0" err="1"/>
+              <a:t>sin</a:t>
+            </a:r>
+            <a:r>
+              <a:rPr lang="fr-FR" dirty="0"/>
+              <a:t>(x))</a:t>
+            </a:r>
+          </a:p>
+          <a:p>
+            <a:r>
+              <a:rPr lang="fr-FR" dirty="0"/>
+              <a:t>g</a:t>
+            </a:r>
+          </a:p>
+        </p:txBody>
+      </p:sp>
+      <p:pic>
+        <p:nvPicPr>
+          <p:cNvPr id="2051" name="Picture 3">
+            <a:extLst>
+              <a:ext uri="{FF2B5EF4-FFF2-40B4-BE49-F238E27FC236}">
+                <a16:creationId xmlns:a16="http://schemas.microsoft.com/office/drawing/2014/main" id="{3BB5514F-6568-D4F1-89C4-C79629C862E1}"/>
+              </a:ext>
+            </a:extLst>
+          </p:cNvPr>
+          <p:cNvPicPr>
+            <a:picLocks noChangeAspect="1" noChangeArrowheads="1"/>
+          </p:cNvPicPr>
+          <p:nvPr/>
+        </p:nvPicPr>
+        <p:blipFill>
+          <a:blip r:embed="rId4">
+            <a:extLst>
+              <a:ext uri="{28A0092B-C50C-407E-A947-70E740481C1C}">
+                <a14:useLocalDpi xmlns:a14="http://schemas.microsoft.com/office/drawing/2010/main" val="0"/>
+              </a:ext>
+            </a:extLst>
+          </a:blip>
+          <a:srcRect/>
+          <a:stretch>
+            <a:fillRect/>
+          </a:stretch>
+        </p:blipFill>
+        <p:spPr bwMode="auto">
+          <a:xfrm>
+            <a:off x="11422935" y="1728216"/>
+            <a:ext cx="449659" cy="523240"/>
+          </a:xfrm>
+          <a:prstGeom prst="rect">
+            <a:avLst/>
+          </a:prstGeom>
+          <a:noFill/>
+          <a:extLst>
+            <a:ext uri="{909E8E84-426E-40DD-AFC4-6F175D3DCCD1}">
+              <a14:hiddenFill xmlns:a14="http://schemas.microsoft.com/office/drawing/2010/main">
+                <a:solidFill>
+                  <a:srgbClr val="FFFFFF"/>
+                </a:solidFill>
+              </a14:hiddenFill>
+            </a:ext>
+          </a:extLst>
+        </p:spPr>
+      </p:pic>
+      <p:sp>
+        <p:nvSpPr>
+          <p:cNvPr id="6" name="ZoneTexte 5">
+            <a:extLst>
+              <a:ext uri="{FF2B5EF4-FFF2-40B4-BE49-F238E27FC236}">
+                <a16:creationId xmlns:a16="http://schemas.microsoft.com/office/drawing/2014/main" id="{AEFD5A99-E3CF-2C1C-8E83-C187FF550E65}"/>
+              </a:ext>
+            </a:extLst>
+          </p:cNvPr>
+          <p:cNvSpPr txBox="1"/>
+          <p:nvPr/>
+        </p:nvSpPr>
+        <p:spPr>
+          <a:xfrm>
+            <a:off x="822959" y="4372625"/>
+            <a:ext cx="4765173" cy="646331"/>
+          </a:xfrm>
+          <a:prstGeom prst="rect">
+            <a:avLst/>
+          </a:prstGeom>
+          <a:solidFill>
+            <a:schemeClr val="accent1">
+              <a:lumMod val="40000"/>
+              <a:lumOff val="60000"/>
+            </a:schemeClr>
+          </a:solidFill>
+        </p:spPr>
+        <p:txBody>
+          <a:bodyPr wrap="square" rtlCol="0">
+            <a:spAutoFit/>
+          </a:bodyPr>
+          <a:lstStyle/>
+          <a:p>
+            <a:r>
+              <a:rPr lang="fr-FR" dirty="0"/>
+              <a:t>lg </a:t>
+            </a:r>
+            <a:r>
+              <a:rPr lang="fr-FR" b="1" dirty="0"/>
+              <a:t>=</a:t>
+            </a:r>
+            <a:r>
+              <a:rPr lang="fr-FR" dirty="0"/>
+              <a:t> </a:t>
+            </a:r>
+            <a:r>
+              <a:rPr lang="fr-FR" i="1" dirty="0" err="1"/>
+              <a:t>sympy</a:t>
+            </a:r>
+            <a:r>
+              <a:rPr lang="fr-FR" dirty="0" err="1"/>
+              <a:t>.</a:t>
+            </a:r>
+            <a:r>
+              <a:rPr lang="fr-FR" b="1" dirty="0" err="1"/>
+              <a:t>limit</a:t>
+            </a:r>
+            <a:r>
+              <a:rPr lang="fr-FR" dirty="0"/>
+              <a:t>(g, x, </a:t>
+            </a:r>
+            <a:r>
+              <a:rPr lang="fr-FR" i="1" dirty="0" err="1"/>
+              <a:t>sympy</a:t>
+            </a:r>
+            <a:r>
+              <a:rPr lang="fr-FR" dirty="0" err="1"/>
+              <a:t>.</a:t>
+            </a:r>
+            <a:r>
+              <a:rPr lang="fr-FR" b="1" dirty="0" err="1"/>
+              <a:t>pi</a:t>
+            </a:r>
+            <a:r>
+              <a:rPr lang="fr-FR" dirty="0"/>
+              <a:t>)</a:t>
+            </a:r>
+          </a:p>
+          <a:p>
+            <a:r>
+              <a:rPr lang="fr-FR" dirty="0"/>
+              <a:t>lg</a:t>
+            </a:r>
+          </a:p>
+        </p:txBody>
+      </p:sp>
+      <p:sp>
+        <p:nvSpPr>
+          <p:cNvPr id="11" name="ZoneTexte 10">
+            <a:extLst>
+              <a:ext uri="{FF2B5EF4-FFF2-40B4-BE49-F238E27FC236}">
+                <a16:creationId xmlns:a16="http://schemas.microsoft.com/office/drawing/2014/main" id="{749C4619-CBA7-331E-98D1-87CB9CB976E1}"/>
+              </a:ext>
+            </a:extLst>
+          </p:cNvPr>
+          <p:cNvSpPr txBox="1"/>
+          <p:nvPr/>
+        </p:nvSpPr>
+        <p:spPr>
+          <a:xfrm>
+            <a:off x="6345936" y="3302376"/>
+            <a:ext cx="4765173" cy="1200329"/>
+          </a:xfrm>
+          <a:prstGeom prst="rect">
+            <a:avLst/>
+          </a:prstGeom>
+          <a:solidFill>
+            <a:schemeClr val="accent1">
+              <a:lumMod val="40000"/>
+              <a:lumOff val="60000"/>
+            </a:schemeClr>
+          </a:solidFill>
+        </p:spPr>
+        <p:txBody>
+          <a:bodyPr wrap="square" rtlCol="0">
+            <a:spAutoFit/>
+          </a:bodyPr>
+          <a:lstStyle/>
+          <a:p>
+            <a:r>
+              <a:rPr lang="fr-FR" dirty="0"/>
+              <a:t>h </a:t>
+            </a:r>
+            <a:r>
+              <a:rPr lang="fr-FR" b="1" dirty="0"/>
+              <a:t>=</a:t>
+            </a:r>
+            <a:r>
+              <a:rPr lang="fr-FR" dirty="0"/>
+              <a:t> 2*</a:t>
+            </a:r>
+            <a:r>
+              <a:rPr lang="fr-FR" i="1" dirty="0" err="1"/>
+              <a:t>sympy</a:t>
+            </a:r>
+            <a:r>
+              <a:rPr lang="fr-FR" dirty="0" err="1"/>
+              <a:t>.</a:t>
+            </a:r>
+            <a:r>
+              <a:rPr lang="fr-FR" b="1" dirty="0" err="1"/>
+              <a:t>exp</a:t>
+            </a:r>
+            <a:r>
+              <a:rPr lang="fr-FR" dirty="0"/>
+              <a:t>(1/x)/(</a:t>
+            </a:r>
+            <a:r>
+              <a:rPr lang="fr-FR" i="1" dirty="0" err="1"/>
+              <a:t>sympy</a:t>
+            </a:r>
+            <a:r>
+              <a:rPr lang="fr-FR" dirty="0" err="1"/>
+              <a:t>.</a:t>
+            </a:r>
+            <a:r>
+              <a:rPr lang="fr-FR" b="1" dirty="0" err="1"/>
+              <a:t>exp</a:t>
+            </a:r>
+            <a:r>
+              <a:rPr lang="fr-FR" dirty="0"/>
+              <a:t>(1/x)+1)</a:t>
+            </a:r>
+          </a:p>
+          <a:p>
+            <a:r>
+              <a:rPr lang="fr-FR" dirty="0"/>
+              <a:t>h</a:t>
+            </a:r>
+          </a:p>
+          <a:p>
+            <a:r>
+              <a:rPr lang="fr-FR" dirty="0" err="1"/>
+              <a:t>lhplus</a:t>
+            </a:r>
+            <a:r>
+              <a:rPr lang="fr-FR" dirty="0"/>
+              <a:t> </a:t>
+            </a:r>
+            <a:r>
+              <a:rPr lang="fr-FR" b="1" dirty="0"/>
+              <a:t>=</a:t>
+            </a:r>
+            <a:r>
+              <a:rPr lang="fr-FR" dirty="0"/>
+              <a:t> </a:t>
+            </a:r>
+            <a:r>
+              <a:rPr lang="fr-FR" i="1" dirty="0" err="1"/>
+              <a:t>sympy</a:t>
+            </a:r>
+            <a:r>
+              <a:rPr lang="fr-FR" dirty="0" err="1"/>
+              <a:t>.</a:t>
+            </a:r>
+            <a:r>
+              <a:rPr lang="fr-FR" b="1" dirty="0" err="1"/>
+              <a:t>limit</a:t>
+            </a:r>
+            <a:r>
+              <a:rPr lang="fr-FR" dirty="0"/>
+              <a:t>(h, x, 0, </a:t>
+            </a:r>
+            <a:r>
+              <a:rPr lang="fr-FR" dirty="0" err="1"/>
+              <a:t>dir</a:t>
+            </a:r>
+            <a:r>
+              <a:rPr lang="fr-FR" dirty="0"/>
+              <a:t>='+')</a:t>
+            </a:r>
+          </a:p>
+          <a:p>
+            <a:r>
+              <a:rPr lang="fr-FR" dirty="0" err="1"/>
+              <a:t>lhplus</a:t>
+            </a:r>
+            <a:endParaRPr lang="fr-FR" dirty="0"/>
+          </a:p>
+        </p:txBody>
+      </p:sp>
+      <p:sp>
+        <p:nvSpPr>
+          <p:cNvPr id="13" name="ZoneTexte 12">
+            <a:extLst>
+              <a:ext uri="{FF2B5EF4-FFF2-40B4-BE49-F238E27FC236}">
+                <a16:creationId xmlns:a16="http://schemas.microsoft.com/office/drawing/2014/main" id="{71A637E6-BA41-CCC6-E0C2-4D39E40B9096}"/>
+              </a:ext>
+            </a:extLst>
+          </p:cNvPr>
+          <p:cNvSpPr txBox="1"/>
+          <p:nvPr/>
+        </p:nvSpPr>
+        <p:spPr>
+          <a:xfrm>
+            <a:off x="6345936" y="4613016"/>
+            <a:ext cx="4765173" cy="1200329"/>
+          </a:xfrm>
+          <a:prstGeom prst="rect">
+            <a:avLst/>
+          </a:prstGeom>
+          <a:solidFill>
+            <a:schemeClr val="accent1">
+              <a:lumMod val="40000"/>
+              <a:lumOff val="60000"/>
+            </a:schemeClr>
+          </a:solidFill>
+        </p:spPr>
+        <p:txBody>
+          <a:bodyPr wrap="square" rtlCol="0">
+            <a:spAutoFit/>
+          </a:bodyPr>
+          <a:lstStyle/>
+          <a:p>
+            <a:r>
+              <a:rPr lang="fr-FR" dirty="0"/>
+              <a:t>m </a:t>
+            </a:r>
+            <a:r>
+              <a:rPr lang="fr-FR" b="1" dirty="0"/>
+              <a:t>=</a:t>
+            </a:r>
+            <a:r>
+              <a:rPr lang="fr-FR" dirty="0"/>
+              <a:t> (</a:t>
+            </a:r>
+            <a:r>
+              <a:rPr lang="fr-FR" i="1" dirty="0" err="1"/>
+              <a:t>sympy</a:t>
+            </a:r>
+            <a:r>
+              <a:rPr lang="fr-FR" dirty="0" err="1"/>
+              <a:t>.</a:t>
+            </a:r>
+            <a:r>
+              <a:rPr lang="fr-FR" b="1" dirty="0" err="1"/>
+              <a:t>cos</a:t>
+            </a:r>
+            <a:r>
+              <a:rPr lang="fr-FR" dirty="0"/>
+              <a:t>(x)-1)/x</a:t>
+            </a:r>
+          </a:p>
+          <a:p>
+            <a:r>
+              <a:rPr lang="fr-FR" dirty="0"/>
+              <a:t>m</a:t>
+            </a:r>
+          </a:p>
+          <a:p>
+            <a:r>
+              <a:rPr lang="fr-FR" dirty="0"/>
+              <a:t>lm </a:t>
+            </a:r>
+            <a:r>
+              <a:rPr lang="fr-FR" b="1" dirty="0"/>
+              <a:t>=</a:t>
+            </a:r>
+            <a:r>
+              <a:rPr lang="fr-FR" dirty="0"/>
+              <a:t> </a:t>
+            </a:r>
+            <a:r>
+              <a:rPr lang="fr-FR" i="1" dirty="0" err="1"/>
+              <a:t>sympy</a:t>
+            </a:r>
+            <a:r>
+              <a:rPr lang="fr-FR" dirty="0" err="1"/>
+              <a:t>.</a:t>
+            </a:r>
+            <a:r>
+              <a:rPr lang="fr-FR" b="1" dirty="0" err="1"/>
+              <a:t>limit</a:t>
+            </a:r>
+            <a:r>
+              <a:rPr lang="fr-FR" dirty="0"/>
+              <a:t>(m, x, </a:t>
+            </a:r>
+            <a:r>
+              <a:rPr lang="fr-FR" i="1" dirty="0" err="1"/>
+              <a:t>sympy</a:t>
+            </a:r>
+            <a:r>
+              <a:rPr lang="fr-FR" dirty="0" err="1"/>
+              <a:t>.</a:t>
+            </a:r>
+            <a:r>
+              <a:rPr lang="fr-FR" b="1" dirty="0" err="1"/>
+              <a:t>oo</a:t>
+            </a:r>
+            <a:r>
+              <a:rPr lang="fr-FR" dirty="0"/>
+              <a:t>)</a:t>
+            </a:r>
+          </a:p>
+          <a:p>
+            <a:r>
+              <a:rPr lang="fr-FR" dirty="0" err="1"/>
+              <a:t>print</a:t>
+            </a:r>
+            <a:r>
+              <a:rPr lang="fr-FR" dirty="0"/>
+              <a:t>(</a:t>
+            </a:r>
+            <a:r>
+              <a:rPr lang="fr-FR" dirty="0" err="1"/>
+              <a:t>f'Limit</a:t>
+            </a:r>
+            <a:r>
+              <a:rPr lang="fr-FR" dirty="0"/>
+              <a:t> in +</a:t>
+            </a:r>
+            <a:r>
+              <a:rPr lang="fr-FR" dirty="0" err="1"/>
+              <a:t>inf</a:t>
+            </a:r>
+            <a:r>
+              <a:rPr lang="fr-FR" dirty="0"/>
+              <a:t> = {lm}')</a:t>
+            </a:r>
+          </a:p>
+        </p:txBody>
+      </p:sp>
+      <p:pic>
+        <p:nvPicPr>
+          <p:cNvPr id="8" name="Picture 8" descr="Résultat de recherche d'images pour &quot;spyder logo&quot;">
+            <a:extLst>
+              <a:ext uri="{FF2B5EF4-FFF2-40B4-BE49-F238E27FC236}">
+                <a16:creationId xmlns:a16="http://schemas.microsoft.com/office/drawing/2014/main" id="{BCFD813A-057B-CC90-5277-E9DE2A6AFF11}"/>
+              </a:ext>
+            </a:extLst>
+          </p:cNvPr>
+          <p:cNvPicPr>
+            <a:picLocks noChangeAspect="1" noChangeArrowheads="1"/>
+          </p:cNvPicPr>
+          <p:nvPr/>
+        </p:nvPicPr>
+        <p:blipFill>
+          <a:blip r:embed="rId5">
+            <a:extLst>
+              <a:ext uri="{28A0092B-C50C-407E-A947-70E740481C1C}">
+                <a14:useLocalDpi xmlns:a14="http://schemas.microsoft.com/office/drawing/2010/main" val="0"/>
+              </a:ext>
+            </a:extLst>
+          </a:blip>
+          <a:srcRect/>
+          <a:stretch>
+            <a:fillRect/>
+          </a:stretch>
+        </p:blipFill>
+        <p:spPr bwMode="auto">
+          <a:xfrm>
+            <a:off x="10162526" y="1757291"/>
+            <a:ext cx="947620" cy="473810"/>
+          </a:xfrm>
+          <a:prstGeom prst="rect">
+            <a:avLst/>
+          </a:prstGeom>
+          <a:noFill/>
+          <a:extLst>
+            <a:ext uri="{909E8E84-426E-40DD-AFC4-6F175D3DCCD1}">
+              <a14:hiddenFill xmlns:a14="http://schemas.microsoft.com/office/drawing/2010/main">
+                <a:solidFill>
+                  <a:srgbClr val="FFFFFF"/>
+                </a:solidFill>
+              </a14:hiddenFill>
+            </a:ext>
+          </a:extLst>
+        </p:spPr>
+      </p:pic>
+    </p:spTree>
+    <p:extLst>
+      <p:ext uri="{BB962C8B-B14F-4D97-AF65-F5344CB8AC3E}">
+        <p14:creationId xmlns:p14="http://schemas.microsoft.com/office/powerpoint/2010/main" val="403736579"/>
+      </p:ext>
+    </p:extLst>
+  </p:cSld>
+  <p:clrMapOvr>
+    <a:masterClrMapping/>
+  </p:clrMapOvr>
+</p:sld>
+</file>
+
+<file path=ppt/slides/slide18.xml><?xml version="1.0" encoding="utf-8"?>
+<p:sld xmlns:a="http://schemas.openxmlformats.org/drawingml/2006/main" xmlns:r="http://schemas.openxmlformats.org/officeDocument/2006/relationships" xmlns:p="http://schemas.openxmlformats.org/presentationml/2006/main">
+  <p:cSld>
+    <p:spTree>
+      <p:nvGrpSpPr>
+        <p:cNvPr id="1" name=""/>
+        <p:cNvGrpSpPr/>
+        <p:nvPr/>
+      </p:nvGrpSpPr>
+      <p:grpSpPr>
+        <a:xfrm>
+          <a:off x="0" y="0"/>
+          <a:ext cx="0" cy="0"/>
+          <a:chOff x="0" y="0"/>
+          <a:chExt cx="0" cy="0"/>
+        </a:xfrm>
+      </p:grpSpPr>
+      <p:sp>
+        <p:nvSpPr>
+          <p:cNvPr id="2" name="Titre 1">
+            <a:extLst>
+              <a:ext uri="{FF2B5EF4-FFF2-40B4-BE49-F238E27FC236}">
+                <a16:creationId xmlns:a16="http://schemas.microsoft.com/office/drawing/2014/main" id="{90162AE8-C1B0-5C56-8313-DEE494F38273}"/>
+              </a:ext>
+            </a:extLst>
+          </p:cNvPr>
+          <p:cNvSpPr>
+            <a:spLocks noGrp="1"/>
+          </p:cNvSpPr>
+          <p:nvPr>
+            <p:ph type="title"/>
+          </p:nvPr>
+        </p:nvSpPr>
+        <p:spPr/>
+        <p:txBody>
+          <a:bodyPr>
+            <a:normAutofit/>
+          </a:bodyPr>
+          <a:lstStyle/>
+          <a:p>
+            <a:r>
+              <a:rPr lang="fr-FR" dirty="0" err="1"/>
+              <a:t>SymPy</a:t>
+            </a:r>
+            <a:r>
+              <a:rPr lang="fr-FR" dirty="0"/>
+              <a:t> pour le calcul formel</a:t>
+            </a:r>
+          </a:p>
+        </p:txBody>
+      </p:sp>
+      <p:sp>
+        <p:nvSpPr>
+          <p:cNvPr id="3" name="Espace réservé du contenu 2">
+            <a:extLst>
+              <a:ext uri="{FF2B5EF4-FFF2-40B4-BE49-F238E27FC236}">
+                <a16:creationId xmlns:a16="http://schemas.microsoft.com/office/drawing/2014/main" id="{E0BBB9DE-019C-C741-F224-494739D4B752}"/>
+              </a:ext>
+            </a:extLst>
+          </p:cNvPr>
+          <p:cNvSpPr>
+            <a:spLocks noGrp="1"/>
+          </p:cNvSpPr>
+          <p:nvPr>
+            <p:ph sz="half" idx="1"/>
+          </p:nvPr>
+        </p:nvSpPr>
+        <p:spPr/>
+        <p:txBody>
+          <a:bodyPr/>
+          <a:lstStyle/>
+          <a:p>
+            <a:r>
+              <a:rPr lang="fr-FR" dirty="0" err="1"/>
+              <a:t>Caculer</a:t>
+            </a:r>
+            <a:r>
+              <a:rPr lang="fr-FR" dirty="0"/>
+              <a:t> des dérivées…</a:t>
+            </a:r>
+          </a:p>
+        </p:txBody>
+      </p:sp>
+      <p:pic>
+        <p:nvPicPr>
+          <p:cNvPr id="5" name="Image 4" descr="Une image contenant texte&#10;&#10;Description générée automatiquement">
+            <a:extLst>
+              <a:ext uri="{FF2B5EF4-FFF2-40B4-BE49-F238E27FC236}">
+                <a16:creationId xmlns:a16="http://schemas.microsoft.com/office/drawing/2014/main" id="{66D2630B-81F4-A4EB-21BA-8B90CF30BD92}"/>
+              </a:ext>
+            </a:extLst>
+          </p:cNvPr>
+          <p:cNvPicPr>
+            <a:picLocks noChangeAspect="1"/>
+          </p:cNvPicPr>
+          <p:nvPr/>
+        </p:nvPicPr>
+        <p:blipFill>
+          <a:blip r:embed="rId2">
+            <a:extLst>
+              <a:ext uri="{28A0092B-C50C-407E-A947-70E740481C1C}">
+                <a14:useLocalDpi xmlns:a14="http://schemas.microsoft.com/office/drawing/2010/main" val="0"/>
+              </a:ext>
+            </a:extLst>
+          </a:blip>
+          <a:stretch>
+            <a:fillRect/>
+          </a:stretch>
+        </p:blipFill>
+        <p:spPr>
+          <a:xfrm>
+            <a:off x="202922" y="5934456"/>
+            <a:ext cx="1825291" cy="749808"/>
+          </a:xfrm>
+          <a:prstGeom prst="rect">
+            <a:avLst/>
+          </a:prstGeom>
+        </p:spPr>
+      </p:pic>
+      <p:sp>
+        <p:nvSpPr>
+          <p:cNvPr id="4" name="Espace réservé du numéro de diapositive 3">
+            <a:extLst>
+              <a:ext uri="{FF2B5EF4-FFF2-40B4-BE49-F238E27FC236}">
+                <a16:creationId xmlns:a16="http://schemas.microsoft.com/office/drawing/2014/main" id="{F08CDEFC-50F0-4C47-46AC-D28A2807E4F8}"/>
+              </a:ext>
+            </a:extLst>
+          </p:cNvPr>
+          <p:cNvSpPr>
+            <a:spLocks noGrp="1"/>
+          </p:cNvSpPr>
+          <p:nvPr>
+            <p:ph type="sldNum" sz="quarter" idx="12"/>
+          </p:nvPr>
+        </p:nvSpPr>
+        <p:spPr/>
+        <p:txBody>
+          <a:bodyPr/>
+          <a:lstStyle/>
+          <a:p>
+            <a:fld id="{B2DC25EE-239B-4C5F-AAD1-255A7D5F1EE2}" type="slidenum">
+              <a:rPr lang="en-US" smtClean="0"/>
+              <a:t>18</a:t>
             </a:fld>
             <a:endParaRPr lang="en-US" dirty="0"/>
           </a:p>
@@ -12394,7 +12898,7 @@
 </p:sld>
 </file>
 
-<file path=ppt/slides/slide18.xml><?xml version="1.0" encoding="utf-8"?>
+<file path=ppt/slides/slide19.xml><?xml version="1.0" encoding="utf-8"?>
 <p:sld xmlns:a="http://schemas.openxmlformats.org/drawingml/2006/main" xmlns:r="http://schemas.openxmlformats.org/officeDocument/2006/relationships" xmlns:p="http://schemas.openxmlformats.org/presentationml/2006/main">
   <p:cSld>
     <p:spTree>
@@ -12492,7 +12996,7 @@
           <a:p>
             <a:fld id="{B2DC25EE-239B-4C5F-AAD1-255A7D5F1EE2}" type="slidenum">
               <a:rPr lang="en-US" smtClean="0"/>
-              <a:t>18</a:t>
+              <a:t>19</a:t>
             </a:fld>
             <a:endParaRPr lang="en-US" dirty="0"/>
           </a:p>
@@ -13395,7 +13899,475 @@
 </p:sld>
 </file>
 
-<file path=ppt/slides/slide19.xml><?xml version="1.0" encoding="utf-8"?>
+<file path=ppt/slides/slide2.xml><?xml version="1.0" encoding="utf-8"?>
+<p:sld xmlns:a="http://schemas.openxmlformats.org/drawingml/2006/main" xmlns:r="http://schemas.openxmlformats.org/officeDocument/2006/relationships" xmlns:p="http://schemas.openxmlformats.org/presentationml/2006/main">
+  <p:cSld>
+    <p:bg>
+      <p:bgPr>
+        <a:solidFill>
+          <a:schemeClr val="bg1">
+            <a:lumMod val="95000"/>
+          </a:schemeClr>
+        </a:solidFill>
+        <a:effectLst/>
+      </p:bgPr>
+    </p:bg>
+    <p:spTree>
+      <p:nvGrpSpPr>
+        <p:cNvPr id="1" name=""/>
+        <p:cNvGrpSpPr/>
+        <p:nvPr/>
+      </p:nvGrpSpPr>
+      <p:grpSpPr>
+        <a:xfrm>
+          <a:off x="0" y="0"/>
+          <a:ext cx="0" cy="0"/>
+          <a:chOff x="0" y="0"/>
+          <a:chExt cx="0" cy="0"/>
+        </a:xfrm>
+      </p:grpSpPr>
+      <p:sp>
+        <p:nvSpPr>
+          <p:cNvPr id="2" name="Titre 1">
+            <a:extLst>
+              <a:ext uri="{FF2B5EF4-FFF2-40B4-BE49-F238E27FC236}">
+                <a16:creationId xmlns:a16="http://schemas.microsoft.com/office/drawing/2014/main" id="{90162AE8-C1B0-5C56-8313-DEE494F38273}"/>
+              </a:ext>
+            </a:extLst>
+          </p:cNvPr>
+          <p:cNvSpPr>
+            <a:spLocks noGrp="1"/>
+          </p:cNvSpPr>
+          <p:nvPr>
+            <p:ph type="title"/>
+          </p:nvPr>
+        </p:nvSpPr>
+        <p:spPr/>
+        <p:txBody>
+          <a:bodyPr/>
+          <a:lstStyle/>
+          <a:p>
+            <a:r>
+              <a:rPr lang="fr-FR" dirty="0"/>
+              <a:t>Trucs et Astuces</a:t>
+            </a:r>
+          </a:p>
+        </p:txBody>
+      </p:sp>
+      <p:sp>
+        <p:nvSpPr>
+          <p:cNvPr id="3" name="Espace réservé du contenu 2">
+            <a:extLst>
+              <a:ext uri="{FF2B5EF4-FFF2-40B4-BE49-F238E27FC236}">
+                <a16:creationId xmlns:a16="http://schemas.microsoft.com/office/drawing/2014/main" id="{E0BBB9DE-019C-C741-F224-494739D4B752}"/>
+              </a:ext>
+            </a:extLst>
+          </p:cNvPr>
+          <p:cNvSpPr>
+            <a:spLocks noGrp="1"/>
+          </p:cNvSpPr>
+          <p:nvPr>
+            <p:ph sz="half" idx="1"/>
+          </p:nvPr>
+        </p:nvSpPr>
+        <p:spPr/>
+        <p:txBody>
+          <a:bodyPr/>
+          <a:lstStyle/>
+          <a:p>
+            <a:r>
+              <a:rPr lang="fr-FR" dirty="0"/>
+              <a:t>Affichage propre type Latex</a:t>
+            </a:r>
+          </a:p>
+        </p:txBody>
+      </p:sp>
+      <p:pic>
+        <p:nvPicPr>
+          <p:cNvPr id="5" name="Image 4" descr="Une image contenant texte&#10;&#10;Description générée automatiquement">
+            <a:extLst>
+              <a:ext uri="{FF2B5EF4-FFF2-40B4-BE49-F238E27FC236}">
+                <a16:creationId xmlns:a16="http://schemas.microsoft.com/office/drawing/2014/main" id="{66D2630B-81F4-A4EB-21BA-8B90CF30BD92}"/>
+              </a:ext>
+            </a:extLst>
+          </p:cNvPr>
+          <p:cNvPicPr>
+            <a:picLocks noChangeAspect="1"/>
+          </p:cNvPicPr>
+          <p:nvPr/>
+        </p:nvPicPr>
+        <p:blipFill>
+          <a:blip r:embed="rId2">
+            <a:extLst>
+              <a:ext uri="{28A0092B-C50C-407E-A947-70E740481C1C}">
+                <a14:useLocalDpi xmlns:a14="http://schemas.microsoft.com/office/drawing/2010/main" val="0"/>
+              </a:ext>
+            </a:extLst>
+          </a:blip>
+          <a:stretch>
+            <a:fillRect/>
+          </a:stretch>
+        </p:blipFill>
+        <p:spPr>
+          <a:xfrm>
+            <a:off x="202922" y="5934456"/>
+            <a:ext cx="1825291" cy="749808"/>
+          </a:xfrm>
+          <a:prstGeom prst="rect">
+            <a:avLst/>
+          </a:prstGeom>
+        </p:spPr>
+      </p:pic>
+      <p:sp>
+        <p:nvSpPr>
+          <p:cNvPr id="8" name="ZoneTexte 7">
+            <a:extLst>
+              <a:ext uri="{FF2B5EF4-FFF2-40B4-BE49-F238E27FC236}">
+                <a16:creationId xmlns:a16="http://schemas.microsoft.com/office/drawing/2014/main" id="{AB4CF02F-D96C-814E-D523-464C902872B9}"/>
+              </a:ext>
+            </a:extLst>
+          </p:cNvPr>
+          <p:cNvSpPr txBox="1"/>
+          <p:nvPr/>
+        </p:nvSpPr>
+        <p:spPr>
+          <a:xfrm>
+            <a:off x="1892539" y="3335687"/>
+            <a:ext cx="3526614" cy="923330"/>
+          </a:xfrm>
+          <a:prstGeom prst="rect">
+            <a:avLst/>
+          </a:prstGeom>
+          <a:solidFill>
+            <a:schemeClr val="accent1">
+              <a:lumMod val="40000"/>
+              <a:lumOff val="60000"/>
+            </a:schemeClr>
+          </a:solidFill>
+        </p:spPr>
+        <p:txBody>
+          <a:bodyPr wrap="square" rtlCol="0">
+            <a:spAutoFit/>
+          </a:bodyPr>
+          <a:lstStyle/>
+          <a:p>
+            <a:r>
+              <a:rPr lang="fr-FR" b="1" dirty="0" err="1"/>
+              <a:t>from</a:t>
+            </a:r>
+            <a:r>
+              <a:rPr lang="fr-FR" dirty="0"/>
+              <a:t> </a:t>
+            </a:r>
+            <a:r>
+              <a:rPr lang="fr-FR" i="1" dirty="0" err="1"/>
+              <a:t>IPython</a:t>
+            </a:r>
+            <a:r>
+              <a:rPr lang="fr-FR" dirty="0" err="1"/>
+              <a:t>.</a:t>
+            </a:r>
+            <a:r>
+              <a:rPr lang="fr-FR" i="1" dirty="0" err="1"/>
+              <a:t>display</a:t>
+            </a:r>
+            <a:r>
+              <a:rPr lang="fr-FR" dirty="0"/>
+              <a:t> </a:t>
+            </a:r>
+            <a:r>
+              <a:rPr lang="fr-FR" b="1" dirty="0"/>
+              <a:t>import</a:t>
+            </a:r>
+            <a:r>
+              <a:rPr lang="fr-FR" dirty="0"/>
+              <a:t> *</a:t>
+            </a:r>
+          </a:p>
+          <a:p>
+            <a:endParaRPr lang="fr-FR" b="1" dirty="0"/>
+          </a:p>
+          <a:p>
+            <a:r>
+              <a:rPr lang="fr-FR" b="1" dirty="0"/>
+              <a:t>display</a:t>
+            </a:r>
+            <a:r>
+              <a:rPr lang="fr-FR" dirty="0"/>
+              <a:t>(expression)</a:t>
+            </a:r>
+          </a:p>
+        </p:txBody>
+      </p:sp>
+      <p:sp>
+        <p:nvSpPr>
+          <p:cNvPr id="9" name="ZoneTexte 8">
+            <a:extLst>
+              <a:ext uri="{FF2B5EF4-FFF2-40B4-BE49-F238E27FC236}">
+                <a16:creationId xmlns:a16="http://schemas.microsoft.com/office/drawing/2014/main" id="{E3AD977F-78C3-C71B-A7D0-587471CB215F}"/>
+              </a:ext>
+            </a:extLst>
+          </p:cNvPr>
+          <p:cNvSpPr txBox="1"/>
+          <p:nvPr/>
+        </p:nvSpPr>
+        <p:spPr>
+          <a:xfrm>
+            <a:off x="2484315" y="4325112"/>
+            <a:ext cx="2923426" cy="923330"/>
+          </a:xfrm>
+          <a:prstGeom prst="rect">
+            <a:avLst/>
+          </a:prstGeom>
+          <a:noFill/>
+        </p:spPr>
+        <p:txBody>
+          <a:bodyPr wrap="square">
+            <a:spAutoFit/>
+          </a:bodyPr>
+          <a:lstStyle/>
+          <a:p>
+            <a:pPr algn="r"/>
+            <a:r>
+              <a:rPr lang="fr-FR" i="1" dirty="0">
+                <a:solidFill>
+                  <a:schemeClr val="tx1">
+                    <a:lumMod val="75000"/>
+                    <a:lumOff val="25000"/>
+                  </a:schemeClr>
+                </a:solidFill>
+              </a:rPr>
+              <a:t>Intéressant avec </a:t>
+            </a:r>
+            <a:r>
+              <a:rPr lang="fr-FR" i="1" dirty="0" err="1">
+                <a:solidFill>
+                  <a:schemeClr val="tx1">
+                    <a:lumMod val="75000"/>
+                    <a:lumOff val="25000"/>
+                  </a:schemeClr>
+                </a:solidFill>
+              </a:rPr>
+              <a:t>Sympy</a:t>
+            </a:r>
+            <a:endParaRPr lang="fr-FR" i="1" dirty="0">
+              <a:solidFill>
+                <a:schemeClr val="tx1">
+                  <a:lumMod val="75000"/>
+                  <a:lumOff val="25000"/>
+                </a:schemeClr>
+              </a:solidFill>
+            </a:endParaRPr>
+          </a:p>
+          <a:p>
+            <a:pPr algn="r"/>
+            <a:endParaRPr lang="fr-FR" i="1" dirty="0">
+              <a:solidFill>
+                <a:schemeClr val="tx1">
+                  <a:lumMod val="75000"/>
+                  <a:lumOff val="25000"/>
+                </a:schemeClr>
+              </a:solidFill>
+            </a:endParaRPr>
+          </a:p>
+          <a:p>
+            <a:pPr algn="r"/>
+            <a:r>
+              <a:rPr lang="fr-FR" i="1" dirty="0">
+                <a:solidFill>
+                  <a:schemeClr val="tx1">
+                    <a:lumMod val="75000"/>
+                    <a:lumOff val="25000"/>
+                  </a:schemeClr>
+                </a:solidFill>
+              </a:rPr>
+              <a:t>Déjà intégré dans </a:t>
+            </a:r>
+            <a:r>
+              <a:rPr lang="fr-FR" i="1" dirty="0" err="1">
+                <a:solidFill>
+                  <a:schemeClr val="tx1">
+                    <a:lumMod val="75000"/>
+                    <a:lumOff val="25000"/>
+                  </a:schemeClr>
+                </a:solidFill>
+              </a:rPr>
+              <a:t>Jupyter</a:t>
+            </a:r>
+            <a:endParaRPr lang="fr-FR" i="1" dirty="0">
+              <a:solidFill>
+                <a:schemeClr val="tx1">
+                  <a:lumMod val="75000"/>
+                  <a:lumOff val="25000"/>
+                </a:schemeClr>
+              </a:solidFill>
+            </a:endParaRPr>
+          </a:p>
+        </p:txBody>
+      </p:sp>
+      <p:pic>
+        <p:nvPicPr>
+          <p:cNvPr id="11" name="Image 10">
+            <a:extLst>
+              <a:ext uri="{FF2B5EF4-FFF2-40B4-BE49-F238E27FC236}">
+                <a16:creationId xmlns:a16="http://schemas.microsoft.com/office/drawing/2014/main" id="{DD30932F-91EF-36A4-8BA9-FF62F37D3240}"/>
+              </a:ext>
+            </a:extLst>
+          </p:cNvPr>
+          <p:cNvPicPr>
+            <a:picLocks noChangeAspect="1"/>
+          </p:cNvPicPr>
+          <p:nvPr/>
+        </p:nvPicPr>
+        <p:blipFill>
+          <a:blip r:embed="rId3"/>
+          <a:stretch>
+            <a:fillRect/>
+          </a:stretch>
+        </p:blipFill>
+        <p:spPr>
+          <a:xfrm>
+            <a:off x="7239687" y="4995072"/>
+            <a:ext cx="3962400" cy="923925"/>
+          </a:xfrm>
+          <a:prstGeom prst="rect">
+            <a:avLst/>
+          </a:prstGeom>
+        </p:spPr>
+      </p:pic>
+      <p:sp>
+        <p:nvSpPr>
+          <p:cNvPr id="13" name="ZoneTexte 12">
+            <a:extLst>
+              <a:ext uri="{FF2B5EF4-FFF2-40B4-BE49-F238E27FC236}">
+                <a16:creationId xmlns:a16="http://schemas.microsoft.com/office/drawing/2014/main" id="{54377704-3E35-D08C-9083-BD5DA02B1F42}"/>
+              </a:ext>
+            </a:extLst>
+          </p:cNvPr>
+          <p:cNvSpPr txBox="1"/>
+          <p:nvPr/>
+        </p:nvSpPr>
+        <p:spPr>
+          <a:xfrm>
+            <a:off x="6036909" y="5129785"/>
+            <a:ext cx="1219198" cy="307777"/>
+          </a:xfrm>
+          <a:prstGeom prst="rect">
+            <a:avLst/>
+          </a:prstGeom>
+          <a:noFill/>
+        </p:spPr>
+        <p:txBody>
+          <a:bodyPr wrap="square">
+            <a:spAutoFit/>
+          </a:bodyPr>
+          <a:lstStyle/>
+          <a:p>
+            <a:r>
+              <a:rPr lang="fr-FR" sz="1400" b="1" dirty="0"/>
+              <a:t>display</a:t>
+            </a:r>
+            <a:endParaRPr lang="fr-FR" sz="1400" dirty="0"/>
+          </a:p>
+        </p:txBody>
+      </p:sp>
+      <p:sp>
+        <p:nvSpPr>
+          <p:cNvPr id="14" name="ZoneTexte 13">
+            <a:extLst>
+              <a:ext uri="{FF2B5EF4-FFF2-40B4-BE49-F238E27FC236}">
+                <a16:creationId xmlns:a16="http://schemas.microsoft.com/office/drawing/2014/main" id="{1A6C7452-8C23-96C3-4E30-0A6584D550E0}"/>
+              </a:ext>
+            </a:extLst>
+          </p:cNvPr>
+          <p:cNvSpPr txBox="1"/>
+          <p:nvPr/>
+        </p:nvSpPr>
+        <p:spPr>
+          <a:xfrm>
+            <a:off x="6053328" y="5611582"/>
+            <a:ext cx="1219198" cy="307777"/>
+          </a:xfrm>
+          <a:prstGeom prst="rect">
+            <a:avLst/>
+          </a:prstGeom>
+          <a:noFill/>
+        </p:spPr>
+        <p:txBody>
+          <a:bodyPr wrap="square">
+            <a:spAutoFit/>
+          </a:bodyPr>
+          <a:lstStyle/>
+          <a:p>
+            <a:r>
+              <a:rPr lang="fr-FR" sz="1400" b="1" dirty="0" err="1"/>
+              <a:t>print</a:t>
+            </a:r>
+            <a:endParaRPr lang="fr-FR" sz="1400" dirty="0"/>
+          </a:p>
+        </p:txBody>
+      </p:sp>
+      <p:pic>
+        <p:nvPicPr>
+          <p:cNvPr id="4" name="Picture 8" descr="Résultat de recherche d'images pour &quot;spyder logo&quot;">
+            <a:extLst>
+              <a:ext uri="{FF2B5EF4-FFF2-40B4-BE49-F238E27FC236}">
+                <a16:creationId xmlns:a16="http://schemas.microsoft.com/office/drawing/2014/main" id="{A67BE3DC-B7CA-12C6-85F3-3C0E16E505E7}"/>
+              </a:ext>
+            </a:extLst>
+          </p:cNvPr>
+          <p:cNvPicPr>
+            <a:picLocks noChangeAspect="1" noChangeArrowheads="1"/>
+          </p:cNvPicPr>
+          <p:nvPr/>
+        </p:nvPicPr>
+        <p:blipFill>
+          <a:blip r:embed="rId4">
+            <a:extLst>
+              <a:ext uri="{28A0092B-C50C-407E-A947-70E740481C1C}">
+                <a14:useLocalDpi xmlns:a14="http://schemas.microsoft.com/office/drawing/2010/main" val="0"/>
+              </a:ext>
+            </a:extLst>
+          </a:blip>
+          <a:srcRect/>
+          <a:stretch>
+            <a:fillRect/>
+          </a:stretch>
+        </p:blipFill>
+        <p:spPr bwMode="auto">
+          <a:xfrm>
+            <a:off x="8941922" y="660046"/>
+            <a:ext cx="1913528" cy="956764"/>
+          </a:xfrm>
+          <a:prstGeom prst="rect">
+            <a:avLst/>
+          </a:prstGeom>
+          <a:noFill/>
+          <a:extLst>
+            <a:ext uri="{909E8E84-426E-40DD-AFC4-6F175D3DCCD1}">
+              <a14:hiddenFill xmlns:a14="http://schemas.microsoft.com/office/drawing/2010/main">
+                <a:solidFill>
+                  <a:srgbClr val="FFFFFF"/>
+                </a:solidFill>
+              </a14:hiddenFill>
+            </a:ext>
+          </a:extLst>
+        </p:spPr>
+      </p:pic>
+    </p:spTree>
+    <p:extLst>
+      <p:ext uri="{BB962C8B-B14F-4D97-AF65-F5344CB8AC3E}">
+        <p14:creationId xmlns:p14="http://schemas.microsoft.com/office/powerpoint/2010/main" val="683804796"/>
+      </p:ext>
+    </p:extLst>
+  </p:cSld>
+  <p:clrMapOvr>
+    <a:masterClrMapping/>
+  </p:clrMapOvr>
+</p:sld>
+</file>
+
+<file path=ppt/slides/slide20.xml><?xml version="1.0" encoding="utf-8"?>
 <p:sld xmlns:a="http://schemas.openxmlformats.org/drawingml/2006/main" xmlns:r="http://schemas.openxmlformats.org/officeDocument/2006/relationships" xmlns:p="http://schemas.openxmlformats.org/presentationml/2006/main">
   <p:cSld>
     <p:spTree>
@@ -13529,7 +14501,7 @@
           <a:p>
             <a:fld id="{B2DC25EE-239B-4C5F-AAD1-255A7D5F1EE2}" type="slidenum">
               <a:rPr lang="en-US" smtClean="0"/>
-              <a:t>19</a:t>
+              <a:t>20</a:t>
             </a:fld>
             <a:endParaRPr lang="en-US"/>
           </a:p>
@@ -14508,475 +15480,7 @@
 </p:sld>
 </file>
 
-<file path=ppt/slides/slide2.xml><?xml version="1.0" encoding="utf-8"?>
-<p:sld xmlns:a="http://schemas.openxmlformats.org/drawingml/2006/main" xmlns:r="http://schemas.openxmlformats.org/officeDocument/2006/relationships" xmlns:p="http://schemas.openxmlformats.org/presentationml/2006/main">
-  <p:cSld>
-    <p:bg>
-      <p:bgPr>
-        <a:solidFill>
-          <a:schemeClr val="bg1">
-            <a:lumMod val="95000"/>
-          </a:schemeClr>
-        </a:solidFill>
-        <a:effectLst/>
-      </p:bgPr>
-    </p:bg>
-    <p:spTree>
-      <p:nvGrpSpPr>
-        <p:cNvPr id="1" name=""/>
-        <p:cNvGrpSpPr/>
-        <p:nvPr/>
-      </p:nvGrpSpPr>
-      <p:grpSpPr>
-        <a:xfrm>
-          <a:off x="0" y="0"/>
-          <a:ext cx="0" cy="0"/>
-          <a:chOff x="0" y="0"/>
-          <a:chExt cx="0" cy="0"/>
-        </a:xfrm>
-      </p:grpSpPr>
-      <p:sp>
-        <p:nvSpPr>
-          <p:cNvPr id="2" name="Titre 1">
-            <a:extLst>
-              <a:ext uri="{FF2B5EF4-FFF2-40B4-BE49-F238E27FC236}">
-                <a16:creationId xmlns:a16="http://schemas.microsoft.com/office/drawing/2014/main" id="{90162AE8-C1B0-5C56-8313-DEE494F38273}"/>
-              </a:ext>
-            </a:extLst>
-          </p:cNvPr>
-          <p:cNvSpPr>
-            <a:spLocks noGrp="1"/>
-          </p:cNvSpPr>
-          <p:nvPr>
-            <p:ph type="title"/>
-          </p:nvPr>
-        </p:nvSpPr>
-        <p:spPr/>
-        <p:txBody>
-          <a:bodyPr/>
-          <a:lstStyle/>
-          <a:p>
-            <a:r>
-              <a:rPr lang="fr-FR" dirty="0"/>
-              <a:t>Trucs et Astuces</a:t>
-            </a:r>
-          </a:p>
-        </p:txBody>
-      </p:sp>
-      <p:sp>
-        <p:nvSpPr>
-          <p:cNvPr id="3" name="Espace réservé du contenu 2">
-            <a:extLst>
-              <a:ext uri="{FF2B5EF4-FFF2-40B4-BE49-F238E27FC236}">
-                <a16:creationId xmlns:a16="http://schemas.microsoft.com/office/drawing/2014/main" id="{E0BBB9DE-019C-C741-F224-494739D4B752}"/>
-              </a:ext>
-            </a:extLst>
-          </p:cNvPr>
-          <p:cNvSpPr>
-            <a:spLocks noGrp="1"/>
-          </p:cNvSpPr>
-          <p:nvPr>
-            <p:ph sz="half" idx="1"/>
-          </p:nvPr>
-        </p:nvSpPr>
-        <p:spPr/>
-        <p:txBody>
-          <a:bodyPr/>
-          <a:lstStyle/>
-          <a:p>
-            <a:r>
-              <a:rPr lang="fr-FR" dirty="0"/>
-              <a:t>Affichage propre type Latex</a:t>
-            </a:r>
-          </a:p>
-        </p:txBody>
-      </p:sp>
-      <p:pic>
-        <p:nvPicPr>
-          <p:cNvPr id="5" name="Image 4" descr="Une image contenant texte&#10;&#10;Description générée automatiquement">
-            <a:extLst>
-              <a:ext uri="{FF2B5EF4-FFF2-40B4-BE49-F238E27FC236}">
-                <a16:creationId xmlns:a16="http://schemas.microsoft.com/office/drawing/2014/main" id="{66D2630B-81F4-A4EB-21BA-8B90CF30BD92}"/>
-              </a:ext>
-            </a:extLst>
-          </p:cNvPr>
-          <p:cNvPicPr>
-            <a:picLocks noChangeAspect="1"/>
-          </p:cNvPicPr>
-          <p:nvPr/>
-        </p:nvPicPr>
-        <p:blipFill>
-          <a:blip r:embed="rId2">
-            <a:extLst>
-              <a:ext uri="{28A0092B-C50C-407E-A947-70E740481C1C}">
-                <a14:useLocalDpi xmlns:a14="http://schemas.microsoft.com/office/drawing/2010/main" val="0"/>
-              </a:ext>
-            </a:extLst>
-          </a:blip>
-          <a:stretch>
-            <a:fillRect/>
-          </a:stretch>
-        </p:blipFill>
-        <p:spPr>
-          <a:xfrm>
-            <a:off x="202922" y="5934456"/>
-            <a:ext cx="1825291" cy="749808"/>
-          </a:xfrm>
-          <a:prstGeom prst="rect">
-            <a:avLst/>
-          </a:prstGeom>
-        </p:spPr>
-      </p:pic>
-      <p:sp>
-        <p:nvSpPr>
-          <p:cNvPr id="8" name="ZoneTexte 7">
-            <a:extLst>
-              <a:ext uri="{FF2B5EF4-FFF2-40B4-BE49-F238E27FC236}">
-                <a16:creationId xmlns:a16="http://schemas.microsoft.com/office/drawing/2014/main" id="{AB4CF02F-D96C-814E-D523-464C902872B9}"/>
-              </a:ext>
-            </a:extLst>
-          </p:cNvPr>
-          <p:cNvSpPr txBox="1"/>
-          <p:nvPr/>
-        </p:nvSpPr>
-        <p:spPr>
-          <a:xfrm>
-            <a:off x="1892539" y="3335687"/>
-            <a:ext cx="3526614" cy="923330"/>
-          </a:xfrm>
-          <a:prstGeom prst="rect">
-            <a:avLst/>
-          </a:prstGeom>
-          <a:solidFill>
-            <a:schemeClr val="accent1">
-              <a:lumMod val="40000"/>
-              <a:lumOff val="60000"/>
-            </a:schemeClr>
-          </a:solidFill>
-        </p:spPr>
-        <p:txBody>
-          <a:bodyPr wrap="square" rtlCol="0">
-            <a:spAutoFit/>
-          </a:bodyPr>
-          <a:lstStyle/>
-          <a:p>
-            <a:r>
-              <a:rPr lang="fr-FR" b="1" dirty="0" err="1"/>
-              <a:t>from</a:t>
-            </a:r>
-            <a:r>
-              <a:rPr lang="fr-FR" dirty="0"/>
-              <a:t> </a:t>
-            </a:r>
-            <a:r>
-              <a:rPr lang="fr-FR" i="1" dirty="0" err="1"/>
-              <a:t>IPython</a:t>
-            </a:r>
-            <a:r>
-              <a:rPr lang="fr-FR" dirty="0" err="1"/>
-              <a:t>.</a:t>
-            </a:r>
-            <a:r>
-              <a:rPr lang="fr-FR" i="1" dirty="0" err="1"/>
-              <a:t>display</a:t>
-            </a:r>
-            <a:r>
-              <a:rPr lang="fr-FR" dirty="0"/>
-              <a:t> </a:t>
-            </a:r>
-            <a:r>
-              <a:rPr lang="fr-FR" b="1" dirty="0"/>
-              <a:t>import</a:t>
-            </a:r>
-            <a:r>
-              <a:rPr lang="fr-FR" dirty="0"/>
-              <a:t> *</a:t>
-            </a:r>
-          </a:p>
-          <a:p>
-            <a:endParaRPr lang="fr-FR" b="1" dirty="0"/>
-          </a:p>
-          <a:p>
-            <a:r>
-              <a:rPr lang="fr-FR" b="1" dirty="0"/>
-              <a:t>display</a:t>
-            </a:r>
-            <a:r>
-              <a:rPr lang="fr-FR" dirty="0"/>
-              <a:t>(expression)</a:t>
-            </a:r>
-          </a:p>
-        </p:txBody>
-      </p:sp>
-      <p:sp>
-        <p:nvSpPr>
-          <p:cNvPr id="9" name="ZoneTexte 8">
-            <a:extLst>
-              <a:ext uri="{FF2B5EF4-FFF2-40B4-BE49-F238E27FC236}">
-                <a16:creationId xmlns:a16="http://schemas.microsoft.com/office/drawing/2014/main" id="{E3AD977F-78C3-C71B-A7D0-587471CB215F}"/>
-              </a:ext>
-            </a:extLst>
-          </p:cNvPr>
-          <p:cNvSpPr txBox="1"/>
-          <p:nvPr/>
-        </p:nvSpPr>
-        <p:spPr>
-          <a:xfrm>
-            <a:off x="2484315" y="4325112"/>
-            <a:ext cx="2923426" cy="923330"/>
-          </a:xfrm>
-          <a:prstGeom prst="rect">
-            <a:avLst/>
-          </a:prstGeom>
-          <a:noFill/>
-        </p:spPr>
-        <p:txBody>
-          <a:bodyPr wrap="square">
-            <a:spAutoFit/>
-          </a:bodyPr>
-          <a:lstStyle/>
-          <a:p>
-            <a:pPr algn="r"/>
-            <a:r>
-              <a:rPr lang="fr-FR" i="1" dirty="0">
-                <a:solidFill>
-                  <a:schemeClr val="tx1">
-                    <a:lumMod val="75000"/>
-                    <a:lumOff val="25000"/>
-                  </a:schemeClr>
-                </a:solidFill>
-              </a:rPr>
-              <a:t>Intéressant avec </a:t>
-            </a:r>
-            <a:r>
-              <a:rPr lang="fr-FR" i="1" dirty="0" err="1">
-                <a:solidFill>
-                  <a:schemeClr val="tx1">
-                    <a:lumMod val="75000"/>
-                    <a:lumOff val="25000"/>
-                  </a:schemeClr>
-                </a:solidFill>
-              </a:rPr>
-              <a:t>Sympy</a:t>
-            </a:r>
-            <a:endParaRPr lang="fr-FR" i="1" dirty="0">
-              <a:solidFill>
-                <a:schemeClr val="tx1">
-                  <a:lumMod val="75000"/>
-                  <a:lumOff val="25000"/>
-                </a:schemeClr>
-              </a:solidFill>
-            </a:endParaRPr>
-          </a:p>
-          <a:p>
-            <a:pPr algn="r"/>
-            <a:endParaRPr lang="fr-FR" i="1" dirty="0">
-              <a:solidFill>
-                <a:schemeClr val="tx1">
-                  <a:lumMod val="75000"/>
-                  <a:lumOff val="25000"/>
-                </a:schemeClr>
-              </a:solidFill>
-            </a:endParaRPr>
-          </a:p>
-          <a:p>
-            <a:pPr algn="r"/>
-            <a:r>
-              <a:rPr lang="fr-FR" i="1" dirty="0">
-                <a:solidFill>
-                  <a:schemeClr val="tx1">
-                    <a:lumMod val="75000"/>
-                    <a:lumOff val="25000"/>
-                  </a:schemeClr>
-                </a:solidFill>
-              </a:rPr>
-              <a:t>Déjà intégré dans </a:t>
-            </a:r>
-            <a:r>
-              <a:rPr lang="fr-FR" i="1" dirty="0" err="1">
-                <a:solidFill>
-                  <a:schemeClr val="tx1">
-                    <a:lumMod val="75000"/>
-                    <a:lumOff val="25000"/>
-                  </a:schemeClr>
-                </a:solidFill>
-              </a:rPr>
-              <a:t>Jupyter</a:t>
-            </a:r>
-            <a:endParaRPr lang="fr-FR" i="1" dirty="0">
-              <a:solidFill>
-                <a:schemeClr val="tx1">
-                  <a:lumMod val="75000"/>
-                  <a:lumOff val="25000"/>
-                </a:schemeClr>
-              </a:solidFill>
-            </a:endParaRPr>
-          </a:p>
-        </p:txBody>
-      </p:sp>
-      <p:pic>
-        <p:nvPicPr>
-          <p:cNvPr id="11" name="Image 10">
-            <a:extLst>
-              <a:ext uri="{FF2B5EF4-FFF2-40B4-BE49-F238E27FC236}">
-                <a16:creationId xmlns:a16="http://schemas.microsoft.com/office/drawing/2014/main" id="{DD30932F-91EF-36A4-8BA9-FF62F37D3240}"/>
-              </a:ext>
-            </a:extLst>
-          </p:cNvPr>
-          <p:cNvPicPr>
-            <a:picLocks noChangeAspect="1"/>
-          </p:cNvPicPr>
-          <p:nvPr/>
-        </p:nvPicPr>
-        <p:blipFill>
-          <a:blip r:embed="rId3"/>
-          <a:stretch>
-            <a:fillRect/>
-          </a:stretch>
-        </p:blipFill>
-        <p:spPr>
-          <a:xfrm>
-            <a:off x="7239687" y="4995072"/>
-            <a:ext cx="3962400" cy="923925"/>
-          </a:xfrm>
-          <a:prstGeom prst="rect">
-            <a:avLst/>
-          </a:prstGeom>
-        </p:spPr>
-      </p:pic>
-      <p:sp>
-        <p:nvSpPr>
-          <p:cNvPr id="13" name="ZoneTexte 12">
-            <a:extLst>
-              <a:ext uri="{FF2B5EF4-FFF2-40B4-BE49-F238E27FC236}">
-                <a16:creationId xmlns:a16="http://schemas.microsoft.com/office/drawing/2014/main" id="{54377704-3E35-D08C-9083-BD5DA02B1F42}"/>
-              </a:ext>
-            </a:extLst>
-          </p:cNvPr>
-          <p:cNvSpPr txBox="1"/>
-          <p:nvPr/>
-        </p:nvSpPr>
-        <p:spPr>
-          <a:xfrm>
-            <a:off x="6036909" y="5129785"/>
-            <a:ext cx="1219198" cy="307777"/>
-          </a:xfrm>
-          <a:prstGeom prst="rect">
-            <a:avLst/>
-          </a:prstGeom>
-          <a:noFill/>
-        </p:spPr>
-        <p:txBody>
-          <a:bodyPr wrap="square">
-            <a:spAutoFit/>
-          </a:bodyPr>
-          <a:lstStyle/>
-          <a:p>
-            <a:r>
-              <a:rPr lang="fr-FR" sz="1400" b="1" dirty="0"/>
-              <a:t>display</a:t>
-            </a:r>
-            <a:endParaRPr lang="fr-FR" sz="1400" dirty="0"/>
-          </a:p>
-        </p:txBody>
-      </p:sp>
-      <p:sp>
-        <p:nvSpPr>
-          <p:cNvPr id="14" name="ZoneTexte 13">
-            <a:extLst>
-              <a:ext uri="{FF2B5EF4-FFF2-40B4-BE49-F238E27FC236}">
-                <a16:creationId xmlns:a16="http://schemas.microsoft.com/office/drawing/2014/main" id="{1A6C7452-8C23-96C3-4E30-0A6584D550E0}"/>
-              </a:ext>
-            </a:extLst>
-          </p:cNvPr>
-          <p:cNvSpPr txBox="1"/>
-          <p:nvPr/>
-        </p:nvSpPr>
-        <p:spPr>
-          <a:xfrm>
-            <a:off x="6053328" y="5611582"/>
-            <a:ext cx="1219198" cy="307777"/>
-          </a:xfrm>
-          <a:prstGeom prst="rect">
-            <a:avLst/>
-          </a:prstGeom>
-          <a:noFill/>
-        </p:spPr>
-        <p:txBody>
-          <a:bodyPr wrap="square">
-            <a:spAutoFit/>
-          </a:bodyPr>
-          <a:lstStyle/>
-          <a:p>
-            <a:r>
-              <a:rPr lang="fr-FR" sz="1400" b="1" dirty="0" err="1"/>
-              <a:t>print</a:t>
-            </a:r>
-            <a:endParaRPr lang="fr-FR" sz="1400" dirty="0"/>
-          </a:p>
-        </p:txBody>
-      </p:sp>
-      <p:pic>
-        <p:nvPicPr>
-          <p:cNvPr id="4" name="Picture 8" descr="Résultat de recherche d'images pour &quot;spyder logo&quot;">
-            <a:extLst>
-              <a:ext uri="{FF2B5EF4-FFF2-40B4-BE49-F238E27FC236}">
-                <a16:creationId xmlns:a16="http://schemas.microsoft.com/office/drawing/2014/main" id="{A67BE3DC-B7CA-12C6-85F3-3C0E16E505E7}"/>
-              </a:ext>
-            </a:extLst>
-          </p:cNvPr>
-          <p:cNvPicPr>
-            <a:picLocks noChangeAspect="1" noChangeArrowheads="1"/>
-          </p:cNvPicPr>
-          <p:nvPr/>
-        </p:nvPicPr>
-        <p:blipFill>
-          <a:blip r:embed="rId4">
-            <a:extLst>
-              <a:ext uri="{28A0092B-C50C-407E-A947-70E740481C1C}">
-                <a14:useLocalDpi xmlns:a14="http://schemas.microsoft.com/office/drawing/2010/main" val="0"/>
-              </a:ext>
-            </a:extLst>
-          </a:blip>
-          <a:srcRect/>
-          <a:stretch>
-            <a:fillRect/>
-          </a:stretch>
-        </p:blipFill>
-        <p:spPr bwMode="auto">
-          <a:xfrm>
-            <a:off x="8941922" y="660046"/>
-            <a:ext cx="1913528" cy="956764"/>
-          </a:xfrm>
-          <a:prstGeom prst="rect">
-            <a:avLst/>
-          </a:prstGeom>
-          <a:noFill/>
-          <a:extLst>
-            <a:ext uri="{909E8E84-426E-40DD-AFC4-6F175D3DCCD1}">
-              <a14:hiddenFill xmlns:a14="http://schemas.microsoft.com/office/drawing/2010/main">
-                <a:solidFill>
-                  <a:srgbClr val="FFFFFF"/>
-                </a:solidFill>
-              </a14:hiddenFill>
-            </a:ext>
-          </a:extLst>
-        </p:spPr>
-      </p:pic>
-    </p:spTree>
-    <p:extLst>
-      <p:ext uri="{BB962C8B-B14F-4D97-AF65-F5344CB8AC3E}">
-        <p14:creationId xmlns:p14="http://schemas.microsoft.com/office/powerpoint/2010/main" val="683804796"/>
-      </p:ext>
-    </p:extLst>
-  </p:cSld>
-  <p:clrMapOvr>
-    <a:masterClrMapping/>
-  </p:clrMapOvr>
-</p:sld>
-</file>
-
-<file path=ppt/slides/slide20.xml><?xml version="1.0" encoding="utf-8"?>
+<file path=ppt/slides/slide21.xml><?xml version="1.0" encoding="utf-8"?>
 <p:sld xmlns:a="http://schemas.openxmlformats.org/drawingml/2006/main" xmlns:r="http://schemas.openxmlformats.org/officeDocument/2006/relationships" xmlns:p="http://schemas.openxmlformats.org/presentationml/2006/main">
   <p:cSld>
     <p:spTree>
@@ -15585,7 +16089,7 @@
           <a:p>
             <a:fld id="{B2DC25EE-239B-4C5F-AAD1-255A7D5F1EE2}" type="slidenum">
               <a:rPr lang="en-US" smtClean="0"/>
-              <a:t>20</a:t>
+              <a:t>21</a:t>
             </a:fld>
             <a:endParaRPr lang="en-US" dirty="0"/>
           </a:p>
@@ -15908,7 +16412,7 @@
 </p:sld>
 </file>
 
-<file path=ppt/slides/slide21.xml><?xml version="1.0" encoding="utf-8"?>
+<file path=ppt/slides/slide22.xml><?xml version="1.0" encoding="utf-8"?>
 <p:sld xmlns:a="http://schemas.openxmlformats.org/drawingml/2006/main" xmlns:r="http://schemas.openxmlformats.org/officeDocument/2006/relationships" xmlns:p="http://schemas.openxmlformats.org/presentationml/2006/main">
   <p:cSld>
     <p:spTree>
@@ -16066,7 +16570,7 @@
           <a:p>
             <a:fld id="{B2DC25EE-239B-4C5F-AAD1-255A7D5F1EE2}" type="slidenum">
               <a:rPr lang="en-US" smtClean="0"/>
-              <a:t>21</a:t>
+              <a:t>22</a:t>
             </a:fld>
             <a:endParaRPr lang="en-US"/>
           </a:p>
@@ -17293,7 +17797,7 @@
 </p:sld>
 </file>
 
-<file path=ppt/slides/slide22.xml><?xml version="1.0" encoding="utf-8"?>
+<file path=ppt/slides/slide23.xml><?xml version="1.0" encoding="utf-8"?>
 <p:sld xmlns:a="http://schemas.openxmlformats.org/drawingml/2006/main" xmlns:r="http://schemas.openxmlformats.org/officeDocument/2006/relationships" xmlns:p="http://schemas.openxmlformats.org/presentationml/2006/main">
   <p:cSld>
     <p:bg>
@@ -17505,7 +18009,7 @@
           <a:p>
             <a:fld id="{B2DC25EE-239B-4C5F-AAD1-255A7D5F1EE2}" type="slidenum">
               <a:rPr lang="en-US" smtClean="0"/>
-              <a:t>22</a:t>
+              <a:t>23</a:t>
             </a:fld>
             <a:endParaRPr lang="en-US" dirty="0"/>
           </a:p>
@@ -17752,6 +18256,16 @@
 <file path=ppt/slides/slide3.xml><?xml version="1.0" encoding="utf-8"?>
 <p:sld xmlns:a="http://schemas.openxmlformats.org/drawingml/2006/main" xmlns:r="http://schemas.openxmlformats.org/officeDocument/2006/relationships" xmlns:p="http://schemas.openxmlformats.org/presentationml/2006/main">
   <p:cSld>
+    <p:bg>
+      <p:bgPr>
+        <a:solidFill>
+          <a:schemeClr val="bg1">
+            <a:lumMod val="95000"/>
+          </a:schemeClr>
+        </a:solidFill>
+        <a:effectLst/>
+      </p:bgPr>
+    </p:bg>
     <p:spTree>
       <p:nvGrpSpPr>
         <p:cNvPr id="1" name=""/>
@@ -17784,14 +18298,12 @@
         </p:nvSpPr>
         <p:spPr/>
         <p:txBody>
-          <a:bodyPr>
-            <a:normAutofit/>
-          </a:bodyPr>
+          <a:bodyPr/>
           <a:lstStyle/>
           <a:p>
             <a:r>
               <a:rPr lang="fr-FR" dirty="0"/>
-              <a:t>Calcul symbolique (ou formel)</a:t>
+              <a:t>Trucs et Astuces</a:t>
             </a:r>
           </a:p>
         </p:txBody>
@@ -17819,6 +18331,374 @@
           <a:p>
             <a:r>
               <a:rPr lang="fr-FR" dirty="0"/>
+              <a:t>Autres paramètres / TO DO</a:t>
+            </a:r>
+          </a:p>
+        </p:txBody>
+      </p:sp>
+      <p:pic>
+        <p:nvPicPr>
+          <p:cNvPr id="5" name="Image 4" descr="Une image contenant texte&#10;&#10;Description générée automatiquement">
+            <a:extLst>
+              <a:ext uri="{FF2B5EF4-FFF2-40B4-BE49-F238E27FC236}">
+                <a16:creationId xmlns:a16="http://schemas.microsoft.com/office/drawing/2014/main" id="{66D2630B-81F4-A4EB-21BA-8B90CF30BD92}"/>
+              </a:ext>
+            </a:extLst>
+          </p:cNvPr>
+          <p:cNvPicPr>
+            <a:picLocks noChangeAspect="1"/>
+          </p:cNvPicPr>
+          <p:nvPr/>
+        </p:nvPicPr>
+        <p:blipFill>
+          <a:blip r:embed="rId2">
+            <a:extLst>
+              <a:ext uri="{28A0092B-C50C-407E-A947-70E740481C1C}">
+                <a14:useLocalDpi xmlns:a14="http://schemas.microsoft.com/office/drawing/2010/main" val="0"/>
+              </a:ext>
+            </a:extLst>
+          </a:blip>
+          <a:stretch>
+            <a:fillRect/>
+          </a:stretch>
+        </p:blipFill>
+        <p:spPr>
+          <a:xfrm>
+            <a:off x="202922" y="5934456"/>
+            <a:ext cx="1825291" cy="749808"/>
+          </a:xfrm>
+          <a:prstGeom prst="rect">
+            <a:avLst/>
+          </a:prstGeom>
+        </p:spPr>
+      </p:pic>
+      <p:pic>
+        <p:nvPicPr>
+          <p:cNvPr id="4" name="Picture 8" descr="Résultat de recherche d'images pour &quot;spyder logo&quot;">
+            <a:extLst>
+              <a:ext uri="{FF2B5EF4-FFF2-40B4-BE49-F238E27FC236}">
+                <a16:creationId xmlns:a16="http://schemas.microsoft.com/office/drawing/2014/main" id="{A67BE3DC-B7CA-12C6-85F3-3C0E16E505E7}"/>
+              </a:ext>
+            </a:extLst>
+          </p:cNvPr>
+          <p:cNvPicPr>
+            <a:picLocks noChangeAspect="1" noChangeArrowheads="1"/>
+          </p:cNvPicPr>
+          <p:nvPr/>
+        </p:nvPicPr>
+        <p:blipFill>
+          <a:blip r:embed="rId3">
+            <a:extLst>
+              <a:ext uri="{28A0092B-C50C-407E-A947-70E740481C1C}">
+                <a14:useLocalDpi xmlns:a14="http://schemas.microsoft.com/office/drawing/2010/main" val="0"/>
+              </a:ext>
+            </a:extLst>
+          </a:blip>
+          <a:srcRect/>
+          <a:stretch>
+            <a:fillRect/>
+          </a:stretch>
+        </p:blipFill>
+        <p:spPr bwMode="auto">
+          <a:xfrm>
+            <a:off x="8941922" y="660046"/>
+            <a:ext cx="1913528" cy="956764"/>
+          </a:xfrm>
+          <a:prstGeom prst="rect">
+            <a:avLst/>
+          </a:prstGeom>
+          <a:noFill/>
+          <a:extLst>
+            <a:ext uri="{909E8E84-426E-40DD-AFC4-6F175D3DCCD1}">
+              <a14:hiddenFill xmlns:a14="http://schemas.microsoft.com/office/drawing/2010/main">
+                <a:solidFill>
+                  <a:srgbClr val="FFFFFF"/>
+                </a:solidFill>
+              </a14:hiddenFill>
+            </a:ext>
+          </a:extLst>
+        </p:spPr>
+      </p:pic>
+      <p:sp>
+        <p:nvSpPr>
+          <p:cNvPr id="7" name="ZoneTexte 6">
+            <a:extLst>
+              <a:ext uri="{FF2B5EF4-FFF2-40B4-BE49-F238E27FC236}">
+                <a16:creationId xmlns:a16="http://schemas.microsoft.com/office/drawing/2014/main" id="{DC84E82B-3094-9732-392E-5C5E8D4D5515}"/>
+              </a:ext>
+            </a:extLst>
+          </p:cNvPr>
+          <p:cNvSpPr txBox="1"/>
+          <p:nvPr/>
+        </p:nvSpPr>
+        <p:spPr>
+          <a:xfrm>
+            <a:off x="1231900" y="3687309"/>
+            <a:ext cx="6096000" cy="1275606"/>
+          </a:xfrm>
+          <a:prstGeom prst="rect">
+            <a:avLst/>
+          </a:prstGeom>
+          <a:noFill/>
+        </p:spPr>
+        <p:txBody>
+          <a:bodyPr wrap="square">
+            <a:spAutoFit/>
+          </a:bodyPr>
+          <a:lstStyle/>
+          <a:p>
+            <a:pPr marL="342900" lvl="0" indent="-342900">
+              <a:lnSpc>
+                <a:spcPct val="107000"/>
+              </a:lnSpc>
+              <a:spcAft>
+                <a:spcPts val="75"/>
+              </a:spcAft>
+              <a:buFont typeface="Symbol" panose="05050102010706020507" pitchFamily="18" charset="2"/>
+              <a:buChar char=""/>
+            </a:pPr>
+            <a:r>
+              <a:rPr lang="fr-FR" sz="1800" kern="0" dirty="0">
+                <a:solidFill>
+                  <a:srgbClr val="37352F"/>
+                </a:solidFill>
+                <a:effectLst/>
+                <a:latin typeface="Segoe UI" panose="020B0502040204020203" pitchFamily="34" charset="0"/>
+                <a:ea typeface="Times New Roman" panose="02020603050405020304" pitchFamily="18" charset="0"/>
+                <a:cs typeface="Times New Roman" panose="02020603050405020304" pitchFamily="18" charset="0"/>
+              </a:rPr>
+              <a:t>Onglet </a:t>
+            </a:r>
+            <a:r>
+              <a:rPr lang="fr-FR" sz="1800" kern="0" dirty="0" err="1">
+                <a:solidFill>
+                  <a:srgbClr val="37352F"/>
+                </a:solidFill>
+                <a:effectLst/>
+                <a:latin typeface="Segoe UI" panose="020B0502040204020203" pitchFamily="34" charset="0"/>
+                <a:ea typeface="Times New Roman" panose="02020603050405020304" pitchFamily="18" charset="0"/>
+                <a:cs typeface="Times New Roman" panose="02020603050405020304" pitchFamily="18" charset="0"/>
+              </a:rPr>
+              <a:t>IPython</a:t>
+            </a:r>
+            <a:r>
+              <a:rPr lang="fr-FR" sz="1800" kern="0" dirty="0">
+                <a:solidFill>
+                  <a:srgbClr val="37352F"/>
+                </a:solidFill>
+                <a:effectLst/>
+                <a:latin typeface="Segoe UI" panose="020B0502040204020203" pitchFamily="34" charset="0"/>
+                <a:ea typeface="Times New Roman" panose="02020603050405020304" pitchFamily="18" charset="0"/>
+                <a:cs typeface="Times New Roman" panose="02020603050405020304" pitchFamily="18" charset="0"/>
+              </a:rPr>
+              <a:t> Console =&gt; Options &gt; </a:t>
+            </a:r>
+            <a:r>
+              <a:rPr lang="fr-FR" sz="1800" kern="0" dirty="0" err="1">
+                <a:solidFill>
+                  <a:srgbClr val="37352F"/>
+                </a:solidFill>
+                <a:effectLst/>
+                <a:latin typeface="Segoe UI" panose="020B0502040204020203" pitchFamily="34" charset="0"/>
+                <a:ea typeface="Times New Roman" panose="02020603050405020304" pitchFamily="18" charset="0"/>
+                <a:cs typeface="Times New Roman" panose="02020603050405020304" pitchFamily="18" charset="0"/>
+              </a:rPr>
+              <a:t>Special</a:t>
+            </a:r>
+            <a:r>
+              <a:rPr lang="fr-FR" sz="1800" kern="0" dirty="0">
+                <a:solidFill>
+                  <a:srgbClr val="37352F"/>
+                </a:solidFill>
+                <a:effectLst/>
+                <a:latin typeface="Segoe UI" panose="020B0502040204020203" pitchFamily="34" charset="0"/>
+                <a:ea typeface="Times New Roman" panose="02020603050405020304" pitchFamily="18" charset="0"/>
+                <a:cs typeface="Times New Roman" panose="02020603050405020304" pitchFamily="18" charset="0"/>
+              </a:rPr>
+              <a:t> consoles &gt; New </a:t>
+            </a:r>
+            <a:r>
+              <a:rPr lang="fr-FR" sz="1800" kern="0" dirty="0" err="1">
+                <a:solidFill>
+                  <a:srgbClr val="37352F"/>
+                </a:solidFill>
+                <a:effectLst/>
+                <a:latin typeface="Segoe UI" panose="020B0502040204020203" pitchFamily="34" charset="0"/>
+                <a:ea typeface="Times New Roman" panose="02020603050405020304" pitchFamily="18" charset="0"/>
+                <a:cs typeface="Times New Roman" panose="02020603050405020304" pitchFamily="18" charset="0"/>
+              </a:rPr>
+              <a:t>Sympy</a:t>
+            </a:r>
+            <a:r>
+              <a:rPr lang="fr-FR" sz="1800" kern="0" dirty="0">
+                <a:solidFill>
+                  <a:srgbClr val="37352F"/>
+                </a:solidFill>
+                <a:effectLst/>
+                <a:latin typeface="Segoe UI" panose="020B0502040204020203" pitchFamily="34" charset="0"/>
+                <a:ea typeface="Times New Roman" panose="02020603050405020304" pitchFamily="18" charset="0"/>
+                <a:cs typeface="Times New Roman" panose="02020603050405020304" pitchFamily="18" charset="0"/>
+              </a:rPr>
+              <a:t> Console</a:t>
+            </a:r>
+            <a:endParaRPr lang="fr-FR" sz="1600" kern="100" dirty="0">
+              <a:effectLst/>
+              <a:latin typeface="Calibri" panose="020F0502020204030204" pitchFamily="34" charset="0"/>
+              <a:ea typeface="Calibri" panose="020F0502020204030204" pitchFamily="34" charset="0"/>
+              <a:cs typeface="Times New Roman" panose="02020603050405020304" pitchFamily="18" charset="0"/>
+            </a:endParaRPr>
+          </a:p>
+          <a:p>
+            <a:pPr marL="342900" lvl="0" indent="-342900">
+              <a:lnSpc>
+                <a:spcPct val="107000"/>
+              </a:lnSpc>
+              <a:spcAft>
+                <a:spcPts val="75"/>
+              </a:spcAft>
+              <a:buFont typeface="Symbol" panose="05050102010706020507" pitchFamily="18" charset="2"/>
+              <a:buChar char=""/>
+            </a:pPr>
+            <a:r>
+              <a:rPr lang="fr-FR" sz="1800" kern="0" dirty="0">
+                <a:solidFill>
+                  <a:srgbClr val="37352F"/>
+                </a:solidFill>
+                <a:effectLst/>
+                <a:latin typeface="Segoe UI" panose="020B0502040204020203" pitchFamily="34" charset="0"/>
+                <a:ea typeface="Times New Roman" panose="02020603050405020304" pitchFamily="18" charset="0"/>
+                <a:cs typeface="Times New Roman" panose="02020603050405020304" pitchFamily="18" charset="0"/>
+              </a:rPr>
+              <a:t>Onglet Plot =&gt; Options &gt; Décocher Mute </a:t>
+            </a:r>
+            <a:r>
+              <a:rPr lang="fr-FR" sz="1800" kern="0" dirty="0" err="1">
+                <a:solidFill>
+                  <a:srgbClr val="37352F"/>
+                </a:solidFill>
+                <a:effectLst/>
+                <a:latin typeface="Segoe UI" panose="020B0502040204020203" pitchFamily="34" charset="0"/>
+                <a:ea typeface="Times New Roman" panose="02020603050405020304" pitchFamily="18" charset="0"/>
+                <a:cs typeface="Times New Roman" panose="02020603050405020304" pitchFamily="18" charset="0"/>
+              </a:rPr>
+              <a:t>InLine</a:t>
+            </a:r>
+            <a:r>
+              <a:rPr lang="fr-FR" sz="1800" kern="0" dirty="0">
+                <a:solidFill>
+                  <a:srgbClr val="37352F"/>
+                </a:solidFill>
+                <a:effectLst/>
+                <a:latin typeface="Segoe UI" panose="020B0502040204020203" pitchFamily="34" charset="0"/>
+                <a:ea typeface="Times New Roman" panose="02020603050405020304" pitchFamily="18" charset="0"/>
+                <a:cs typeface="Times New Roman" panose="02020603050405020304" pitchFamily="18" charset="0"/>
+              </a:rPr>
+              <a:t> </a:t>
+            </a:r>
+            <a:r>
+              <a:rPr lang="fr-FR" sz="1800" kern="0" dirty="0" err="1">
+                <a:solidFill>
+                  <a:srgbClr val="37352F"/>
+                </a:solidFill>
+                <a:effectLst/>
+                <a:latin typeface="Segoe UI" panose="020B0502040204020203" pitchFamily="34" charset="0"/>
+                <a:ea typeface="Times New Roman" panose="02020603050405020304" pitchFamily="18" charset="0"/>
+                <a:cs typeface="Times New Roman" panose="02020603050405020304" pitchFamily="18" charset="0"/>
+              </a:rPr>
+              <a:t>Plotting</a:t>
+            </a:r>
+            <a:endParaRPr lang="fr-FR" sz="1600" kern="100" dirty="0">
+              <a:effectLst/>
+              <a:latin typeface="Calibri" panose="020F0502020204030204" pitchFamily="34" charset="0"/>
+              <a:ea typeface="Calibri" panose="020F0502020204030204" pitchFamily="34" charset="0"/>
+              <a:cs typeface="Times New Roman" panose="02020603050405020304" pitchFamily="18" charset="0"/>
+            </a:endParaRPr>
+          </a:p>
+        </p:txBody>
+      </p:sp>
+    </p:spTree>
+    <p:extLst>
+      <p:ext uri="{BB962C8B-B14F-4D97-AF65-F5344CB8AC3E}">
+        <p14:creationId xmlns:p14="http://schemas.microsoft.com/office/powerpoint/2010/main" val="219711958"/>
+      </p:ext>
+    </p:extLst>
+  </p:cSld>
+  <p:clrMapOvr>
+    <a:masterClrMapping/>
+  </p:clrMapOvr>
+</p:sld>
+</file>
+
+<file path=ppt/slides/slide4.xml><?xml version="1.0" encoding="utf-8"?>
+<p:sld xmlns:a="http://schemas.openxmlformats.org/drawingml/2006/main" xmlns:r="http://schemas.openxmlformats.org/officeDocument/2006/relationships" xmlns:p="http://schemas.openxmlformats.org/presentationml/2006/main">
+  <p:cSld>
+    <p:spTree>
+      <p:nvGrpSpPr>
+        <p:cNvPr id="1" name=""/>
+        <p:cNvGrpSpPr/>
+        <p:nvPr/>
+      </p:nvGrpSpPr>
+      <p:grpSpPr>
+        <a:xfrm>
+          <a:off x="0" y="0"/>
+          <a:ext cx="0" cy="0"/>
+          <a:chOff x="0" y="0"/>
+          <a:chExt cx="0" cy="0"/>
+        </a:xfrm>
+      </p:grpSpPr>
+      <p:sp>
+        <p:nvSpPr>
+          <p:cNvPr id="2" name="Titre 1">
+            <a:extLst>
+              <a:ext uri="{FF2B5EF4-FFF2-40B4-BE49-F238E27FC236}">
+                <a16:creationId xmlns:a16="http://schemas.microsoft.com/office/drawing/2014/main" id="{90162AE8-C1B0-5C56-8313-DEE494F38273}"/>
+              </a:ext>
+            </a:extLst>
+          </p:cNvPr>
+          <p:cNvSpPr>
+            <a:spLocks noGrp="1"/>
+          </p:cNvSpPr>
+          <p:nvPr>
+            <p:ph type="title"/>
+          </p:nvPr>
+        </p:nvSpPr>
+        <p:spPr/>
+        <p:txBody>
+          <a:bodyPr>
+            <a:normAutofit/>
+          </a:bodyPr>
+          <a:lstStyle/>
+          <a:p>
+            <a:r>
+              <a:rPr lang="fr-FR" dirty="0"/>
+              <a:t>Calcul symbolique (ou formel)</a:t>
+            </a:r>
+          </a:p>
+        </p:txBody>
+      </p:sp>
+      <p:sp>
+        <p:nvSpPr>
+          <p:cNvPr id="3" name="Espace réservé du contenu 2">
+            <a:extLst>
+              <a:ext uri="{FF2B5EF4-FFF2-40B4-BE49-F238E27FC236}">
+                <a16:creationId xmlns:a16="http://schemas.microsoft.com/office/drawing/2014/main" id="{E0BBB9DE-019C-C741-F224-494739D4B752}"/>
+              </a:ext>
+            </a:extLst>
+          </p:cNvPr>
+          <p:cNvSpPr>
+            <a:spLocks noGrp="1"/>
+          </p:cNvSpPr>
+          <p:nvPr>
+            <p:ph sz="half" idx="1"/>
+          </p:nvPr>
+        </p:nvSpPr>
+        <p:spPr/>
+        <p:txBody>
+          <a:bodyPr/>
+          <a:lstStyle/>
+          <a:p>
+            <a:r>
+              <a:rPr lang="fr-FR" dirty="0"/>
               <a:t>Approche analytique</a:t>
             </a:r>
           </a:p>
@@ -17847,7 +18727,7 @@
           <a:p>
             <a:fld id="{B2DC25EE-239B-4C5F-AAD1-255A7D5F1EE2}" type="slidenum">
               <a:rPr lang="en-US" smtClean="0"/>
-              <a:t>3</a:t>
+              <a:t>4</a:t>
             </a:fld>
             <a:endParaRPr lang="en-US"/>
           </a:p>
@@ -18959,474 +19839,6 @@
 </p:sld>
 </file>
 
-<file path=ppt/slides/slide4.xml><?xml version="1.0" encoding="utf-8"?>
-<p:sld xmlns:a="http://schemas.openxmlformats.org/drawingml/2006/main" xmlns:r="http://schemas.openxmlformats.org/officeDocument/2006/relationships" xmlns:p="http://schemas.openxmlformats.org/presentationml/2006/main">
-  <p:cSld>
-    <p:spTree>
-      <p:nvGrpSpPr>
-        <p:cNvPr id="1" name=""/>
-        <p:cNvGrpSpPr/>
-        <p:nvPr/>
-      </p:nvGrpSpPr>
-      <p:grpSpPr>
-        <a:xfrm>
-          <a:off x="0" y="0"/>
-          <a:ext cx="0" cy="0"/>
-          <a:chOff x="0" y="0"/>
-          <a:chExt cx="0" cy="0"/>
-        </a:xfrm>
-      </p:grpSpPr>
-      <p:sp>
-        <p:nvSpPr>
-          <p:cNvPr id="2" name="Titre 1">
-            <a:extLst>
-              <a:ext uri="{FF2B5EF4-FFF2-40B4-BE49-F238E27FC236}">
-                <a16:creationId xmlns:a16="http://schemas.microsoft.com/office/drawing/2014/main" id="{90162AE8-C1B0-5C56-8313-DEE494F38273}"/>
-              </a:ext>
-            </a:extLst>
-          </p:cNvPr>
-          <p:cNvSpPr>
-            <a:spLocks noGrp="1"/>
-          </p:cNvSpPr>
-          <p:nvPr>
-            <p:ph type="title"/>
-          </p:nvPr>
-        </p:nvSpPr>
-        <p:spPr/>
-        <p:txBody>
-          <a:bodyPr>
-            <a:normAutofit/>
-          </a:bodyPr>
-          <a:lstStyle/>
-          <a:p>
-            <a:r>
-              <a:rPr lang="fr-FR" dirty="0"/>
-              <a:t>Calcul symbolique (ou formel)</a:t>
-            </a:r>
-          </a:p>
-        </p:txBody>
-      </p:sp>
-      <p:sp>
-        <p:nvSpPr>
-          <p:cNvPr id="3" name="Espace réservé du contenu 2">
-            <a:extLst>
-              <a:ext uri="{FF2B5EF4-FFF2-40B4-BE49-F238E27FC236}">
-                <a16:creationId xmlns:a16="http://schemas.microsoft.com/office/drawing/2014/main" id="{E0BBB9DE-019C-C741-F224-494739D4B752}"/>
-              </a:ext>
-            </a:extLst>
-          </p:cNvPr>
-          <p:cNvSpPr>
-            <a:spLocks noGrp="1"/>
-          </p:cNvSpPr>
-          <p:nvPr>
-            <p:ph sz="half" idx="1"/>
-          </p:nvPr>
-        </p:nvSpPr>
-        <p:spPr/>
-        <p:txBody>
-          <a:bodyPr/>
-          <a:lstStyle/>
-          <a:p>
-            <a:r>
-              <a:rPr lang="fr-FR" dirty="0"/>
-              <a:t>Calcul formel</a:t>
-            </a:r>
-          </a:p>
-        </p:txBody>
-      </p:sp>
-      <p:pic>
-        <p:nvPicPr>
-          <p:cNvPr id="5" name="Image 4" descr="Une image contenant texte&#10;&#10;Description générée automatiquement">
-            <a:extLst>
-              <a:ext uri="{FF2B5EF4-FFF2-40B4-BE49-F238E27FC236}">
-                <a16:creationId xmlns:a16="http://schemas.microsoft.com/office/drawing/2014/main" id="{66D2630B-81F4-A4EB-21BA-8B90CF30BD92}"/>
-              </a:ext>
-            </a:extLst>
-          </p:cNvPr>
-          <p:cNvPicPr>
-            <a:picLocks noChangeAspect="1"/>
-          </p:cNvPicPr>
-          <p:nvPr/>
-        </p:nvPicPr>
-        <p:blipFill>
-          <a:blip r:embed="rId2">
-            <a:extLst>
-              <a:ext uri="{28A0092B-C50C-407E-A947-70E740481C1C}">
-                <a14:useLocalDpi xmlns:a14="http://schemas.microsoft.com/office/drawing/2010/main" val="0"/>
-              </a:ext>
-            </a:extLst>
-          </a:blip>
-          <a:stretch>
-            <a:fillRect/>
-          </a:stretch>
-        </p:blipFill>
-        <p:spPr>
-          <a:xfrm>
-            <a:off x="202922" y="5934456"/>
-            <a:ext cx="1825291" cy="749808"/>
-          </a:xfrm>
-          <a:prstGeom prst="rect">
-            <a:avLst/>
-          </a:prstGeom>
-        </p:spPr>
-      </p:pic>
-      <p:sp>
-        <p:nvSpPr>
-          <p:cNvPr id="4" name="Espace réservé du numéro de diapositive 3">
-            <a:extLst>
-              <a:ext uri="{FF2B5EF4-FFF2-40B4-BE49-F238E27FC236}">
-                <a16:creationId xmlns:a16="http://schemas.microsoft.com/office/drawing/2014/main" id="{F08CDEFC-50F0-4C47-46AC-D28A2807E4F8}"/>
-              </a:ext>
-            </a:extLst>
-          </p:cNvPr>
-          <p:cNvSpPr>
-            <a:spLocks noGrp="1"/>
-          </p:cNvSpPr>
-          <p:nvPr>
-            <p:ph type="sldNum" sz="quarter" idx="12"/>
-          </p:nvPr>
-        </p:nvSpPr>
-        <p:spPr/>
-        <p:txBody>
-          <a:bodyPr/>
-          <a:lstStyle/>
-          <a:p>
-            <a:fld id="{B2DC25EE-239B-4C5F-AAD1-255A7D5F1EE2}" type="slidenum">
-              <a:rPr lang="en-US" smtClean="0"/>
-              <a:t>4</a:t>
-            </a:fld>
-            <a:endParaRPr lang="en-US"/>
-          </a:p>
-        </p:txBody>
-      </p:sp>
-      <p:sp>
-        <p:nvSpPr>
-          <p:cNvPr id="14" name="ZoneTexte 13">
-            <a:extLst>
-              <a:ext uri="{FF2B5EF4-FFF2-40B4-BE49-F238E27FC236}">
-                <a16:creationId xmlns:a16="http://schemas.microsoft.com/office/drawing/2014/main" id="{6F56D312-57F1-D649-F830-85C9C0185D36}"/>
-              </a:ext>
-            </a:extLst>
-          </p:cNvPr>
-          <p:cNvSpPr txBox="1"/>
-          <p:nvPr/>
-        </p:nvSpPr>
-        <p:spPr>
-          <a:xfrm>
-            <a:off x="1696720" y="3170950"/>
-            <a:ext cx="6096000" cy="2308324"/>
-          </a:xfrm>
-          <a:prstGeom prst="rect">
-            <a:avLst/>
-          </a:prstGeom>
-          <a:solidFill>
-            <a:schemeClr val="accent1">
-              <a:lumMod val="20000"/>
-              <a:lumOff val="80000"/>
-            </a:schemeClr>
-          </a:solidFill>
-        </p:spPr>
-        <p:txBody>
-          <a:bodyPr wrap="square">
-            <a:spAutoFit/>
-          </a:bodyPr>
-          <a:lstStyle/>
-          <a:p>
-            <a:r>
-              <a:rPr lang="fr-FR" sz="2400" b="0" i="0" dirty="0">
-                <a:solidFill>
-                  <a:srgbClr val="202122"/>
-                </a:solidFill>
-                <a:effectLst/>
-                <a:latin typeface="Arial" panose="020B0604020202020204" pitchFamily="34" charset="0"/>
-              </a:rPr>
-              <a:t>Le </a:t>
-            </a:r>
-            <a:r>
-              <a:rPr lang="fr-FR" sz="2400" b="1" i="0" dirty="0">
-                <a:solidFill>
-                  <a:srgbClr val="202122"/>
-                </a:solidFill>
-                <a:effectLst/>
-                <a:latin typeface="Arial" panose="020B0604020202020204" pitchFamily="34" charset="0"/>
-              </a:rPr>
-              <a:t>calcul formel</a:t>
-            </a:r>
-            <a:r>
-              <a:rPr lang="fr-FR" sz="2400" b="0" i="0" dirty="0">
-                <a:solidFill>
-                  <a:srgbClr val="202122"/>
-                </a:solidFill>
-                <a:effectLst/>
-                <a:latin typeface="Arial" panose="020B0604020202020204" pitchFamily="34" charset="0"/>
-              </a:rPr>
-              <a:t>, ou parfois </a:t>
-            </a:r>
-            <a:r>
-              <a:rPr lang="fr-FR" sz="2400" b="1" i="0" dirty="0">
-                <a:solidFill>
-                  <a:srgbClr val="202122"/>
-                </a:solidFill>
-                <a:effectLst/>
-                <a:latin typeface="Arial" panose="020B0604020202020204" pitchFamily="34" charset="0"/>
-              </a:rPr>
-              <a:t>calcul symbolique</a:t>
-            </a:r>
-            <a:r>
-              <a:rPr lang="fr-FR" sz="2400" b="0" i="0" dirty="0">
-                <a:solidFill>
-                  <a:srgbClr val="202122"/>
-                </a:solidFill>
-                <a:effectLst/>
-                <a:latin typeface="Arial" panose="020B0604020202020204" pitchFamily="34" charset="0"/>
-              </a:rPr>
-              <a:t>, est le domaine des </a:t>
-            </a:r>
-            <a:r>
-              <a:rPr lang="fr-FR" sz="2400" b="0" i="0" u="none" strike="noStrike" dirty="0">
-                <a:solidFill>
-                  <a:srgbClr val="3366CC"/>
-                </a:solidFill>
-                <a:effectLst/>
-                <a:latin typeface="Arial" panose="020B0604020202020204" pitchFamily="34" charset="0"/>
-              </a:rPr>
-              <a:t>mathématiques</a:t>
-            </a:r>
-            <a:r>
-              <a:rPr lang="fr-FR" sz="2400" b="0" i="0" dirty="0">
-                <a:solidFill>
-                  <a:srgbClr val="202122"/>
-                </a:solidFill>
-                <a:effectLst/>
-                <a:latin typeface="Arial" panose="020B0604020202020204" pitchFamily="34" charset="0"/>
-              </a:rPr>
-              <a:t> et de l’</a:t>
-            </a:r>
-            <a:r>
-              <a:rPr lang="fr-FR" sz="2400" b="0" i="0" u="none" strike="noStrike" dirty="0">
-                <a:solidFill>
-                  <a:srgbClr val="3366CC"/>
-                </a:solidFill>
-                <a:effectLst/>
-                <a:latin typeface="Arial" panose="020B0604020202020204" pitchFamily="34" charset="0"/>
-              </a:rPr>
-              <a:t>informatique</a:t>
-            </a:r>
-            <a:r>
-              <a:rPr lang="fr-FR" sz="2400" b="0" i="0" dirty="0">
-                <a:solidFill>
-                  <a:srgbClr val="202122"/>
-                </a:solidFill>
-                <a:effectLst/>
-                <a:latin typeface="Arial" panose="020B0604020202020204" pitchFamily="34" charset="0"/>
-              </a:rPr>
-              <a:t> qui s’intéresse aux </a:t>
-            </a:r>
-            <a:r>
-              <a:rPr lang="fr-FR" sz="2400" b="0" i="0" u="none" strike="noStrike" dirty="0">
-                <a:solidFill>
-                  <a:srgbClr val="3366CC"/>
-                </a:solidFill>
-                <a:effectLst/>
-                <a:latin typeface="Arial" panose="020B0604020202020204" pitchFamily="34" charset="0"/>
-              </a:rPr>
-              <a:t>algorithmes</a:t>
-            </a:r>
-            <a:r>
-              <a:rPr lang="fr-FR" sz="2400" b="0" i="0" dirty="0">
-                <a:solidFill>
-                  <a:srgbClr val="202122"/>
-                </a:solidFill>
-                <a:effectLst/>
-                <a:latin typeface="Arial" panose="020B0604020202020204" pitchFamily="34" charset="0"/>
-              </a:rPr>
-              <a:t> opérant sur des objets de nature </a:t>
-            </a:r>
-            <a:r>
-              <a:rPr lang="fr-FR" sz="2400" b="0" i="0" u="none" strike="noStrike" dirty="0">
-                <a:solidFill>
-                  <a:srgbClr val="3366CC"/>
-                </a:solidFill>
-                <a:effectLst/>
-                <a:latin typeface="Arial" panose="020B0604020202020204" pitchFamily="34" charset="0"/>
-              </a:rPr>
-              <a:t>mathématique</a:t>
-            </a:r>
-            <a:r>
-              <a:rPr lang="fr-FR" sz="2400" b="0" i="0" dirty="0">
-                <a:solidFill>
-                  <a:srgbClr val="202122"/>
-                </a:solidFill>
-                <a:effectLst/>
-                <a:latin typeface="Arial" panose="020B0604020202020204" pitchFamily="34" charset="0"/>
-              </a:rPr>
-              <a:t> par le biais de représentations finies et exactes.</a:t>
-            </a:r>
-            <a:endParaRPr lang="fr-FR" sz="2400" dirty="0"/>
-          </a:p>
-        </p:txBody>
-      </p:sp>
-      <p:sp>
-        <p:nvSpPr>
-          <p:cNvPr id="15" name="ZoneTexte 14">
-            <a:extLst>
-              <a:ext uri="{FF2B5EF4-FFF2-40B4-BE49-F238E27FC236}">
-                <a16:creationId xmlns:a16="http://schemas.microsoft.com/office/drawing/2014/main" id="{FBCB0606-92B9-7220-1265-5BB58C34A8F9}"/>
-              </a:ext>
-            </a:extLst>
-          </p:cNvPr>
-          <p:cNvSpPr txBox="1"/>
-          <p:nvPr/>
-        </p:nvSpPr>
-        <p:spPr>
-          <a:xfrm>
-            <a:off x="3302000" y="5594904"/>
-            <a:ext cx="4490720" cy="338554"/>
-          </a:xfrm>
-          <a:prstGeom prst="rect">
-            <a:avLst/>
-          </a:prstGeom>
-          <a:solidFill>
-            <a:schemeClr val="accent1">
-              <a:lumMod val="20000"/>
-              <a:lumOff val="80000"/>
-            </a:schemeClr>
-          </a:solidFill>
-        </p:spPr>
-        <p:txBody>
-          <a:bodyPr wrap="square">
-            <a:spAutoFit/>
-          </a:bodyPr>
-          <a:lstStyle/>
-          <a:p>
-            <a:pPr algn="r"/>
-            <a:r>
-              <a:rPr lang="fr-FR" sz="1600" b="0" i="1" dirty="0" err="1">
-                <a:solidFill>
-                  <a:srgbClr val="202122"/>
-                </a:solidFill>
-                <a:effectLst/>
-                <a:latin typeface="Arial" panose="020B0604020202020204" pitchFamily="34" charset="0"/>
-              </a:rPr>
-              <a:t>Wikipedia</a:t>
-            </a:r>
-            <a:r>
-              <a:rPr lang="fr-FR" sz="1600" b="0" i="1" dirty="0">
-                <a:solidFill>
-                  <a:srgbClr val="202122"/>
-                </a:solidFill>
-                <a:effectLst/>
-                <a:latin typeface="Arial" panose="020B0604020202020204" pitchFamily="34" charset="0"/>
-              </a:rPr>
-              <a:t> / Calcul formel</a:t>
-            </a:r>
-            <a:endParaRPr lang="fr-FR" sz="1600" i="1" dirty="0"/>
-          </a:p>
-        </p:txBody>
-      </p:sp>
-      <p:pic>
-        <p:nvPicPr>
-          <p:cNvPr id="1026" name="Picture 2" descr="SymPy Logo">
-            <a:extLst>
-              <a:ext uri="{FF2B5EF4-FFF2-40B4-BE49-F238E27FC236}">
-                <a16:creationId xmlns:a16="http://schemas.microsoft.com/office/drawing/2014/main" id="{6F826F4C-FC0E-452A-4FE2-7AD4240C9A6B}"/>
-              </a:ext>
-            </a:extLst>
-          </p:cNvPr>
-          <p:cNvPicPr>
-            <a:picLocks noChangeAspect="1" noChangeArrowheads="1"/>
-          </p:cNvPicPr>
-          <p:nvPr/>
-        </p:nvPicPr>
-        <p:blipFill>
-          <a:blip r:embed="rId3">
-            <a:extLst>
-              <a:ext uri="{28A0092B-C50C-407E-A947-70E740481C1C}">
-                <a14:useLocalDpi xmlns:a14="http://schemas.microsoft.com/office/drawing/2010/main" val="0"/>
-              </a:ext>
-            </a:extLst>
-          </a:blip>
-          <a:srcRect/>
-          <a:stretch>
-            <a:fillRect/>
-          </a:stretch>
-        </p:blipFill>
-        <p:spPr bwMode="auto">
-          <a:xfrm>
-            <a:off x="9171432" y="2765933"/>
-            <a:ext cx="1905000" cy="1276350"/>
-          </a:xfrm>
-          <a:prstGeom prst="rect">
-            <a:avLst/>
-          </a:prstGeom>
-          <a:noFill/>
-          <a:extLst>
-            <a:ext uri="{909E8E84-426E-40DD-AFC4-6F175D3DCCD1}">
-              <a14:hiddenFill xmlns:a14="http://schemas.microsoft.com/office/drawing/2010/main">
-                <a:solidFill>
-                  <a:srgbClr val="FFFFFF"/>
-                </a:solidFill>
-              </a14:hiddenFill>
-            </a:ext>
-          </a:extLst>
-        </p:spPr>
-      </p:pic>
-      <p:sp>
-        <p:nvSpPr>
-          <p:cNvPr id="18" name="ZoneTexte 17">
-            <a:extLst>
-              <a:ext uri="{FF2B5EF4-FFF2-40B4-BE49-F238E27FC236}">
-                <a16:creationId xmlns:a16="http://schemas.microsoft.com/office/drawing/2014/main" id="{3C5E61E7-C2C6-B823-967F-E7B25C9537F4}"/>
-              </a:ext>
-            </a:extLst>
-          </p:cNvPr>
-          <p:cNvSpPr txBox="1"/>
-          <p:nvPr/>
-        </p:nvSpPr>
-        <p:spPr>
-          <a:xfrm>
-            <a:off x="9582635" y="4042283"/>
-            <a:ext cx="1247926" cy="523220"/>
-          </a:xfrm>
-          <a:prstGeom prst="rect">
-            <a:avLst/>
-          </a:prstGeom>
-          <a:noFill/>
-        </p:spPr>
-        <p:txBody>
-          <a:bodyPr wrap="square">
-            <a:spAutoFit/>
-          </a:bodyPr>
-          <a:lstStyle/>
-          <a:p>
-            <a:r>
-              <a:rPr lang="fr-FR" sz="2800" b="1" i="0" strike="noStrike" dirty="0" err="1">
-                <a:solidFill>
-                  <a:srgbClr val="3B5526"/>
-                </a:solidFill>
-                <a:effectLst/>
-                <a:latin typeface="Gentium Basic" panose="02000503060000020004" pitchFamily="2" charset="0"/>
-                <a:hlinkClick r:id="rId4"/>
-              </a:rPr>
-              <a:t>SymPy</a:t>
-            </a:r>
-            <a:endParaRPr lang="fr-FR" sz="2800" dirty="0"/>
-          </a:p>
-        </p:txBody>
-      </p:sp>
-    </p:spTree>
-    <p:extLst>
-      <p:ext uri="{BB962C8B-B14F-4D97-AF65-F5344CB8AC3E}">
-        <p14:creationId xmlns:p14="http://schemas.microsoft.com/office/powerpoint/2010/main" val="2081255896"/>
-      </p:ext>
-    </p:extLst>
-  </p:cSld>
-  <p:clrMapOvr>
-    <a:masterClrMapping/>
-  </p:clrMapOvr>
-</p:sld>
-</file>
-
 <file path=ppt/slides/slide5.xml><?xml version="1.0" encoding="utf-8"?>
 <p:sld xmlns:a="http://schemas.openxmlformats.org/drawingml/2006/main" xmlns:r="http://schemas.openxmlformats.org/officeDocument/2006/relationships" xmlns:p="http://schemas.openxmlformats.org/presentationml/2006/main">
   <p:cSld>
@@ -19468,12 +19880,8 @@
           <a:lstStyle/>
           <a:p>
             <a:r>
-              <a:rPr lang="fr-FR" dirty="0" err="1"/>
-              <a:t>SymPy</a:t>
-            </a:r>
-            <a:r>
               <a:rPr lang="fr-FR" dirty="0"/>
-              <a:t> pour le calcul formel</a:t>
+              <a:t>Calcul symbolique (ou formel)</a:t>
             </a:r>
           </a:p>
         </p:txBody>
@@ -19501,7 +19909,7 @@
           <a:p>
             <a:r>
               <a:rPr lang="fr-FR" dirty="0"/>
-              <a:t>Premier exemple</a:t>
+              <a:t>Calcul formel</a:t>
             </a:r>
           </a:p>
         </p:txBody>
@@ -19571,6 +19979,231 @@
           </a:p>
         </p:txBody>
       </p:sp>
+      <p:sp>
+        <p:nvSpPr>
+          <p:cNvPr id="14" name="ZoneTexte 13">
+            <a:extLst>
+              <a:ext uri="{FF2B5EF4-FFF2-40B4-BE49-F238E27FC236}">
+                <a16:creationId xmlns:a16="http://schemas.microsoft.com/office/drawing/2014/main" id="{6F56D312-57F1-D649-F830-85C9C0185D36}"/>
+              </a:ext>
+            </a:extLst>
+          </p:cNvPr>
+          <p:cNvSpPr txBox="1"/>
+          <p:nvPr/>
+        </p:nvSpPr>
+        <p:spPr>
+          <a:xfrm>
+            <a:off x="1696720" y="3170950"/>
+            <a:ext cx="6096000" cy="2308324"/>
+          </a:xfrm>
+          <a:prstGeom prst="rect">
+            <a:avLst/>
+          </a:prstGeom>
+          <a:solidFill>
+            <a:schemeClr val="accent1">
+              <a:lumMod val="20000"/>
+              <a:lumOff val="80000"/>
+            </a:schemeClr>
+          </a:solidFill>
+        </p:spPr>
+        <p:txBody>
+          <a:bodyPr wrap="square">
+            <a:spAutoFit/>
+          </a:bodyPr>
+          <a:lstStyle/>
+          <a:p>
+            <a:r>
+              <a:rPr lang="fr-FR" sz="2400" b="0" i="0" dirty="0">
+                <a:solidFill>
+                  <a:srgbClr val="202122"/>
+                </a:solidFill>
+                <a:effectLst/>
+                <a:latin typeface="Arial" panose="020B0604020202020204" pitchFamily="34" charset="0"/>
+              </a:rPr>
+              <a:t>Le </a:t>
+            </a:r>
+            <a:r>
+              <a:rPr lang="fr-FR" sz="2400" b="1" i="0" dirty="0">
+                <a:solidFill>
+                  <a:srgbClr val="202122"/>
+                </a:solidFill>
+                <a:effectLst/>
+                <a:latin typeface="Arial" panose="020B0604020202020204" pitchFamily="34" charset="0"/>
+              </a:rPr>
+              <a:t>calcul formel</a:t>
+            </a:r>
+            <a:r>
+              <a:rPr lang="fr-FR" sz="2400" b="0" i="0" dirty="0">
+                <a:solidFill>
+                  <a:srgbClr val="202122"/>
+                </a:solidFill>
+                <a:effectLst/>
+                <a:latin typeface="Arial" panose="020B0604020202020204" pitchFamily="34" charset="0"/>
+              </a:rPr>
+              <a:t>, ou parfois </a:t>
+            </a:r>
+            <a:r>
+              <a:rPr lang="fr-FR" sz="2400" b="1" i="0" dirty="0">
+                <a:solidFill>
+                  <a:srgbClr val="202122"/>
+                </a:solidFill>
+                <a:effectLst/>
+                <a:latin typeface="Arial" panose="020B0604020202020204" pitchFamily="34" charset="0"/>
+              </a:rPr>
+              <a:t>calcul symbolique</a:t>
+            </a:r>
+            <a:r>
+              <a:rPr lang="fr-FR" sz="2400" b="0" i="0" dirty="0">
+                <a:solidFill>
+                  <a:srgbClr val="202122"/>
+                </a:solidFill>
+                <a:effectLst/>
+                <a:latin typeface="Arial" panose="020B0604020202020204" pitchFamily="34" charset="0"/>
+              </a:rPr>
+              <a:t>, est le domaine des </a:t>
+            </a:r>
+            <a:r>
+              <a:rPr lang="fr-FR" sz="2400" b="0" i="0" u="none" strike="noStrike" dirty="0">
+                <a:solidFill>
+                  <a:srgbClr val="3366CC"/>
+                </a:solidFill>
+                <a:effectLst/>
+                <a:latin typeface="Arial" panose="020B0604020202020204" pitchFamily="34" charset="0"/>
+              </a:rPr>
+              <a:t>mathématiques</a:t>
+            </a:r>
+            <a:r>
+              <a:rPr lang="fr-FR" sz="2400" b="0" i="0" dirty="0">
+                <a:solidFill>
+                  <a:srgbClr val="202122"/>
+                </a:solidFill>
+                <a:effectLst/>
+                <a:latin typeface="Arial" panose="020B0604020202020204" pitchFamily="34" charset="0"/>
+              </a:rPr>
+              <a:t> et de l’</a:t>
+            </a:r>
+            <a:r>
+              <a:rPr lang="fr-FR" sz="2400" b="0" i="0" u="none" strike="noStrike" dirty="0">
+                <a:solidFill>
+                  <a:srgbClr val="3366CC"/>
+                </a:solidFill>
+                <a:effectLst/>
+                <a:latin typeface="Arial" panose="020B0604020202020204" pitchFamily="34" charset="0"/>
+              </a:rPr>
+              <a:t>informatique</a:t>
+            </a:r>
+            <a:r>
+              <a:rPr lang="fr-FR" sz="2400" b="0" i="0" dirty="0">
+                <a:solidFill>
+                  <a:srgbClr val="202122"/>
+                </a:solidFill>
+                <a:effectLst/>
+                <a:latin typeface="Arial" panose="020B0604020202020204" pitchFamily="34" charset="0"/>
+              </a:rPr>
+              <a:t> qui s’intéresse aux </a:t>
+            </a:r>
+            <a:r>
+              <a:rPr lang="fr-FR" sz="2400" b="0" i="0" u="none" strike="noStrike" dirty="0">
+                <a:solidFill>
+                  <a:srgbClr val="3366CC"/>
+                </a:solidFill>
+                <a:effectLst/>
+                <a:latin typeface="Arial" panose="020B0604020202020204" pitchFamily="34" charset="0"/>
+              </a:rPr>
+              <a:t>algorithmes</a:t>
+            </a:r>
+            <a:r>
+              <a:rPr lang="fr-FR" sz="2400" b="0" i="0" dirty="0">
+                <a:solidFill>
+                  <a:srgbClr val="202122"/>
+                </a:solidFill>
+                <a:effectLst/>
+                <a:latin typeface="Arial" panose="020B0604020202020204" pitchFamily="34" charset="0"/>
+              </a:rPr>
+              <a:t> opérant sur des objets de nature </a:t>
+            </a:r>
+            <a:r>
+              <a:rPr lang="fr-FR" sz="2400" b="0" i="0" u="none" strike="noStrike" dirty="0">
+                <a:solidFill>
+                  <a:srgbClr val="3366CC"/>
+                </a:solidFill>
+                <a:effectLst/>
+                <a:latin typeface="Arial" panose="020B0604020202020204" pitchFamily="34" charset="0"/>
+              </a:rPr>
+              <a:t>mathématique</a:t>
+            </a:r>
+            <a:r>
+              <a:rPr lang="fr-FR" sz="2400" b="0" i="0" dirty="0">
+                <a:solidFill>
+                  <a:srgbClr val="202122"/>
+                </a:solidFill>
+                <a:effectLst/>
+                <a:latin typeface="Arial" panose="020B0604020202020204" pitchFamily="34" charset="0"/>
+              </a:rPr>
+              <a:t> par le biais de représentations finies et exactes.</a:t>
+            </a:r>
+            <a:endParaRPr lang="fr-FR" sz="2400" dirty="0"/>
+          </a:p>
+        </p:txBody>
+      </p:sp>
+      <p:sp>
+        <p:nvSpPr>
+          <p:cNvPr id="15" name="ZoneTexte 14">
+            <a:extLst>
+              <a:ext uri="{FF2B5EF4-FFF2-40B4-BE49-F238E27FC236}">
+                <a16:creationId xmlns:a16="http://schemas.microsoft.com/office/drawing/2014/main" id="{FBCB0606-92B9-7220-1265-5BB58C34A8F9}"/>
+              </a:ext>
+            </a:extLst>
+          </p:cNvPr>
+          <p:cNvSpPr txBox="1"/>
+          <p:nvPr/>
+        </p:nvSpPr>
+        <p:spPr>
+          <a:xfrm>
+            <a:off x="3302000" y="5594904"/>
+            <a:ext cx="4490720" cy="338554"/>
+          </a:xfrm>
+          <a:prstGeom prst="rect">
+            <a:avLst/>
+          </a:prstGeom>
+          <a:solidFill>
+            <a:schemeClr val="accent1">
+              <a:lumMod val="20000"/>
+              <a:lumOff val="80000"/>
+            </a:schemeClr>
+          </a:solidFill>
+        </p:spPr>
+        <p:txBody>
+          <a:bodyPr wrap="square">
+            <a:spAutoFit/>
+          </a:bodyPr>
+          <a:lstStyle/>
+          <a:p>
+            <a:pPr algn="r"/>
+            <a:r>
+              <a:rPr lang="fr-FR" sz="1600" b="0" i="1" dirty="0" err="1">
+                <a:solidFill>
+                  <a:srgbClr val="202122"/>
+                </a:solidFill>
+                <a:effectLst/>
+                <a:latin typeface="Arial" panose="020B0604020202020204" pitchFamily="34" charset="0"/>
+              </a:rPr>
+              <a:t>Wikipedia</a:t>
+            </a:r>
+            <a:r>
+              <a:rPr lang="fr-FR" sz="1600" b="0" i="1" dirty="0">
+                <a:solidFill>
+                  <a:srgbClr val="202122"/>
+                </a:solidFill>
+                <a:effectLst/>
+                <a:latin typeface="Arial" panose="020B0604020202020204" pitchFamily="34" charset="0"/>
+              </a:rPr>
+              <a:t> / Calcul formel</a:t>
+            </a:r>
+            <a:endParaRPr lang="fr-FR" sz="1600" i="1" dirty="0"/>
+          </a:p>
+        </p:txBody>
+      </p:sp>
       <p:pic>
         <p:nvPicPr>
           <p:cNvPr id="1026" name="Picture 2" descr="SymPy Logo">
@@ -19600,8 +20233,8 @@
         </p:blipFill>
         <p:spPr bwMode="auto">
           <a:xfrm>
-            <a:off x="9915213" y="655319"/>
-            <a:ext cx="915348" cy="613283"/>
+            <a:off x="9171432" y="2765933"/>
+            <a:ext cx="1905000" cy="1276350"/>
           </a:xfrm>
           <a:prstGeom prst="rect">
             <a:avLst/>
@@ -19620,10 +20253,10 @@
       </p:pic>
       <p:sp>
         <p:nvSpPr>
-          <p:cNvPr id="7" name="ZoneTexte 6">
-            <a:extLst>
-              <a:ext uri="{FF2B5EF4-FFF2-40B4-BE49-F238E27FC236}">
-                <a16:creationId xmlns:a16="http://schemas.microsoft.com/office/drawing/2014/main" id="{F0FBF19C-22B5-76E5-0F93-DF8BB4A2F385}"/>
+          <p:cNvPr id="18" name="ZoneTexte 17">
+            <a:extLst>
+              <a:ext uri="{FF2B5EF4-FFF2-40B4-BE49-F238E27FC236}">
+                <a16:creationId xmlns:a16="http://schemas.microsoft.com/office/drawing/2014/main" id="{3C5E61E7-C2C6-B823-967F-E7B25C9537F4}"/>
               </a:ext>
             </a:extLst>
           </p:cNvPr>
@@ -19632,342 +20265,39 @@
         </p:nvSpPr>
         <p:spPr>
           <a:xfrm>
-            <a:off x="822960" y="3302376"/>
-            <a:ext cx="4765173" cy="923330"/>
-          </a:xfrm>
-          <a:prstGeom prst="rect">
-            <a:avLst/>
-          </a:prstGeom>
-          <a:solidFill>
-            <a:schemeClr val="accent1">
-              <a:lumMod val="40000"/>
-              <a:lumOff val="60000"/>
-            </a:schemeClr>
-          </a:solidFill>
-        </p:spPr>
-        <p:txBody>
-          <a:bodyPr wrap="square" rtlCol="0">
-            <a:spAutoFit/>
-          </a:bodyPr>
-          <a:lstStyle/>
-          <a:p>
-            <a:r>
-              <a:rPr lang="fr-FR" b="1" dirty="0"/>
-              <a:t>import</a:t>
-            </a:r>
-            <a:r>
-              <a:rPr lang="fr-FR" dirty="0"/>
-              <a:t> </a:t>
-            </a:r>
-            <a:r>
-              <a:rPr lang="fr-FR" i="1" dirty="0"/>
-              <a:t>math</a:t>
-            </a:r>
-          </a:p>
-          <a:p>
-            <a:r>
-              <a:rPr lang="fr-FR" i="1" dirty="0" err="1"/>
-              <a:t>math</a:t>
-            </a:r>
-            <a:r>
-              <a:rPr lang="fr-FR" dirty="0" err="1"/>
-              <a:t>.</a:t>
-            </a:r>
-            <a:r>
-              <a:rPr lang="fr-FR" b="1" dirty="0" err="1"/>
-              <a:t>sqrt</a:t>
-            </a:r>
-            <a:r>
-              <a:rPr lang="fr-FR" dirty="0"/>
-              <a:t>(9)</a:t>
-            </a:r>
-            <a:endParaRPr lang="fr-FR" i="1" dirty="0"/>
-          </a:p>
-          <a:p>
-            <a:r>
-              <a:rPr lang="fr-FR" i="1" dirty="0" err="1"/>
-              <a:t>math</a:t>
-            </a:r>
-            <a:r>
-              <a:rPr lang="fr-FR" dirty="0" err="1"/>
-              <a:t>.</a:t>
-            </a:r>
-            <a:r>
-              <a:rPr lang="fr-FR" b="1" dirty="0" err="1"/>
-              <a:t>sqrt</a:t>
-            </a:r>
-            <a:r>
-              <a:rPr lang="fr-FR" dirty="0"/>
-              <a:t>(8)</a:t>
-            </a:r>
-          </a:p>
-        </p:txBody>
-      </p:sp>
-      <p:sp>
-        <p:nvSpPr>
-          <p:cNvPr id="8" name="ZoneTexte 7">
-            <a:extLst>
-              <a:ext uri="{FF2B5EF4-FFF2-40B4-BE49-F238E27FC236}">
-                <a16:creationId xmlns:a16="http://schemas.microsoft.com/office/drawing/2014/main" id="{79268CDE-11DF-5549-D1F0-1652BAD1B16C}"/>
-              </a:ext>
-            </a:extLst>
-          </p:cNvPr>
-          <p:cNvSpPr txBox="1"/>
-          <p:nvPr/>
-        </p:nvSpPr>
-        <p:spPr>
-          <a:xfrm>
-            <a:off x="1391037" y="4340869"/>
-            <a:ext cx="4197096" cy="369332"/>
-          </a:xfrm>
-          <a:prstGeom prst="rect">
-            <a:avLst/>
-          </a:prstGeom>
-          <a:solidFill>
-            <a:schemeClr val="accent4">
-              <a:lumMod val="40000"/>
-              <a:lumOff val="60000"/>
-            </a:schemeClr>
-          </a:solidFill>
-        </p:spPr>
-        <p:txBody>
-          <a:bodyPr wrap="square" rtlCol="0">
-            <a:spAutoFit/>
-          </a:bodyPr>
-          <a:lstStyle/>
-          <a:p>
-            <a:r>
-              <a:rPr lang="fr-FR" dirty="0"/>
-              <a:t>???</a:t>
-            </a:r>
-          </a:p>
-        </p:txBody>
-      </p:sp>
-      <p:sp>
-        <p:nvSpPr>
-          <p:cNvPr id="9" name="ZoneTexte 8">
-            <a:extLst>
-              <a:ext uri="{FF2B5EF4-FFF2-40B4-BE49-F238E27FC236}">
-                <a16:creationId xmlns:a16="http://schemas.microsoft.com/office/drawing/2014/main" id="{B29F4040-7C5B-2933-12CA-E1ED52F81FEE}"/>
-              </a:ext>
-            </a:extLst>
-          </p:cNvPr>
-          <p:cNvSpPr txBox="1"/>
-          <p:nvPr/>
-        </p:nvSpPr>
-        <p:spPr>
-          <a:xfrm>
-            <a:off x="6913050" y="4325112"/>
-            <a:ext cx="4197096" cy="369332"/>
-          </a:xfrm>
-          <a:prstGeom prst="rect">
-            <a:avLst/>
-          </a:prstGeom>
-          <a:solidFill>
-            <a:schemeClr val="accent4">
-              <a:lumMod val="40000"/>
-              <a:lumOff val="60000"/>
-            </a:schemeClr>
-          </a:solidFill>
-        </p:spPr>
-        <p:txBody>
-          <a:bodyPr wrap="square" rtlCol="0">
-            <a:spAutoFit/>
-          </a:bodyPr>
-          <a:lstStyle/>
-          <a:p>
-            <a:r>
-              <a:rPr lang="fr-FR" dirty="0"/>
-              <a:t>???</a:t>
-            </a:r>
-          </a:p>
-        </p:txBody>
-      </p:sp>
-      <p:sp>
-        <p:nvSpPr>
-          <p:cNvPr id="10" name="ZoneTexte 9">
-            <a:extLst>
-              <a:ext uri="{FF2B5EF4-FFF2-40B4-BE49-F238E27FC236}">
-                <a16:creationId xmlns:a16="http://schemas.microsoft.com/office/drawing/2014/main" id="{D30EDEB0-CCE3-B23B-E6CF-BF30E6B75DBC}"/>
-              </a:ext>
-            </a:extLst>
-          </p:cNvPr>
-          <p:cNvSpPr txBox="1"/>
-          <p:nvPr/>
-        </p:nvSpPr>
-        <p:spPr>
-          <a:xfrm>
-            <a:off x="6344973" y="3298959"/>
-            <a:ext cx="4765173" cy="923330"/>
-          </a:xfrm>
-          <a:prstGeom prst="rect">
-            <a:avLst/>
-          </a:prstGeom>
-          <a:solidFill>
-            <a:schemeClr val="accent1">
-              <a:lumMod val="40000"/>
-              <a:lumOff val="60000"/>
-            </a:schemeClr>
-          </a:solidFill>
-        </p:spPr>
-        <p:txBody>
-          <a:bodyPr wrap="square" rtlCol="0">
-            <a:spAutoFit/>
-          </a:bodyPr>
-          <a:lstStyle/>
-          <a:p>
-            <a:r>
-              <a:rPr lang="fr-FR" b="1" dirty="0"/>
-              <a:t>import</a:t>
-            </a:r>
-            <a:r>
-              <a:rPr lang="fr-FR" dirty="0"/>
-              <a:t> </a:t>
-            </a:r>
-            <a:r>
-              <a:rPr lang="fr-FR" i="1" dirty="0" err="1"/>
-              <a:t>sympy</a:t>
-            </a:r>
-            <a:endParaRPr lang="fr-FR" i="1" dirty="0"/>
-          </a:p>
-          <a:p>
-            <a:r>
-              <a:rPr lang="fr-FR" i="1" dirty="0" err="1"/>
-              <a:t>math</a:t>
-            </a:r>
-            <a:r>
-              <a:rPr lang="fr-FR" dirty="0" err="1"/>
-              <a:t>.</a:t>
-            </a:r>
-            <a:r>
-              <a:rPr lang="fr-FR" b="1" dirty="0" err="1"/>
-              <a:t>sqrt</a:t>
-            </a:r>
-            <a:r>
-              <a:rPr lang="fr-FR" dirty="0"/>
-              <a:t>(9)</a:t>
-            </a:r>
-            <a:endParaRPr lang="fr-FR" i="1" dirty="0"/>
-          </a:p>
-          <a:p>
-            <a:r>
-              <a:rPr lang="fr-FR" i="1" dirty="0" err="1"/>
-              <a:t>math</a:t>
-            </a:r>
-            <a:r>
-              <a:rPr lang="fr-FR" dirty="0" err="1"/>
-              <a:t>.</a:t>
-            </a:r>
-            <a:r>
-              <a:rPr lang="fr-FR" b="1" dirty="0" err="1"/>
-              <a:t>sqrt</a:t>
-            </a:r>
-            <a:r>
-              <a:rPr lang="fr-FR" dirty="0"/>
-              <a:t>(8)</a:t>
-            </a:r>
-            <a:endParaRPr lang="fr-FR" b="1" dirty="0"/>
-          </a:p>
-        </p:txBody>
-      </p:sp>
-      <p:pic>
-        <p:nvPicPr>
-          <p:cNvPr id="2051" name="Picture 3">
-            <a:extLst>
-              <a:ext uri="{FF2B5EF4-FFF2-40B4-BE49-F238E27FC236}">
-                <a16:creationId xmlns:a16="http://schemas.microsoft.com/office/drawing/2014/main" id="{3BB5514F-6568-D4F1-89C4-C79629C862E1}"/>
-              </a:ext>
-            </a:extLst>
-          </p:cNvPr>
-          <p:cNvPicPr>
-            <a:picLocks noChangeAspect="1" noChangeArrowheads="1"/>
-          </p:cNvPicPr>
-          <p:nvPr/>
-        </p:nvPicPr>
-        <p:blipFill>
-          <a:blip r:embed="rId4">
-            <a:extLst>
-              <a:ext uri="{28A0092B-C50C-407E-A947-70E740481C1C}">
-                <a14:useLocalDpi xmlns:a14="http://schemas.microsoft.com/office/drawing/2010/main" val="0"/>
-              </a:ext>
-            </a:extLst>
-          </a:blip>
-          <a:srcRect/>
-          <a:stretch>
-            <a:fillRect/>
-          </a:stretch>
-        </p:blipFill>
-        <p:spPr bwMode="auto">
-          <a:xfrm>
-            <a:off x="11422935" y="1728216"/>
-            <a:ext cx="449659" cy="523240"/>
+            <a:off x="9582635" y="4042283"/>
+            <a:ext cx="1247926" cy="523220"/>
           </a:xfrm>
           <a:prstGeom prst="rect">
             <a:avLst/>
           </a:prstGeom>
           <a:noFill/>
-          <a:extLst>
-            <a:ext uri="{909E8E84-426E-40DD-AFC4-6F175D3DCCD1}">
-              <a14:hiddenFill xmlns:a14="http://schemas.microsoft.com/office/drawing/2010/main">
+        </p:spPr>
+        <p:txBody>
+          <a:bodyPr wrap="square">
+            <a:spAutoFit/>
+          </a:bodyPr>
+          <a:lstStyle/>
+          <a:p>
+            <a:r>
+              <a:rPr lang="fr-FR" sz="2800" b="1" i="0" strike="noStrike" dirty="0" err="1">
                 <a:solidFill>
-                  <a:srgbClr val="FFFFFF"/>
+                  <a:srgbClr val="3B5526"/>
                 </a:solidFill>
-              </a14:hiddenFill>
-            </a:ext>
-          </a:extLst>
-        </p:spPr>
-      </p:pic>
-      <p:pic>
-        <p:nvPicPr>
-          <p:cNvPr id="6" name="Picture 8" descr="Résultat de recherche d'images pour &quot;spyder logo&quot;">
-            <a:extLst>
-              <a:ext uri="{FF2B5EF4-FFF2-40B4-BE49-F238E27FC236}">
-                <a16:creationId xmlns:a16="http://schemas.microsoft.com/office/drawing/2014/main" id="{D9414DAA-7921-9263-EDFD-677377956C7B}"/>
-              </a:ext>
-            </a:extLst>
-          </p:cNvPr>
-          <p:cNvPicPr>
-            <a:picLocks noChangeAspect="1" noChangeArrowheads="1"/>
-          </p:cNvPicPr>
-          <p:nvPr/>
-        </p:nvPicPr>
-        <p:blipFill>
-          <a:blip r:embed="rId5">
-            <a:extLst>
-              <a:ext uri="{28A0092B-C50C-407E-A947-70E740481C1C}">
-                <a14:useLocalDpi xmlns:a14="http://schemas.microsoft.com/office/drawing/2010/main" val="0"/>
-              </a:ext>
-            </a:extLst>
-          </a:blip>
-          <a:srcRect/>
-          <a:stretch>
-            <a:fillRect/>
-          </a:stretch>
-        </p:blipFill>
-        <p:spPr bwMode="auto">
-          <a:xfrm>
-            <a:off x="10162526" y="1757291"/>
-            <a:ext cx="947620" cy="473810"/>
-          </a:xfrm>
-          <a:prstGeom prst="rect">
-            <a:avLst/>
-          </a:prstGeom>
-          <a:noFill/>
-          <a:extLst>
-            <a:ext uri="{909E8E84-426E-40DD-AFC4-6F175D3DCCD1}">
-              <a14:hiddenFill xmlns:a14="http://schemas.microsoft.com/office/drawing/2010/main">
-                <a:solidFill>
-                  <a:srgbClr val="FFFFFF"/>
-                </a:solidFill>
-              </a14:hiddenFill>
-            </a:ext>
-          </a:extLst>
-        </p:spPr>
-      </p:pic>
+                <a:effectLst/>
+                <a:latin typeface="Gentium Basic" panose="02000503060000020004" pitchFamily="2" charset="0"/>
+                <a:hlinkClick r:id="rId4"/>
+              </a:rPr>
+              <a:t>SymPy</a:t>
+            </a:r>
+            <a:endParaRPr lang="fr-FR" sz="2800" dirty="0"/>
+          </a:p>
+        </p:txBody>
+      </p:sp>
     </p:spTree>
     <p:extLst>
       <p:ext uri="{BB962C8B-B14F-4D97-AF65-F5344CB8AC3E}">
-        <p14:creationId xmlns:p14="http://schemas.microsoft.com/office/powerpoint/2010/main" val="4157482394"/>
+        <p14:creationId xmlns:p14="http://schemas.microsoft.com/office/powerpoint/2010/main" val="2081255896"/>
       </p:ext>
     </p:extLst>
   </p:cSld>
@@ -20116,6 +20446,556 @@
             <a:fld id="{B2DC25EE-239B-4C5F-AAD1-255A7D5F1EE2}" type="slidenum">
               <a:rPr lang="en-US" smtClean="0"/>
               <a:t>6</a:t>
+            </a:fld>
+            <a:endParaRPr lang="en-US"/>
+          </a:p>
+        </p:txBody>
+      </p:sp>
+      <p:pic>
+        <p:nvPicPr>
+          <p:cNvPr id="1026" name="Picture 2" descr="SymPy Logo">
+            <a:extLst>
+              <a:ext uri="{FF2B5EF4-FFF2-40B4-BE49-F238E27FC236}">
+                <a16:creationId xmlns:a16="http://schemas.microsoft.com/office/drawing/2014/main" id="{6F826F4C-FC0E-452A-4FE2-7AD4240C9A6B}"/>
+              </a:ext>
+            </a:extLst>
+          </p:cNvPr>
+          <p:cNvPicPr>
+            <a:picLocks noChangeAspect="1" noChangeArrowheads="1"/>
+          </p:cNvPicPr>
+          <p:nvPr/>
+        </p:nvPicPr>
+        <p:blipFill>
+          <a:blip r:embed="rId3">
+            <a:extLst>
+              <a:ext uri="{28A0092B-C50C-407E-A947-70E740481C1C}">
+                <a14:useLocalDpi xmlns:a14="http://schemas.microsoft.com/office/drawing/2010/main" val="0"/>
+              </a:ext>
+            </a:extLst>
+          </a:blip>
+          <a:srcRect/>
+          <a:stretch>
+            <a:fillRect/>
+          </a:stretch>
+        </p:blipFill>
+        <p:spPr bwMode="auto">
+          <a:xfrm>
+            <a:off x="9915213" y="655319"/>
+            <a:ext cx="915348" cy="613283"/>
+          </a:xfrm>
+          <a:prstGeom prst="rect">
+            <a:avLst/>
+          </a:prstGeom>
+          <a:noFill/>
+          <a:extLst>
+            <a:ext uri="{909E8E84-426E-40DD-AFC4-6F175D3DCCD1}">
+              <a14:hiddenFill xmlns:a14="http://schemas.microsoft.com/office/drawing/2010/main">
+                <a:solidFill>
+                  <a:srgbClr val="FFFFFF"/>
+                </a:solidFill>
+              </a14:hiddenFill>
+            </a:ext>
+          </a:extLst>
+        </p:spPr>
+      </p:pic>
+      <p:sp>
+        <p:nvSpPr>
+          <p:cNvPr id="7" name="ZoneTexte 6">
+            <a:extLst>
+              <a:ext uri="{FF2B5EF4-FFF2-40B4-BE49-F238E27FC236}">
+                <a16:creationId xmlns:a16="http://schemas.microsoft.com/office/drawing/2014/main" id="{F0FBF19C-22B5-76E5-0F93-DF8BB4A2F385}"/>
+              </a:ext>
+            </a:extLst>
+          </p:cNvPr>
+          <p:cNvSpPr txBox="1"/>
+          <p:nvPr/>
+        </p:nvSpPr>
+        <p:spPr>
+          <a:xfrm>
+            <a:off x="822960" y="3302376"/>
+            <a:ext cx="4765173" cy="923330"/>
+          </a:xfrm>
+          <a:prstGeom prst="rect">
+            <a:avLst/>
+          </a:prstGeom>
+          <a:solidFill>
+            <a:schemeClr val="accent1">
+              <a:lumMod val="40000"/>
+              <a:lumOff val="60000"/>
+            </a:schemeClr>
+          </a:solidFill>
+        </p:spPr>
+        <p:txBody>
+          <a:bodyPr wrap="square" rtlCol="0">
+            <a:spAutoFit/>
+          </a:bodyPr>
+          <a:lstStyle/>
+          <a:p>
+            <a:r>
+              <a:rPr lang="fr-FR" b="1" dirty="0"/>
+              <a:t>import</a:t>
+            </a:r>
+            <a:r>
+              <a:rPr lang="fr-FR" dirty="0"/>
+              <a:t> </a:t>
+            </a:r>
+            <a:r>
+              <a:rPr lang="fr-FR" i="1" dirty="0"/>
+              <a:t>math</a:t>
+            </a:r>
+          </a:p>
+          <a:p>
+            <a:r>
+              <a:rPr lang="fr-FR" i="1" dirty="0" err="1"/>
+              <a:t>math</a:t>
+            </a:r>
+            <a:r>
+              <a:rPr lang="fr-FR" dirty="0" err="1"/>
+              <a:t>.</a:t>
+            </a:r>
+            <a:r>
+              <a:rPr lang="fr-FR" b="1" dirty="0" err="1"/>
+              <a:t>sqrt</a:t>
+            </a:r>
+            <a:r>
+              <a:rPr lang="fr-FR" dirty="0"/>
+              <a:t>(9)</a:t>
+            </a:r>
+            <a:endParaRPr lang="fr-FR" i="1" dirty="0"/>
+          </a:p>
+          <a:p>
+            <a:r>
+              <a:rPr lang="fr-FR" i="1" dirty="0" err="1"/>
+              <a:t>math</a:t>
+            </a:r>
+            <a:r>
+              <a:rPr lang="fr-FR" dirty="0" err="1"/>
+              <a:t>.</a:t>
+            </a:r>
+            <a:r>
+              <a:rPr lang="fr-FR" b="1" dirty="0" err="1"/>
+              <a:t>sqrt</a:t>
+            </a:r>
+            <a:r>
+              <a:rPr lang="fr-FR" dirty="0"/>
+              <a:t>(8)</a:t>
+            </a:r>
+          </a:p>
+        </p:txBody>
+      </p:sp>
+      <p:sp>
+        <p:nvSpPr>
+          <p:cNvPr id="8" name="ZoneTexte 7">
+            <a:extLst>
+              <a:ext uri="{FF2B5EF4-FFF2-40B4-BE49-F238E27FC236}">
+                <a16:creationId xmlns:a16="http://schemas.microsoft.com/office/drawing/2014/main" id="{79268CDE-11DF-5549-D1F0-1652BAD1B16C}"/>
+              </a:ext>
+            </a:extLst>
+          </p:cNvPr>
+          <p:cNvSpPr txBox="1"/>
+          <p:nvPr/>
+        </p:nvSpPr>
+        <p:spPr>
+          <a:xfrm>
+            <a:off x="1391037" y="4340869"/>
+            <a:ext cx="4197096" cy="369332"/>
+          </a:xfrm>
+          <a:prstGeom prst="rect">
+            <a:avLst/>
+          </a:prstGeom>
+          <a:solidFill>
+            <a:schemeClr val="accent4">
+              <a:lumMod val="40000"/>
+              <a:lumOff val="60000"/>
+            </a:schemeClr>
+          </a:solidFill>
+        </p:spPr>
+        <p:txBody>
+          <a:bodyPr wrap="square" rtlCol="0">
+            <a:spAutoFit/>
+          </a:bodyPr>
+          <a:lstStyle/>
+          <a:p>
+            <a:r>
+              <a:rPr lang="fr-FR" dirty="0"/>
+              <a:t>???</a:t>
+            </a:r>
+          </a:p>
+        </p:txBody>
+      </p:sp>
+      <p:sp>
+        <p:nvSpPr>
+          <p:cNvPr id="9" name="ZoneTexte 8">
+            <a:extLst>
+              <a:ext uri="{FF2B5EF4-FFF2-40B4-BE49-F238E27FC236}">
+                <a16:creationId xmlns:a16="http://schemas.microsoft.com/office/drawing/2014/main" id="{B29F4040-7C5B-2933-12CA-E1ED52F81FEE}"/>
+              </a:ext>
+            </a:extLst>
+          </p:cNvPr>
+          <p:cNvSpPr txBox="1"/>
+          <p:nvPr/>
+        </p:nvSpPr>
+        <p:spPr>
+          <a:xfrm>
+            <a:off x="6913050" y="4325112"/>
+            <a:ext cx="4197096" cy="369332"/>
+          </a:xfrm>
+          <a:prstGeom prst="rect">
+            <a:avLst/>
+          </a:prstGeom>
+          <a:solidFill>
+            <a:schemeClr val="accent4">
+              <a:lumMod val="40000"/>
+              <a:lumOff val="60000"/>
+            </a:schemeClr>
+          </a:solidFill>
+        </p:spPr>
+        <p:txBody>
+          <a:bodyPr wrap="square" rtlCol="0">
+            <a:spAutoFit/>
+          </a:bodyPr>
+          <a:lstStyle/>
+          <a:p>
+            <a:r>
+              <a:rPr lang="fr-FR" dirty="0"/>
+              <a:t>???</a:t>
+            </a:r>
+          </a:p>
+        </p:txBody>
+      </p:sp>
+      <p:sp>
+        <p:nvSpPr>
+          <p:cNvPr id="10" name="ZoneTexte 9">
+            <a:extLst>
+              <a:ext uri="{FF2B5EF4-FFF2-40B4-BE49-F238E27FC236}">
+                <a16:creationId xmlns:a16="http://schemas.microsoft.com/office/drawing/2014/main" id="{D30EDEB0-CCE3-B23B-E6CF-BF30E6B75DBC}"/>
+              </a:ext>
+            </a:extLst>
+          </p:cNvPr>
+          <p:cNvSpPr txBox="1"/>
+          <p:nvPr/>
+        </p:nvSpPr>
+        <p:spPr>
+          <a:xfrm>
+            <a:off x="6344973" y="3298959"/>
+            <a:ext cx="4765173" cy="923330"/>
+          </a:xfrm>
+          <a:prstGeom prst="rect">
+            <a:avLst/>
+          </a:prstGeom>
+          <a:solidFill>
+            <a:schemeClr val="accent1">
+              <a:lumMod val="40000"/>
+              <a:lumOff val="60000"/>
+            </a:schemeClr>
+          </a:solidFill>
+        </p:spPr>
+        <p:txBody>
+          <a:bodyPr wrap="square" rtlCol="0">
+            <a:spAutoFit/>
+          </a:bodyPr>
+          <a:lstStyle/>
+          <a:p>
+            <a:r>
+              <a:rPr lang="fr-FR" b="1" dirty="0"/>
+              <a:t>import</a:t>
+            </a:r>
+            <a:r>
+              <a:rPr lang="fr-FR" dirty="0"/>
+              <a:t> </a:t>
+            </a:r>
+            <a:r>
+              <a:rPr lang="fr-FR" i="1" dirty="0" err="1"/>
+              <a:t>sympy</a:t>
+            </a:r>
+            <a:endParaRPr lang="fr-FR" i="1" dirty="0"/>
+          </a:p>
+          <a:p>
+            <a:r>
+              <a:rPr lang="fr-FR" i="1" dirty="0" err="1"/>
+              <a:t>math</a:t>
+            </a:r>
+            <a:r>
+              <a:rPr lang="fr-FR" dirty="0" err="1"/>
+              <a:t>.</a:t>
+            </a:r>
+            <a:r>
+              <a:rPr lang="fr-FR" b="1" dirty="0" err="1"/>
+              <a:t>sqrt</a:t>
+            </a:r>
+            <a:r>
+              <a:rPr lang="fr-FR" dirty="0"/>
+              <a:t>(9)</a:t>
+            </a:r>
+            <a:endParaRPr lang="fr-FR" i="1" dirty="0"/>
+          </a:p>
+          <a:p>
+            <a:r>
+              <a:rPr lang="fr-FR" i="1" dirty="0" err="1"/>
+              <a:t>math</a:t>
+            </a:r>
+            <a:r>
+              <a:rPr lang="fr-FR" dirty="0" err="1"/>
+              <a:t>.</a:t>
+            </a:r>
+            <a:r>
+              <a:rPr lang="fr-FR" b="1" dirty="0" err="1"/>
+              <a:t>sqrt</a:t>
+            </a:r>
+            <a:r>
+              <a:rPr lang="fr-FR" dirty="0"/>
+              <a:t>(8)</a:t>
+            </a:r>
+            <a:endParaRPr lang="fr-FR" b="1" dirty="0"/>
+          </a:p>
+        </p:txBody>
+      </p:sp>
+      <p:pic>
+        <p:nvPicPr>
+          <p:cNvPr id="2051" name="Picture 3">
+            <a:extLst>
+              <a:ext uri="{FF2B5EF4-FFF2-40B4-BE49-F238E27FC236}">
+                <a16:creationId xmlns:a16="http://schemas.microsoft.com/office/drawing/2014/main" id="{3BB5514F-6568-D4F1-89C4-C79629C862E1}"/>
+              </a:ext>
+            </a:extLst>
+          </p:cNvPr>
+          <p:cNvPicPr>
+            <a:picLocks noChangeAspect="1" noChangeArrowheads="1"/>
+          </p:cNvPicPr>
+          <p:nvPr/>
+        </p:nvPicPr>
+        <p:blipFill>
+          <a:blip r:embed="rId4">
+            <a:extLst>
+              <a:ext uri="{28A0092B-C50C-407E-A947-70E740481C1C}">
+                <a14:useLocalDpi xmlns:a14="http://schemas.microsoft.com/office/drawing/2010/main" val="0"/>
+              </a:ext>
+            </a:extLst>
+          </a:blip>
+          <a:srcRect/>
+          <a:stretch>
+            <a:fillRect/>
+          </a:stretch>
+        </p:blipFill>
+        <p:spPr bwMode="auto">
+          <a:xfrm>
+            <a:off x="11422935" y="1728216"/>
+            <a:ext cx="449659" cy="523240"/>
+          </a:xfrm>
+          <a:prstGeom prst="rect">
+            <a:avLst/>
+          </a:prstGeom>
+          <a:noFill/>
+          <a:extLst>
+            <a:ext uri="{909E8E84-426E-40DD-AFC4-6F175D3DCCD1}">
+              <a14:hiddenFill xmlns:a14="http://schemas.microsoft.com/office/drawing/2010/main">
+                <a:solidFill>
+                  <a:srgbClr val="FFFFFF"/>
+                </a:solidFill>
+              </a14:hiddenFill>
+            </a:ext>
+          </a:extLst>
+        </p:spPr>
+      </p:pic>
+      <p:pic>
+        <p:nvPicPr>
+          <p:cNvPr id="6" name="Picture 8" descr="Résultat de recherche d'images pour &quot;spyder logo&quot;">
+            <a:extLst>
+              <a:ext uri="{FF2B5EF4-FFF2-40B4-BE49-F238E27FC236}">
+                <a16:creationId xmlns:a16="http://schemas.microsoft.com/office/drawing/2014/main" id="{D9414DAA-7921-9263-EDFD-677377956C7B}"/>
+              </a:ext>
+            </a:extLst>
+          </p:cNvPr>
+          <p:cNvPicPr>
+            <a:picLocks noChangeAspect="1" noChangeArrowheads="1"/>
+          </p:cNvPicPr>
+          <p:nvPr/>
+        </p:nvPicPr>
+        <p:blipFill>
+          <a:blip r:embed="rId5">
+            <a:extLst>
+              <a:ext uri="{28A0092B-C50C-407E-A947-70E740481C1C}">
+                <a14:useLocalDpi xmlns:a14="http://schemas.microsoft.com/office/drawing/2010/main" val="0"/>
+              </a:ext>
+            </a:extLst>
+          </a:blip>
+          <a:srcRect/>
+          <a:stretch>
+            <a:fillRect/>
+          </a:stretch>
+        </p:blipFill>
+        <p:spPr bwMode="auto">
+          <a:xfrm>
+            <a:off x="10162526" y="1757291"/>
+            <a:ext cx="947620" cy="473810"/>
+          </a:xfrm>
+          <a:prstGeom prst="rect">
+            <a:avLst/>
+          </a:prstGeom>
+          <a:noFill/>
+          <a:extLst>
+            <a:ext uri="{909E8E84-426E-40DD-AFC4-6F175D3DCCD1}">
+              <a14:hiddenFill xmlns:a14="http://schemas.microsoft.com/office/drawing/2010/main">
+                <a:solidFill>
+                  <a:srgbClr val="FFFFFF"/>
+                </a:solidFill>
+              </a14:hiddenFill>
+            </a:ext>
+          </a:extLst>
+        </p:spPr>
+      </p:pic>
+    </p:spTree>
+    <p:extLst>
+      <p:ext uri="{BB962C8B-B14F-4D97-AF65-F5344CB8AC3E}">
+        <p14:creationId xmlns:p14="http://schemas.microsoft.com/office/powerpoint/2010/main" val="4157482394"/>
+      </p:ext>
+    </p:extLst>
+  </p:cSld>
+  <p:clrMapOvr>
+    <a:masterClrMapping/>
+  </p:clrMapOvr>
+</p:sld>
+</file>
+
+<file path=ppt/slides/slide7.xml><?xml version="1.0" encoding="utf-8"?>
+<p:sld xmlns:a="http://schemas.openxmlformats.org/drawingml/2006/main" xmlns:r="http://schemas.openxmlformats.org/officeDocument/2006/relationships" xmlns:p="http://schemas.openxmlformats.org/presentationml/2006/main">
+  <p:cSld>
+    <p:spTree>
+      <p:nvGrpSpPr>
+        <p:cNvPr id="1" name=""/>
+        <p:cNvGrpSpPr/>
+        <p:nvPr/>
+      </p:nvGrpSpPr>
+      <p:grpSpPr>
+        <a:xfrm>
+          <a:off x="0" y="0"/>
+          <a:ext cx="0" cy="0"/>
+          <a:chOff x="0" y="0"/>
+          <a:chExt cx="0" cy="0"/>
+        </a:xfrm>
+      </p:grpSpPr>
+      <p:sp>
+        <p:nvSpPr>
+          <p:cNvPr id="2" name="Titre 1">
+            <a:extLst>
+              <a:ext uri="{FF2B5EF4-FFF2-40B4-BE49-F238E27FC236}">
+                <a16:creationId xmlns:a16="http://schemas.microsoft.com/office/drawing/2014/main" id="{90162AE8-C1B0-5C56-8313-DEE494F38273}"/>
+              </a:ext>
+            </a:extLst>
+          </p:cNvPr>
+          <p:cNvSpPr>
+            <a:spLocks noGrp="1"/>
+          </p:cNvSpPr>
+          <p:nvPr>
+            <p:ph type="title"/>
+          </p:nvPr>
+        </p:nvSpPr>
+        <p:spPr/>
+        <p:txBody>
+          <a:bodyPr>
+            <a:normAutofit/>
+          </a:bodyPr>
+          <a:lstStyle/>
+          <a:p>
+            <a:r>
+              <a:rPr lang="fr-FR" dirty="0" err="1"/>
+              <a:t>SymPy</a:t>
+            </a:r>
+            <a:r>
+              <a:rPr lang="fr-FR" dirty="0"/>
+              <a:t> pour le calcul formel</a:t>
+            </a:r>
+          </a:p>
+        </p:txBody>
+      </p:sp>
+      <p:sp>
+        <p:nvSpPr>
+          <p:cNvPr id="3" name="Espace réservé du contenu 2">
+            <a:extLst>
+              <a:ext uri="{FF2B5EF4-FFF2-40B4-BE49-F238E27FC236}">
+                <a16:creationId xmlns:a16="http://schemas.microsoft.com/office/drawing/2014/main" id="{E0BBB9DE-019C-C741-F224-494739D4B752}"/>
+              </a:ext>
+            </a:extLst>
+          </p:cNvPr>
+          <p:cNvSpPr>
+            <a:spLocks noGrp="1"/>
+          </p:cNvSpPr>
+          <p:nvPr>
+            <p:ph sz="half" idx="1"/>
+          </p:nvPr>
+        </p:nvSpPr>
+        <p:spPr/>
+        <p:txBody>
+          <a:bodyPr/>
+          <a:lstStyle/>
+          <a:p>
+            <a:r>
+              <a:rPr lang="fr-FR" dirty="0"/>
+              <a:t>Premier exemple</a:t>
+            </a:r>
+          </a:p>
+        </p:txBody>
+      </p:sp>
+      <p:pic>
+        <p:nvPicPr>
+          <p:cNvPr id="5" name="Image 4" descr="Une image contenant texte&#10;&#10;Description générée automatiquement">
+            <a:extLst>
+              <a:ext uri="{FF2B5EF4-FFF2-40B4-BE49-F238E27FC236}">
+                <a16:creationId xmlns:a16="http://schemas.microsoft.com/office/drawing/2014/main" id="{66D2630B-81F4-A4EB-21BA-8B90CF30BD92}"/>
+              </a:ext>
+            </a:extLst>
+          </p:cNvPr>
+          <p:cNvPicPr>
+            <a:picLocks noChangeAspect="1"/>
+          </p:cNvPicPr>
+          <p:nvPr/>
+        </p:nvPicPr>
+        <p:blipFill>
+          <a:blip r:embed="rId2">
+            <a:extLst>
+              <a:ext uri="{28A0092B-C50C-407E-A947-70E740481C1C}">
+                <a14:useLocalDpi xmlns:a14="http://schemas.microsoft.com/office/drawing/2010/main" val="0"/>
+              </a:ext>
+            </a:extLst>
+          </a:blip>
+          <a:stretch>
+            <a:fillRect/>
+          </a:stretch>
+        </p:blipFill>
+        <p:spPr>
+          <a:xfrm>
+            <a:off x="202922" y="5934456"/>
+            <a:ext cx="1825291" cy="749808"/>
+          </a:xfrm>
+          <a:prstGeom prst="rect">
+            <a:avLst/>
+          </a:prstGeom>
+        </p:spPr>
+      </p:pic>
+      <p:sp>
+        <p:nvSpPr>
+          <p:cNvPr id="4" name="Espace réservé du numéro de diapositive 3">
+            <a:extLst>
+              <a:ext uri="{FF2B5EF4-FFF2-40B4-BE49-F238E27FC236}">
+                <a16:creationId xmlns:a16="http://schemas.microsoft.com/office/drawing/2014/main" id="{F08CDEFC-50F0-4C47-46AC-D28A2807E4F8}"/>
+              </a:ext>
+            </a:extLst>
+          </p:cNvPr>
+          <p:cNvSpPr>
+            <a:spLocks noGrp="1"/>
+          </p:cNvSpPr>
+          <p:nvPr>
+            <p:ph type="sldNum" sz="quarter" idx="12"/>
+          </p:nvPr>
+        </p:nvSpPr>
+        <p:spPr/>
+        <p:txBody>
+          <a:bodyPr/>
+          <a:lstStyle/>
+          <a:p>
+            <a:fld id="{B2DC25EE-239B-4C5F-AAD1-255A7D5F1EE2}" type="slidenum">
+              <a:rPr lang="en-US" smtClean="0"/>
+              <a:t>7</a:t>
             </a:fld>
             <a:endParaRPr lang="en-US"/>
           </a:p>
@@ -20619,7 +21499,7 @@
 </p:sld>
 </file>
 
-<file path=ppt/slides/slide7.xml><?xml version="1.0" encoding="utf-8"?>
+<file path=ppt/slides/slide8.xml><?xml version="1.0" encoding="utf-8"?>
 <p:sld xmlns:a="http://schemas.openxmlformats.org/drawingml/2006/main" xmlns:r="http://schemas.openxmlformats.org/officeDocument/2006/relationships" xmlns:p="http://schemas.openxmlformats.org/presentationml/2006/main">
   <p:cSld>
     <p:spTree>
@@ -20757,7 +21637,7 @@
           <a:p>
             <a:fld id="{B2DC25EE-239B-4C5F-AAD1-255A7D5F1EE2}" type="slidenum">
               <a:rPr lang="en-US" smtClean="0"/>
-              <a:t>7</a:t>
+              <a:t>8</a:t>
             </a:fld>
             <a:endParaRPr lang="en-US"/>
           </a:p>
@@ -21469,7 +22349,7 @@
 </p:sld>
 </file>
 
-<file path=ppt/slides/slide8.xml><?xml version="1.0" encoding="utf-8"?>
+<file path=ppt/slides/slide9.xml><?xml version="1.0" encoding="utf-8"?>
 <p:sld xmlns:a="http://schemas.openxmlformats.org/drawingml/2006/main" xmlns:r="http://schemas.openxmlformats.org/officeDocument/2006/relationships" xmlns:p="http://schemas.openxmlformats.org/presentationml/2006/main">
   <p:cSld>
     <p:spTree>
@@ -21607,7 +22487,7 @@
           <a:p>
             <a:fld id="{B2DC25EE-239B-4C5F-AAD1-255A7D5F1EE2}" type="slidenum">
               <a:rPr lang="en-US" smtClean="0"/>
-              <a:t>8</a:t>
+              <a:t>9</a:t>
             </a:fld>
             <a:endParaRPr lang="en-US"/>
           </a:p>
@@ -22310,509 +23190,6 @@
     <p:extLst>
       <p:ext uri="{BB962C8B-B14F-4D97-AF65-F5344CB8AC3E}">
         <p14:creationId xmlns:p14="http://schemas.microsoft.com/office/powerpoint/2010/main" val="3601037766"/>
-      </p:ext>
-    </p:extLst>
-  </p:cSld>
-  <p:clrMapOvr>
-    <a:masterClrMapping/>
-  </p:clrMapOvr>
-</p:sld>
-</file>
-
-<file path=ppt/slides/slide9.xml><?xml version="1.0" encoding="utf-8"?>
-<p:sld xmlns:a="http://schemas.openxmlformats.org/drawingml/2006/main" xmlns:r="http://schemas.openxmlformats.org/officeDocument/2006/relationships" xmlns:p="http://schemas.openxmlformats.org/presentationml/2006/main">
-  <p:cSld>
-    <p:spTree>
-      <p:nvGrpSpPr>
-        <p:cNvPr id="1" name=""/>
-        <p:cNvGrpSpPr/>
-        <p:nvPr/>
-      </p:nvGrpSpPr>
-      <p:grpSpPr>
-        <a:xfrm>
-          <a:off x="0" y="0"/>
-          <a:ext cx="0" cy="0"/>
-          <a:chOff x="0" y="0"/>
-          <a:chExt cx="0" cy="0"/>
-        </a:xfrm>
-      </p:grpSpPr>
-      <p:sp>
-        <p:nvSpPr>
-          <p:cNvPr id="2" name="Titre 1">
-            <a:extLst>
-              <a:ext uri="{FF2B5EF4-FFF2-40B4-BE49-F238E27FC236}">
-                <a16:creationId xmlns:a16="http://schemas.microsoft.com/office/drawing/2014/main" id="{90162AE8-C1B0-5C56-8313-DEE494F38273}"/>
-              </a:ext>
-            </a:extLst>
-          </p:cNvPr>
-          <p:cNvSpPr>
-            <a:spLocks noGrp="1"/>
-          </p:cNvSpPr>
-          <p:nvPr>
-            <p:ph type="title"/>
-          </p:nvPr>
-        </p:nvSpPr>
-        <p:spPr/>
-        <p:txBody>
-          <a:bodyPr>
-            <a:normAutofit/>
-          </a:bodyPr>
-          <a:lstStyle/>
-          <a:p>
-            <a:r>
-              <a:rPr lang="fr-FR" dirty="0" err="1"/>
-              <a:t>SymPy</a:t>
-            </a:r>
-            <a:r>
-              <a:rPr lang="fr-FR" dirty="0"/>
-              <a:t> pour le calcul formel</a:t>
-            </a:r>
-          </a:p>
-        </p:txBody>
-      </p:sp>
-      <p:sp>
-        <p:nvSpPr>
-          <p:cNvPr id="3" name="Espace réservé du contenu 2">
-            <a:extLst>
-              <a:ext uri="{FF2B5EF4-FFF2-40B4-BE49-F238E27FC236}">
-                <a16:creationId xmlns:a16="http://schemas.microsoft.com/office/drawing/2014/main" id="{E0BBB9DE-019C-C741-F224-494739D4B752}"/>
-              </a:ext>
-            </a:extLst>
-          </p:cNvPr>
-          <p:cNvSpPr>
-            <a:spLocks noGrp="1"/>
-          </p:cNvSpPr>
-          <p:nvPr>
-            <p:ph sz="half" idx="1"/>
-          </p:nvPr>
-        </p:nvSpPr>
-        <p:spPr/>
-        <p:txBody>
-          <a:bodyPr/>
-          <a:lstStyle/>
-          <a:p>
-            <a:r>
-              <a:rPr lang="fr-FR" dirty="0"/>
-              <a:t>Expressions</a:t>
-            </a:r>
-          </a:p>
-        </p:txBody>
-      </p:sp>
-      <p:pic>
-        <p:nvPicPr>
-          <p:cNvPr id="5" name="Image 4" descr="Une image contenant texte&#10;&#10;Description générée automatiquement">
-            <a:extLst>
-              <a:ext uri="{FF2B5EF4-FFF2-40B4-BE49-F238E27FC236}">
-                <a16:creationId xmlns:a16="http://schemas.microsoft.com/office/drawing/2014/main" id="{66D2630B-81F4-A4EB-21BA-8B90CF30BD92}"/>
-              </a:ext>
-            </a:extLst>
-          </p:cNvPr>
-          <p:cNvPicPr>
-            <a:picLocks noChangeAspect="1"/>
-          </p:cNvPicPr>
-          <p:nvPr/>
-        </p:nvPicPr>
-        <p:blipFill>
-          <a:blip r:embed="rId2">
-            <a:extLst>
-              <a:ext uri="{28A0092B-C50C-407E-A947-70E740481C1C}">
-                <a14:useLocalDpi xmlns:a14="http://schemas.microsoft.com/office/drawing/2010/main" val="0"/>
-              </a:ext>
-            </a:extLst>
-          </a:blip>
-          <a:stretch>
-            <a:fillRect/>
-          </a:stretch>
-        </p:blipFill>
-        <p:spPr>
-          <a:xfrm>
-            <a:off x="202922" y="5934456"/>
-            <a:ext cx="1825291" cy="749808"/>
-          </a:xfrm>
-          <a:prstGeom prst="rect">
-            <a:avLst/>
-          </a:prstGeom>
-        </p:spPr>
-      </p:pic>
-      <p:sp>
-        <p:nvSpPr>
-          <p:cNvPr id="4" name="Espace réservé du numéro de diapositive 3">
-            <a:extLst>
-              <a:ext uri="{FF2B5EF4-FFF2-40B4-BE49-F238E27FC236}">
-                <a16:creationId xmlns:a16="http://schemas.microsoft.com/office/drawing/2014/main" id="{F08CDEFC-50F0-4C47-46AC-D28A2807E4F8}"/>
-              </a:ext>
-            </a:extLst>
-          </p:cNvPr>
-          <p:cNvSpPr>
-            <a:spLocks noGrp="1"/>
-          </p:cNvSpPr>
-          <p:nvPr>
-            <p:ph type="sldNum" sz="quarter" idx="12"/>
-          </p:nvPr>
-        </p:nvSpPr>
-        <p:spPr/>
-        <p:txBody>
-          <a:bodyPr/>
-          <a:lstStyle/>
-          <a:p>
-            <a:fld id="{B2DC25EE-239B-4C5F-AAD1-255A7D5F1EE2}" type="slidenum">
-              <a:rPr lang="en-US" smtClean="0"/>
-              <a:t>9</a:t>
-            </a:fld>
-            <a:endParaRPr lang="en-US"/>
-          </a:p>
-        </p:txBody>
-      </p:sp>
-      <p:pic>
-        <p:nvPicPr>
-          <p:cNvPr id="1026" name="Picture 2" descr="SymPy Logo">
-            <a:extLst>
-              <a:ext uri="{FF2B5EF4-FFF2-40B4-BE49-F238E27FC236}">
-                <a16:creationId xmlns:a16="http://schemas.microsoft.com/office/drawing/2014/main" id="{6F826F4C-FC0E-452A-4FE2-7AD4240C9A6B}"/>
-              </a:ext>
-            </a:extLst>
-          </p:cNvPr>
-          <p:cNvPicPr>
-            <a:picLocks noChangeAspect="1" noChangeArrowheads="1"/>
-          </p:cNvPicPr>
-          <p:nvPr/>
-        </p:nvPicPr>
-        <p:blipFill>
-          <a:blip r:embed="rId3">
-            <a:extLst>
-              <a:ext uri="{28A0092B-C50C-407E-A947-70E740481C1C}">
-                <a14:useLocalDpi xmlns:a14="http://schemas.microsoft.com/office/drawing/2010/main" val="0"/>
-              </a:ext>
-            </a:extLst>
-          </a:blip>
-          <a:srcRect/>
-          <a:stretch>
-            <a:fillRect/>
-          </a:stretch>
-        </p:blipFill>
-        <p:spPr bwMode="auto">
-          <a:xfrm>
-            <a:off x="9915213" y="655319"/>
-            <a:ext cx="915348" cy="613283"/>
-          </a:xfrm>
-          <a:prstGeom prst="rect">
-            <a:avLst/>
-          </a:prstGeom>
-          <a:noFill/>
-          <a:extLst>
-            <a:ext uri="{909E8E84-426E-40DD-AFC4-6F175D3DCCD1}">
-              <a14:hiddenFill xmlns:a14="http://schemas.microsoft.com/office/drawing/2010/main">
-                <a:solidFill>
-                  <a:srgbClr val="FFFFFF"/>
-                </a:solidFill>
-              </a14:hiddenFill>
-            </a:ext>
-          </a:extLst>
-        </p:spPr>
-      </p:pic>
-      <p:sp>
-        <p:nvSpPr>
-          <p:cNvPr id="7" name="ZoneTexte 6">
-            <a:extLst>
-              <a:ext uri="{FF2B5EF4-FFF2-40B4-BE49-F238E27FC236}">
-                <a16:creationId xmlns:a16="http://schemas.microsoft.com/office/drawing/2014/main" id="{F0FBF19C-22B5-76E5-0F93-DF8BB4A2F385}"/>
-              </a:ext>
-            </a:extLst>
-          </p:cNvPr>
-          <p:cNvSpPr txBox="1"/>
-          <p:nvPr/>
-        </p:nvSpPr>
-        <p:spPr>
-          <a:xfrm>
-            <a:off x="822960" y="3302376"/>
-            <a:ext cx="4765173" cy="923330"/>
-          </a:xfrm>
-          <a:prstGeom prst="rect">
-            <a:avLst/>
-          </a:prstGeom>
-          <a:solidFill>
-            <a:schemeClr val="accent1">
-              <a:lumMod val="40000"/>
-              <a:lumOff val="60000"/>
-            </a:schemeClr>
-          </a:solidFill>
-        </p:spPr>
-        <p:txBody>
-          <a:bodyPr wrap="square" rtlCol="0">
-            <a:spAutoFit/>
-          </a:bodyPr>
-          <a:lstStyle/>
-          <a:p>
-            <a:r>
-              <a:rPr lang="fr-FR" dirty="0"/>
-              <a:t>x, y = </a:t>
-            </a:r>
-            <a:r>
-              <a:rPr lang="fr-FR" i="1" dirty="0" err="1"/>
-              <a:t>sympy</a:t>
-            </a:r>
-            <a:r>
-              <a:rPr lang="fr-FR" dirty="0" err="1"/>
-              <a:t>.</a:t>
-            </a:r>
-            <a:r>
-              <a:rPr lang="fr-FR" b="1" dirty="0" err="1"/>
-              <a:t>symbols</a:t>
-            </a:r>
-            <a:r>
-              <a:rPr lang="fr-FR" dirty="0"/>
-              <a:t>('x y')</a:t>
-            </a:r>
-          </a:p>
-          <a:p>
-            <a:r>
-              <a:rPr lang="fr-FR" dirty="0" err="1"/>
-              <a:t>expr</a:t>
-            </a:r>
-            <a:r>
-              <a:rPr lang="fr-FR" b="1" dirty="0"/>
-              <a:t> = </a:t>
-            </a:r>
-            <a:r>
-              <a:rPr lang="fr-FR" dirty="0"/>
-              <a:t>x**2 - 4 * x + 5</a:t>
-            </a:r>
-          </a:p>
-          <a:p>
-            <a:r>
-              <a:rPr lang="fr-FR" dirty="0" err="1"/>
-              <a:t>expr</a:t>
-            </a:r>
-            <a:endParaRPr lang="fr-FR" dirty="0"/>
-          </a:p>
-        </p:txBody>
-      </p:sp>
-      <p:sp>
-        <p:nvSpPr>
-          <p:cNvPr id="8" name="ZoneTexte 7">
-            <a:extLst>
-              <a:ext uri="{FF2B5EF4-FFF2-40B4-BE49-F238E27FC236}">
-                <a16:creationId xmlns:a16="http://schemas.microsoft.com/office/drawing/2014/main" id="{79268CDE-11DF-5549-D1F0-1652BAD1B16C}"/>
-              </a:ext>
-            </a:extLst>
-          </p:cNvPr>
-          <p:cNvSpPr txBox="1"/>
-          <p:nvPr/>
-        </p:nvSpPr>
-        <p:spPr>
-          <a:xfrm>
-            <a:off x="1391037" y="4340869"/>
-            <a:ext cx="4197096" cy="369332"/>
-          </a:xfrm>
-          <a:prstGeom prst="rect">
-            <a:avLst/>
-          </a:prstGeom>
-          <a:solidFill>
-            <a:schemeClr val="accent4">
-              <a:lumMod val="40000"/>
-              <a:lumOff val="60000"/>
-            </a:schemeClr>
-          </a:solidFill>
-        </p:spPr>
-        <p:txBody>
-          <a:bodyPr wrap="square" rtlCol="0">
-            <a:spAutoFit/>
-          </a:bodyPr>
-          <a:lstStyle/>
-          <a:p>
-            <a:r>
-              <a:rPr lang="fr-FR" dirty="0"/>
-              <a:t>???</a:t>
-            </a:r>
-          </a:p>
-        </p:txBody>
-      </p:sp>
-      <p:pic>
-        <p:nvPicPr>
-          <p:cNvPr id="2051" name="Picture 3">
-            <a:extLst>
-              <a:ext uri="{FF2B5EF4-FFF2-40B4-BE49-F238E27FC236}">
-                <a16:creationId xmlns:a16="http://schemas.microsoft.com/office/drawing/2014/main" id="{3BB5514F-6568-D4F1-89C4-C79629C862E1}"/>
-              </a:ext>
-            </a:extLst>
-          </p:cNvPr>
-          <p:cNvPicPr>
-            <a:picLocks noChangeAspect="1" noChangeArrowheads="1"/>
-          </p:cNvPicPr>
-          <p:nvPr/>
-        </p:nvPicPr>
-        <p:blipFill>
-          <a:blip r:embed="rId4">
-            <a:extLst>
-              <a:ext uri="{28A0092B-C50C-407E-A947-70E740481C1C}">
-                <a14:useLocalDpi xmlns:a14="http://schemas.microsoft.com/office/drawing/2010/main" val="0"/>
-              </a:ext>
-            </a:extLst>
-          </a:blip>
-          <a:srcRect/>
-          <a:stretch>
-            <a:fillRect/>
-          </a:stretch>
-        </p:blipFill>
-        <p:spPr bwMode="auto">
-          <a:xfrm>
-            <a:off x="11422935" y="1728216"/>
-            <a:ext cx="449659" cy="523240"/>
-          </a:xfrm>
-          <a:prstGeom prst="rect">
-            <a:avLst/>
-          </a:prstGeom>
-          <a:noFill/>
-          <a:extLst>
-            <a:ext uri="{909E8E84-426E-40DD-AFC4-6F175D3DCCD1}">
-              <a14:hiddenFill xmlns:a14="http://schemas.microsoft.com/office/drawing/2010/main">
-                <a:solidFill>
-                  <a:srgbClr val="FFFFFF"/>
-                </a:solidFill>
-              </a14:hiddenFill>
-            </a:ext>
-          </a:extLst>
-        </p:spPr>
-      </p:pic>
-      <p:sp>
-        <p:nvSpPr>
-          <p:cNvPr id="11" name="ZoneTexte 10">
-            <a:extLst>
-              <a:ext uri="{FF2B5EF4-FFF2-40B4-BE49-F238E27FC236}">
-                <a16:creationId xmlns:a16="http://schemas.microsoft.com/office/drawing/2014/main" id="{542E132A-43C2-1A6E-DA9E-DF3A2FD6C989}"/>
-              </a:ext>
-            </a:extLst>
-          </p:cNvPr>
-          <p:cNvSpPr txBox="1"/>
-          <p:nvPr/>
-        </p:nvSpPr>
-        <p:spPr>
-          <a:xfrm>
-            <a:off x="6344973" y="3298959"/>
-            <a:ext cx="4765173" cy="369332"/>
-          </a:xfrm>
-          <a:prstGeom prst="rect">
-            <a:avLst/>
-          </a:prstGeom>
-          <a:solidFill>
-            <a:schemeClr val="accent1">
-              <a:lumMod val="40000"/>
-              <a:lumOff val="60000"/>
-            </a:schemeClr>
-          </a:solidFill>
-        </p:spPr>
-        <p:txBody>
-          <a:bodyPr wrap="square" rtlCol="0">
-            <a:spAutoFit/>
-          </a:bodyPr>
-          <a:lstStyle/>
-          <a:p>
-            <a:r>
-              <a:rPr lang="fr-FR" dirty="0" err="1"/>
-              <a:t>expr.</a:t>
-            </a:r>
-            <a:r>
-              <a:rPr lang="fr-FR" b="1" dirty="0" err="1"/>
-              <a:t>subs</a:t>
-            </a:r>
-            <a:r>
-              <a:rPr lang="fr-FR" dirty="0"/>
-              <a:t>(x, 1)</a:t>
-            </a:r>
-          </a:p>
-        </p:txBody>
-      </p:sp>
-      <p:sp>
-        <p:nvSpPr>
-          <p:cNvPr id="12" name="ZoneTexte 11">
-            <a:extLst>
-              <a:ext uri="{FF2B5EF4-FFF2-40B4-BE49-F238E27FC236}">
-                <a16:creationId xmlns:a16="http://schemas.microsoft.com/office/drawing/2014/main" id="{20E35B53-F2EA-B123-3508-8F5AAEC50C69}"/>
-              </a:ext>
-            </a:extLst>
-          </p:cNvPr>
-          <p:cNvSpPr txBox="1"/>
-          <p:nvPr/>
-        </p:nvSpPr>
-        <p:spPr>
-          <a:xfrm>
-            <a:off x="6913050" y="3764041"/>
-            <a:ext cx="4197096" cy="369332"/>
-          </a:xfrm>
-          <a:prstGeom prst="rect">
-            <a:avLst/>
-          </a:prstGeom>
-          <a:solidFill>
-            <a:schemeClr val="accent4">
-              <a:lumMod val="40000"/>
-              <a:lumOff val="60000"/>
-            </a:schemeClr>
-          </a:solidFill>
-        </p:spPr>
-        <p:txBody>
-          <a:bodyPr wrap="square" rtlCol="0">
-            <a:spAutoFit/>
-          </a:bodyPr>
-          <a:lstStyle/>
-          <a:p>
-            <a:r>
-              <a:rPr lang="fr-FR" dirty="0"/>
-              <a:t>???</a:t>
-            </a:r>
-          </a:p>
-        </p:txBody>
-      </p:sp>
-      <p:pic>
-        <p:nvPicPr>
-          <p:cNvPr id="6" name="Picture 8" descr="Résultat de recherche d'images pour &quot;spyder logo&quot;">
-            <a:extLst>
-              <a:ext uri="{FF2B5EF4-FFF2-40B4-BE49-F238E27FC236}">
-                <a16:creationId xmlns:a16="http://schemas.microsoft.com/office/drawing/2014/main" id="{E85F49B7-CBEF-E8D8-8D48-9A3FF4434292}"/>
-              </a:ext>
-            </a:extLst>
-          </p:cNvPr>
-          <p:cNvPicPr>
-            <a:picLocks noChangeAspect="1" noChangeArrowheads="1"/>
-          </p:cNvPicPr>
-          <p:nvPr/>
-        </p:nvPicPr>
-        <p:blipFill>
-          <a:blip r:embed="rId5">
-            <a:extLst>
-              <a:ext uri="{28A0092B-C50C-407E-A947-70E740481C1C}">
-                <a14:useLocalDpi xmlns:a14="http://schemas.microsoft.com/office/drawing/2010/main" val="0"/>
-              </a:ext>
-            </a:extLst>
-          </a:blip>
-          <a:srcRect/>
-          <a:stretch>
-            <a:fillRect/>
-          </a:stretch>
-        </p:blipFill>
-        <p:spPr bwMode="auto">
-          <a:xfrm>
-            <a:off x="10162526" y="1757291"/>
-            <a:ext cx="947620" cy="473810"/>
-          </a:xfrm>
-          <a:prstGeom prst="rect">
-            <a:avLst/>
-          </a:prstGeom>
-          <a:noFill/>
-          <a:extLst>
-            <a:ext uri="{909E8E84-426E-40DD-AFC4-6F175D3DCCD1}">
-              <a14:hiddenFill xmlns:a14="http://schemas.microsoft.com/office/drawing/2010/main">
-                <a:solidFill>
-                  <a:srgbClr val="FFFFFF"/>
-                </a:solidFill>
-              </a14:hiddenFill>
-            </a:ext>
-          </a:extLst>
-        </p:spPr>
-      </p:pic>
-    </p:spTree>
-    <p:extLst>
-      <p:ext uri="{BB962C8B-B14F-4D97-AF65-F5344CB8AC3E}">
-        <p14:creationId xmlns:p14="http://schemas.microsoft.com/office/powerpoint/2010/main" val="722868114"/>
       </p:ext>
     </p:extLst>
   </p:cSld>

--- a/ONIP/onip_b1_methodes_numeriques/seance2_equation_diff/B1_s2_1_Approche_Symbolique.pptx
+++ b/ONIP/onip_b1_methodes_numeriques/seance2_equation_diff/B1_s2_1_Approche_Symbolique.pptx
@@ -9979,15 +9979,25 @@
             <p:ph sz="half" idx="1"/>
           </p:nvPr>
         </p:nvSpPr>
-        <p:spPr/>
+        <p:spPr>
+          <a:xfrm>
+            <a:off x="1115568" y="2478024"/>
+            <a:ext cx="9994578" cy="3694176"/>
+          </a:xfrm>
+        </p:spPr>
         <p:txBody>
           <a:bodyPr/>
           <a:lstStyle/>
           <a:p>
             <a:r>
               <a:rPr lang="fr-FR" dirty="0"/>
-              <a:t>Vectoriser une fonction</a:t>
-            </a:r>
+              <a:t>Vectoriser une fonction - </a:t>
+            </a:r>
+            <a:r>
+              <a:rPr lang="fr-FR" b="1" i="1" dirty="0" err="1"/>
+              <a:t>lambdify</a:t>
+            </a:r>
+            <a:endParaRPr lang="fr-FR" b="1" i="1" dirty="0"/>
           </a:p>
         </p:txBody>
       </p:sp>

--- a/ONIP/onip_b1_methodes_numeriques/seance2_equation_diff/B1_s2_1_Approche_Symbolique.pptx
+++ b/ONIP/onip_b1_methodes_numeriques/seance2_equation_diff/B1_s2_1_Approche_Symbolique.pptx
@@ -5,7 +5,7 @@
     <p:sldMasterId id="2147483711" r:id="rId1"/>
   </p:sldMasterIdLst>
   <p:notesMasterIdLst>
-    <p:notesMasterId r:id="rId25"/>
+    <p:notesMasterId r:id="rId26"/>
   </p:notesMasterIdLst>
   <p:sldIdLst>
     <p:sldId id="261" r:id="rId2"/>
@@ -24,13 +24,14 @@
     <p:sldId id="294" r:id="rId15"/>
     <p:sldId id="295" r:id="rId16"/>
     <p:sldId id="292" r:id="rId17"/>
-    <p:sldId id="272" r:id="rId18"/>
-    <p:sldId id="273" r:id="rId19"/>
-    <p:sldId id="274" r:id="rId20"/>
-    <p:sldId id="291" r:id="rId21"/>
-    <p:sldId id="277" r:id="rId22"/>
-    <p:sldId id="275" r:id="rId23"/>
-    <p:sldId id="287" r:id="rId24"/>
+    <p:sldId id="297" r:id="rId18"/>
+    <p:sldId id="274" r:id="rId19"/>
+    <p:sldId id="291" r:id="rId20"/>
+    <p:sldId id="277" r:id="rId21"/>
+    <p:sldId id="275" r:id="rId22"/>
+    <p:sldId id="272" r:id="rId23"/>
+    <p:sldId id="273" r:id="rId24"/>
+    <p:sldId id="287" r:id="rId25"/>
   </p:sldIdLst>
   <p:sldSz cx="12192000" cy="6858000"/>
   <p:notesSz cx="6858000" cy="9144000"/>
@@ -219,7 +220,7 @@
           <a:p>
             <a:fld id="{95F60532-AC81-4152-B45E-E054A978F780}" type="datetimeFigureOut">
               <a:rPr lang="fr-FR" smtClean="0"/>
-              <a:t>18/07/2023</a:t>
+              <a:t>29/08/2023</a:t>
             </a:fld>
             <a:endParaRPr lang="fr-FR"/>
           </a:p>
@@ -551,7 +552,7 @@
           <a:p>
             <a:fld id="{ED1A4448-0F40-450F-9A3E-C9B9A6927FAC}" type="slidenum">
               <a:rPr lang="fr-FR" smtClean="0"/>
-              <a:t>22</a:t>
+              <a:t>21</a:t>
             </a:fld>
             <a:endParaRPr lang="fr-FR"/>
           </a:p>
@@ -726,7 +727,7 @@
           <a:p>
             <a:fld id="{785B9D93-2D6F-4658-911E-89FF557AACEE}" type="datetime1">
               <a:rPr lang="en-US" smtClean="0"/>
-              <a:t>7/18/2023</a:t>
+              <a:t>8/29/2023</a:t>
             </a:fld>
             <a:endParaRPr lang="en-US" dirty="0"/>
           </a:p>
@@ -1096,7 +1097,7 @@
           <a:p>
             <a:fld id="{4709A133-4251-46D0-8E1C-3DC2CCEEC594}" type="datetime1">
               <a:rPr lang="en-US" smtClean="0"/>
-              <a:t>7/18/2023</a:t>
+              <a:t>8/29/2023</a:t>
             </a:fld>
             <a:endParaRPr lang="en-US"/>
           </a:p>
@@ -1305,7 +1306,7 @@
           <a:p>
             <a:fld id="{757C9D7A-C246-41BC-AB36-CBBE03C4FC3D}" type="datetime1">
               <a:rPr lang="en-US" smtClean="0"/>
-              <a:t>7/18/2023</a:t>
+              <a:t>8/29/2023</a:t>
             </a:fld>
             <a:endParaRPr lang="en-US"/>
           </a:p>
@@ -1775,7 +1776,7 @@
           <a:p>
             <a:fld id="{DD23859D-5799-4C59-B29C-0D397C1B3B07}" type="datetime1">
               <a:rPr lang="en-US" smtClean="0"/>
-              <a:t>7/18/2023</a:t>
+              <a:t>8/29/2023</a:t>
             </a:fld>
             <a:endParaRPr lang="en-US"/>
           </a:p>
@@ -2229,7 +2230,7 @@
           <a:p>
             <a:fld id="{B36A9650-6794-4EE4-9500-0C43A7CB6B4A}" type="datetime1">
               <a:rPr lang="en-US" smtClean="0"/>
-              <a:t>7/18/2023</a:t>
+              <a:t>8/29/2023</a:t>
             </a:fld>
             <a:endParaRPr lang="en-US"/>
           </a:p>
@@ -2761,7 +2762,7 @@
           <a:p>
             <a:fld id="{1792256C-3121-4D72-8DFF-855B713C834E}" type="datetime1">
               <a:rPr lang="en-US" smtClean="0"/>
-              <a:t>7/18/2023</a:t>
+              <a:t>8/29/2023</a:t>
             </a:fld>
             <a:endParaRPr lang="en-US"/>
           </a:p>
@@ -3460,7 +3461,7 @@
           <a:p>
             <a:fld id="{580DF3A2-C727-46A5-9AC9-16B2E63C7D3A}" type="datetime1">
               <a:rPr lang="en-US" smtClean="0"/>
-              <a:t>7/18/2023</a:t>
+              <a:t>8/29/2023</a:t>
             </a:fld>
             <a:endParaRPr lang="en-US"/>
           </a:p>
@@ -3789,7 +3790,7 @@
           <a:p>
             <a:fld id="{9D23748C-796D-4F23-89AF-A2738DF446EE}" type="datetime1">
               <a:rPr lang="en-US" smtClean="0"/>
-              <a:t>7/18/2023</a:t>
+              <a:t>8/29/2023</a:t>
             </a:fld>
             <a:endParaRPr lang="en-US"/>
           </a:p>
@@ -3902,7 +3903,7 @@
           <a:p>
             <a:fld id="{B3AFB1A7-BA76-4344-B812-B8E53F62AA62}" type="datetime1">
               <a:rPr lang="en-US" smtClean="0"/>
-              <a:t>7/18/2023</a:t>
+              <a:t>8/29/2023</a:t>
             </a:fld>
             <a:endParaRPr lang="en-US"/>
           </a:p>
@@ -4397,7 +4398,7 @@
           <a:p>
             <a:fld id="{D2DB139E-AA5F-415E-A7EE-D6EE1B304D34}" type="datetime1">
               <a:rPr lang="en-US" smtClean="0"/>
-              <a:t>7/18/2023</a:t>
+              <a:t>8/29/2023</a:t>
             </a:fld>
             <a:endParaRPr lang="en-US" dirty="0"/>
           </a:p>
@@ -4874,7 +4875,7 @@
           <a:p>
             <a:fld id="{B0611B75-8EAE-4E82-AD4E-BC980BBD0DF6}" type="datetime1">
               <a:rPr lang="en-US" smtClean="0"/>
-              <a:t>7/18/2023</a:t>
+              <a:t>8/29/2023</a:t>
             </a:fld>
             <a:endParaRPr lang="en-US"/>
           </a:p>
@@ -5117,7 +5118,7 @@
           <a:p>
             <a:fld id="{5A39691B-EC2E-4EEE-9557-97A59C128178}" type="datetime1">
               <a:rPr lang="en-US" smtClean="0"/>
-              <a:t>7/18/2023</a:t>
+              <a:t>8/29/2023</a:t>
             </a:fld>
             <a:endParaRPr lang="en-US"/>
           </a:p>
@@ -9575,7 +9576,7 @@
             </a:r>
             <a:r>
               <a:rPr lang="fr-FR" dirty="0"/>
-              <a:t>('g')</a:t>
+              <a:t>('g’)(x)</a:t>
             </a:r>
           </a:p>
           <a:p>
@@ -10168,7 +10169,7 @@
             </a:r>
             <a:r>
               <a:rPr lang="fr-FR" dirty="0"/>
-              <a:t>('g')</a:t>
+              <a:t>('g’)(x)</a:t>
             </a:r>
           </a:p>
           <a:p>
@@ -10905,7 +10906,11 @@
             </a:r>
             <a:r>
               <a:rPr lang="fr-FR" dirty="0" err="1"/>
-              <a:t>sympy.symbols</a:t>
+              <a:t>sympy.</a:t>
+            </a:r>
+            <a:r>
+              <a:rPr lang="fr-FR" b="1" dirty="0" err="1"/>
+              <a:t>symbols</a:t>
             </a:r>
             <a:r>
               <a:rPr lang="fr-FR" dirty="0"/>
@@ -10919,7 +10924,11 @@
             </a:r>
             <a:r>
               <a:rPr lang="fr-FR" dirty="0" err="1"/>
-              <a:t>sympy.Function</a:t>
+              <a:t>sympy.</a:t>
+            </a:r>
+            <a:r>
+              <a:rPr lang="fr-FR" b="1" dirty="0" err="1"/>
+              <a:t>Function</a:t>
             </a:r>
             <a:r>
               <a:rPr lang="fr-FR" dirty="0"/>
@@ -11255,14 +11264,19 @@
             <p:ph sz="half" idx="1"/>
           </p:nvPr>
         </p:nvSpPr>
-        <p:spPr/>
+        <p:spPr>
+          <a:xfrm>
+            <a:off x="1115568" y="2478024"/>
+            <a:ext cx="10460736" cy="3694176"/>
+          </a:xfrm>
+        </p:spPr>
         <p:txBody>
           <a:bodyPr/>
           <a:lstStyle/>
           <a:p>
             <a:r>
               <a:rPr lang="fr-FR" dirty="0"/>
-              <a:t>Calculer des limites</a:t>
+              <a:t>Résoudre une équation différentielle</a:t>
             </a:r>
           </a:p>
         </p:txBody>
@@ -11379,122 +11393,6 @@
           </a:extLst>
         </p:spPr>
       </p:pic>
-      <p:sp>
-        <p:nvSpPr>
-          <p:cNvPr id="7" name="ZoneTexte 6">
-            <a:extLst>
-              <a:ext uri="{FF2B5EF4-FFF2-40B4-BE49-F238E27FC236}">
-                <a16:creationId xmlns:a16="http://schemas.microsoft.com/office/drawing/2014/main" id="{F0FBF19C-22B5-76E5-0F93-DF8BB4A2F385}"/>
-              </a:ext>
-            </a:extLst>
-          </p:cNvPr>
-          <p:cNvSpPr txBox="1"/>
-          <p:nvPr/>
-        </p:nvSpPr>
-        <p:spPr>
-          <a:xfrm>
-            <a:off x="822960" y="3302376"/>
-            <a:ext cx="4765173" cy="923330"/>
-          </a:xfrm>
-          <a:prstGeom prst="rect">
-            <a:avLst/>
-          </a:prstGeom>
-          <a:solidFill>
-            <a:schemeClr val="accent1">
-              <a:lumMod val="40000"/>
-              <a:lumOff val="60000"/>
-            </a:schemeClr>
-          </a:solidFill>
-        </p:spPr>
-        <p:txBody>
-          <a:bodyPr wrap="square" rtlCol="0">
-            <a:spAutoFit/>
-          </a:bodyPr>
-          <a:lstStyle/>
-          <a:p>
-            <a:r>
-              <a:rPr lang="fr-FR" dirty="0"/>
-              <a:t>g </a:t>
-            </a:r>
-            <a:r>
-              <a:rPr lang="fr-FR" b="1" dirty="0"/>
-              <a:t>=</a:t>
-            </a:r>
-            <a:r>
-              <a:rPr lang="fr-FR" dirty="0"/>
-              <a:t> </a:t>
-            </a:r>
-            <a:r>
-              <a:rPr lang="fr-FR" i="1" dirty="0" err="1"/>
-              <a:t>sympy</a:t>
-            </a:r>
-            <a:r>
-              <a:rPr lang="fr-FR" dirty="0" err="1"/>
-              <a:t>.</a:t>
-            </a:r>
-            <a:r>
-              <a:rPr lang="fr-FR" b="1" dirty="0" err="1"/>
-              <a:t>Function</a:t>
-            </a:r>
-            <a:r>
-              <a:rPr lang="fr-FR" dirty="0"/>
-              <a:t>('g’)(x)</a:t>
-            </a:r>
-          </a:p>
-          <a:p>
-            <a:r>
-              <a:rPr lang="fr-FR" dirty="0"/>
-              <a:t>g </a:t>
-            </a:r>
-            <a:r>
-              <a:rPr lang="fr-FR" b="1" dirty="0"/>
-              <a:t>=</a:t>
-            </a:r>
-            <a:r>
-              <a:rPr lang="fr-FR" dirty="0"/>
-              <a:t> </a:t>
-            </a:r>
-            <a:r>
-              <a:rPr lang="fr-FR" i="1" dirty="0" err="1"/>
-              <a:t>sympy</a:t>
-            </a:r>
-            <a:r>
-              <a:rPr lang="fr-FR" dirty="0" err="1"/>
-              <a:t>.</a:t>
-            </a:r>
-            <a:r>
-              <a:rPr lang="fr-FR" b="1" dirty="0" err="1"/>
-              <a:t>sin</a:t>
-            </a:r>
-            <a:r>
-              <a:rPr lang="fr-FR" dirty="0"/>
-              <a:t>(x/2 + </a:t>
-            </a:r>
-            <a:r>
-              <a:rPr lang="fr-FR" i="1" dirty="0" err="1"/>
-              <a:t>sympy</a:t>
-            </a:r>
-            <a:r>
-              <a:rPr lang="fr-FR" dirty="0" err="1"/>
-              <a:t>.</a:t>
-            </a:r>
-            <a:r>
-              <a:rPr lang="fr-FR" b="1" dirty="0" err="1"/>
-              <a:t>sin</a:t>
-            </a:r>
-            <a:r>
-              <a:rPr lang="fr-FR" dirty="0"/>
-              <a:t>(x))</a:t>
-            </a:r>
-          </a:p>
-          <a:p>
-            <a:r>
-              <a:rPr lang="fr-FR" dirty="0"/>
-              <a:t>g</a:t>
-            </a:r>
-          </a:p>
-        </p:txBody>
-      </p:sp>
       <p:pic>
         <p:nvPicPr>
           <p:cNvPr id="2051" name="Picture 3">
@@ -11542,375 +11440,12 @@
           </a:extLst>
         </p:spPr>
       </p:pic>
-      <p:sp>
-        <p:nvSpPr>
-          <p:cNvPr id="6" name="ZoneTexte 5">
-            <a:extLst>
-              <a:ext uri="{FF2B5EF4-FFF2-40B4-BE49-F238E27FC236}">
-                <a16:creationId xmlns:a16="http://schemas.microsoft.com/office/drawing/2014/main" id="{AEFD5A99-E3CF-2C1C-8E83-C187FF550E65}"/>
-              </a:ext>
-            </a:extLst>
-          </p:cNvPr>
-          <p:cNvSpPr txBox="1"/>
-          <p:nvPr/>
-        </p:nvSpPr>
-        <p:spPr>
-          <a:xfrm>
-            <a:off x="822959" y="4372625"/>
-            <a:ext cx="4765173" cy="646331"/>
-          </a:xfrm>
-          <a:prstGeom prst="rect">
-            <a:avLst/>
-          </a:prstGeom>
-          <a:solidFill>
-            <a:schemeClr val="accent1">
-              <a:lumMod val="40000"/>
-              <a:lumOff val="60000"/>
-            </a:schemeClr>
-          </a:solidFill>
-        </p:spPr>
-        <p:txBody>
-          <a:bodyPr wrap="square" rtlCol="0">
-            <a:spAutoFit/>
-          </a:bodyPr>
-          <a:lstStyle/>
-          <a:p>
-            <a:r>
-              <a:rPr lang="fr-FR" dirty="0"/>
-              <a:t>lg </a:t>
-            </a:r>
-            <a:r>
-              <a:rPr lang="fr-FR" b="1" dirty="0"/>
-              <a:t>=</a:t>
-            </a:r>
-            <a:r>
-              <a:rPr lang="fr-FR" dirty="0"/>
-              <a:t> </a:t>
-            </a:r>
-            <a:r>
-              <a:rPr lang="fr-FR" i="1" dirty="0" err="1"/>
-              <a:t>sympy</a:t>
-            </a:r>
-            <a:r>
-              <a:rPr lang="fr-FR" dirty="0" err="1"/>
-              <a:t>.</a:t>
-            </a:r>
-            <a:r>
-              <a:rPr lang="fr-FR" b="1" dirty="0" err="1"/>
-              <a:t>limit</a:t>
-            </a:r>
-            <a:r>
-              <a:rPr lang="fr-FR" dirty="0"/>
-              <a:t>(g, x, </a:t>
-            </a:r>
-            <a:r>
-              <a:rPr lang="fr-FR" i="1" dirty="0" err="1"/>
-              <a:t>sympy</a:t>
-            </a:r>
-            <a:r>
-              <a:rPr lang="fr-FR" dirty="0" err="1"/>
-              <a:t>.</a:t>
-            </a:r>
-            <a:r>
-              <a:rPr lang="fr-FR" b="1" dirty="0" err="1"/>
-              <a:t>pi</a:t>
-            </a:r>
-            <a:r>
-              <a:rPr lang="fr-FR" dirty="0"/>
-              <a:t>)</a:t>
-            </a:r>
-          </a:p>
-          <a:p>
-            <a:r>
-              <a:rPr lang="fr-FR" dirty="0"/>
-              <a:t>lg</a:t>
-            </a:r>
-          </a:p>
-        </p:txBody>
-      </p:sp>
-      <p:sp>
-        <p:nvSpPr>
-          <p:cNvPr id="11" name="ZoneTexte 10">
-            <a:extLst>
-              <a:ext uri="{FF2B5EF4-FFF2-40B4-BE49-F238E27FC236}">
-                <a16:creationId xmlns:a16="http://schemas.microsoft.com/office/drawing/2014/main" id="{749C4619-CBA7-331E-98D1-87CB9CB976E1}"/>
-              </a:ext>
-            </a:extLst>
-          </p:cNvPr>
-          <p:cNvSpPr txBox="1"/>
-          <p:nvPr/>
-        </p:nvSpPr>
-        <p:spPr>
-          <a:xfrm>
-            <a:off x="6345936" y="3302376"/>
-            <a:ext cx="4765173" cy="1200329"/>
-          </a:xfrm>
-          <a:prstGeom prst="rect">
-            <a:avLst/>
-          </a:prstGeom>
-          <a:solidFill>
-            <a:schemeClr val="accent1">
-              <a:lumMod val="40000"/>
-              <a:lumOff val="60000"/>
-            </a:schemeClr>
-          </a:solidFill>
-        </p:spPr>
-        <p:txBody>
-          <a:bodyPr wrap="square" rtlCol="0">
-            <a:spAutoFit/>
-          </a:bodyPr>
-          <a:lstStyle/>
-          <a:p>
-            <a:r>
-              <a:rPr lang="fr-FR" dirty="0"/>
-              <a:t>h </a:t>
-            </a:r>
-            <a:r>
-              <a:rPr lang="fr-FR" b="1" dirty="0"/>
-              <a:t>=</a:t>
-            </a:r>
-            <a:r>
-              <a:rPr lang="fr-FR" dirty="0"/>
-              <a:t> 2*</a:t>
-            </a:r>
-            <a:r>
-              <a:rPr lang="fr-FR" i="1" dirty="0" err="1"/>
-              <a:t>sympy</a:t>
-            </a:r>
-            <a:r>
-              <a:rPr lang="fr-FR" dirty="0" err="1"/>
-              <a:t>.</a:t>
-            </a:r>
-            <a:r>
-              <a:rPr lang="fr-FR" b="1" dirty="0" err="1"/>
-              <a:t>exp</a:t>
-            </a:r>
-            <a:r>
-              <a:rPr lang="fr-FR" dirty="0"/>
-              <a:t>(1/x)/(</a:t>
-            </a:r>
-            <a:r>
-              <a:rPr lang="fr-FR" i="1" dirty="0" err="1"/>
-              <a:t>sympy</a:t>
-            </a:r>
-            <a:r>
-              <a:rPr lang="fr-FR" dirty="0" err="1"/>
-              <a:t>.</a:t>
-            </a:r>
-            <a:r>
-              <a:rPr lang="fr-FR" b="1" dirty="0" err="1"/>
-              <a:t>exp</a:t>
-            </a:r>
-            <a:r>
-              <a:rPr lang="fr-FR" dirty="0"/>
-              <a:t>(1/x)+1)</a:t>
-            </a:r>
-          </a:p>
-          <a:p>
-            <a:r>
-              <a:rPr lang="fr-FR" dirty="0"/>
-              <a:t>h</a:t>
-            </a:r>
-          </a:p>
-          <a:p>
-            <a:r>
-              <a:rPr lang="fr-FR" dirty="0" err="1"/>
-              <a:t>lhplus</a:t>
-            </a:r>
-            <a:r>
-              <a:rPr lang="fr-FR" dirty="0"/>
-              <a:t> </a:t>
-            </a:r>
-            <a:r>
-              <a:rPr lang="fr-FR" b="1" dirty="0"/>
-              <a:t>=</a:t>
-            </a:r>
-            <a:r>
-              <a:rPr lang="fr-FR" dirty="0"/>
-              <a:t> </a:t>
-            </a:r>
-            <a:r>
-              <a:rPr lang="fr-FR" i="1" dirty="0" err="1"/>
-              <a:t>sympy</a:t>
-            </a:r>
-            <a:r>
-              <a:rPr lang="fr-FR" dirty="0" err="1"/>
-              <a:t>.</a:t>
-            </a:r>
-            <a:r>
-              <a:rPr lang="fr-FR" b="1" dirty="0" err="1"/>
-              <a:t>limit</a:t>
-            </a:r>
-            <a:r>
-              <a:rPr lang="fr-FR" dirty="0"/>
-              <a:t>(h, x, 0, </a:t>
-            </a:r>
-            <a:r>
-              <a:rPr lang="fr-FR" dirty="0" err="1"/>
-              <a:t>dir</a:t>
-            </a:r>
-            <a:r>
-              <a:rPr lang="fr-FR" dirty="0"/>
-              <a:t>='+')</a:t>
-            </a:r>
-          </a:p>
-          <a:p>
-            <a:r>
-              <a:rPr lang="fr-FR" dirty="0" err="1"/>
-              <a:t>lhplus</a:t>
-            </a:r>
-            <a:endParaRPr lang="fr-FR" dirty="0"/>
-          </a:p>
-        </p:txBody>
-      </p:sp>
-      <p:sp>
-        <p:nvSpPr>
-          <p:cNvPr id="13" name="ZoneTexte 12">
-            <a:extLst>
-              <a:ext uri="{FF2B5EF4-FFF2-40B4-BE49-F238E27FC236}">
-                <a16:creationId xmlns:a16="http://schemas.microsoft.com/office/drawing/2014/main" id="{71A637E6-BA41-CCC6-E0C2-4D39E40B9096}"/>
-              </a:ext>
-            </a:extLst>
-          </p:cNvPr>
-          <p:cNvSpPr txBox="1"/>
-          <p:nvPr/>
-        </p:nvSpPr>
-        <p:spPr>
-          <a:xfrm>
-            <a:off x="6345936" y="4613016"/>
-            <a:ext cx="4765173" cy="1200329"/>
-          </a:xfrm>
-          <a:prstGeom prst="rect">
-            <a:avLst/>
-          </a:prstGeom>
-          <a:solidFill>
-            <a:schemeClr val="accent1">
-              <a:lumMod val="40000"/>
-              <a:lumOff val="60000"/>
-            </a:schemeClr>
-          </a:solidFill>
-        </p:spPr>
-        <p:txBody>
-          <a:bodyPr wrap="square" rtlCol="0">
-            <a:spAutoFit/>
-          </a:bodyPr>
-          <a:lstStyle/>
-          <a:p>
-            <a:r>
-              <a:rPr lang="fr-FR" dirty="0"/>
-              <a:t>m </a:t>
-            </a:r>
-            <a:r>
-              <a:rPr lang="fr-FR" b="1" dirty="0"/>
-              <a:t>=</a:t>
-            </a:r>
-            <a:r>
-              <a:rPr lang="fr-FR" dirty="0"/>
-              <a:t> (</a:t>
-            </a:r>
-            <a:r>
-              <a:rPr lang="fr-FR" i="1" dirty="0" err="1"/>
-              <a:t>sympy</a:t>
-            </a:r>
-            <a:r>
-              <a:rPr lang="fr-FR" dirty="0" err="1"/>
-              <a:t>.</a:t>
-            </a:r>
-            <a:r>
-              <a:rPr lang="fr-FR" b="1" dirty="0" err="1"/>
-              <a:t>cos</a:t>
-            </a:r>
-            <a:r>
-              <a:rPr lang="fr-FR" dirty="0"/>
-              <a:t>(x)-1)/x</a:t>
-            </a:r>
-          </a:p>
-          <a:p>
-            <a:r>
-              <a:rPr lang="fr-FR" dirty="0"/>
-              <a:t>m</a:t>
-            </a:r>
-          </a:p>
-          <a:p>
-            <a:r>
-              <a:rPr lang="fr-FR" dirty="0"/>
-              <a:t>lm </a:t>
-            </a:r>
-            <a:r>
-              <a:rPr lang="fr-FR" b="1" dirty="0"/>
-              <a:t>=</a:t>
-            </a:r>
-            <a:r>
-              <a:rPr lang="fr-FR" dirty="0"/>
-              <a:t> </a:t>
-            </a:r>
-            <a:r>
-              <a:rPr lang="fr-FR" i="1" dirty="0" err="1"/>
-              <a:t>sympy</a:t>
-            </a:r>
-            <a:r>
-              <a:rPr lang="fr-FR" dirty="0" err="1"/>
-              <a:t>.</a:t>
-            </a:r>
-            <a:r>
-              <a:rPr lang="fr-FR" b="1" dirty="0" err="1"/>
-              <a:t>limit</a:t>
-            </a:r>
-            <a:r>
-              <a:rPr lang="fr-FR" dirty="0"/>
-              <a:t>(m, x, </a:t>
-            </a:r>
-            <a:r>
-              <a:rPr lang="fr-FR" i="1" dirty="0" err="1"/>
-              <a:t>sympy</a:t>
-            </a:r>
-            <a:r>
-              <a:rPr lang="fr-FR" dirty="0" err="1"/>
-              <a:t>.</a:t>
-            </a:r>
-            <a:r>
-              <a:rPr lang="fr-FR" b="1" dirty="0" err="1"/>
-              <a:t>oo</a:t>
-            </a:r>
-            <a:r>
-              <a:rPr lang="fr-FR" dirty="0"/>
-              <a:t>)</a:t>
-            </a:r>
-          </a:p>
-          <a:p>
-            <a:r>
-              <a:rPr lang="fr-FR" dirty="0" err="1"/>
-              <a:t>print</a:t>
-            </a:r>
-            <a:r>
-              <a:rPr lang="fr-FR" dirty="0"/>
-              <a:t>(</a:t>
-            </a:r>
-            <a:r>
-              <a:rPr lang="fr-FR" dirty="0" err="1"/>
-              <a:t>f'Limit</a:t>
-            </a:r>
-            <a:r>
-              <a:rPr lang="fr-FR" dirty="0"/>
-              <a:t> in +</a:t>
-            </a:r>
-            <a:r>
-              <a:rPr lang="fr-FR" dirty="0" err="1"/>
-              <a:t>inf</a:t>
-            </a:r>
-            <a:r>
-              <a:rPr lang="fr-FR" dirty="0"/>
-              <a:t> = {lm}')</a:t>
-            </a:r>
-          </a:p>
-        </p:txBody>
-      </p:sp>
       <p:pic>
         <p:nvPicPr>
-          <p:cNvPr id="8" name="Picture 8" descr="Résultat de recherche d'images pour &quot;spyder logo&quot;">
-            <a:extLst>
-              <a:ext uri="{FF2B5EF4-FFF2-40B4-BE49-F238E27FC236}">
-                <a16:creationId xmlns:a16="http://schemas.microsoft.com/office/drawing/2014/main" id="{BCFD813A-057B-CC90-5277-E9DE2A6AFF11}"/>
+          <p:cNvPr id="6" name="Picture 8" descr="Résultat de recherche d'images pour &quot;spyder logo&quot;">
+            <a:extLst>
+              <a:ext uri="{FF2B5EF4-FFF2-40B4-BE49-F238E27FC236}">
+                <a16:creationId xmlns:a16="http://schemas.microsoft.com/office/drawing/2014/main" id="{15EF5648-F6C6-A818-2130-8F02900DDFE1}"/>
               </a:ext>
             </a:extLst>
           </p:cNvPr>
@@ -11952,10 +11487,839 @@
           </a:extLst>
         </p:spPr>
       </p:pic>
+      <p:sp>
+        <p:nvSpPr>
+          <p:cNvPr id="8" name="ZoneTexte 7">
+            <a:extLst>
+              <a:ext uri="{FF2B5EF4-FFF2-40B4-BE49-F238E27FC236}">
+                <a16:creationId xmlns:a16="http://schemas.microsoft.com/office/drawing/2014/main" id="{0C31541C-7059-E77F-45EF-8D090E3CF106}"/>
+              </a:ext>
+            </a:extLst>
+          </p:cNvPr>
+          <p:cNvSpPr txBox="1"/>
+          <p:nvPr/>
+        </p:nvSpPr>
+        <p:spPr>
+          <a:xfrm>
+            <a:off x="822958" y="4216776"/>
+            <a:ext cx="4765173" cy="369332"/>
+          </a:xfrm>
+          <a:prstGeom prst="rect">
+            <a:avLst/>
+          </a:prstGeom>
+          <a:solidFill>
+            <a:schemeClr val="accent1">
+              <a:lumMod val="40000"/>
+              <a:lumOff val="60000"/>
+            </a:schemeClr>
+          </a:solidFill>
+        </p:spPr>
+        <p:txBody>
+          <a:bodyPr wrap="square" rtlCol="0">
+            <a:spAutoFit/>
+          </a:bodyPr>
+          <a:lstStyle/>
+          <a:p>
+            <a:r>
+              <a:rPr lang="fr-FR" dirty="0" err="1"/>
+              <a:t>exp</a:t>
+            </a:r>
+            <a:r>
+              <a:rPr lang="fr-FR" dirty="0"/>
+              <a:t> </a:t>
+            </a:r>
+            <a:r>
+              <a:rPr lang="fr-FR" b="1" dirty="0"/>
+              <a:t>=</a:t>
+            </a:r>
+            <a:r>
+              <a:rPr lang="fr-FR" dirty="0"/>
+              <a:t> vs + tau * </a:t>
+            </a:r>
+            <a:r>
+              <a:rPr lang="fr-FR" dirty="0" err="1"/>
+              <a:t>dvs</a:t>
+            </a:r>
+            <a:endParaRPr lang="fr-FR" dirty="0"/>
+          </a:p>
+        </p:txBody>
+      </p:sp>
+      <p:sp>
+        <p:nvSpPr>
+          <p:cNvPr id="11" name="ZoneTexte 10">
+            <a:extLst>
+              <a:ext uri="{FF2B5EF4-FFF2-40B4-BE49-F238E27FC236}">
+                <a16:creationId xmlns:a16="http://schemas.microsoft.com/office/drawing/2014/main" id="{77C82D23-FF94-2E07-2934-B78CAB73CF62}"/>
+              </a:ext>
+            </a:extLst>
+          </p:cNvPr>
+          <p:cNvSpPr txBox="1"/>
+          <p:nvPr/>
+        </p:nvSpPr>
+        <p:spPr>
+          <a:xfrm>
+            <a:off x="822958" y="4735751"/>
+            <a:ext cx="4765173" cy="923330"/>
+          </a:xfrm>
+          <a:prstGeom prst="rect">
+            <a:avLst/>
+          </a:prstGeom>
+          <a:solidFill>
+            <a:schemeClr val="accent1">
+              <a:lumMod val="40000"/>
+              <a:lumOff val="60000"/>
+            </a:schemeClr>
+          </a:solidFill>
+        </p:spPr>
+        <p:txBody>
+          <a:bodyPr wrap="square" rtlCol="0">
+            <a:spAutoFit/>
+          </a:bodyPr>
+          <a:lstStyle/>
+          <a:p>
+            <a:r>
+              <a:rPr lang="fr-FR" dirty="0" err="1"/>
+              <a:t>init_conds</a:t>
+            </a:r>
+            <a:r>
+              <a:rPr lang="fr-FR" dirty="0"/>
+              <a:t> = {</a:t>
+            </a:r>
+            <a:r>
+              <a:rPr lang="fr-FR" dirty="0" err="1"/>
+              <a:t>vs.subs</a:t>
+            </a:r>
+            <a:r>
+              <a:rPr lang="fr-FR" dirty="0"/>
+              <a:t>(t,0): 5}</a:t>
+            </a:r>
+          </a:p>
+          <a:p>
+            <a:r>
+              <a:rPr lang="fr-FR" dirty="0" err="1"/>
+              <a:t>result</a:t>
+            </a:r>
+            <a:r>
+              <a:rPr lang="fr-FR" dirty="0"/>
+              <a:t> = </a:t>
+            </a:r>
+            <a:r>
+              <a:rPr lang="fr-FR" dirty="0" err="1"/>
+              <a:t>sp.</a:t>
+            </a:r>
+            <a:r>
+              <a:rPr lang="fr-FR" b="1" dirty="0" err="1"/>
+              <a:t>dsolve</a:t>
+            </a:r>
+            <a:r>
+              <a:rPr lang="fr-FR" dirty="0"/>
+              <a:t>(</a:t>
+            </a:r>
+            <a:r>
+              <a:rPr lang="fr-FR" dirty="0" err="1"/>
+              <a:t>exp</a:t>
+            </a:r>
+            <a:r>
+              <a:rPr lang="fr-FR" dirty="0"/>
+              <a:t>, vs, </a:t>
+            </a:r>
+            <a:r>
+              <a:rPr lang="fr-FR" dirty="0" err="1"/>
+              <a:t>ics</a:t>
+            </a:r>
+            <a:r>
+              <a:rPr lang="fr-FR" dirty="0"/>
+              <a:t>=</a:t>
+            </a:r>
+            <a:r>
+              <a:rPr lang="fr-FR" dirty="0" err="1"/>
+              <a:t>init_conds</a:t>
+            </a:r>
+            <a:r>
+              <a:rPr lang="fr-FR" dirty="0"/>
+              <a:t>)</a:t>
+            </a:r>
+          </a:p>
+          <a:p>
+            <a:r>
+              <a:rPr lang="fr-FR" dirty="0" err="1"/>
+              <a:t>vs_t</a:t>
+            </a:r>
+            <a:r>
+              <a:rPr lang="fr-FR" dirty="0"/>
+              <a:t> = </a:t>
+            </a:r>
+            <a:r>
+              <a:rPr lang="fr-FR" dirty="0" err="1"/>
+              <a:t>result.</a:t>
+            </a:r>
+            <a:r>
+              <a:rPr lang="fr-FR" b="1" dirty="0" err="1"/>
+              <a:t>rhs</a:t>
+            </a:r>
+            <a:endParaRPr lang="fr-FR" b="1" dirty="0"/>
+          </a:p>
+        </p:txBody>
+      </p:sp>
+      <p:sp>
+        <p:nvSpPr>
+          <p:cNvPr id="12" name="ZoneTexte 11">
+            <a:extLst>
+              <a:ext uri="{FF2B5EF4-FFF2-40B4-BE49-F238E27FC236}">
+                <a16:creationId xmlns:a16="http://schemas.microsoft.com/office/drawing/2014/main" id="{BF717A22-7006-1641-0F8B-FEA75ECE57C8}"/>
+              </a:ext>
+            </a:extLst>
+          </p:cNvPr>
+          <p:cNvSpPr txBox="1"/>
+          <p:nvPr/>
+        </p:nvSpPr>
+        <p:spPr>
+          <a:xfrm>
+            <a:off x="2722888" y="3323976"/>
+            <a:ext cx="8205349" cy="461665"/>
+          </a:xfrm>
+          <a:prstGeom prst="rect">
+            <a:avLst/>
+          </a:prstGeom>
+          <a:solidFill>
+            <a:schemeClr val="accent5">
+              <a:lumMod val="40000"/>
+              <a:lumOff val="60000"/>
+            </a:schemeClr>
+          </a:solidFill>
+        </p:spPr>
+        <p:txBody>
+          <a:bodyPr wrap="square" rtlCol="0">
+            <a:spAutoFit/>
+          </a:bodyPr>
+          <a:lstStyle/>
+          <a:p>
+            <a:pPr algn="ctr"/>
+            <a:r>
+              <a:rPr lang="fr-FR" sz="2400" i="1" dirty="0" err="1"/>
+              <a:t>sympy</a:t>
+            </a:r>
+            <a:r>
+              <a:rPr lang="fr-FR" sz="2400" dirty="0" err="1"/>
+              <a:t>.</a:t>
+            </a:r>
+            <a:r>
+              <a:rPr lang="fr-FR" sz="2400" b="1" dirty="0" err="1"/>
+              <a:t>dsolve</a:t>
+            </a:r>
+            <a:r>
+              <a:rPr lang="fr-FR" sz="2400" dirty="0"/>
+              <a:t>( </a:t>
+            </a:r>
+            <a:r>
+              <a:rPr lang="fr-FR" sz="2400" dirty="0" err="1"/>
+              <a:t>equation</a:t>
+            </a:r>
+            <a:r>
+              <a:rPr lang="fr-FR" sz="2400" dirty="0"/>
+              <a:t>, fonction, </a:t>
+            </a:r>
+            <a:r>
+              <a:rPr lang="fr-FR" sz="2400" dirty="0" err="1"/>
+              <a:t>ics</a:t>
+            </a:r>
+            <a:r>
+              <a:rPr lang="fr-FR" sz="2400"/>
+              <a:t>=cond_init</a:t>
+            </a:r>
+            <a:r>
+              <a:rPr lang="fr-FR" sz="2400" dirty="0"/>
+              <a:t> )</a:t>
+            </a:r>
+          </a:p>
+        </p:txBody>
+      </p:sp>
+      <mc:AlternateContent xmlns:mc="http://schemas.openxmlformats.org/markup-compatibility/2006">
+        <mc:Choice xmlns:a14="http://schemas.microsoft.com/office/drawing/2010/main" Requires="a14">
+          <p:sp>
+            <p:nvSpPr>
+              <p:cNvPr id="14" name="ZoneTexte 13">
+                <a:extLst>
+                  <a:ext uri="{FF2B5EF4-FFF2-40B4-BE49-F238E27FC236}">
+                    <a16:creationId xmlns:a16="http://schemas.microsoft.com/office/drawing/2014/main" id="{E873E83B-FE22-8AE2-5E1A-44C6281035A9}"/>
+                  </a:ext>
+                </a:extLst>
+              </p:cNvPr>
+              <p:cNvSpPr txBox="1"/>
+              <p:nvPr/>
+            </p:nvSpPr>
+            <p:spPr>
+              <a:xfrm>
+                <a:off x="8445510" y="2507310"/>
+                <a:ext cx="2620076" cy="701539"/>
+              </a:xfrm>
+              <a:prstGeom prst="rect">
+                <a:avLst/>
+              </a:prstGeom>
+              <a:solidFill>
+                <a:schemeClr val="bg2"/>
+              </a:solidFill>
+            </p:spPr>
+            <p:txBody>
+              <a:bodyPr wrap="none" lIns="0" tIns="0" rIns="0" bIns="0" rtlCol="0">
+                <a:spAutoFit/>
+              </a:bodyPr>
+              <a:lstStyle/>
+              <a:p>
+                <a:pPr/>
+                <a14:m>
+                  <m:oMathPara xmlns:m="http://schemas.openxmlformats.org/officeDocument/2006/math">
+                    <m:oMathParaPr>
+                      <m:jc m:val="centerGroup"/>
+                    </m:oMathParaPr>
+                    <m:oMath xmlns:m="http://schemas.openxmlformats.org/officeDocument/2006/math">
+                      <m:sSub>
+                        <m:sSubPr>
+                          <m:ctrlPr>
+                            <a:rPr lang="fr-FR" sz="2400" b="1" i="1" smtClean="0">
+                              <a:solidFill>
+                                <a:schemeClr val="tx1">
+                                  <a:lumMod val="75000"/>
+                                  <a:lumOff val="25000"/>
+                                </a:schemeClr>
+                              </a:solidFill>
+                              <a:latin typeface="Cambria Math" panose="02040503050406030204" pitchFamily="18" charset="0"/>
+                            </a:rPr>
+                          </m:ctrlPr>
+                        </m:sSubPr>
+                        <m:e>
+                          <m:r>
+                            <a:rPr lang="fr-FR" sz="2400" b="1" i="1" smtClean="0">
+                              <a:solidFill>
+                                <a:schemeClr val="tx1">
+                                  <a:lumMod val="75000"/>
+                                  <a:lumOff val="25000"/>
+                                </a:schemeClr>
+                              </a:solidFill>
+                              <a:latin typeface="Cambria Math" panose="02040503050406030204" pitchFamily="18" charset="0"/>
+                            </a:rPr>
+                            <m:t>𝑽</m:t>
+                          </m:r>
+                        </m:e>
+                        <m:sub>
+                          <m:r>
+                            <a:rPr lang="fr-FR" sz="2400" b="1" i="1" smtClean="0">
+                              <a:solidFill>
+                                <a:schemeClr val="tx1">
+                                  <a:lumMod val="75000"/>
+                                  <a:lumOff val="25000"/>
+                                </a:schemeClr>
+                              </a:solidFill>
+                              <a:latin typeface="Cambria Math" panose="02040503050406030204" pitchFamily="18" charset="0"/>
+                            </a:rPr>
+                            <m:t>𝒔</m:t>
+                          </m:r>
+                        </m:sub>
+                      </m:sSub>
+                      <m:r>
+                        <a:rPr lang="fr-FR" sz="2400" b="1" i="1" smtClean="0">
+                          <a:solidFill>
+                            <a:schemeClr val="tx1">
+                              <a:lumMod val="75000"/>
+                              <a:lumOff val="25000"/>
+                            </a:schemeClr>
+                          </a:solidFill>
+                          <a:latin typeface="Cambria Math" panose="02040503050406030204" pitchFamily="18" charset="0"/>
+                        </a:rPr>
+                        <m:t>=−</m:t>
+                      </m:r>
+                      <m:sSub>
+                        <m:sSubPr>
+                          <m:ctrlPr>
+                            <a:rPr lang="fr-FR" sz="2400" b="1" i="1" smtClean="0">
+                              <a:solidFill>
+                                <a:schemeClr val="tx1">
+                                  <a:lumMod val="75000"/>
+                                  <a:lumOff val="25000"/>
+                                </a:schemeClr>
+                              </a:solidFill>
+                              <a:latin typeface="Cambria Math" panose="02040503050406030204" pitchFamily="18" charset="0"/>
+                            </a:rPr>
+                          </m:ctrlPr>
+                        </m:sSubPr>
+                        <m:e>
+                          <m:r>
+                            <a:rPr lang="fr-FR" sz="2400" b="1" i="1" smtClean="0">
+                              <a:solidFill>
+                                <a:schemeClr val="tx1">
+                                  <a:lumMod val="75000"/>
+                                  <a:lumOff val="25000"/>
+                                </a:schemeClr>
+                              </a:solidFill>
+                              <a:latin typeface="Cambria Math" panose="02040503050406030204" pitchFamily="18" charset="0"/>
+                            </a:rPr>
+                            <m:t>𝑹</m:t>
+                          </m:r>
+                        </m:e>
+                        <m:sub>
+                          <m:r>
+                            <a:rPr lang="fr-FR" sz="2400" b="1" i="1" smtClean="0">
+                              <a:solidFill>
+                                <a:schemeClr val="tx1">
+                                  <a:lumMod val="75000"/>
+                                  <a:lumOff val="25000"/>
+                                </a:schemeClr>
+                              </a:solidFill>
+                              <a:latin typeface="Cambria Math" panose="02040503050406030204" pitchFamily="18" charset="0"/>
+                            </a:rPr>
+                            <m:t>𝟏</m:t>
+                          </m:r>
+                        </m:sub>
+                      </m:sSub>
+                      <m:r>
+                        <a:rPr lang="fr-FR" sz="2400" b="1" i="1" smtClean="0">
+                          <a:solidFill>
+                            <a:schemeClr val="tx1">
+                              <a:lumMod val="75000"/>
+                              <a:lumOff val="25000"/>
+                            </a:schemeClr>
+                          </a:solidFill>
+                          <a:latin typeface="Cambria Math" panose="02040503050406030204" pitchFamily="18" charset="0"/>
+                        </a:rPr>
+                        <m:t>.</m:t>
+                      </m:r>
+                      <m:sSub>
+                        <m:sSubPr>
+                          <m:ctrlPr>
+                            <a:rPr lang="fr-FR" sz="2400" b="1" i="1" smtClean="0">
+                              <a:solidFill>
+                                <a:schemeClr val="tx1">
+                                  <a:lumMod val="75000"/>
+                                  <a:lumOff val="25000"/>
+                                </a:schemeClr>
+                              </a:solidFill>
+                              <a:latin typeface="Cambria Math" panose="02040503050406030204" pitchFamily="18" charset="0"/>
+                            </a:rPr>
+                          </m:ctrlPr>
+                        </m:sSubPr>
+                        <m:e>
+                          <m:r>
+                            <a:rPr lang="fr-FR" sz="2400" b="1" i="1" smtClean="0">
+                              <a:solidFill>
+                                <a:schemeClr val="tx1">
+                                  <a:lumMod val="75000"/>
+                                  <a:lumOff val="25000"/>
+                                </a:schemeClr>
+                              </a:solidFill>
+                              <a:latin typeface="Cambria Math" panose="02040503050406030204" pitchFamily="18" charset="0"/>
+                            </a:rPr>
+                            <m:t>𝑪</m:t>
+                          </m:r>
+                        </m:e>
+                        <m:sub>
+                          <m:r>
+                            <a:rPr lang="fr-FR" sz="2400" b="1" i="1" smtClean="0">
+                              <a:solidFill>
+                                <a:schemeClr val="tx1">
+                                  <a:lumMod val="75000"/>
+                                  <a:lumOff val="25000"/>
+                                </a:schemeClr>
+                              </a:solidFill>
+                              <a:latin typeface="Cambria Math" panose="02040503050406030204" pitchFamily="18" charset="0"/>
+                            </a:rPr>
+                            <m:t>𝟏</m:t>
+                          </m:r>
+                        </m:sub>
+                      </m:sSub>
+                      <m:r>
+                        <a:rPr lang="fr-FR" sz="2400" b="1" i="1" smtClean="0">
+                          <a:solidFill>
+                            <a:schemeClr val="tx1">
+                              <a:lumMod val="75000"/>
+                              <a:lumOff val="25000"/>
+                            </a:schemeClr>
+                          </a:solidFill>
+                          <a:latin typeface="Cambria Math" panose="02040503050406030204" pitchFamily="18" charset="0"/>
+                        </a:rPr>
+                        <m:t> . </m:t>
+                      </m:r>
+                      <m:f>
+                        <m:fPr>
+                          <m:ctrlPr>
+                            <a:rPr lang="fr-FR" sz="2400" b="1" i="1">
+                              <a:solidFill>
+                                <a:schemeClr val="tx1">
+                                  <a:lumMod val="75000"/>
+                                  <a:lumOff val="25000"/>
+                                </a:schemeClr>
+                              </a:solidFill>
+                              <a:latin typeface="Cambria Math" panose="02040503050406030204" pitchFamily="18" charset="0"/>
+                              <a:ea typeface="Cambria Math" panose="02040503050406030204" pitchFamily="18" charset="0"/>
+                            </a:rPr>
+                          </m:ctrlPr>
+                        </m:fPr>
+                        <m:num>
+                          <m:r>
+                            <a:rPr lang="fr-FR" sz="2400" b="1" i="1">
+                              <a:solidFill>
+                                <a:schemeClr val="tx1">
+                                  <a:lumMod val="75000"/>
+                                  <a:lumOff val="25000"/>
+                                </a:schemeClr>
+                              </a:solidFill>
+                              <a:latin typeface="Cambria Math" panose="02040503050406030204" pitchFamily="18" charset="0"/>
+                              <a:ea typeface="Cambria Math" panose="02040503050406030204" pitchFamily="18" charset="0"/>
+                            </a:rPr>
+                            <m:t>𝒅</m:t>
+                          </m:r>
+                          <m:r>
+                            <a:rPr lang="fr-FR" sz="2400" b="1" i="1">
+                              <a:solidFill>
+                                <a:schemeClr val="tx1">
+                                  <a:lumMod val="75000"/>
+                                  <a:lumOff val="25000"/>
+                                </a:schemeClr>
+                              </a:solidFill>
+                              <a:latin typeface="Cambria Math" panose="02040503050406030204" pitchFamily="18" charset="0"/>
+                              <a:ea typeface="Cambria Math" panose="02040503050406030204" pitchFamily="18" charset="0"/>
+                            </a:rPr>
+                            <m:t> </m:t>
+                          </m:r>
+                          <m:sSub>
+                            <m:sSubPr>
+                              <m:ctrlPr>
+                                <a:rPr lang="fr-FR" sz="2400" b="1" i="1">
+                                  <a:solidFill>
+                                    <a:schemeClr val="tx1">
+                                      <a:lumMod val="75000"/>
+                                      <a:lumOff val="25000"/>
+                                    </a:schemeClr>
+                                  </a:solidFill>
+                                  <a:latin typeface="Cambria Math" panose="02040503050406030204" pitchFamily="18" charset="0"/>
+                                </a:rPr>
+                              </m:ctrlPr>
+                            </m:sSubPr>
+                            <m:e>
+                              <m:r>
+                                <a:rPr lang="fr-FR" sz="2400" b="1" i="1">
+                                  <a:solidFill>
+                                    <a:schemeClr val="tx1">
+                                      <a:lumMod val="75000"/>
+                                      <a:lumOff val="25000"/>
+                                    </a:schemeClr>
+                                  </a:solidFill>
+                                  <a:latin typeface="Cambria Math" panose="02040503050406030204" pitchFamily="18" charset="0"/>
+                                </a:rPr>
+                                <m:t>𝑽</m:t>
+                              </m:r>
+                            </m:e>
+                            <m:sub>
+                              <m:r>
+                                <a:rPr lang="fr-FR" sz="2400" b="1" i="1">
+                                  <a:solidFill>
+                                    <a:schemeClr val="tx1">
+                                      <a:lumMod val="75000"/>
+                                      <a:lumOff val="25000"/>
+                                    </a:schemeClr>
+                                  </a:solidFill>
+                                  <a:latin typeface="Cambria Math" panose="02040503050406030204" pitchFamily="18" charset="0"/>
+                                </a:rPr>
+                                <m:t>𝒔</m:t>
+                              </m:r>
+                            </m:sub>
+                          </m:sSub>
+                        </m:num>
+                        <m:den>
+                          <m:r>
+                            <a:rPr lang="fr-FR" sz="2400" b="1" i="1">
+                              <a:solidFill>
+                                <a:schemeClr val="tx1">
+                                  <a:lumMod val="75000"/>
+                                  <a:lumOff val="25000"/>
+                                </a:schemeClr>
+                              </a:solidFill>
+                              <a:latin typeface="Cambria Math" panose="02040503050406030204" pitchFamily="18" charset="0"/>
+                              <a:ea typeface="Cambria Math" panose="02040503050406030204" pitchFamily="18" charset="0"/>
+                            </a:rPr>
+                            <m:t>𝒅𝒕</m:t>
+                          </m:r>
+                        </m:den>
+                      </m:f>
+                    </m:oMath>
+                  </m:oMathPara>
+                </a14:m>
+                <a:endParaRPr lang="fr-FR" sz="2400" b="1" dirty="0">
+                  <a:solidFill>
+                    <a:schemeClr val="tx1">
+                      <a:lumMod val="75000"/>
+                      <a:lumOff val="25000"/>
+                    </a:schemeClr>
+                  </a:solidFill>
+                </a:endParaRPr>
+              </a:p>
+            </p:txBody>
+          </p:sp>
+        </mc:Choice>
+        <mc:Fallback>
+          <p:sp>
+            <p:nvSpPr>
+              <p:cNvPr id="14" name="ZoneTexte 13">
+                <a:extLst>
+                  <a:ext uri="{FF2B5EF4-FFF2-40B4-BE49-F238E27FC236}">
+                    <a16:creationId xmlns:a16="http://schemas.microsoft.com/office/drawing/2014/main" id="{E873E83B-FE22-8AE2-5E1A-44C6281035A9}"/>
+                  </a:ext>
+                </a:extLst>
+              </p:cNvPr>
+              <p:cNvSpPr txBox="1">
+                <a:spLocks noRot="1" noChangeAspect="1" noMove="1" noResize="1" noEditPoints="1" noAdjustHandles="1" noChangeArrowheads="1" noChangeShapeType="1" noTextEdit="1"/>
+              </p:cNvSpPr>
+              <p:nvPr/>
+            </p:nvSpPr>
+            <p:spPr>
+              <a:xfrm>
+                <a:off x="8445510" y="2507310"/>
+                <a:ext cx="2620076" cy="701539"/>
+              </a:xfrm>
+              <a:prstGeom prst="rect">
+                <a:avLst/>
+              </a:prstGeom>
+              <a:blipFill>
+                <a:blip r:embed="rId6"/>
+                <a:stretch>
+                  <a:fillRect/>
+                </a:stretch>
+              </a:blipFill>
+            </p:spPr>
+            <p:txBody>
+              <a:bodyPr/>
+              <a:lstStyle/>
+              <a:p>
+                <a:r>
+                  <a:rPr lang="fr-FR">
+                    <a:noFill/>
+                  </a:rPr>
+                  <a:t> </a:t>
+                </a:r>
+              </a:p>
+            </p:txBody>
+          </p:sp>
+        </mc:Fallback>
+      </mc:AlternateContent>
+      <p:sp>
+        <p:nvSpPr>
+          <p:cNvPr id="15" name="ZoneTexte 14">
+            <a:extLst>
+              <a:ext uri="{FF2B5EF4-FFF2-40B4-BE49-F238E27FC236}">
+                <a16:creationId xmlns:a16="http://schemas.microsoft.com/office/drawing/2014/main" id="{E50DC959-8503-421A-D05C-9FF5377DC2BB}"/>
+              </a:ext>
+            </a:extLst>
+          </p:cNvPr>
+          <p:cNvSpPr txBox="1"/>
+          <p:nvPr/>
+        </p:nvSpPr>
+        <p:spPr>
+          <a:xfrm>
+            <a:off x="4698035" y="3810837"/>
+            <a:ext cx="3376225" cy="369332"/>
+          </a:xfrm>
+          <a:prstGeom prst="rect">
+            <a:avLst/>
+          </a:prstGeom>
+          <a:noFill/>
+        </p:spPr>
+        <p:txBody>
+          <a:bodyPr wrap="square">
+            <a:spAutoFit/>
+          </a:bodyPr>
+          <a:lstStyle/>
+          <a:p>
+            <a:r>
+              <a:rPr lang="fr-FR" dirty="0"/>
+              <a:t>f</a:t>
+            </a:r>
+            <a:r>
+              <a:rPr lang="fr-FR" sz="1800" dirty="0"/>
+              <a:t>onction =  vs(t)</a:t>
+            </a:r>
+            <a:endParaRPr lang="fr-FR" dirty="0"/>
+          </a:p>
+        </p:txBody>
+      </p:sp>
+      <p:sp>
+        <p:nvSpPr>
+          <p:cNvPr id="16" name="ZoneTexte 15">
+            <a:extLst>
+              <a:ext uri="{FF2B5EF4-FFF2-40B4-BE49-F238E27FC236}">
+                <a16:creationId xmlns:a16="http://schemas.microsoft.com/office/drawing/2014/main" id="{7ABDDFBD-0116-634F-11C3-2887BB0D37C1}"/>
+              </a:ext>
+            </a:extLst>
+          </p:cNvPr>
+          <p:cNvSpPr txBox="1"/>
+          <p:nvPr/>
+        </p:nvSpPr>
+        <p:spPr>
+          <a:xfrm>
+            <a:off x="7693590" y="3793369"/>
+            <a:ext cx="3376225" cy="369332"/>
+          </a:xfrm>
+          <a:prstGeom prst="rect">
+            <a:avLst/>
+          </a:prstGeom>
+          <a:noFill/>
+        </p:spPr>
+        <p:txBody>
+          <a:bodyPr wrap="square">
+            <a:spAutoFit/>
+          </a:bodyPr>
+          <a:lstStyle/>
+          <a:p>
+            <a:r>
+              <a:rPr lang="fr-FR" sz="1800" dirty="0" err="1"/>
+              <a:t>init_conds</a:t>
+            </a:r>
+            <a:r>
+              <a:rPr lang="fr-FR" sz="1800" dirty="0"/>
+              <a:t> = {</a:t>
+            </a:r>
+            <a:r>
+              <a:rPr lang="fr-FR" sz="1800" dirty="0" err="1"/>
+              <a:t>vs.subs</a:t>
+            </a:r>
+            <a:r>
+              <a:rPr lang="fr-FR" sz="1800" dirty="0"/>
+              <a:t>(t,0): 5}</a:t>
+            </a:r>
+            <a:endParaRPr lang="fr-FR" dirty="0"/>
+          </a:p>
+        </p:txBody>
+      </p:sp>
+      <p:pic>
+        <p:nvPicPr>
+          <p:cNvPr id="17" name="Graphique 16" descr="Flèches de chevron avec un remplissage uni">
+            <a:extLst>
+              <a:ext uri="{FF2B5EF4-FFF2-40B4-BE49-F238E27FC236}">
+                <a16:creationId xmlns:a16="http://schemas.microsoft.com/office/drawing/2014/main" id="{1B23A809-3B2B-54EF-C539-304139480600}"/>
+              </a:ext>
+            </a:extLst>
+          </p:cNvPr>
+          <p:cNvPicPr>
+            <a:picLocks noChangeAspect="1"/>
+          </p:cNvPicPr>
+          <p:nvPr/>
+        </p:nvPicPr>
+        <p:blipFill>
+          <a:blip r:embed="rId7" cstate="hqprint">
+            <a:extLst>
+              <a:ext uri="{28A0092B-C50C-407E-A947-70E740481C1C}">
+                <a14:useLocalDpi xmlns:a14="http://schemas.microsoft.com/office/drawing/2010/main" val="0"/>
+              </a:ext>
+              <a:ext uri="{96DAC541-7B7A-43D3-8B79-37D633B846F1}">
+                <asvg:svgBlip xmlns:asvg="http://schemas.microsoft.com/office/drawing/2016/SVG/main" r:embed="rId8"/>
+              </a:ext>
+            </a:extLst>
+          </a:blip>
+          <a:stretch>
+            <a:fillRect/>
+          </a:stretch>
+        </p:blipFill>
+        <p:spPr>
+          <a:xfrm>
+            <a:off x="6428678" y="5104519"/>
+            <a:ext cx="914400" cy="914400"/>
+          </a:xfrm>
+          <a:prstGeom prst="rect">
+            <a:avLst/>
+          </a:prstGeom>
+        </p:spPr>
+      </p:pic>
+      <p:sp>
+        <p:nvSpPr>
+          <p:cNvPr id="18" name="ZoneTexte 17">
+            <a:extLst>
+              <a:ext uri="{FF2B5EF4-FFF2-40B4-BE49-F238E27FC236}">
+                <a16:creationId xmlns:a16="http://schemas.microsoft.com/office/drawing/2014/main" id="{0EC00C83-DE98-6FB8-E924-3FDDA8E16BA4}"/>
+              </a:ext>
+            </a:extLst>
+          </p:cNvPr>
+          <p:cNvSpPr txBox="1"/>
+          <p:nvPr/>
+        </p:nvSpPr>
+        <p:spPr>
+          <a:xfrm>
+            <a:off x="7463687" y="5200091"/>
+            <a:ext cx="3959248" cy="923330"/>
+          </a:xfrm>
+          <a:prstGeom prst="rect">
+            <a:avLst/>
+          </a:prstGeom>
+          <a:noFill/>
+        </p:spPr>
+        <p:txBody>
+          <a:bodyPr wrap="square">
+            <a:spAutoFit/>
+          </a:bodyPr>
+          <a:lstStyle/>
+          <a:p>
+            <a:r>
+              <a:rPr lang="fr-FR" b="1" dirty="0">
+                <a:solidFill>
+                  <a:srgbClr val="00B050"/>
+                </a:solidFill>
+              </a:rPr>
+              <a:t>+ Afficher </a:t>
+            </a:r>
+            <a:r>
+              <a:rPr lang="fr-FR" i="1" dirty="0" err="1">
+                <a:solidFill>
+                  <a:srgbClr val="00B050"/>
+                </a:solidFill>
+              </a:rPr>
+              <a:t>vs_t</a:t>
+            </a:r>
+            <a:r>
+              <a:rPr lang="fr-FR" i="1" dirty="0">
+                <a:solidFill>
+                  <a:srgbClr val="00B050"/>
+                </a:solidFill>
+              </a:rPr>
+              <a:t> </a:t>
+            </a:r>
+            <a:r>
+              <a:rPr lang="fr-FR" b="1" dirty="0">
+                <a:solidFill>
+                  <a:srgbClr val="00B050"/>
+                </a:solidFill>
+              </a:rPr>
+              <a:t>avec </a:t>
+            </a:r>
+            <a:r>
+              <a:rPr lang="fr-FR" dirty="0">
+                <a:solidFill>
+                  <a:srgbClr val="00B050"/>
+                </a:solidFill>
+              </a:rPr>
+              <a:t>et</a:t>
+            </a:r>
+            <a:r>
+              <a:rPr lang="fr-FR" b="1" dirty="0">
+                <a:solidFill>
+                  <a:srgbClr val="00B050"/>
+                </a:solidFill>
+              </a:rPr>
+              <a:t> sans conditions initiales</a:t>
+            </a:r>
+          </a:p>
+          <a:p>
+            <a:r>
+              <a:rPr lang="fr-FR" b="1" dirty="0">
+                <a:solidFill>
+                  <a:srgbClr val="00B050"/>
+                </a:solidFill>
+              </a:rPr>
+              <a:t>+ De quel type d’objet s’agit-il ?</a:t>
+            </a:r>
+          </a:p>
+        </p:txBody>
+      </p:sp>
     </p:spTree>
     <p:extLst>
       <p:ext uri="{BB962C8B-B14F-4D97-AF65-F5344CB8AC3E}">
-        <p14:creationId xmlns:p14="http://schemas.microsoft.com/office/powerpoint/2010/main" val="403736579"/>
+        <p14:creationId xmlns:p14="http://schemas.microsoft.com/office/powerpoint/2010/main" val="1987055340"/>
       </p:ext>
     </p:extLst>
   </p:cSld>
@@ -12006,12 +12370,8 @@
           <a:lstStyle/>
           <a:p>
             <a:r>
-              <a:rPr lang="fr-FR" dirty="0" err="1"/>
-              <a:t>SymPy</a:t>
-            </a:r>
-            <a:r>
               <a:rPr lang="fr-FR" dirty="0"/>
-              <a:t> pour le calcul formel</a:t>
+              <a:t>Calcul symbolique (ou formel)</a:t>
             </a:r>
           </a:p>
         </p:txBody>
@@ -12038,52 +12398,12 @@
           <a:lstStyle/>
           <a:p>
             <a:r>
-              <a:rPr lang="fr-FR" dirty="0" err="1"/>
-              <a:t>Caculer</a:t>
-            </a:r>
-            <a:r>
               <a:rPr lang="fr-FR" dirty="0"/>
-              <a:t> des dérivées…</a:t>
-            </a:r>
-          </a:p>
-        </p:txBody>
-      </p:sp>
-      <p:pic>
-        <p:nvPicPr>
-          <p:cNvPr id="5" name="Image 4" descr="Une image contenant texte&#10;&#10;Description générée automatiquement">
-            <a:extLst>
-              <a:ext uri="{FF2B5EF4-FFF2-40B4-BE49-F238E27FC236}">
-                <a16:creationId xmlns:a16="http://schemas.microsoft.com/office/drawing/2014/main" id="{66D2630B-81F4-A4EB-21BA-8B90CF30BD92}"/>
-              </a:ext>
-            </a:extLst>
-          </p:cNvPr>
-          <p:cNvPicPr>
-            <a:picLocks noChangeAspect="1"/>
-          </p:cNvPicPr>
-          <p:nvPr/>
-        </p:nvPicPr>
-        <p:blipFill>
-          <a:blip r:embed="rId2">
-            <a:extLst>
-              <a:ext uri="{28A0092B-C50C-407E-A947-70E740481C1C}">
-                <a14:useLocalDpi xmlns:a14="http://schemas.microsoft.com/office/drawing/2010/main" val="0"/>
-              </a:ext>
-            </a:extLst>
-          </a:blip>
-          <a:stretch>
-            <a:fillRect/>
-          </a:stretch>
-        </p:blipFill>
-        <p:spPr>
-          <a:xfrm>
-            <a:off x="202922" y="5934456"/>
-            <a:ext cx="1825291" cy="749808"/>
-          </a:xfrm>
-          <a:prstGeom prst="rect">
-            <a:avLst/>
-          </a:prstGeom>
-        </p:spPr>
-      </p:pic>
+              <a:t>Résolution formelle</a:t>
+            </a:r>
+          </a:p>
+        </p:txBody>
+      </p:sp>
       <p:sp>
         <p:nvSpPr>
           <p:cNvPr id="4" name="Espace réservé du numéro de diapositive 3">
@@ -12108,905 +12428,6 @@
             <a:fld id="{B2DC25EE-239B-4C5F-AAD1-255A7D5F1EE2}" type="slidenum">
               <a:rPr lang="en-US" smtClean="0"/>
               <a:t>18</a:t>
-            </a:fld>
-            <a:endParaRPr lang="en-US" dirty="0"/>
-          </a:p>
-        </p:txBody>
-      </p:sp>
-      <p:pic>
-        <p:nvPicPr>
-          <p:cNvPr id="1026" name="Picture 2" descr="SymPy Logo">
-            <a:extLst>
-              <a:ext uri="{FF2B5EF4-FFF2-40B4-BE49-F238E27FC236}">
-                <a16:creationId xmlns:a16="http://schemas.microsoft.com/office/drawing/2014/main" id="{6F826F4C-FC0E-452A-4FE2-7AD4240C9A6B}"/>
-              </a:ext>
-            </a:extLst>
-          </p:cNvPr>
-          <p:cNvPicPr>
-            <a:picLocks noChangeAspect="1" noChangeArrowheads="1"/>
-          </p:cNvPicPr>
-          <p:nvPr/>
-        </p:nvPicPr>
-        <p:blipFill>
-          <a:blip r:embed="rId3">
-            <a:extLst>
-              <a:ext uri="{28A0092B-C50C-407E-A947-70E740481C1C}">
-                <a14:useLocalDpi xmlns:a14="http://schemas.microsoft.com/office/drawing/2010/main" val="0"/>
-              </a:ext>
-            </a:extLst>
-          </a:blip>
-          <a:srcRect/>
-          <a:stretch>
-            <a:fillRect/>
-          </a:stretch>
-        </p:blipFill>
-        <p:spPr bwMode="auto">
-          <a:xfrm>
-            <a:off x="9915213" y="655319"/>
-            <a:ext cx="915348" cy="613283"/>
-          </a:xfrm>
-          <a:prstGeom prst="rect">
-            <a:avLst/>
-          </a:prstGeom>
-          <a:noFill/>
-          <a:extLst>
-            <a:ext uri="{909E8E84-426E-40DD-AFC4-6F175D3DCCD1}">
-              <a14:hiddenFill xmlns:a14="http://schemas.microsoft.com/office/drawing/2010/main">
-                <a:solidFill>
-                  <a:srgbClr val="FFFFFF"/>
-                </a:solidFill>
-              </a14:hiddenFill>
-            </a:ext>
-          </a:extLst>
-        </p:spPr>
-      </p:pic>
-      <p:sp>
-        <p:nvSpPr>
-          <p:cNvPr id="7" name="ZoneTexte 6">
-            <a:extLst>
-              <a:ext uri="{FF2B5EF4-FFF2-40B4-BE49-F238E27FC236}">
-                <a16:creationId xmlns:a16="http://schemas.microsoft.com/office/drawing/2014/main" id="{F0FBF19C-22B5-76E5-0F93-DF8BB4A2F385}"/>
-              </a:ext>
-            </a:extLst>
-          </p:cNvPr>
-          <p:cNvSpPr txBox="1"/>
-          <p:nvPr/>
-        </p:nvSpPr>
-        <p:spPr>
-          <a:xfrm>
-            <a:off x="822960" y="3302376"/>
-            <a:ext cx="4765173" cy="646331"/>
-          </a:xfrm>
-          <a:prstGeom prst="rect">
-            <a:avLst/>
-          </a:prstGeom>
-          <a:solidFill>
-            <a:schemeClr val="accent1">
-              <a:lumMod val="40000"/>
-              <a:lumOff val="60000"/>
-            </a:schemeClr>
-          </a:solidFill>
-        </p:spPr>
-        <p:txBody>
-          <a:bodyPr wrap="square" rtlCol="0">
-            <a:spAutoFit/>
-          </a:bodyPr>
-          <a:lstStyle/>
-          <a:p>
-            <a:r>
-              <a:rPr lang="fr-FR" dirty="0"/>
-              <a:t>f </a:t>
-            </a:r>
-            <a:r>
-              <a:rPr lang="fr-FR" b="1" dirty="0"/>
-              <a:t>=</a:t>
-            </a:r>
-            <a:r>
-              <a:rPr lang="fr-FR" dirty="0"/>
-              <a:t> x**2 + y</a:t>
-            </a:r>
-          </a:p>
-          <a:p>
-            <a:r>
-              <a:rPr lang="fr-FR" dirty="0"/>
-              <a:t>f</a:t>
-            </a:r>
-          </a:p>
-        </p:txBody>
-      </p:sp>
-      <p:pic>
-        <p:nvPicPr>
-          <p:cNvPr id="2051" name="Picture 3">
-            <a:extLst>
-              <a:ext uri="{FF2B5EF4-FFF2-40B4-BE49-F238E27FC236}">
-                <a16:creationId xmlns:a16="http://schemas.microsoft.com/office/drawing/2014/main" id="{3BB5514F-6568-D4F1-89C4-C79629C862E1}"/>
-              </a:ext>
-            </a:extLst>
-          </p:cNvPr>
-          <p:cNvPicPr>
-            <a:picLocks noChangeAspect="1" noChangeArrowheads="1"/>
-          </p:cNvPicPr>
-          <p:nvPr/>
-        </p:nvPicPr>
-        <p:blipFill>
-          <a:blip r:embed="rId4">
-            <a:extLst>
-              <a:ext uri="{28A0092B-C50C-407E-A947-70E740481C1C}">
-                <a14:useLocalDpi xmlns:a14="http://schemas.microsoft.com/office/drawing/2010/main" val="0"/>
-              </a:ext>
-            </a:extLst>
-          </a:blip>
-          <a:srcRect/>
-          <a:stretch>
-            <a:fillRect/>
-          </a:stretch>
-        </p:blipFill>
-        <p:spPr bwMode="auto">
-          <a:xfrm>
-            <a:off x="11422935" y="1728216"/>
-            <a:ext cx="449659" cy="523240"/>
-          </a:xfrm>
-          <a:prstGeom prst="rect">
-            <a:avLst/>
-          </a:prstGeom>
-          <a:noFill/>
-          <a:extLst>
-            <a:ext uri="{909E8E84-426E-40DD-AFC4-6F175D3DCCD1}">
-              <a14:hiddenFill xmlns:a14="http://schemas.microsoft.com/office/drawing/2010/main">
-                <a:solidFill>
-                  <a:srgbClr val="FFFFFF"/>
-                </a:solidFill>
-              </a14:hiddenFill>
-            </a:ext>
-          </a:extLst>
-        </p:spPr>
-      </p:pic>
-      <p:sp>
-        <p:nvSpPr>
-          <p:cNvPr id="8" name="ZoneTexte 7">
-            <a:extLst>
-              <a:ext uri="{FF2B5EF4-FFF2-40B4-BE49-F238E27FC236}">
-                <a16:creationId xmlns:a16="http://schemas.microsoft.com/office/drawing/2014/main" id="{2915B138-F409-17FD-930A-57E858A7DE27}"/>
-              </a:ext>
-            </a:extLst>
-          </p:cNvPr>
-          <p:cNvSpPr txBox="1"/>
-          <p:nvPr/>
-        </p:nvSpPr>
-        <p:spPr>
-          <a:xfrm>
-            <a:off x="822960" y="4091432"/>
-            <a:ext cx="4765173" cy="646331"/>
-          </a:xfrm>
-          <a:prstGeom prst="rect">
-            <a:avLst/>
-          </a:prstGeom>
-          <a:solidFill>
-            <a:schemeClr val="accent1">
-              <a:lumMod val="40000"/>
-              <a:lumOff val="60000"/>
-            </a:schemeClr>
-          </a:solidFill>
-        </p:spPr>
-        <p:txBody>
-          <a:bodyPr wrap="square" rtlCol="0">
-            <a:spAutoFit/>
-          </a:bodyPr>
-          <a:lstStyle/>
-          <a:p>
-            <a:r>
-              <a:rPr lang="fr-FR" dirty="0" err="1"/>
-              <a:t>dfx</a:t>
-            </a:r>
-            <a:r>
-              <a:rPr lang="fr-FR" dirty="0"/>
-              <a:t> </a:t>
-            </a:r>
-            <a:r>
-              <a:rPr lang="fr-FR" b="1" dirty="0"/>
-              <a:t>=</a:t>
-            </a:r>
-            <a:r>
-              <a:rPr lang="fr-FR" dirty="0"/>
-              <a:t> </a:t>
-            </a:r>
-            <a:r>
-              <a:rPr lang="fr-FR" i="1" dirty="0" err="1"/>
-              <a:t>sympy</a:t>
-            </a:r>
-            <a:r>
-              <a:rPr lang="fr-FR" dirty="0" err="1"/>
-              <a:t>.</a:t>
-            </a:r>
-            <a:r>
-              <a:rPr lang="fr-FR" b="1" dirty="0" err="1"/>
-              <a:t>diff</a:t>
-            </a:r>
-            <a:r>
-              <a:rPr lang="fr-FR" dirty="0"/>
-              <a:t>(f, x)</a:t>
-            </a:r>
-          </a:p>
-          <a:p>
-            <a:r>
-              <a:rPr lang="fr-FR" dirty="0" err="1"/>
-              <a:t>dfx</a:t>
-            </a:r>
-            <a:endParaRPr lang="fr-FR" dirty="0"/>
-          </a:p>
-        </p:txBody>
-      </p:sp>
-      <p:sp>
-        <p:nvSpPr>
-          <p:cNvPr id="9" name="ZoneTexte 8">
-            <a:extLst>
-              <a:ext uri="{FF2B5EF4-FFF2-40B4-BE49-F238E27FC236}">
-                <a16:creationId xmlns:a16="http://schemas.microsoft.com/office/drawing/2014/main" id="{03E3FAF5-8CF7-FC38-7E5A-2B1F6EBE9E74}"/>
-              </a:ext>
-            </a:extLst>
-          </p:cNvPr>
-          <p:cNvSpPr txBox="1"/>
-          <p:nvPr/>
-        </p:nvSpPr>
-        <p:spPr>
-          <a:xfrm>
-            <a:off x="822959" y="4876536"/>
-            <a:ext cx="4765173" cy="646331"/>
-          </a:xfrm>
-          <a:prstGeom prst="rect">
-            <a:avLst/>
-          </a:prstGeom>
-          <a:solidFill>
-            <a:schemeClr val="accent1">
-              <a:lumMod val="40000"/>
-              <a:lumOff val="60000"/>
-            </a:schemeClr>
-          </a:solidFill>
-        </p:spPr>
-        <p:txBody>
-          <a:bodyPr wrap="square" rtlCol="0">
-            <a:spAutoFit/>
-          </a:bodyPr>
-          <a:lstStyle/>
-          <a:p>
-            <a:r>
-              <a:rPr lang="fr-FR" dirty="0" err="1"/>
-              <a:t>dfy</a:t>
-            </a:r>
-            <a:r>
-              <a:rPr lang="fr-FR" dirty="0"/>
-              <a:t> </a:t>
-            </a:r>
-            <a:r>
-              <a:rPr lang="fr-FR" b="1" dirty="0"/>
-              <a:t>=</a:t>
-            </a:r>
-            <a:r>
-              <a:rPr lang="fr-FR" dirty="0"/>
-              <a:t> </a:t>
-            </a:r>
-            <a:r>
-              <a:rPr lang="fr-FR" i="1" dirty="0" err="1"/>
-              <a:t>sympy</a:t>
-            </a:r>
-            <a:r>
-              <a:rPr lang="fr-FR" dirty="0" err="1"/>
-              <a:t>.</a:t>
-            </a:r>
-            <a:r>
-              <a:rPr lang="fr-FR" b="1" dirty="0" err="1"/>
-              <a:t>diff</a:t>
-            </a:r>
-            <a:r>
-              <a:rPr lang="fr-FR" dirty="0"/>
-              <a:t>(f, y)</a:t>
-            </a:r>
-          </a:p>
-          <a:p>
-            <a:r>
-              <a:rPr lang="fr-FR" dirty="0" err="1"/>
-              <a:t>dfy</a:t>
-            </a:r>
-            <a:endParaRPr lang="fr-FR" dirty="0"/>
-          </a:p>
-        </p:txBody>
-      </p:sp>
-      <p:sp>
-        <p:nvSpPr>
-          <p:cNvPr id="14" name="Espace réservé du contenu 2">
-            <a:extLst>
-              <a:ext uri="{FF2B5EF4-FFF2-40B4-BE49-F238E27FC236}">
-                <a16:creationId xmlns:a16="http://schemas.microsoft.com/office/drawing/2014/main" id="{828AE434-2996-F934-D9D1-020DEED9A1E7}"/>
-              </a:ext>
-            </a:extLst>
-          </p:cNvPr>
-          <p:cNvSpPr txBox="1">
-            <a:spLocks/>
-          </p:cNvSpPr>
-          <p:nvPr/>
-        </p:nvSpPr>
-        <p:spPr>
-          <a:xfrm>
-            <a:off x="6638544" y="2478024"/>
-            <a:ext cx="4937760" cy="3694176"/>
-          </a:xfrm>
-          <a:prstGeom prst="rect">
-            <a:avLst/>
-          </a:prstGeom>
-        </p:spPr>
-        <p:txBody>
-          <a:bodyPr vert="horz" lIns="91440" tIns="45720" rIns="91440" bIns="45720" rtlCol="0">
-            <a:normAutofit/>
-          </a:bodyPr>
-          <a:lstStyle>
-            <a:lvl1pPr marL="228600" indent="-228600" algn="l" defTabSz="914400" rtl="0" eaLnBrk="1" latinLnBrk="0" hangingPunct="1">
-              <a:lnSpc>
-                <a:spcPct val="110000"/>
-              </a:lnSpc>
-              <a:spcBef>
-                <a:spcPts val="1000"/>
-              </a:spcBef>
-              <a:buFont typeface="Arial" panose="020B0604020202020204" pitchFamily="34" charset="0"/>
-              <a:buChar char="•"/>
-              <a:defRPr sz="2800" kern="1200">
-                <a:solidFill>
-                  <a:schemeClr val="tx1"/>
-                </a:solidFill>
-                <a:latin typeface="+mn-lt"/>
-                <a:ea typeface="+mn-ea"/>
-                <a:cs typeface="+mn-cs"/>
-              </a:defRPr>
-            </a:lvl1pPr>
-            <a:lvl2pPr marL="685800" indent="-228600" algn="l" defTabSz="914400" rtl="0" eaLnBrk="1" latinLnBrk="0" hangingPunct="1">
-              <a:lnSpc>
-                <a:spcPct val="110000"/>
-              </a:lnSpc>
-              <a:spcBef>
-                <a:spcPts val="500"/>
-              </a:spcBef>
-              <a:buFont typeface="Arial" panose="020B0604020202020204" pitchFamily="34" charset="0"/>
-              <a:buChar char="•"/>
-              <a:defRPr sz="2400" kern="1200">
-                <a:solidFill>
-                  <a:schemeClr val="tx1"/>
-                </a:solidFill>
-                <a:latin typeface="+mn-lt"/>
-                <a:ea typeface="+mn-ea"/>
-                <a:cs typeface="+mn-cs"/>
-              </a:defRPr>
-            </a:lvl2pPr>
-            <a:lvl3pPr marL="1143000" indent="-228600" algn="l" defTabSz="914400" rtl="0" eaLnBrk="1" latinLnBrk="0" hangingPunct="1">
-              <a:lnSpc>
-                <a:spcPct val="110000"/>
-              </a:lnSpc>
-              <a:spcBef>
-                <a:spcPts val="500"/>
-              </a:spcBef>
-              <a:buFont typeface="Arial" panose="020B0604020202020204" pitchFamily="34" charset="0"/>
-              <a:buChar char="•"/>
-              <a:defRPr sz="2000" kern="1200">
-                <a:solidFill>
-                  <a:schemeClr val="tx1"/>
-                </a:solidFill>
-                <a:latin typeface="+mn-lt"/>
-                <a:ea typeface="+mn-ea"/>
-                <a:cs typeface="+mn-cs"/>
-              </a:defRPr>
-            </a:lvl3pPr>
-            <a:lvl4pPr marL="1600200" indent="-228600" algn="l" defTabSz="914400" rtl="0" eaLnBrk="1" latinLnBrk="0" hangingPunct="1">
-              <a:lnSpc>
-                <a:spcPct val="110000"/>
-              </a:lnSpc>
-              <a:spcBef>
-                <a:spcPts val="500"/>
-              </a:spcBef>
-              <a:buFont typeface="Arial" panose="020B0604020202020204" pitchFamily="34" charset="0"/>
-              <a:buChar char="•"/>
-              <a:defRPr sz="1800" kern="1200">
-                <a:solidFill>
-                  <a:schemeClr val="tx1"/>
-                </a:solidFill>
-                <a:latin typeface="+mn-lt"/>
-                <a:ea typeface="+mn-ea"/>
-                <a:cs typeface="+mn-cs"/>
-              </a:defRPr>
-            </a:lvl4pPr>
-            <a:lvl5pPr marL="2057400" indent="-228600" algn="l" defTabSz="914400" rtl="0" eaLnBrk="1" latinLnBrk="0" hangingPunct="1">
-              <a:lnSpc>
-                <a:spcPct val="110000"/>
-              </a:lnSpc>
-              <a:spcBef>
-                <a:spcPts val="500"/>
-              </a:spcBef>
-              <a:buFont typeface="Arial" panose="020B0604020202020204" pitchFamily="34" charset="0"/>
-              <a:buChar char="•"/>
-              <a:defRPr sz="1800" kern="1200">
-                <a:solidFill>
-                  <a:schemeClr val="tx1"/>
-                </a:solidFill>
-                <a:latin typeface="+mn-lt"/>
-                <a:ea typeface="+mn-ea"/>
-                <a:cs typeface="+mn-cs"/>
-              </a:defRPr>
-            </a:lvl5pPr>
-            <a:lvl6pPr marL="2514600" indent="-228600" algn="l" defTabSz="914400" rtl="0" eaLnBrk="1" latinLnBrk="0" hangingPunct="1">
-              <a:lnSpc>
-                <a:spcPct val="90000"/>
-              </a:lnSpc>
-              <a:spcBef>
-                <a:spcPts val="500"/>
-              </a:spcBef>
-              <a:buFont typeface="Arial" panose="020B0604020202020204" pitchFamily="34" charset="0"/>
-              <a:buChar char="•"/>
-              <a:defRPr sz="1800" kern="1200">
-                <a:solidFill>
-                  <a:schemeClr val="tx1"/>
-                </a:solidFill>
-                <a:latin typeface="+mn-lt"/>
-                <a:ea typeface="+mn-ea"/>
-                <a:cs typeface="+mn-cs"/>
-              </a:defRPr>
-            </a:lvl6pPr>
-            <a:lvl7pPr marL="2971800" indent="-228600" algn="l" defTabSz="914400" rtl="0" eaLnBrk="1" latinLnBrk="0" hangingPunct="1">
-              <a:lnSpc>
-                <a:spcPct val="90000"/>
-              </a:lnSpc>
-              <a:spcBef>
-                <a:spcPts val="500"/>
-              </a:spcBef>
-              <a:buFont typeface="Arial" panose="020B0604020202020204" pitchFamily="34" charset="0"/>
-              <a:buChar char="•"/>
-              <a:defRPr sz="1800" kern="1200">
-                <a:solidFill>
-                  <a:schemeClr val="tx1"/>
-                </a:solidFill>
-                <a:latin typeface="+mn-lt"/>
-                <a:ea typeface="+mn-ea"/>
-                <a:cs typeface="+mn-cs"/>
-              </a:defRPr>
-            </a:lvl7pPr>
-            <a:lvl8pPr marL="3429000" indent="-228600" algn="l" defTabSz="914400" rtl="0" eaLnBrk="1" latinLnBrk="0" hangingPunct="1">
-              <a:lnSpc>
-                <a:spcPct val="90000"/>
-              </a:lnSpc>
-              <a:spcBef>
-                <a:spcPts val="500"/>
-              </a:spcBef>
-              <a:buFont typeface="Arial" panose="020B0604020202020204" pitchFamily="34" charset="0"/>
-              <a:buChar char="•"/>
-              <a:defRPr sz="1800" kern="1200">
-                <a:solidFill>
-                  <a:schemeClr val="tx1"/>
-                </a:solidFill>
-                <a:latin typeface="+mn-lt"/>
-                <a:ea typeface="+mn-ea"/>
-                <a:cs typeface="+mn-cs"/>
-              </a:defRPr>
-            </a:lvl8pPr>
-            <a:lvl9pPr marL="3886200" indent="-228600" algn="l" defTabSz="914400" rtl="0" eaLnBrk="1" latinLnBrk="0" hangingPunct="1">
-              <a:lnSpc>
-                <a:spcPct val="90000"/>
-              </a:lnSpc>
-              <a:spcBef>
-                <a:spcPts val="500"/>
-              </a:spcBef>
-              <a:buFont typeface="Arial" panose="020B0604020202020204" pitchFamily="34" charset="0"/>
-              <a:buChar char="•"/>
-              <a:defRPr sz="1800" kern="1200">
-                <a:solidFill>
-                  <a:schemeClr val="tx1"/>
-                </a:solidFill>
-                <a:latin typeface="+mn-lt"/>
-                <a:ea typeface="+mn-ea"/>
-                <a:cs typeface="+mn-cs"/>
-              </a:defRPr>
-            </a:lvl9pPr>
-          </a:lstStyle>
-          <a:p>
-            <a:r>
-              <a:rPr lang="fr-FR" dirty="0"/>
-              <a:t>…ou des intégrales</a:t>
-            </a:r>
-          </a:p>
-        </p:txBody>
-      </p:sp>
-      <p:sp>
-        <p:nvSpPr>
-          <p:cNvPr id="15" name="ZoneTexte 14">
-            <a:extLst>
-              <a:ext uri="{FF2B5EF4-FFF2-40B4-BE49-F238E27FC236}">
-                <a16:creationId xmlns:a16="http://schemas.microsoft.com/office/drawing/2014/main" id="{257E0BB7-316C-6CAC-2F90-FB49A2A9544F}"/>
-              </a:ext>
-            </a:extLst>
-          </p:cNvPr>
-          <p:cNvSpPr txBox="1"/>
-          <p:nvPr/>
-        </p:nvSpPr>
-        <p:spPr>
-          <a:xfrm>
-            <a:off x="6345936" y="3302376"/>
-            <a:ext cx="4765173" cy="646331"/>
-          </a:xfrm>
-          <a:prstGeom prst="rect">
-            <a:avLst/>
-          </a:prstGeom>
-          <a:solidFill>
-            <a:schemeClr val="accent1">
-              <a:lumMod val="40000"/>
-              <a:lumOff val="60000"/>
-            </a:schemeClr>
-          </a:solidFill>
-        </p:spPr>
-        <p:txBody>
-          <a:bodyPr wrap="square" rtlCol="0">
-            <a:spAutoFit/>
-          </a:bodyPr>
-          <a:lstStyle/>
-          <a:p>
-            <a:r>
-              <a:rPr lang="fr-FR" dirty="0" err="1"/>
-              <a:t>inte_f</a:t>
-            </a:r>
-            <a:r>
-              <a:rPr lang="fr-FR" dirty="0"/>
-              <a:t> </a:t>
-            </a:r>
-            <a:r>
-              <a:rPr lang="fr-FR" b="1" dirty="0"/>
-              <a:t>=</a:t>
-            </a:r>
-            <a:r>
-              <a:rPr lang="fr-FR" dirty="0"/>
-              <a:t> </a:t>
-            </a:r>
-            <a:r>
-              <a:rPr lang="fr-FR" i="1" dirty="0" err="1"/>
-              <a:t>sympy</a:t>
-            </a:r>
-            <a:r>
-              <a:rPr lang="fr-FR" dirty="0" err="1"/>
-              <a:t>.</a:t>
-            </a:r>
-            <a:r>
-              <a:rPr lang="fr-FR" b="1" dirty="0" err="1"/>
-              <a:t>integrate</a:t>
-            </a:r>
-            <a:r>
-              <a:rPr lang="fr-FR" dirty="0"/>
-              <a:t>(f, x)</a:t>
-            </a:r>
-          </a:p>
-          <a:p>
-            <a:r>
-              <a:rPr lang="fr-FR" dirty="0" err="1"/>
-              <a:t>inte_f</a:t>
-            </a:r>
-            <a:endParaRPr lang="fr-FR" dirty="0"/>
-          </a:p>
-        </p:txBody>
-      </p:sp>
-      <p:sp>
-        <p:nvSpPr>
-          <p:cNvPr id="18" name="ZoneTexte 17">
-            <a:extLst>
-              <a:ext uri="{FF2B5EF4-FFF2-40B4-BE49-F238E27FC236}">
-                <a16:creationId xmlns:a16="http://schemas.microsoft.com/office/drawing/2014/main" id="{3B8C2753-710A-CFCF-63D6-7A4D53A374F6}"/>
-              </a:ext>
-            </a:extLst>
-          </p:cNvPr>
-          <p:cNvSpPr txBox="1"/>
-          <p:nvPr/>
-        </p:nvSpPr>
-        <p:spPr>
-          <a:xfrm>
-            <a:off x="6345936" y="4091432"/>
-            <a:ext cx="4765173" cy="1754326"/>
-          </a:xfrm>
-          <a:prstGeom prst="rect">
-            <a:avLst/>
-          </a:prstGeom>
-          <a:solidFill>
-            <a:schemeClr val="accent1">
-              <a:lumMod val="40000"/>
-              <a:lumOff val="60000"/>
-            </a:schemeClr>
-          </a:solidFill>
-        </p:spPr>
-        <p:txBody>
-          <a:bodyPr wrap="square" rtlCol="0">
-            <a:spAutoFit/>
-          </a:bodyPr>
-          <a:lstStyle/>
-          <a:p>
-            <a:r>
-              <a:rPr lang="fr-FR" dirty="0"/>
-              <a:t>f </a:t>
-            </a:r>
-            <a:r>
-              <a:rPr lang="fr-FR" b="1" dirty="0"/>
-              <a:t>=</a:t>
-            </a:r>
-            <a:r>
-              <a:rPr lang="fr-FR" dirty="0"/>
-              <a:t> </a:t>
-            </a:r>
-            <a:r>
-              <a:rPr lang="fr-FR" i="1" dirty="0" err="1"/>
-              <a:t>sympy</a:t>
-            </a:r>
-            <a:r>
-              <a:rPr lang="fr-FR" dirty="0" err="1"/>
-              <a:t>.</a:t>
-            </a:r>
-            <a:r>
-              <a:rPr lang="fr-FR" b="1" dirty="0" err="1"/>
-              <a:t>exp</a:t>
-            </a:r>
-            <a:r>
-              <a:rPr lang="fr-FR" dirty="0"/>
-              <a:t>(x)/</a:t>
-            </a:r>
-            <a:br>
-              <a:rPr lang="fr-FR" dirty="0"/>
-            </a:br>
-            <a:r>
-              <a:rPr lang="fr-FR" dirty="0"/>
-              <a:t>(</a:t>
-            </a:r>
-            <a:r>
-              <a:rPr lang="fr-FR" i="1" dirty="0" err="1"/>
-              <a:t>sympy</a:t>
-            </a:r>
-            <a:r>
-              <a:rPr lang="fr-FR" dirty="0" err="1"/>
-              <a:t>.</a:t>
-            </a:r>
-            <a:r>
-              <a:rPr lang="fr-FR" b="1" dirty="0" err="1"/>
-              <a:t>sqrt</a:t>
-            </a:r>
-            <a:r>
-              <a:rPr lang="fr-FR" dirty="0"/>
-              <a:t>(</a:t>
-            </a:r>
-            <a:r>
-              <a:rPr lang="fr-FR" i="1" dirty="0" err="1"/>
-              <a:t>sympy</a:t>
-            </a:r>
-            <a:r>
-              <a:rPr lang="fr-FR" dirty="0" err="1"/>
-              <a:t>.</a:t>
-            </a:r>
-            <a:r>
-              <a:rPr lang="fr-FR" b="1" dirty="0" err="1"/>
-              <a:t>exp</a:t>
-            </a:r>
-            <a:r>
-              <a:rPr lang="fr-FR" dirty="0"/>
-              <a:t>(2*x)+9))</a:t>
-            </a:r>
-          </a:p>
-          <a:p>
-            <a:endParaRPr lang="fr-FR" dirty="0"/>
-          </a:p>
-          <a:p>
-            <a:r>
-              <a:rPr lang="fr-FR" dirty="0" err="1"/>
-              <a:t>inte_f</a:t>
-            </a:r>
-            <a:r>
-              <a:rPr lang="fr-FR" dirty="0"/>
-              <a:t> </a:t>
-            </a:r>
-            <a:r>
-              <a:rPr lang="fr-FR" b="1" dirty="0"/>
-              <a:t>=</a:t>
-            </a:r>
-            <a:r>
-              <a:rPr lang="fr-FR" dirty="0"/>
-              <a:t> </a:t>
-            </a:r>
-            <a:r>
-              <a:rPr lang="fr-FR" i="1" dirty="0" err="1"/>
-              <a:t>sympy</a:t>
-            </a:r>
-            <a:r>
-              <a:rPr lang="fr-FR" dirty="0" err="1"/>
-              <a:t>.</a:t>
-            </a:r>
-            <a:r>
-              <a:rPr lang="fr-FR" b="1" dirty="0" err="1"/>
-              <a:t>integrate</a:t>
-            </a:r>
-            <a:r>
-              <a:rPr lang="fr-FR" dirty="0"/>
-              <a:t>(f, (x, 0, </a:t>
-            </a:r>
-            <a:r>
-              <a:rPr lang="fr-FR" i="1" dirty="0"/>
-              <a:t>sympy</a:t>
-            </a:r>
-            <a:r>
-              <a:rPr lang="fr-FR" dirty="0"/>
-              <a:t>.</a:t>
-            </a:r>
-            <a:r>
-              <a:rPr lang="fr-FR" b="1" dirty="0"/>
-              <a:t>log</a:t>
-            </a:r>
-            <a:r>
-              <a:rPr lang="fr-FR" dirty="0"/>
-              <a:t>(4)))</a:t>
-            </a:r>
-          </a:p>
-          <a:p>
-            <a:r>
-              <a:rPr lang="fr-FR" dirty="0" err="1"/>
-              <a:t>inte_f</a:t>
-            </a:r>
-            <a:endParaRPr lang="fr-FR" dirty="0"/>
-          </a:p>
-        </p:txBody>
-      </p:sp>
-      <p:pic>
-        <p:nvPicPr>
-          <p:cNvPr id="6" name="Picture 8" descr="Résultat de recherche d'images pour &quot;spyder logo&quot;">
-            <a:extLst>
-              <a:ext uri="{FF2B5EF4-FFF2-40B4-BE49-F238E27FC236}">
-                <a16:creationId xmlns:a16="http://schemas.microsoft.com/office/drawing/2014/main" id="{15EF5648-F6C6-A818-2130-8F02900DDFE1}"/>
-              </a:ext>
-            </a:extLst>
-          </p:cNvPr>
-          <p:cNvPicPr>
-            <a:picLocks noChangeAspect="1" noChangeArrowheads="1"/>
-          </p:cNvPicPr>
-          <p:nvPr/>
-        </p:nvPicPr>
-        <p:blipFill>
-          <a:blip r:embed="rId5">
-            <a:extLst>
-              <a:ext uri="{28A0092B-C50C-407E-A947-70E740481C1C}">
-                <a14:useLocalDpi xmlns:a14="http://schemas.microsoft.com/office/drawing/2010/main" val="0"/>
-              </a:ext>
-            </a:extLst>
-          </a:blip>
-          <a:srcRect/>
-          <a:stretch>
-            <a:fillRect/>
-          </a:stretch>
-        </p:blipFill>
-        <p:spPr bwMode="auto">
-          <a:xfrm>
-            <a:off x="10162526" y="1757291"/>
-            <a:ext cx="947620" cy="473810"/>
-          </a:xfrm>
-          <a:prstGeom prst="rect">
-            <a:avLst/>
-          </a:prstGeom>
-          <a:noFill/>
-          <a:extLst>
-            <a:ext uri="{909E8E84-426E-40DD-AFC4-6F175D3DCCD1}">
-              <a14:hiddenFill xmlns:a14="http://schemas.microsoft.com/office/drawing/2010/main">
-                <a:solidFill>
-                  <a:srgbClr val="FFFFFF"/>
-                </a:solidFill>
-              </a14:hiddenFill>
-            </a:ext>
-          </a:extLst>
-        </p:spPr>
-      </p:pic>
-    </p:spTree>
-    <p:extLst>
-      <p:ext uri="{BB962C8B-B14F-4D97-AF65-F5344CB8AC3E}">
-        <p14:creationId xmlns:p14="http://schemas.microsoft.com/office/powerpoint/2010/main" val="1607553190"/>
-      </p:ext>
-    </p:extLst>
-  </p:cSld>
-  <p:clrMapOvr>
-    <a:masterClrMapping/>
-  </p:clrMapOvr>
-</p:sld>
-</file>
-
-<file path=ppt/slides/slide19.xml><?xml version="1.0" encoding="utf-8"?>
-<p:sld xmlns:a="http://schemas.openxmlformats.org/drawingml/2006/main" xmlns:r="http://schemas.openxmlformats.org/officeDocument/2006/relationships" xmlns:p="http://schemas.openxmlformats.org/presentationml/2006/main">
-  <p:cSld>
-    <p:spTree>
-      <p:nvGrpSpPr>
-        <p:cNvPr id="1" name=""/>
-        <p:cNvGrpSpPr/>
-        <p:nvPr/>
-      </p:nvGrpSpPr>
-      <p:grpSpPr>
-        <a:xfrm>
-          <a:off x="0" y="0"/>
-          <a:ext cx="0" cy="0"/>
-          <a:chOff x="0" y="0"/>
-          <a:chExt cx="0" cy="0"/>
-        </a:xfrm>
-      </p:grpSpPr>
-      <p:sp>
-        <p:nvSpPr>
-          <p:cNvPr id="2" name="Titre 1">
-            <a:extLst>
-              <a:ext uri="{FF2B5EF4-FFF2-40B4-BE49-F238E27FC236}">
-                <a16:creationId xmlns:a16="http://schemas.microsoft.com/office/drawing/2014/main" id="{90162AE8-C1B0-5C56-8313-DEE494F38273}"/>
-              </a:ext>
-            </a:extLst>
-          </p:cNvPr>
-          <p:cNvSpPr>
-            <a:spLocks noGrp="1"/>
-          </p:cNvSpPr>
-          <p:nvPr>
-            <p:ph type="title"/>
-          </p:nvPr>
-        </p:nvSpPr>
-        <p:spPr/>
-        <p:txBody>
-          <a:bodyPr>
-            <a:normAutofit/>
-          </a:bodyPr>
-          <a:lstStyle/>
-          <a:p>
-            <a:r>
-              <a:rPr lang="fr-FR" dirty="0"/>
-              <a:t>Calcul symbolique (ou formel)</a:t>
-            </a:r>
-          </a:p>
-        </p:txBody>
-      </p:sp>
-      <p:sp>
-        <p:nvSpPr>
-          <p:cNvPr id="3" name="Espace réservé du contenu 2">
-            <a:extLst>
-              <a:ext uri="{FF2B5EF4-FFF2-40B4-BE49-F238E27FC236}">
-                <a16:creationId xmlns:a16="http://schemas.microsoft.com/office/drawing/2014/main" id="{E0BBB9DE-019C-C741-F224-494739D4B752}"/>
-              </a:ext>
-            </a:extLst>
-          </p:cNvPr>
-          <p:cNvSpPr>
-            <a:spLocks noGrp="1"/>
-          </p:cNvSpPr>
-          <p:nvPr>
-            <p:ph sz="half" idx="1"/>
-          </p:nvPr>
-        </p:nvSpPr>
-        <p:spPr/>
-        <p:txBody>
-          <a:bodyPr/>
-          <a:lstStyle/>
-          <a:p>
-            <a:r>
-              <a:rPr lang="fr-FR" dirty="0"/>
-              <a:t>Résolution formelle</a:t>
-            </a:r>
-          </a:p>
-        </p:txBody>
-      </p:sp>
-      <p:sp>
-        <p:nvSpPr>
-          <p:cNvPr id="4" name="Espace réservé du numéro de diapositive 3">
-            <a:extLst>
-              <a:ext uri="{FF2B5EF4-FFF2-40B4-BE49-F238E27FC236}">
-                <a16:creationId xmlns:a16="http://schemas.microsoft.com/office/drawing/2014/main" id="{F08CDEFC-50F0-4C47-46AC-D28A2807E4F8}"/>
-              </a:ext>
-            </a:extLst>
-          </p:cNvPr>
-          <p:cNvSpPr>
-            <a:spLocks noGrp="1"/>
-          </p:cNvSpPr>
-          <p:nvPr>
-            <p:ph type="sldNum" sz="quarter" idx="12"/>
-          </p:nvPr>
-        </p:nvSpPr>
-        <p:spPr/>
-        <p:txBody>
-          <a:bodyPr/>
-          <a:lstStyle/>
-          <a:p>
-            <a:fld id="{B2DC25EE-239B-4C5F-AAD1-255A7D5F1EE2}" type="slidenum">
-              <a:rPr lang="en-US" smtClean="0"/>
-              <a:t>19</a:t>
             </a:fld>
             <a:endParaRPr lang="en-US" dirty="0"/>
           </a:p>
@@ -13909,475 +13330,7 @@
 </p:sld>
 </file>
 
-<file path=ppt/slides/slide2.xml><?xml version="1.0" encoding="utf-8"?>
-<p:sld xmlns:a="http://schemas.openxmlformats.org/drawingml/2006/main" xmlns:r="http://schemas.openxmlformats.org/officeDocument/2006/relationships" xmlns:p="http://schemas.openxmlformats.org/presentationml/2006/main">
-  <p:cSld>
-    <p:bg>
-      <p:bgPr>
-        <a:solidFill>
-          <a:schemeClr val="bg1">
-            <a:lumMod val="95000"/>
-          </a:schemeClr>
-        </a:solidFill>
-        <a:effectLst/>
-      </p:bgPr>
-    </p:bg>
-    <p:spTree>
-      <p:nvGrpSpPr>
-        <p:cNvPr id="1" name=""/>
-        <p:cNvGrpSpPr/>
-        <p:nvPr/>
-      </p:nvGrpSpPr>
-      <p:grpSpPr>
-        <a:xfrm>
-          <a:off x="0" y="0"/>
-          <a:ext cx="0" cy="0"/>
-          <a:chOff x="0" y="0"/>
-          <a:chExt cx="0" cy="0"/>
-        </a:xfrm>
-      </p:grpSpPr>
-      <p:sp>
-        <p:nvSpPr>
-          <p:cNvPr id="2" name="Titre 1">
-            <a:extLst>
-              <a:ext uri="{FF2B5EF4-FFF2-40B4-BE49-F238E27FC236}">
-                <a16:creationId xmlns:a16="http://schemas.microsoft.com/office/drawing/2014/main" id="{90162AE8-C1B0-5C56-8313-DEE494F38273}"/>
-              </a:ext>
-            </a:extLst>
-          </p:cNvPr>
-          <p:cNvSpPr>
-            <a:spLocks noGrp="1"/>
-          </p:cNvSpPr>
-          <p:nvPr>
-            <p:ph type="title"/>
-          </p:nvPr>
-        </p:nvSpPr>
-        <p:spPr/>
-        <p:txBody>
-          <a:bodyPr/>
-          <a:lstStyle/>
-          <a:p>
-            <a:r>
-              <a:rPr lang="fr-FR" dirty="0"/>
-              <a:t>Trucs et Astuces</a:t>
-            </a:r>
-          </a:p>
-        </p:txBody>
-      </p:sp>
-      <p:sp>
-        <p:nvSpPr>
-          <p:cNvPr id="3" name="Espace réservé du contenu 2">
-            <a:extLst>
-              <a:ext uri="{FF2B5EF4-FFF2-40B4-BE49-F238E27FC236}">
-                <a16:creationId xmlns:a16="http://schemas.microsoft.com/office/drawing/2014/main" id="{E0BBB9DE-019C-C741-F224-494739D4B752}"/>
-              </a:ext>
-            </a:extLst>
-          </p:cNvPr>
-          <p:cNvSpPr>
-            <a:spLocks noGrp="1"/>
-          </p:cNvSpPr>
-          <p:nvPr>
-            <p:ph sz="half" idx="1"/>
-          </p:nvPr>
-        </p:nvSpPr>
-        <p:spPr/>
-        <p:txBody>
-          <a:bodyPr/>
-          <a:lstStyle/>
-          <a:p>
-            <a:r>
-              <a:rPr lang="fr-FR" dirty="0"/>
-              <a:t>Affichage propre type Latex</a:t>
-            </a:r>
-          </a:p>
-        </p:txBody>
-      </p:sp>
-      <p:pic>
-        <p:nvPicPr>
-          <p:cNvPr id="5" name="Image 4" descr="Une image contenant texte&#10;&#10;Description générée automatiquement">
-            <a:extLst>
-              <a:ext uri="{FF2B5EF4-FFF2-40B4-BE49-F238E27FC236}">
-                <a16:creationId xmlns:a16="http://schemas.microsoft.com/office/drawing/2014/main" id="{66D2630B-81F4-A4EB-21BA-8B90CF30BD92}"/>
-              </a:ext>
-            </a:extLst>
-          </p:cNvPr>
-          <p:cNvPicPr>
-            <a:picLocks noChangeAspect="1"/>
-          </p:cNvPicPr>
-          <p:nvPr/>
-        </p:nvPicPr>
-        <p:blipFill>
-          <a:blip r:embed="rId2">
-            <a:extLst>
-              <a:ext uri="{28A0092B-C50C-407E-A947-70E740481C1C}">
-                <a14:useLocalDpi xmlns:a14="http://schemas.microsoft.com/office/drawing/2010/main" val="0"/>
-              </a:ext>
-            </a:extLst>
-          </a:blip>
-          <a:stretch>
-            <a:fillRect/>
-          </a:stretch>
-        </p:blipFill>
-        <p:spPr>
-          <a:xfrm>
-            <a:off x="202922" y="5934456"/>
-            <a:ext cx="1825291" cy="749808"/>
-          </a:xfrm>
-          <a:prstGeom prst="rect">
-            <a:avLst/>
-          </a:prstGeom>
-        </p:spPr>
-      </p:pic>
-      <p:sp>
-        <p:nvSpPr>
-          <p:cNvPr id="8" name="ZoneTexte 7">
-            <a:extLst>
-              <a:ext uri="{FF2B5EF4-FFF2-40B4-BE49-F238E27FC236}">
-                <a16:creationId xmlns:a16="http://schemas.microsoft.com/office/drawing/2014/main" id="{AB4CF02F-D96C-814E-D523-464C902872B9}"/>
-              </a:ext>
-            </a:extLst>
-          </p:cNvPr>
-          <p:cNvSpPr txBox="1"/>
-          <p:nvPr/>
-        </p:nvSpPr>
-        <p:spPr>
-          <a:xfrm>
-            <a:off x="1892539" y="3335687"/>
-            <a:ext cx="3526614" cy="923330"/>
-          </a:xfrm>
-          <a:prstGeom prst="rect">
-            <a:avLst/>
-          </a:prstGeom>
-          <a:solidFill>
-            <a:schemeClr val="accent1">
-              <a:lumMod val="40000"/>
-              <a:lumOff val="60000"/>
-            </a:schemeClr>
-          </a:solidFill>
-        </p:spPr>
-        <p:txBody>
-          <a:bodyPr wrap="square" rtlCol="0">
-            <a:spAutoFit/>
-          </a:bodyPr>
-          <a:lstStyle/>
-          <a:p>
-            <a:r>
-              <a:rPr lang="fr-FR" b="1" dirty="0" err="1"/>
-              <a:t>from</a:t>
-            </a:r>
-            <a:r>
-              <a:rPr lang="fr-FR" dirty="0"/>
-              <a:t> </a:t>
-            </a:r>
-            <a:r>
-              <a:rPr lang="fr-FR" i="1" dirty="0" err="1"/>
-              <a:t>IPython</a:t>
-            </a:r>
-            <a:r>
-              <a:rPr lang="fr-FR" dirty="0" err="1"/>
-              <a:t>.</a:t>
-            </a:r>
-            <a:r>
-              <a:rPr lang="fr-FR" i="1" dirty="0" err="1"/>
-              <a:t>display</a:t>
-            </a:r>
-            <a:r>
-              <a:rPr lang="fr-FR" dirty="0"/>
-              <a:t> </a:t>
-            </a:r>
-            <a:r>
-              <a:rPr lang="fr-FR" b="1" dirty="0"/>
-              <a:t>import</a:t>
-            </a:r>
-            <a:r>
-              <a:rPr lang="fr-FR" dirty="0"/>
-              <a:t> *</a:t>
-            </a:r>
-          </a:p>
-          <a:p>
-            <a:endParaRPr lang="fr-FR" b="1" dirty="0"/>
-          </a:p>
-          <a:p>
-            <a:r>
-              <a:rPr lang="fr-FR" b="1" dirty="0"/>
-              <a:t>display</a:t>
-            </a:r>
-            <a:r>
-              <a:rPr lang="fr-FR" dirty="0"/>
-              <a:t>(expression)</a:t>
-            </a:r>
-          </a:p>
-        </p:txBody>
-      </p:sp>
-      <p:sp>
-        <p:nvSpPr>
-          <p:cNvPr id="9" name="ZoneTexte 8">
-            <a:extLst>
-              <a:ext uri="{FF2B5EF4-FFF2-40B4-BE49-F238E27FC236}">
-                <a16:creationId xmlns:a16="http://schemas.microsoft.com/office/drawing/2014/main" id="{E3AD977F-78C3-C71B-A7D0-587471CB215F}"/>
-              </a:ext>
-            </a:extLst>
-          </p:cNvPr>
-          <p:cNvSpPr txBox="1"/>
-          <p:nvPr/>
-        </p:nvSpPr>
-        <p:spPr>
-          <a:xfrm>
-            <a:off x="2484315" y="4325112"/>
-            <a:ext cx="2923426" cy="923330"/>
-          </a:xfrm>
-          <a:prstGeom prst="rect">
-            <a:avLst/>
-          </a:prstGeom>
-          <a:noFill/>
-        </p:spPr>
-        <p:txBody>
-          <a:bodyPr wrap="square">
-            <a:spAutoFit/>
-          </a:bodyPr>
-          <a:lstStyle/>
-          <a:p>
-            <a:pPr algn="r"/>
-            <a:r>
-              <a:rPr lang="fr-FR" i="1" dirty="0">
-                <a:solidFill>
-                  <a:schemeClr val="tx1">
-                    <a:lumMod val="75000"/>
-                    <a:lumOff val="25000"/>
-                  </a:schemeClr>
-                </a:solidFill>
-              </a:rPr>
-              <a:t>Intéressant avec </a:t>
-            </a:r>
-            <a:r>
-              <a:rPr lang="fr-FR" i="1" dirty="0" err="1">
-                <a:solidFill>
-                  <a:schemeClr val="tx1">
-                    <a:lumMod val="75000"/>
-                    <a:lumOff val="25000"/>
-                  </a:schemeClr>
-                </a:solidFill>
-              </a:rPr>
-              <a:t>Sympy</a:t>
-            </a:r>
-            <a:endParaRPr lang="fr-FR" i="1" dirty="0">
-              <a:solidFill>
-                <a:schemeClr val="tx1">
-                  <a:lumMod val="75000"/>
-                  <a:lumOff val="25000"/>
-                </a:schemeClr>
-              </a:solidFill>
-            </a:endParaRPr>
-          </a:p>
-          <a:p>
-            <a:pPr algn="r"/>
-            <a:endParaRPr lang="fr-FR" i="1" dirty="0">
-              <a:solidFill>
-                <a:schemeClr val="tx1">
-                  <a:lumMod val="75000"/>
-                  <a:lumOff val="25000"/>
-                </a:schemeClr>
-              </a:solidFill>
-            </a:endParaRPr>
-          </a:p>
-          <a:p>
-            <a:pPr algn="r"/>
-            <a:r>
-              <a:rPr lang="fr-FR" i="1" dirty="0">
-                <a:solidFill>
-                  <a:schemeClr val="tx1">
-                    <a:lumMod val="75000"/>
-                    <a:lumOff val="25000"/>
-                  </a:schemeClr>
-                </a:solidFill>
-              </a:rPr>
-              <a:t>Déjà intégré dans </a:t>
-            </a:r>
-            <a:r>
-              <a:rPr lang="fr-FR" i="1" dirty="0" err="1">
-                <a:solidFill>
-                  <a:schemeClr val="tx1">
-                    <a:lumMod val="75000"/>
-                    <a:lumOff val="25000"/>
-                  </a:schemeClr>
-                </a:solidFill>
-              </a:rPr>
-              <a:t>Jupyter</a:t>
-            </a:r>
-            <a:endParaRPr lang="fr-FR" i="1" dirty="0">
-              <a:solidFill>
-                <a:schemeClr val="tx1">
-                  <a:lumMod val="75000"/>
-                  <a:lumOff val="25000"/>
-                </a:schemeClr>
-              </a:solidFill>
-            </a:endParaRPr>
-          </a:p>
-        </p:txBody>
-      </p:sp>
-      <p:pic>
-        <p:nvPicPr>
-          <p:cNvPr id="11" name="Image 10">
-            <a:extLst>
-              <a:ext uri="{FF2B5EF4-FFF2-40B4-BE49-F238E27FC236}">
-                <a16:creationId xmlns:a16="http://schemas.microsoft.com/office/drawing/2014/main" id="{DD30932F-91EF-36A4-8BA9-FF62F37D3240}"/>
-              </a:ext>
-            </a:extLst>
-          </p:cNvPr>
-          <p:cNvPicPr>
-            <a:picLocks noChangeAspect="1"/>
-          </p:cNvPicPr>
-          <p:nvPr/>
-        </p:nvPicPr>
-        <p:blipFill>
-          <a:blip r:embed="rId3"/>
-          <a:stretch>
-            <a:fillRect/>
-          </a:stretch>
-        </p:blipFill>
-        <p:spPr>
-          <a:xfrm>
-            <a:off x="7239687" y="4995072"/>
-            <a:ext cx="3962400" cy="923925"/>
-          </a:xfrm>
-          <a:prstGeom prst="rect">
-            <a:avLst/>
-          </a:prstGeom>
-        </p:spPr>
-      </p:pic>
-      <p:sp>
-        <p:nvSpPr>
-          <p:cNvPr id="13" name="ZoneTexte 12">
-            <a:extLst>
-              <a:ext uri="{FF2B5EF4-FFF2-40B4-BE49-F238E27FC236}">
-                <a16:creationId xmlns:a16="http://schemas.microsoft.com/office/drawing/2014/main" id="{54377704-3E35-D08C-9083-BD5DA02B1F42}"/>
-              </a:ext>
-            </a:extLst>
-          </p:cNvPr>
-          <p:cNvSpPr txBox="1"/>
-          <p:nvPr/>
-        </p:nvSpPr>
-        <p:spPr>
-          <a:xfrm>
-            <a:off x="6036909" y="5129785"/>
-            <a:ext cx="1219198" cy="307777"/>
-          </a:xfrm>
-          <a:prstGeom prst="rect">
-            <a:avLst/>
-          </a:prstGeom>
-          <a:noFill/>
-        </p:spPr>
-        <p:txBody>
-          <a:bodyPr wrap="square">
-            <a:spAutoFit/>
-          </a:bodyPr>
-          <a:lstStyle/>
-          <a:p>
-            <a:r>
-              <a:rPr lang="fr-FR" sz="1400" b="1" dirty="0"/>
-              <a:t>display</a:t>
-            </a:r>
-            <a:endParaRPr lang="fr-FR" sz="1400" dirty="0"/>
-          </a:p>
-        </p:txBody>
-      </p:sp>
-      <p:sp>
-        <p:nvSpPr>
-          <p:cNvPr id="14" name="ZoneTexte 13">
-            <a:extLst>
-              <a:ext uri="{FF2B5EF4-FFF2-40B4-BE49-F238E27FC236}">
-                <a16:creationId xmlns:a16="http://schemas.microsoft.com/office/drawing/2014/main" id="{1A6C7452-8C23-96C3-4E30-0A6584D550E0}"/>
-              </a:ext>
-            </a:extLst>
-          </p:cNvPr>
-          <p:cNvSpPr txBox="1"/>
-          <p:nvPr/>
-        </p:nvSpPr>
-        <p:spPr>
-          <a:xfrm>
-            <a:off x="6053328" y="5611582"/>
-            <a:ext cx="1219198" cy="307777"/>
-          </a:xfrm>
-          <a:prstGeom prst="rect">
-            <a:avLst/>
-          </a:prstGeom>
-          <a:noFill/>
-        </p:spPr>
-        <p:txBody>
-          <a:bodyPr wrap="square">
-            <a:spAutoFit/>
-          </a:bodyPr>
-          <a:lstStyle/>
-          <a:p>
-            <a:r>
-              <a:rPr lang="fr-FR" sz="1400" b="1" dirty="0" err="1"/>
-              <a:t>print</a:t>
-            </a:r>
-            <a:endParaRPr lang="fr-FR" sz="1400" dirty="0"/>
-          </a:p>
-        </p:txBody>
-      </p:sp>
-      <p:pic>
-        <p:nvPicPr>
-          <p:cNvPr id="4" name="Picture 8" descr="Résultat de recherche d'images pour &quot;spyder logo&quot;">
-            <a:extLst>
-              <a:ext uri="{FF2B5EF4-FFF2-40B4-BE49-F238E27FC236}">
-                <a16:creationId xmlns:a16="http://schemas.microsoft.com/office/drawing/2014/main" id="{A67BE3DC-B7CA-12C6-85F3-3C0E16E505E7}"/>
-              </a:ext>
-            </a:extLst>
-          </p:cNvPr>
-          <p:cNvPicPr>
-            <a:picLocks noChangeAspect="1" noChangeArrowheads="1"/>
-          </p:cNvPicPr>
-          <p:nvPr/>
-        </p:nvPicPr>
-        <p:blipFill>
-          <a:blip r:embed="rId4">
-            <a:extLst>
-              <a:ext uri="{28A0092B-C50C-407E-A947-70E740481C1C}">
-                <a14:useLocalDpi xmlns:a14="http://schemas.microsoft.com/office/drawing/2010/main" val="0"/>
-              </a:ext>
-            </a:extLst>
-          </a:blip>
-          <a:srcRect/>
-          <a:stretch>
-            <a:fillRect/>
-          </a:stretch>
-        </p:blipFill>
-        <p:spPr bwMode="auto">
-          <a:xfrm>
-            <a:off x="8941922" y="660046"/>
-            <a:ext cx="1913528" cy="956764"/>
-          </a:xfrm>
-          <a:prstGeom prst="rect">
-            <a:avLst/>
-          </a:prstGeom>
-          <a:noFill/>
-          <a:extLst>
-            <a:ext uri="{909E8E84-426E-40DD-AFC4-6F175D3DCCD1}">
-              <a14:hiddenFill xmlns:a14="http://schemas.microsoft.com/office/drawing/2010/main">
-                <a:solidFill>
-                  <a:srgbClr val="FFFFFF"/>
-                </a:solidFill>
-              </a14:hiddenFill>
-            </a:ext>
-          </a:extLst>
-        </p:spPr>
-      </p:pic>
-    </p:spTree>
-    <p:extLst>
-      <p:ext uri="{BB962C8B-B14F-4D97-AF65-F5344CB8AC3E}">
-        <p14:creationId xmlns:p14="http://schemas.microsoft.com/office/powerpoint/2010/main" val="683804796"/>
-      </p:ext>
-    </p:extLst>
-  </p:cSld>
-  <p:clrMapOvr>
-    <a:masterClrMapping/>
-  </p:clrMapOvr>
-</p:sld>
-</file>
-
-<file path=ppt/slides/slide20.xml><?xml version="1.0" encoding="utf-8"?>
+<file path=ppt/slides/slide19.xml><?xml version="1.0" encoding="utf-8"?>
 <p:sld xmlns:a="http://schemas.openxmlformats.org/drawingml/2006/main" xmlns:r="http://schemas.openxmlformats.org/officeDocument/2006/relationships" xmlns:p="http://schemas.openxmlformats.org/presentationml/2006/main">
   <p:cSld>
     <p:spTree>
@@ -14511,7 +13464,7 @@
           <a:p>
             <a:fld id="{B2DC25EE-239B-4C5F-AAD1-255A7D5F1EE2}" type="slidenum">
               <a:rPr lang="en-US" smtClean="0"/>
-              <a:t>20</a:t>
+              <a:t>19</a:t>
             </a:fld>
             <a:endParaRPr lang="en-US"/>
           </a:p>
@@ -15490,7 +14443,475 @@
 </p:sld>
 </file>
 
-<file path=ppt/slides/slide21.xml><?xml version="1.0" encoding="utf-8"?>
+<file path=ppt/slides/slide2.xml><?xml version="1.0" encoding="utf-8"?>
+<p:sld xmlns:a="http://schemas.openxmlformats.org/drawingml/2006/main" xmlns:r="http://schemas.openxmlformats.org/officeDocument/2006/relationships" xmlns:p="http://schemas.openxmlformats.org/presentationml/2006/main">
+  <p:cSld>
+    <p:bg>
+      <p:bgPr>
+        <a:solidFill>
+          <a:schemeClr val="bg1">
+            <a:lumMod val="95000"/>
+          </a:schemeClr>
+        </a:solidFill>
+        <a:effectLst/>
+      </p:bgPr>
+    </p:bg>
+    <p:spTree>
+      <p:nvGrpSpPr>
+        <p:cNvPr id="1" name=""/>
+        <p:cNvGrpSpPr/>
+        <p:nvPr/>
+      </p:nvGrpSpPr>
+      <p:grpSpPr>
+        <a:xfrm>
+          <a:off x="0" y="0"/>
+          <a:ext cx="0" cy="0"/>
+          <a:chOff x="0" y="0"/>
+          <a:chExt cx="0" cy="0"/>
+        </a:xfrm>
+      </p:grpSpPr>
+      <p:sp>
+        <p:nvSpPr>
+          <p:cNvPr id="2" name="Titre 1">
+            <a:extLst>
+              <a:ext uri="{FF2B5EF4-FFF2-40B4-BE49-F238E27FC236}">
+                <a16:creationId xmlns:a16="http://schemas.microsoft.com/office/drawing/2014/main" id="{90162AE8-C1B0-5C56-8313-DEE494F38273}"/>
+              </a:ext>
+            </a:extLst>
+          </p:cNvPr>
+          <p:cNvSpPr>
+            <a:spLocks noGrp="1"/>
+          </p:cNvSpPr>
+          <p:nvPr>
+            <p:ph type="title"/>
+          </p:nvPr>
+        </p:nvSpPr>
+        <p:spPr/>
+        <p:txBody>
+          <a:bodyPr/>
+          <a:lstStyle/>
+          <a:p>
+            <a:r>
+              <a:rPr lang="fr-FR" dirty="0"/>
+              <a:t>Trucs et Astuces</a:t>
+            </a:r>
+          </a:p>
+        </p:txBody>
+      </p:sp>
+      <p:sp>
+        <p:nvSpPr>
+          <p:cNvPr id="3" name="Espace réservé du contenu 2">
+            <a:extLst>
+              <a:ext uri="{FF2B5EF4-FFF2-40B4-BE49-F238E27FC236}">
+                <a16:creationId xmlns:a16="http://schemas.microsoft.com/office/drawing/2014/main" id="{E0BBB9DE-019C-C741-F224-494739D4B752}"/>
+              </a:ext>
+            </a:extLst>
+          </p:cNvPr>
+          <p:cNvSpPr>
+            <a:spLocks noGrp="1"/>
+          </p:cNvSpPr>
+          <p:nvPr>
+            <p:ph sz="half" idx="1"/>
+          </p:nvPr>
+        </p:nvSpPr>
+        <p:spPr/>
+        <p:txBody>
+          <a:bodyPr/>
+          <a:lstStyle/>
+          <a:p>
+            <a:r>
+              <a:rPr lang="fr-FR" dirty="0"/>
+              <a:t>Affichage propre type Latex</a:t>
+            </a:r>
+          </a:p>
+        </p:txBody>
+      </p:sp>
+      <p:pic>
+        <p:nvPicPr>
+          <p:cNvPr id="5" name="Image 4" descr="Une image contenant texte&#10;&#10;Description générée automatiquement">
+            <a:extLst>
+              <a:ext uri="{FF2B5EF4-FFF2-40B4-BE49-F238E27FC236}">
+                <a16:creationId xmlns:a16="http://schemas.microsoft.com/office/drawing/2014/main" id="{66D2630B-81F4-A4EB-21BA-8B90CF30BD92}"/>
+              </a:ext>
+            </a:extLst>
+          </p:cNvPr>
+          <p:cNvPicPr>
+            <a:picLocks noChangeAspect="1"/>
+          </p:cNvPicPr>
+          <p:nvPr/>
+        </p:nvPicPr>
+        <p:blipFill>
+          <a:blip r:embed="rId2">
+            <a:extLst>
+              <a:ext uri="{28A0092B-C50C-407E-A947-70E740481C1C}">
+                <a14:useLocalDpi xmlns:a14="http://schemas.microsoft.com/office/drawing/2010/main" val="0"/>
+              </a:ext>
+            </a:extLst>
+          </a:blip>
+          <a:stretch>
+            <a:fillRect/>
+          </a:stretch>
+        </p:blipFill>
+        <p:spPr>
+          <a:xfrm>
+            <a:off x="202922" y="5934456"/>
+            <a:ext cx="1825291" cy="749808"/>
+          </a:xfrm>
+          <a:prstGeom prst="rect">
+            <a:avLst/>
+          </a:prstGeom>
+        </p:spPr>
+      </p:pic>
+      <p:sp>
+        <p:nvSpPr>
+          <p:cNvPr id="8" name="ZoneTexte 7">
+            <a:extLst>
+              <a:ext uri="{FF2B5EF4-FFF2-40B4-BE49-F238E27FC236}">
+                <a16:creationId xmlns:a16="http://schemas.microsoft.com/office/drawing/2014/main" id="{AB4CF02F-D96C-814E-D523-464C902872B9}"/>
+              </a:ext>
+            </a:extLst>
+          </p:cNvPr>
+          <p:cNvSpPr txBox="1"/>
+          <p:nvPr/>
+        </p:nvSpPr>
+        <p:spPr>
+          <a:xfrm>
+            <a:off x="1892539" y="3335687"/>
+            <a:ext cx="3526614" cy="923330"/>
+          </a:xfrm>
+          <a:prstGeom prst="rect">
+            <a:avLst/>
+          </a:prstGeom>
+          <a:solidFill>
+            <a:schemeClr val="accent1">
+              <a:lumMod val="40000"/>
+              <a:lumOff val="60000"/>
+            </a:schemeClr>
+          </a:solidFill>
+        </p:spPr>
+        <p:txBody>
+          <a:bodyPr wrap="square" rtlCol="0">
+            <a:spAutoFit/>
+          </a:bodyPr>
+          <a:lstStyle/>
+          <a:p>
+            <a:r>
+              <a:rPr lang="fr-FR" b="1" dirty="0" err="1"/>
+              <a:t>from</a:t>
+            </a:r>
+            <a:r>
+              <a:rPr lang="fr-FR" dirty="0"/>
+              <a:t> </a:t>
+            </a:r>
+            <a:r>
+              <a:rPr lang="fr-FR" i="1" dirty="0" err="1"/>
+              <a:t>IPython</a:t>
+            </a:r>
+            <a:r>
+              <a:rPr lang="fr-FR" dirty="0" err="1"/>
+              <a:t>.</a:t>
+            </a:r>
+            <a:r>
+              <a:rPr lang="fr-FR" i="1" dirty="0" err="1"/>
+              <a:t>display</a:t>
+            </a:r>
+            <a:r>
+              <a:rPr lang="fr-FR" dirty="0"/>
+              <a:t> </a:t>
+            </a:r>
+            <a:r>
+              <a:rPr lang="fr-FR" b="1" dirty="0"/>
+              <a:t>import</a:t>
+            </a:r>
+            <a:r>
+              <a:rPr lang="fr-FR" dirty="0"/>
+              <a:t> *</a:t>
+            </a:r>
+          </a:p>
+          <a:p>
+            <a:endParaRPr lang="fr-FR" b="1" dirty="0"/>
+          </a:p>
+          <a:p>
+            <a:r>
+              <a:rPr lang="fr-FR" b="1" dirty="0"/>
+              <a:t>display</a:t>
+            </a:r>
+            <a:r>
+              <a:rPr lang="fr-FR" dirty="0"/>
+              <a:t>(expression)</a:t>
+            </a:r>
+          </a:p>
+        </p:txBody>
+      </p:sp>
+      <p:sp>
+        <p:nvSpPr>
+          <p:cNvPr id="9" name="ZoneTexte 8">
+            <a:extLst>
+              <a:ext uri="{FF2B5EF4-FFF2-40B4-BE49-F238E27FC236}">
+                <a16:creationId xmlns:a16="http://schemas.microsoft.com/office/drawing/2014/main" id="{E3AD977F-78C3-C71B-A7D0-587471CB215F}"/>
+              </a:ext>
+            </a:extLst>
+          </p:cNvPr>
+          <p:cNvSpPr txBox="1"/>
+          <p:nvPr/>
+        </p:nvSpPr>
+        <p:spPr>
+          <a:xfrm>
+            <a:off x="2484315" y="4325112"/>
+            <a:ext cx="2923426" cy="923330"/>
+          </a:xfrm>
+          <a:prstGeom prst="rect">
+            <a:avLst/>
+          </a:prstGeom>
+          <a:noFill/>
+        </p:spPr>
+        <p:txBody>
+          <a:bodyPr wrap="square">
+            <a:spAutoFit/>
+          </a:bodyPr>
+          <a:lstStyle/>
+          <a:p>
+            <a:pPr algn="r"/>
+            <a:r>
+              <a:rPr lang="fr-FR" i="1" dirty="0">
+                <a:solidFill>
+                  <a:schemeClr val="tx1">
+                    <a:lumMod val="75000"/>
+                    <a:lumOff val="25000"/>
+                  </a:schemeClr>
+                </a:solidFill>
+              </a:rPr>
+              <a:t>Intéressant avec </a:t>
+            </a:r>
+            <a:r>
+              <a:rPr lang="fr-FR" i="1" dirty="0" err="1">
+                <a:solidFill>
+                  <a:schemeClr val="tx1">
+                    <a:lumMod val="75000"/>
+                    <a:lumOff val="25000"/>
+                  </a:schemeClr>
+                </a:solidFill>
+              </a:rPr>
+              <a:t>Sympy</a:t>
+            </a:r>
+            <a:endParaRPr lang="fr-FR" i="1" dirty="0">
+              <a:solidFill>
+                <a:schemeClr val="tx1">
+                  <a:lumMod val="75000"/>
+                  <a:lumOff val="25000"/>
+                </a:schemeClr>
+              </a:solidFill>
+            </a:endParaRPr>
+          </a:p>
+          <a:p>
+            <a:pPr algn="r"/>
+            <a:endParaRPr lang="fr-FR" i="1" dirty="0">
+              <a:solidFill>
+                <a:schemeClr val="tx1">
+                  <a:lumMod val="75000"/>
+                  <a:lumOff val="25000"/>
+                </a:schemeClr>
+              </a:solidFill>
+            </a:endParaRPr>
+          </a:p>
+          <a:p>
+            <a:pPr algn="r"/>
+            <a:r>
+              <a:rPr lang="fr-FR" i="1" dirty="0">
+                <a:solidFill>
+                  <a:schemeClr val="tx1">
+                    <a:lumMod val="75000"/>
+                    <a:lumOff val="25000"/>
+                  </a:schemeClr>
+                </a:solidFill>
+              </a:rPr>
+              <a:t>Déjà intégré dans </a:t>
+            </a:r>
+            <a:r>
+              <a:rPr lang="fr-FR" i="1" dirty="0" err="1">
+                <a:solidFill>
+                  <a:schemeClr val="tx1">
+                    <a:lumMod val="75000"/>
+                    <a:lumOff val="25000"/>
+                  </a:schemeClr>
+                </a:solidFill>
+              </a:rPr>
+              <a:t>Jupyter</a:t>
+            </a:r>
+            <a:endParaRPr lang="fr-FR" i="1" dirty="0">
+              <a:solidFill>
+                <a:schemeClr val="tx1">
+                  <a:lumMod val="75000"/>
+                  <a:lumOff val="25000"/>
+                </a:schemeClr>
+              </a:solidFill>
+            </a:endParaRPr>
+          </a:p>
+        </p:txBody>
+      </p:sp>
+      <p:pic>
+        <p:nvPicPr>
+          <p:cNvPr id="11" name="Image 10">
+            <a:extLst>
+              <a:ext uri="{FF2B5EF4-FFF2-40B4-BE49-F238E27FC236}">
+                <a16:creationId xmlns:a16="http://schemas.microsoft.com/office/drawing/2014/main" id="{DD30932F-91EF-36A4-8BA9-FF62F37D3240}"/>
+              </a:ext>
+            </a:extLst>
+          </p:cNvPr>
+          <p:cNvPicPr>
+            <a:picLocks noChangeAspect="1"/>
+          </p:cNvPicPr>
+          <p:nvPr/>
+        </p:nvPicPr>
+        <p:blipFill>
+          <a:blip r:embed="rId3"/>
+          <a:stretch>
+            <a:fillRect/>
+          </a:stretch>
+        </p:blipFill>
+        <p:spPr>
+          <a:xfrm>
+            <a:off x="7239687" y="4995072"/>
+            <a:ext cx="3962400" cy="923925"/>
+          </a:xfrm>
+          <a:prstGeom prst="rect">
+            <a:avLst/>
+          </a:prstGeom>
+        </p:spPr>
+      </p:pic>
+      <p:sp>
+        <p:nvSpPr>
+          <p:cNvPr id="13" name="ZoneTexte 12">
+            <a:extLst>
+              <a:ext uri="{FF2B5EF4-FFF2-40B4-BE49-F238E27FC236}">
+                <a16:creationId xmlns:a16="http://schemas.microsoft.com/office/drawing/2014/main" id="{54377704-3E35-D08C-9083-BD5DA02B1F42}"/>
+              </a:ext>
+            </a:extLst>
+          </p:cNvPr>
+          <p:cNvSpPr txBox="1"/>
+          <p:nvPr/>
+        </p:nvSpPr>
+        <p:spPr>
+          <a:xfrm>
+            <a:off x="6036909" y="5129785"/>
+            <a:ext cx="1219198" cy="307777"/>
+          </a:xfrm>
+          <a:prstGeom prst="rect">
+            <a:avLst/>
+          </a:prstGeom>
+          <a:noFill/>
+        </p:spPr>
+        <p:txBody>
+          <a:bodyPr wrap="square">
+            <a:spAutoFit/>
+          </a:bodyPr>
+          <a:lstStyle/>
+          <a:p>
+            <a:r>
+              <a:rPr lang="fr-FR" sz="1400" b="1" dirty="0"/>
+              <a:t>display</a:t>
+            </a:r>
+            <a:endParaRPr lang="fr-FR" sz="1400" dirty="0"/>
+          </a:p>
+        </p:txBody>
+      </p:sp>
+      <p:sp>
+        <p:nvSpPr>
+          <p:cNvPr id="14" name="ZoneTexte 13">
+            <a:extLst>
+              <a:ext uri="{FF2B5EF4-FFF2-40B4-BE49-F238E27FC236}">
+                <a16:creationId xmlns:a16="http://schemas.microsoft.com/office/drawing/2014/main" id="{1A6C7452-8C23-96C3-4E30-0A6584D550E0}"/>
+              </a:ext>
+            </a:extLst>
+          </p:cNvPr>
+          <p:cNvSpPr txBox="1"/>
+          <p:nvPr/>
+        </p:nvSpPr>
+        <p:spPr>
+          <a:xfrm>
+            <a:off x="6053328" y="5611582"/>
+            <a:ext cx="1219198" cy="307777"/>
+          </a:xfrm>
+          <a:prstGeom prst="rect">
+            <a:avLst/>
+          </a:prstGeom>
+          <a:noFill/>
+        </p:spPr>
+        <p:txBody>
+          <a:bodyPr wrap="square">
+            <a:spAutoFit/>
+          </a:bodyPr>
+          <a:lstStyle/>
+          <a:p>
+            <a:r>
+              <a:rPr lang="fr-FR" sz="1400" b="1" dirty="0" err="1"/>
+              <a:t>print</a:t>
+            </a:r>
+            <a:endParaRPr lang="fr-FR" sz="1400" dirty="0"/>
+          </a:p>
+        </p:txBody>
+      </p:sp>
+      <p:pic>
+        <p:nvPicPr>
+          <p:cNvPr id="4" name="Picture 8" descr="Résultat de recherche d'images pour &quot;spyder logo&quot;">
+            <a:extLst>
+              <a:ext uri="{FF2B5EF4-FFF2-40B4-BE49-F238E27FC236}">
+                <a16:creationId xmlns:a16="http://schemas.microsoft.com/office/drawing/2014/main" id="{A67BE3DC-B7CA-12C6-85F3-3C0E16E505E7}"/>
+              </a:ext>
+            </a:extLst>
+          </p:cNvPr>
+          <p:cNvPicPr>
+            <a:picLocks noChangeAspect="1" noChangeArrowheads="1"/>
+          </p:cNvPicPr>
+          <p:nvPr/>
+        </p:nvPicPr>
+        <p:blipFill>
+          <a:blip r:embed="rId4">
+            <a:extLst>
+              <a:ext uri="{28A0092B-C50C-407E-A947-70E740481C1C}">
+                <a14:useLocalDpi xmlns:a14="http://schemas.microsoft.com/office/drawing/2010/main" val="0"/>
+              </a:ext>
+            </a:extLst>
+          </a:blip>
+          <a:srcRect/>
+          <a:stretch>
+            <a:fillRect/>
+          </a:stretch>
+        </p:blipFill>
+        <p:spPr bwMode="auto">
+          <a:xfrm>
+            <a:off x="8941922" y="660046"/>
+            <a:ext cx="1913528" cy="956764"/>
+          </a:xfrm>
+          <a:prstGeom prst="rect">
+            <a:avLst/>
+          </a:prstGeom>
+          <a:noFill/>
+          <a:extLst>
+            <a:ext uri="{909E8E84-426E-40DD-AFC4-6F175D3DCCD1}">
+              <a14:hiddenFill xmlns:a14="http://schemas.microsoft.com/office/drawing/2010/main">
+                <a:solidFill>
+                  <a:srgbClr val="FFFFFF"/>
+                </a:solidFill>
+              </a14:hiddenFill>
+            </a:ext>
+          </a:extLst>
+        </p:spPr>
+      </p:pic>
+    </p:spTree>
+    <p:extLst>
+      <p:ext uri="{BB962C8B-B14F-4D97-AF65-F5344CB8AC3E}">
+        <p14:creationId xmlns:p14="http://schemas.microsoft.com/office/powerpoint/2010/main" val="683804796"/>
+      </p:ext>
+    </p:extLst>
+  </p:cSld>
+  <p:clrMapOvr>
+    <a:masterClrMapping/>
+  </p:clrMapOvr>
+</p:sld>
+</file>
+
+<file path=ppt/slides/slide20.xml><?xml version="1.0" encoding="utf-8"?>
 <p:sld xmlns:a="http://schemas.openxmlformats.org/drawingml/2006/main" xmlns:r="http://schemas.openxmlformats.org/officeDocument/2006/relationships" xmlns:p="http://schemas.openxmlformats.org/presentationml/2006/main">
   <p:cSld>
     <p:spTree>
@@ -16099,7 +15520,7 @@
           <a:p>
             <a:fld id="{B2DC25EE-239B-4C5F-AAD1-255A7D5F1EE2}" type="slidenum">
               <a:rPr lang="en-US" smtClean="0"/>
-              <a:t>21</a:t>
+              <a:t>20</a:t>
             </a:fld>
             <a:endParaRPr lang="en-US" dirty="0"/>
           </a:p>
@@ -16422,7 +15843,7 @@
 </p:sld>
 </file>
 
-<file path=ppt/slides/slide22.xml><?xml version="1.0" encoding="utf-8"?>
+<file path=ppt/slides/slide21.xml><?xml version="1.0" encoding="utf-8"?>
 <p:sld xmlns:a="http://schemas.openxmlformats.org/drawingml/2006/main" xmlns:r="http://schemas.openxmlformats.org/officeDocument/2006/relationships" xmlns:p="http://schemas.openxmlformats.org/presentationml/2006/main">
   <p:cSld>
     <p:spTree>
@@ -16580,7 +16001,7 @@
           <a:p>
             <a:fld id="{B2DC25EE-239B-4C5F-AAD1-255A7D5F1EE2}" type="slidenum">
               <a:rPr lang="en-US" smtClean="0"/>
-              <a:t>22</a:t>
+              <a:t>21</a:t>
             </a:fld>
             <a:endParaRPr lang="en-US"/>
           </a:p>
@@ -17807,7 +17228,1727 @@
 </p:sld>
 </file>
 
+<file path=ppt/slides/slide22.xml><?xml version="1.0" encoding="utf-8"?>
+<p:sld xmlns:a="http://schemas.openxmlformats.org/drawingml/2006/main" xmlns:r="http://schemas.openxmlformats.org/officeDocument/2006/relationships" xmlns:p="http://schemas.openxmlformats.org/presentationml/2006/main">
+  <p:cSld>
+    <p:spTree>
+      <p:nvGrpSpPr>
+        <p:cNvPr id="1" name=""/>
+        <p:cNvGrpSpPr/>
+        <p:nvPr/>
+      </p:nvGrpSpPr>
+      <p:grpSpPr>
+        <a:xfrm>
+          <a:off x="0" y="0"/>
+          <a:ext cx="0" cy="0"/>
+          <a:chOff x="0" y="0"/>
+          <a:chExt cx="0" cy="0"/>
+        </a:xfrm>
+      </p:grpSpPr>
+      <p:sp>
+        <p:nvSpPr>
+          <p:cNvPr id="2" name="Titre 1">
+            <a:extLst>
+              <a:ext uri="{FF2B5EF4-FFF2-40B4-BE49-F238E27FC236}">
+                <a16:creationId xmlns:a16="http://schemas.microsoft.com/office/drawing/2014/main" id="{90162AE8-C1B0-5C56-8313-DEE494F38273}"/>
+              </a:ext>
+            </a:extLst>
+          </p:cNvPr>
+          <p:cNvSpPr>
+            <a:spLocks noGrp="1"/>
+          </p:cNvSpPr>
+          <p:nvPr>
+            <p:ph type="title"/>
+          </p:nvPr>
+        </p:nvSpPr>
+        <p:spPr/>
+        <p:txBody>
+          <a:bodyPr>
+            <a:normAutofit/>
+          </a:bodyPr>
+          <a:lstStyle/>
+          <a:p>
+            <a:r>
+              <a:rPr lang="fr-FR" dirty="0" err="1"/>
+              <a:t>SymPy</a:t>
+            </a:r>
+            <a:r>
+              <a:rPr lang="fr-FR" dirty="0"/>
+              <a:t> pour le calcul formel</a:t>
+            </a:r>
+          </a:p>
+        </p:txBody>
+      </p:sp>
+      <p:sp>
+        <p:nvSpPr>
+          <p:cNvPr id="3" name="Espace réservé du contenu 2">
+            <a:extLst>
+              <a:ext uri="{FF2B5EF4-FFF2-40B4-BE49-F238E27FC236}">
+                <a16:creationId xmlns:a16="http://schemas.microsoft.com/office/drawing/2014/main" id="{E0BBB9DE-019C-C741-F224-494739D4B752}"/>
+              </a:ext>
+            </a:extLst>
+          </p:cNvPr>
+          <p:cNvSpPr>
+            <a:spLocks noGrp="1"/>
+          </p:cNvSpPr>
+          <p:nvPr>
+            <p:ph sz="half" idx="1"/>
+          </p:nvPr>
+        </p:nvSpPr>
+        <p:spPr/>
+        <p:txBody>
+          <a:bodyPr/>
+          <a:lstStyle/>
+          <a:p>
+            <a:r>
+              <a:rPr lang="fr-FR" dirty="0"/>
+              <a:t>Calculer des limites</a:t>
+            </a:r>
+          </a:p>
+        </p:txBody>
+      </p:sp>
+      <p:pic>
+        <p:nvPicPr>
+          <p:cNvPr id="5" name="Image 4" descr="Une image contenant texte&#10;&#10;Description générée automatiquement">
+            <a:extLst>
+              <a:ext uri="{FF2B5EF4-FFF2-40B4-BE49-F238E27FC236}">
+                <a16:creationId xmlns:a16="http://schemas.microsoft.com/office/drawing/2014/main" id="{66D2630B-81F4-A4EB-21BA-8B90CF30BD92}"/>
+              </a:ext>
+            </a:extLst>
+          </p:cNvPr>
+          <p:cNvPicPr>
+            <a:picLocks noChangeAspect="1"/>
+          </p:cNvPicPr>
+          <p:nvPr/>
+        </p:nvPicPr>
+        <p:blipFill>
+          <a:blip r:embed="rId2">
+            <a:extLst>
+              <a:ext uri="{28A0092B-C50C-407E-A947-70E740481C1C}">
+                <a14:useLocalDpi xmlns:a14="http://schemas.microsoft.com/office/drawing/2010/main" val="0"/>
+              </a:ext>
+            </a:extLst>
+          </a:blip>
+          <a:stretch>
+            <a:fillRect/>
+          </a:stretch>
+        </p:blipFill>
+        <p:spPr>
+          <a:xfrm>
+            <a:off x="202922" y="5934456"/>
+            <a:ext cx="1825291" cy="749808"/>
+          </a:xfrm>
+          <a:prstGeom prst="rect">
+            <a:avLst/>
+          </a:prstGeom>
+        </p:spPr>
+      </p:pic>
+      <p:sp>
+        <p:nvSpPr>
+          <p:cNvPr id="4" name="Espace réservé du numéro de diapositive 3">
+            <a:extLst>
+              <a:ext uri="{FF2B5EF4-FFF2-40B4-BE49-F238E27FC236}">
+                <a16:creationId xmlns:a16="http://schemas.microsoft.com/office/drawing/2014/main" id="{F08CDEFC-50F0-4C47-46AC-D28A2807E4F8}"/>
+              </a:ext>
+            </a:extLst>
+          </p:cNvPr>
+          <p:cNvSpPr>
+            <a:spLocks noGrp="1"/>
+          </p:cNvSpPr>
+          <p:nvPr>
+            <p:ph type="sldNum" sz="quarter" idx="12"/>
+          </p:nvPr>
+        </p:nvSpPr>
+        <p:spPr/>
+        <p:txBody>
+          <a:bodyPr/>
+          <a:lstStyle/>
+          <a:p>
+            <a:fld id="{B2DC25EE-239B-4C5F-AAD1-255A7D5F1EE2}" type="slidenum">
+              <a:rPr lang="en-US" smtClean="0"/>
+              <a:t>22</a:t>
+            </a:fld>
+            <a:endParaRPr lang="en-US" dirty="0"/>
+          </a:p>
+        </p:txBody>
+      </p:sp>
+      <p:pic>
+        <p:nvPicPr>
+          <p:cNvPr id="1026" name="Picture 2" descr="SymPy Logo">
+            <a:extLst>
+              <a:ext uri="{FF2B5EF4-FFF2-40B4-BE49-F238E27FC236}">
+                <a16:creationId xmlns:a16="http://schemas.microsoft.com/office/drawing/2014/main" id="{6F826F4C-FC0E-452A-4FE2-7AD4240C9A6B}"/>
+              </a:ext>
+            </a:extLst>
+          </p:cNvPr>
+          <p:cNvPicPr>
+            <a:picLocks noChangeAspect="1" noChangeArrowheads="1"/>
+          </p:cNvPicPr>
+          <p:nvPr/>
+        </p:nvPicPr>
+        <p:blipFill>
+          <a:blip r:embed="rId3">
+            <a:extLst>
+              <a:ext uri="{28A0092B-C50C-407E-A947-70E740481C1C}">
+                <a14:useLocalDpi xmlns:a14="http://schemas.microsoft.com/office/drawing/2010/main" val="0"/>
+              </a:ext>
+            </a:extLst>
+          </a:blip>
+          <a:srcRect/>
+          <a:stretch>
+            <a:fillRect/>
+          </a:stretch>
+        </p:blipFill>
+        <p:spPr bwMode="auto">
+          <a:xfrm>
+            <a:off x="9915213" y="655319"/>
+            <a:ext cx="915348" cy="613283"/>
+          </a:xfrm>
+          <a:prstGeom prst="rect">
+            <a:avLst/>
+          </a:prstGeom>
+          <a:noFill/>
+          <a:extLst>
+            <a:ext uri="{909E8E84-426E-40DD-AFC4-6F175D3DCCD1}">
+              <a14:hiddenFill xmlns:a14="http://schemas.microsoft.com/office/drawing/2010/main">
+                <a:solidFill>
+                  <a:srgbClr val="FFFFFF"/>
+                </a:solidFill>
+              </a14:hiddenFill>
+            </a:ext>
+          </a:extLst>
+        </p:spPr>
+      </p:pic>
+      <p:sp>
+        <p:nvSpPr>
+          <p:cNvPr id="7" name="ZoneTexte 6">
+            <a:extLst>
+              <a:ext uri="{FF2B5EF4-FFF2-40B4-BE49-F238E27FC236}">
+                <a16:creationId xmlns:a16="http://schemas.microsoft.com/office/drawing/2014/main" id="{F0FBF19C-22B5-76E5-0F93-DF8BB4A2F385}"/>
+              </a:ext>
+            </a:extLst>
+          </p:cNvPr>
+          <p:cNvSpPr txBox="1"/>
+          <p:nvPr/>
+        </p:nvSpPr>
+        <p:spPr>
+          <a:xfrm>
+            <a:off x="822960" y="3302376"/>
+            <a:ext cx="4765173" cy="923330"/>
+          </a:xfrm>
+          <a:prstGeom prst="rect">
+            <a:avLst/>
+          </a:prstGeom>
+          <a:solidFill>
+            <a:schemeClr val="accent1">
+              <a:lumMod val="40000"/>
+              <a:lumOff val="60000"/>
+            </a:schemeClr>
+          </a:solidFill>
+        </p:spPr>
+        <p:txBody>
+          <a:bodyPr wrap="square" rtlCol="0">
+            <a:spAutoFit/>
+          </a:bodyPr>
+          <a:lstStyle/>
+          <a:p>
+            <a:r>
+              <a:rPr lang="fr-FR" dirty="0"/>
+              <a:t>g </a:t>
+            </a:r>
+            <a:r>
+              <a:rPr lang="fr-FR" b="1" dirty="0"/>
+              <a:t>=</a:t>
+            </a:r>
+            <a:r>
+              <a:rPr lang="fr-FR" dirty="0"/>
+              <a:t> </a:t>
+            </a:r>
+            <a:r>
+              <a:rPr lang="fr-FR" i="1" dirty="0" err="1"/>
+              <a:t>sympy</a:t>
+            </a:r>
+            <a:r>
+              <a:rPr lang="fr-FR" dirty="0" err="1"/>
+              <a:t>.</a:t>
+            </a:r>
+            <a:r>
+              <a:rPr lang="fr-FR" b="1" dirty="0" err="1"/>
+              <a:t>Function</a:t>
+            </a:r>
+            <a:r>
+              <a:rPr lang="fr-FR" dirty="0"/>
+              <a:t>('g’)(x)</a:t>
+            </a:r>
+          </a:p>
+          <a:p>
+            <a:r>
+              <a:rPr lang="fr-FR" dirty="0"/>
+              <a:t>g </a:t>
+            </a:r>
+            <a:r>
+              <a:rPr lang="fr-FR" b="1" dirty="0"/>
+              <a:t>=</a:t>
+            </a:r>
+            <a:r>
+              <a:rPr lang="fr-FR" dirty="0"/>
+              <a:t> </a:t>
+            </a:r>
+            <a:r>
+              <a:rPr lang="fr-FR" i="1" dirty="0" err="1"/>
+              <a:t>sympy</a:t>
+            </a:r>
+            <a:r>
+              <a:rPr lang="fr-FR" dirty="0" err="1"/>
+              <a:t>.</a:t>
+            </a:r>
+            <a:r>
+              <a:rPr lang="fr-FR" b="1" dirty="0" err="1"/>
+              <a:t>sin</a:t>
+            </a:r>
+            <a:r>
+              <a:rPr lang="fr-FR" dirty="0"/>
+              <a:t>(x/2 + </a:t>
+            </a:r>
+            <a:r>
+              <a:rPr lang="fr-FR" i="1" dirty="0" err="1"/>
+              <a:t>sympy</a:t>
+            </a:r>
+            <a:r>
+              <a:rPr lang="fr-FR" dirty="0" err="1"/>
+              <a:t>.</a:t>
+            </a:r>
+            <a:r>
+              <a:rPr lang="fr-FR" b="1" dirty="0" err="1"/>
+              <a:t>sin</a:t>
+            </a:r>
+            <a:r>
+              <a:rPr lang="fr-FR" dirty="0"/>
+              <a:t>(x))</a:t>
+            </a:r>
+          </a:p>
+          <a:p>
+            <a:r>
+              <a:rPr lang="fr-FR" dirty="0"/>
+              <a:t>g</a:t>
+            </a:r>
+          </a:p>
+        </p:txBody>
+      </p:sp>
+      <p:pic>
+        <p:nvPicPr>
+          <p:cNvPr id="2051" name="Picture 3">
+            <a:extLst>
+              <a:ext uri="{FF2B5EF4-FFF2-40B4-BE49-F238E27FC236}">
+                <a16:creationId xmlns:a16="http://schemas.microsoft.com/office/drawing/2014/main" id="{3BB5514F-6568-D4F1-89C4-C79629C862E1}"/>
+              </a:ext>
+            </a:extLst>
+          </p:cNvPr>
+          <p:cNvPicPr>
+            <a:picLocks noChangeAspect="1" noChangeArrowheads="1"/>
+          </p:cNvPicPr>
+          <p:nvPr/>
+        </p:nvPicPr>
+        <p:blipFill>
+          <a:blip r:embed="rId4">
+            <a:extLst>
+              <a:ext uri="{28A0092B-C50C-407E-A947-70E740481C1C}">
+                <a14:useLocalDpi xmlns:a14="http://schemas.microsoft.com/office/drawing/2010/main" val="0"/>
+              </a:ext>
+            </a:extLst>
+          </a:blip>
+          <a:srcRect/>
+          <a:stretch>
+            <a:fillRect/>
+          </a:stretch>
+        </p:blipFill>
+        <p:spPr bwMode="auto">
+          <a:xfrm>
+            <a:off x="11422935" y="1728216"/>
+            <a:ext cx="449659" cy="523240"/>
+          </a:xfrm>
+          <a:prstGeom prst="rect">
+            <a:avLst/>
+          </a:prstGeom>
+          <a:noFill/>
+          <a:extLst>
+            <a:ext uri="{909E8E84-426E-40DD-AFC4-6F175D3DCCD1}">
+              <a14:hiddenFill xmlns:a14="http://schemas.microsoft.com/office/drawing/2010/main">
+                <a:solidFill>
+                  <a:srgbClr val="FFFFFF"/>
+                </a:solidFill>
+              </a14:hiddenFill>
+            </a:ext>
+          </a:extLst>
+        </p:spPr>
+      </p:pic>
+      <p:sp>
+        <p:nvSpPr>
+          <p:cNvPr id="6" name="ZoneTexte 5">
+            <a:extLst>
+              <a:ext uri="{FF2B5EF4-FFF2-40B4-BE49-F238E27FC236}">
+                <a16:creationId xmlns:a16="http://schemas.microsoft.com/office/drawing/2014/main" id="{AEFD5A99-E3CF-2C1C-8E83-C187FF550E65}"/>
+              </a:ext>
+            </a:extLst>
+          </p:cNvPr>
+          <p:cNvSpPr txBox="1"/>
+          <p:nvPr/>
+        </p:nvSpPr>
+        <p:spPr>
+          <a:xfrm>
+            <a:off x="822959" y="4372625"/>
+            <a:ext cx="4765173" cy="646331"/>
+          </a:xfrm>
+          <a:prstGeom prst="rect">
+            <a:avLst/>
+          </a:prstGeom>
+          <a:solidFill>
+            <a:schemeClr val="accent1">
+              <a:lumMod val="40000"/>
+              <a:lumOff val="60000"/>
+            </a:schemeClr>
+          </a:solidFill>
+        </p:spPr>
+        <p:txBody>
+          <a:bodyPr wrap="square" rtlCol="0">
+            <a:spAutoFit/>
+          </a:bodyPr>
+          <a:lstStyle/>
+          <a:p>
+            <a:r>
+              <a:rPr lang="fr-FR" dirty="0"/>
+              <a:t>lg </a:t>
+            </a:r>
+            <a:r>
+              <a:rPr lang="fr-FR" b="1" dirty="0"/>
+              <a:t>=</a:t>
+            </a:r>
+            <a:r>
+              <a:rPr lang="fr-FR" dirty="0"/>
+              <a:t> </a:t>
+            </a:r>
+            <a:r>
+              <a:rPr lang="fr-FR" i="1" dirty="0" err="1"/>
+              <a:t>sympy</a:t>
+            </a:r>
+            <a:r>
+              <a:rPr lang="fr-FR" dirty="0" err="1"/>
+              <a:t>.</a:t>
+            </a:r>
+            <a:r>
+              <a:rPr lang="fr-FR" b="1" dirty="0" err="1"/>
+              <a:t>limit</a:t>
+            </a:r>
+            <a:r>
+              <a:rPr lang="fr-FR" dirty="0"/>
+              <a:t>(g, x, </a:t>
+            </a:r>
+            <a:r>
+              <a:rPr lang="fr-FR" i="1" dirty="0" err="1"/>
+              <a:t>sympy</a:t>
+            </a:r>
+            <a:r>
+              <a:rPr lang="fr-FR" dirty="0" err="1"/>
+              <a:t>.</a:t>
+            </a:r>
+            <a:r>
+              <a:rPr lang="fr-FR" b="1" dirty="0" err="1"/>
+              <a:t>pi</a:t>
+            </a:r>
+            <a:r>
+              <a:rPr lang="fr-FR" dirty="0"/>
+              <a:t>)</a:t>
+            </a:r>
+          </a:p>
+          <a:p>
+            <a:r>
+              <a:rPr lang="fr-FR" dirty="0"/>
+              <a:t>lg</a:t>
+            </a:r>
+          </a:p>
+        </p:txBody>
+      </p:sp>
+      <p:sp>
+        <p:nvSpPr>
+          <p:cNvPr id="11" name="ZoneTexte 10">
+            <a:extLst>
+              <a:ext uri="{FF2B5EF4-FFF2-40B4-BE49-F238E27FC236}">
+                <a16:creationId xmlns:a16="http://schemas.microsoft.com/office/drawing/2014/main" id="{749C4619-CBA7-331E-98D1-87CB9CB976E1}"/>
+              </a:ext>
+            </a:extLst>
+          </p:cNvPr>
+          <p:cNvSpPr txBox="1"/>
+          <p:nvPr/>
+        </p:nvSpPr>
+        <p:spPr>
+          <a:xfrm>
+            <a:off x="6345936" y="3302376"/>
+            <a:ext cx="4765173" cy="1200329"/>
+          </a:xfrm>
+          <a:prstGeom prst="rect">
+            <a:avLst/>
+          </a:prstGeom>
+          <a:solidFill>
+            <a:schemeClr val="accent1">
+              <a:lumMod val="40000"/>
+              <a:lumOff val="60000"/>
+            </a:schemeClr>
+          </a:solidFill>
+        </p:spPr>
+        <p:txBody>
+          <a:bodyPr wrap="square" rtlCol="0">
+            <a:spAutoFit/>
+          </a:bodyPr>
+          <a:lstStyle/>
+          <a:p>
+            <a:r>
+              <a:rPr lang="fr-FR" dirty="0"/>
+              <a:t>h </a:t>
+            </a:r>
+            <a:r>
+              <a:rPr lang="fr-FR" b="1" dirty="0"/>
+              <a:t>=</a:t>
+            </a:r>
+            <a:r>
+              <a:rPr lang="fr-FR" dirty="0"/>
+              <a:t> 2*</a:t>
+            </a:r>
+            <a:r>
+              <a:rPr lang="fr-FR" i="1" dirty="0" err="1"/>
+              <a:t>sympy</a:t>
+            </a:r>
+            <a:r>
+              <a:rPr lang="fr-FR" dirty="0" err="1"/>
+              <a:t>.</a:t>
+            </a:r>
+            <a:r>
+              <a:rPr lang="fr-FR" b="1" dirty="0" err="1"/>
+              <a:t>exp</a:t>
+            </a:r>
+            <a:r>
+              <a:rPr lang="fr-FR" dirty="0"/>
+              <a:t>(1/x)/(</a:t>
+            </a:r>
+            <a:r>
+              <a:rPr lang="fr-FR" i="1" dirty="0" err="1"/>
+              <a:t>sympy</a:t>
+            </a:r>
+            <a:r>
+              <a:rPr lang="fr-FR" dirty="0" err="1"/>
+              <a:t>.</a:t>
+            </a:r>
+            <a:r>
+              <a:rPr lang="fr-FR" b="1" dirty="0" err="1"/>
+              <a:t>exp</a:t>
+            </a:r>
+            <a:r>
+              <a:rPr lang="fr-FR" dirty="0"/>
+              <a:t>(1/x)+1)</a:t>
+            </a:r>
+          </a:p>
+          <a:p>
+            <a:r>
+              <a:rPr lang="fr-FR" dirty="0"/>
+              <a:t>h</a:t>
+            </a:r>
+          </a:p>
+          <a:p>
+            <a:r>
+              <a:rPr lang="fr-FR" dirty="0" err="1"/>
+              <a:t>lhplus</a:t>
+            </a:r>
+            <a:r>
+              <a:rPr lang="fr-FR" dirty="0"/>
+              <a:t> </a:t>
+            </a:r>
+            <a:r>
+              <a:rPr lang="fr-FR" b="1" dirty="0"/>
+              <a:t>=</a:t>
+            </a:r>
+            <a:r>
+              <a:rPr lang="fr-FR" dirty="0"/>
+              <a:t> </a:t>
+            </a:r>
+            <a:r>
+              <a:rPr lang="fr-FR" i="1" dirty="0" err="1"/>
+              <a:t>sympy</a:t>
+            </a:r>
+            <a:r>
+              <a:rPr lang="fr-FR" dirty="0" err="1"/>
+              <a:t>.</a:t>
+            </a:r>
+            <a:r>
+              <a:rPr lang="fr-FR" b="1" dirty="0" err="1"/>
+              <a:t>limit</a:t>
+            </a:r>
+            <a:r>
+              <a:rPr lang="fr-FR" dirty="0"/>
+              <a:t>(h, x, 0, </a:t>
+            </a:r>
+            <a:r>
+              <a:rPr lang="fr-FR" dirty="0" err="1"/>
+              <a:t>dir</a:t>
+            </a:r>
+            <a:r>
+              <a:rPr lang="fr-FR" dirty="0"/>
+              <a:t>='+')</a:t>
+            </a:r>
+          </a:p>
+          <a:p>
+            <a:r>
+              <a:rPr lang="fr-FR" dirty="0" err="1"/>
+              <a:t>lhplus</a:t>
+            </a:r>
+            <a:endParaRPr lang="fr-FR" dirty="0"/>
+          </a:p>
+        </p:txBody>
+      </p:sp>
+      <p:sp>
+        <p:nvSpPr>
+          <p:cNvPr id="13" name="ZoneTexte 12">
+            <a:extLst>
+              <a:ext uri="{FF2B5EF4-FFF2-40B4-BE49-F238E27FC236}">
+                <a16:creationId xmlns:a16="http://schemas.microsoft.com/office/drawing/2014/main" id="{71A637E6-BA41-CCC6-E0C2-4D39E40B9096}"/>
+              </a:ext>
+            </a:extLst>
+          </p:cNvPr>
+          <p:cNvSpPr txBox="1"/>
+          <p:nvPr/>
+        </p:nvSpPr>
+        <p:spPr>
+          <a:xfrm>
+            <a:off x="6345936" y="4613016"/>
+            <a:ext cx="4765173" cy="1200329"/>
+          </a:xfrm>
+          <a:prstGeom prst="rect">
+            <a:avLst/>
+          </a:prstGeom>
+          <a:solidFill>
+            <a:schemeClr val="accent1">
+              <a:lumMod val="40000"/>
+              <a:lumOff val="60000"/>
+            </a:schemeClr>
+          </a:solidFill>
+        </p:spPr>
+        <p:txBody>
+          <a:bodyPr wrap="square" rtlCol="0">
+            <a:spAutoFit/>
+          </a:bodyPr>
+          <a:lstStyle/>
+          <a:p>
+            <a:r>
+              <a:rPr lang="fr-FR" dirty="0"/>
+              <a:t>m </a:t>
+            </a:r>
+            <a:r>
+              <a:rPr lang="fr-FR" b="1" dirty="0"/>
+              <a:t>=</a:t>
+            </a:r>
+            <a:r>
+              <a:rPr lang="fr-FR" dirty="0"/>
+              <a:t> (</a:t>
+            </a:r>
+            <a:r>
+              <a:rPr lang="fr-FR" i="1" dirty="0" err="1"/>
+              <a:t>sympy</a:t>
+            </a:r>
+            <a:r>
+              <a:rPr lang="fr-FR" dirty="0" err="1"/>
+              <a:t>.</a:t>
+            </a:r>
+            <a:r>
+              <a:rPr lang="fr-FR" b="1" dirty="0" err="1"/>
+              <a:t>cos</a:t>
+            </a:r>
+            <a:r>
+              <a:rPr lang="fr-FR" dirty="0"/>
+              <a:t>(x)-1)/x</a:t>
+            </a:r>
+          </a:p>
+          <a:p>
+            <a:r>
+              <a:rPr lang="fr-FR" dirty="0"/>
+              <a:t>m</a:t>
+            </a:r>
+          </a:p>
+          <a:p>
+            <a:r>
+              <a:rPr lang="fr-FR" dirty="0"/>
+              <a:t>lm </a:t>
+            </a:r>
+            <a:r>
+              <a:rPr lang="fr-FR" b="1" dirty="0"/>
+              <a:t>=</a:t>
+            </a:r>
+            <a:r>
+              <a:rPr lang="fr-FR" dirty="0"/>
+              <a:t> </a:t>
+            </a:r>
+            <a:r>
+              <a:rPr lang="fr-FR" i="1" dirty="0" err="1"/>
+              <a:t>sympy</a:t>
+            </a:r>
+            <a:r>
+              <a:rPr lang="fr-FR" dirty="0" err="1"/>
+              <a:t>.</a:t>
+            </a:r>
+            <a:r>
+              <a:rPr lang="fr-FR" b="1" dirty="0" err="1"/>
+              <a:t>limit</a:t>
+            </a:r>
+            <a:r>
+              <a:rPr lang="fr-FR" dirty="0"/>
+              <a:t>(m, x, </a:t>
+            </a:r>
+            <a:r>
+              <a:rPr lang="fr-FR" i="1" dirty="0" err="1"/>
+              <a:t>sympy</a:t>
+            </a:r>
+            <a:r>
+              <a:rPr lang="fr-FR" dirty="0" err="1"/>
+              <a:t>.</a:t>
+            </a:r>
+            <a:r>
+              <a:rPr lang="fr-FR" b="1" dirty="0" err="1"/>
+              <a:t>oo</a:t>
+            </a:r>
+            <a:r>
+              <a:rPr lang="fr-FR" dirty="0"/>
+              <a:t>)</a:t>
+            </a:r>
+          </a:p>
+          <a:p>
+            <a:r>
+              <a:rPr lang="fr-FR" dirty="0" err="1"/>
+              <a:t>print</a:t>
+            </a:r>
+            <a:r>
+              <a:rPr lang="fr-FR" dirty="0"/>
+              <a:t>(</a:t>
+            </a:r>
+            <a:r>
+              <a:rPr lang="fr-FR" dirty="0" err="1"/>
+              <a:t>f'Limit</a:t>
+            </a:r>
+            <a:r>
+              <a:rPr lang="fr-FR" dirty="0"/>
+              <a:t> in +</a:t>
+            </a:r>
+            <a:r>
+              <a:rPr lang="fr-FR" dirty="0" err="1"/>
+              <a:t>inf</a:t>
+            </a:r>
+            <a:r>
+              <a:rPr lang="fr-FR" dirty="0"/>
+              <a:t> = {lm}')</a:t>
+            </a:r>
+          </a:p>
+        </p:txBody>
+      </p:sp>
+      <p:pic>
+        <p:nvPicPr>
+          <p:cNvPr id="8" name="Picture 8" descr="Résultat de recherche d'images pour &quot;spyder logo&quot;">
+            <a:extLst>
+              <a:ext uri="{FF2B5EF4-FFF2-40B4-BE49-F238E27FC236}">
+                <a16:creationId xmlns:a16="http://schemas.microsoft.com/office/drawing/2014/main" id="{BCFD813A-057B-CC90-5277-E9DE2A6AFF11}"/>
+              </a:ext>
+            </a:extLst>
+          </p:cNvPr>
+          <p:cNvPicPr>
+            <a:picLocks noChangeAspect="1" noChangeArrowheads="1"/>
+          </p:cNvPicPr>
+          <p:nvPr/>
+        </p:nvPicPr>
+        <p:blipFill>
+          <a:blip r:embed="rId5">
+            <a:extLst>
+              <a:ext uri="{28A0092B-C50C-407E-A947-70E740481C1C}">
+                <a14:useLocalDpi xmlns:a14="http://schemas.microsoft.com/office/drawing/2010/main" val="0"/>
+              </a:ext>
+            </a:extLst>
+          </a:blip>
+          <a:srcRect/>
+          <a:stretch>
+            <a:fillRect/>
+          </a:stretch>
+        </p:blipFill>
+        <p:spPr bwMode="auto">
+          <a:xfrm>
+            <a:off x="10162526" y="1757291"/>
+            <a:ext cx="947620" cy="473810"/>
+          </a:xfrm>
+          <a:prstGeom prst="rect">
+            <a:avLst/>
+          </a:prstGeom>
+          <a:noFill/>
+          <a:extLst>
+            <a:ext uri="{909E8E84-426E-40DD-AFC4-6F175D3DCCD1}">
+              <a14:hiddenFill xmlns:a14="http://schemas.microsoft.com/office/drawing/2010/main">
+                <a:solidFill>
+                  <a:srgbClr val="FFFFFF"/>
+                </a:solidFill>
+              </a14:hiddenFill>
+            </a:ext>
+          </a:extLst>
+        </p:spPr>
+      </p:pic>
+    </p:spTree>
+    <p:extLst>
+      <p:ext uri="{BB962C8B-B14F-4D97-AF65-F5344CB8AC3E}">
+        <p14:creationId xmlns:p14="http://schemas.microsoft.com/office/powerpoint/2010/main" val="403736579"/>
+      </p:ext>
+    </p:extLst>
+  </p:cSld>
+  <p:clrMapOvr>
+    <a:masterClrMapping/>
+  </p:clrMapOvr>
+</p:sld>
+</file>
+
 <file path=ppt/slides/slide23.xml><?xml version="1.0" encoding="utf-8"?>
+<p:sld xmlns:a="http://schemas.openxmlformats.org/drawingml/2006/main" xmlns:r="http://schemas.openxmlformats.org/officeDocument/2006/relationships" xmlns:p="http://schemas.openxmlformats.org/presentationml/2006/main">
+  <p:cSld>
+    <p:spTree>
+      <p:nvGrpSpPr>
+        <p:cNvPr id="1" name=""/>
+        <p:cNvGrpSpPr/>
+        <p:nvPr/>
+      </p:nvGrpSpPr>
+      <p:grpSpPr>
+        <a:xfrm>
+          <a:off x="0" y="0"/>
+          <a:ext cx="0" cy="0"/>
+          <a:chOff x="0" y="0"/>
+          <a:chExt cx="0" cy="0"/>
+        </a:xfrm>
+      </p:grpSpPr>
+      <p:sp>
+        <p:nvSpPr>
+          <p:cNvPr id="2" name="Titre 1">
+            <a:extLst>
+              <a:ext uri="{FF2B5EF4-FFF2-40B4-BE49-F238E27FC236}">
+                <a16:creationId xmlns:a16="http://schemas.microsoft.com/office/drawing/2014/main" id="{90162AE8-C1B0-5C56-8313-DEE494F38273}"/>
+              </a:ext>
+            </a:extLst>
+          </p:cNvPr>
+          <p:cNvSpPr>
+            <a:spLocks noGrp="1"/>
+          </p:cNvSpPr>
+          <p:nvPr>
+            <p:ph type="title"/>
+          </p:nvPr>
+        </p:nvSpPr>
+        <p:spPr/>
+        <p:txBody>
+          <a:bodyPr>
+            <a:normAutofit/>
+          </a:bodyPr>
+          <a:lstStyle/>
+          <a:p>
+            <a:r>
+              <a:rPr lang="fr-FR" dirty="0" err="1"/>
+              <a:t>SymPy</a:t>
+            </a:r>
+            <a:r>
+              <a:rPr lang="fr-FR" dirty="0"/>
+              <a:t> pour le calcul formel</a:t>
+            </a:r>
+          </a:p>
+        </p:txBody>
+      </p:sp>
+      <p:sp>
+        <p:nvSpPr>
+          <p:cNvPr id="3" name="Espace réservé du contenu 2">
+            <a:extLst>
+              <a:ext uri="{FF2B5EF4-FFF2-40B4-BE49-F238E27FC236}">
+                <a16:creationId xmlns:a16="http://schemas.microsoft.com/office/drawing/2014/main" id="{E0BBB9DE-019C-C741-F224-494739D4B752}"/>
+              </a:ext>
+            </a:extLst>
+          </p:cNvPr>
+          <p:cNvSpPr>
+            <a:spLocks noGrp="1"/>
+          </p:cNvSpPr>
+          <p:nvPr>
+            <p:ph sz="half" idx="1"/>
+          </p:nvPr>
+        </p:nvSpPr>
+        <p:spPr/>
+        <p:txBody>
+          <a:bodyPr/>
+          <a:lstStyle/>
+          <a:p>
+            <a:r>
+              <a:rPr lang="fr-FR" dirty="0" err="1"/>
+              <a:t>Caculer</a:t>
+            </a:r>
+            <a:r>
+              <a:rPr lang="fr-FR" dirty="0"/>
+              <a:t> des dérivées…</a:t>
+            </a:r>
+          </a:p>
+        </p:txBody>
+      </p:sp>
+      <p:pic>
+        <p:nvPicPr>
+          <p:cNvPr id="5" name="Image 4" descr="Une image contenant texte&#10;&#10;Description générée automatiquement">
+            <a:extLst>
+              <a:ext uri="{FF2B5EF4-FFF2-40B4-BE49-F238E27FC236}">
+                <a16:creationId xmlns:a16="http://schemas.microsoft.com/office/drawing/2014/main" id="{66D2630B-81F4-A4EB-21BA-8B90CF30BD92}"/>
+              </a:ext>
+            </a:extLst>
+          </p:cNvPr>
+          <p:cNvPicPr>
+            <a:picLocks noChangeAspect="1"/>
+          </p:cNvPicPr>
+          <p:nvPr/>
+        </p:nvPicPr>
+        <p:blipFill>
+          <a:blip r:embed="rId2">
+            <a:extLst>
+              <a:ext uri="{28A0092B-C50C-407E-A947-70E740481C1C}">
+                <a14:useLocalDpi xmlns:a14="http://schemas.microsoft.com/office/drawing/2010/main" val="0"/>
+              </a:ext>
+            </a:extLst>
+          </a:blip>
+          <a:stretch>
+            <a:fillRect/>
+          </a:stretch>
+        </p:blipFill>
+        <p:spPr>
+          <a:xfrm>
+            <a:off x="202922" y="5934456"/>
+            <a:ext cx="1825291" cy="749808"/>
+          </a:xfrm>
+          <a:prstGeom prst="rect">
+            <a:avLst/>
+          </a:prstGeom>
+        </p:spPr>
+      </p:pic>
+      <p:sp>
+        <p:nvSpPr>
+          <p:cNvPr id="4" name="Espace réservé du numéro de diapositive 3">
+            <a:extLst>
+              <a:ext uri="{FF2B5EF4-FFF2-40B4-BE49-F238E27FC236}">
+                <a16:creationId xmlns:a16="http://schemas.microsoft.com/office/drawing/2014/main" id="{F08CDEFC-50F0-4C47-46AC-D28A2807E4F8}"/>
+              </a:ext>
+            </a:extLst>
+          </p:cNvPr>
+          <p:cNvSpPr>
+            <a:spLocks noGrp="1"/>
+          </p:cNvSpPr>
+          <p:nvPr>
+            <p:ph type="sldNum" sz="quarter" idx="12"/>
+          </p:nvPr>
+        </p:nvSpPr>
+        <p:spPr/>
+        <p:txBody>
+          <a:bodyPr/>
+          <a:lstStyle/>
+          <a:p>
+            <a:fld id="{B2DC25EE-239B-4C5F-AAD1-255A7D5F1EE2}" type="slidenum">
+              <a:rPr lang="en-US" smtClean="0"/>
+              <a:t>23</a:t>
+            </a:fld>
+            <a:endParaRPr lang="en-US" dirty="0"/>
+          </a:p>
+        </p:txBody>
+      </p:sp>
+      <p:pic>
+        <p:nvPicPr>
+          <p:cNvPr id="1026" name="Picture 2" descr="SymPy Logo">
+            <a:extLst>
+              <a:ext uri="{FF2B5EF4-FFF2-40B4-BE49-F238E27FC236}">
+                <a16:creationId xmlns:a16="http://schemas.microsoft.com/office/drawing/2014/main" id="{6F826F4C-FC0E-452A-4FE2-7AD4240C9A6B}"/>
+              </a:ext>
+            </a:extLst>
+          </p:cNvPr>
+          <p:cNvPicPr>
+            <a:picLocks noChangeAspect="1" noChangeArrowheads="1"/>
+          </p:cNvPicPr>
+          <p:nvPr/>
+        </p:nvPicPr>
+        <p:blipFill>
+          <a:blip r:embed="rId3">
+            <a:extLst>
+              <a:ext uri="{28A0092B-C50C-407E-A947-70E740481C1C}">
+                <a14:useLocalDpi xmlns:a14="http://schemas.microsoft.com/office/drawing/2010/main" val="0"/>
+              </a:ext>
+            </a:extLst>
+          </a:blip>
+          <a:srcRect/>
+          <a:stretch>
+            <a:fillRect/>
+          </a:stretch>
+        </p:blipFill>
+        <p:spPr bwMode="auto">
+          <a:xfrm>
+            <a:off x="9915213" y="655319"/>
+            <a:ext cx="915348" cy="613283"/>
+          </a:xfrm>
+          <a:prstGeom prst="rect">
+            <a:avLst/>
+          </a:prstGeom>
+          <a:noFill/>
+          <a:extLst>
+            <a:ext uri="{909E8E84-426E-40DD-AFC4-6F175D3DCCD1}">
+              <a14:hiddenFill xmlns:a14="http://schemas.microsoft.com/office/drawing/2010/main">
+                <a:solidFill>
+                  <a:srgbClr val="FFFFFF"/>
+                </a:solidFill>
+              </a14:hiddenFill>
+            </a:ext>
+          </a:extLst>
+        </p:spPr>
+      </p:pic>
+      <p:sp>
+        <p:nvSpPr>
+          <p:cNvPr id="7" name="ZoneTexte 6">
+            <a:extLst>
+              <a:ext uri="{FF2B5EF4-FFF2-40B4-BE49-F238E27FC236}">
+                <a16:creationId xmlns:a16="http://schemas.microsoft.com/office/drawing/2014/main" id="{F0FBF19C-22B5-76E5-0F93-DF8BB4A2F385}"/>
+              </a:ext>
+            </a:extLst>
+          </p:cNvPr>
+          <p:cNvSpPr txBox="1"/>
+          <p:nvPr/>
+        </p:nvSpPr>
+        <p:spPr>
+          <a:xfrm>
+            <a:off x="822960" y="3302376"/>
+            <a:ext cx="4765173" cy="646331"/>
+          </a:xfrm>
+          <a:prstGeom prst="rect">
+            <a:avLst/>
+          </a:prstGeom>
+          <a:solidFill>
+            <a:schemeClr val="accent1">
+              <a:lumMod val="40000"/>
+              <a:lumOff val="60000"/>
+            </a:schemeClr>
+          </a:solidFill>
+        </p:spPr>
+        <p:txBody>
+          <a:bodyPr wrap="square" rtlCol="0">
+            <a:spAutoFit/>
+          </a:bodyPr>
+          <a:lstStyle/>
+          <a:p>
+            <a:r>
+              <a:rPr lang="fr-FR" dirty="0"/>
+              <a:t>f </a:t>
+            </a:r>
+            <a:r>
+              <a:rPr lang="fr-FR" b="1" dirty="0"/>
+              <a:t>=</a:t>
+            </a:r>
+            <a:r>
+              <a:rPr lang="fr-FR" dirty="0"/>
+              <a:t> x**2 + y</a:t>
+            </a:r>
+          </a:p>
+          <a:p>
+            <a:r>
+              <a:rPr lang="fr-FR" dirty="0"/>
+              <a:t>f</a:t>
+            </a:r>
+          </a:p>
+        </p:txBody>
+      </p:sp>
+      <p:pic>
+        <p:nvPicPr>
+          <p:cNvPr id="2051" name="Picture 3">
+            <a:extLst>
+              <a:ext uri="{FF2B5EF4-FFF2-40B4-BE49-F238E27FC236}">
+                <a16:creationId xmlns:a16="http://schemas.microsoft.com/office/drawing/2014/main" id="{3BB5514F-6568-D4F1-89C4-C79629C862E1}"/>
+              </a:ext>
+            </a:extLst>
+          </p:cNvPr>
+          <p:cNvPicPr>
+            <a:picLocks noChangeAspect="1" noChangeArrowheads="1"/>
+          </p:cNvPicPr>
+          <p:nvPr/>
+        </p:nvPicPr>
+        <p:blipFill>
+          <a:blip r:embed="rId4">
+            <a:extLst>
+              <a:ext uri="{28A0092B-C50C-407E-A947-70E740481C1C}">
+                <a14:useLocalDpi xmlns:a14="http://schemas.microsoft.com/office/drawing/2010/main" val="0"/>
+              </a:ext>
+            </a:extLst>
+          </a:blip>
+          <a:srcRect/>
+          <a:stretch>
+            <a:fillRect/>
+          </a:stretch>
+        </p:blipFill>
+        <p:spPr bwMode="auto">
+          <a:xfrm>
+            <a:off x="11422935" y="1728216"/>
+            <a:ext cx="449659" cy="523240"/>
+          </a:xfrm>
+          <a:prstGeom prst="rect">
+            <a:avLst/>
+          </a:prstGeom>
+          <a:noFill/>
+          <a:extLst>
+            <a:ext uri="{909E8E84-426E-40DD-AFC4-6F175D3DCCD1}">
+              <a14:hiddenFill xmlns:a14="http://schemas.microsoft.com/office/drawing/2010/main">
+                <a:solidFill>
+                  <a:srgbClr val="FFFFFF"/>
+                </a:solidFill>
+              </a14:hiddenFill>
+            </a:ext>
+          </a:extLst>
+        </p:spPr>
+      </p:pic>
+      <p:sp>
+        <p:nvSpPr>
+          <p:cNvPr id="8" name="ZoneTexte 7">
+            <a:extLst>
+              <a:ext uri="{FF2B5EF4-FFF2-40B4-BE49-F238E27FC236}">
+                <a16:creationId xmlns:a16="http://schemas.microsoft.com/office/drawing/2014/main" id="{2915B138-F409-17FD-930A-57E858A7DE27}"/>
+              </a:ext>
+            </a:extLst>
+          </p:cNvPr>
+          <p:cNvSpPr txBox="1"/>
+          <p:nvPr/>
+        </p:nvSpPr>
+        <p:spPr>
+          <a:xfrm>
+            <a:off x="822960" y="4091432"/>
+            <a:ext cx="4765173" cy="646331"/>
+          </a:xfrm>
+          <a:prstGeom prst="rect">
+            <a:avLst/>
+          </a:prstGeom>
+          <a:solidFill>
+            <a:schemeClr val="accent1">
+              <a:lumMod val="40000"/>
+              <a:lumOff val="60000"/>
+            </a:schemeClr>
+          </a:solidFill>
+        </p:spPr>
+        <p:txBody>
+          <a:bodyPr wrap="square" rtlCol="0">
+            <a:spAutoFit/>
+          </a:bodyPr>
+          <a:lstStyle/>
+          <a:p>
+            <a:r>
+              <a:rPr lang="fr-FR" dirty="0" err="1"/>
+              <a:t>dfx</a:t>
+            </a:r>
+            <a:r>
+              <a:rPr lang="fr-FR" dirty="0"/>
+              <a:t> </a:t>
+            </a:r>
+            <a:r>
+              <a:rPr lang="fr-FR" b="1" dirty="0"/>
+              <a:t>=</a:t>
+            </a:r>
+            <a:r>
+              <a:rPr lang="fr-FR" dirty="0"/>
+              <a:t> </a:t>
+            </a:r>
+            <a:r>
+              <a:rPr lang="fr-FR" i="1" dirty="0" err="1"/>
+              <a:t>sympy</a:t>
+            </a:r>
+            <a:r>
+              <a:rPr lang="fr-FR" dirty="0" err="1"/>
+              <a:t>.</a:t>
+            </a:r>
+            <a:r>
+              <a:rPr lang="fr-FR" b="1" dirty="0" err="1"/>
+              <a:t>diff</a:t>
+            </a:r>
+            <a:r>
+              <a:rPr lang="fr-FR" dirty="0"/>
+              <a:t>(f, x)</a:t>
+            </a:r>
+          </a:p>
+          <a:p>
+            <a:r>
+              <a:rPr lang="fr-FR" dirty="0" err="1"/>
+              <a:t>dfx</a:t>
+            </a:r>
+            <a:endParaRPr lang="fr-FR" dirty="0"/>
+          </a:p>
+        </p:txBody>
+      </p:sp>
+      <p:sp>
+        <p:nvSpPr>
+          <p:cNvPr id="9" name="ZoneTexte 8">
+            <a:extLst>
+              <a:ext uri="{FF2B5EF4-FFF2-40B4-BE49-F238E27FC236}">
+                <a16:creationId xmlns:a16="http://schemas.microsoft.com/office/drawing/2014/main" id="{03E3FAF5-8CF7-FC38-7E5A-2B1F6EBE9E74}"/>
+              </a:ext>
+            </a:extLst>
+          </p:cNvPr>
+          <p:cNvSpPr txBox="1"/>
+          <p:nvPr/>
+        </p:nvSpPr>
+        <p:spPr>
+          <a:xfrm>
+            <a:off x="822959" y="4876536"/>
+            <a:ext cx="4765173" cy="646331"/>
+          </a:xfrm>
+          <a:prstGeom prst="rect">
+            <a:avLst/>
+          </a:prstGeom>
+          <a:solidFill>
+            <a:schemeClr val="accent1">
+              <a:lumMod val="40000"/>
+              <a:lumOff val="60000"/>
+            </a:schemeClr>
+          </a:solidFill>
+        </p:spPr>
+        <p:txBody>
+          <a:bodyPr wrap="square" rtlCol="0">
+            <a:spAutoFit/>
+          </a:bodyPr>
+          <a:lstStyle/>
+          <a:p>
+            <a:r>
+              <a:rPr lang="fr-FR" dirty="0" err="1"/>
+              <a:t>dfy</a:t>
+            </a:r>
+            <a:r>
+              <a:rPr lang="fr-FR" dirty="0"/>
+              <a:t> </a:t>
+            </a:r>
+            <a:r>
+              <a:rPr lang="fr-FR" b="1" dirty="0"/>
+              <a:t>=</a:t>
+            </a:r>
+            <a:r>
+              <a:rPr lang="fr-FR" dirty="0"/>
+              <a:t> </a:t>
+            </a:r>
+            <a:r>
+              <a:rPr lang="fr-FR" i="1" dirty="0" err="1"/>
+              <a:t>sympy</a:t>
+            </a:r>
+            <a:r>
+              <a:rPr lang="fr-FR" dirty="0" err="1"/>
+              <a:t>.</a:t>
+            </a:r>
+            <a:r>
+              <a:rPr lang="fr-FR" b="1" dirty="0" err="1"/>
+              <a:t>diff</a:t>
+            </a:r>
+            <a:r>
+              <a:rPr lang="fr-FR" dirty="0"/>
+              <a:t>(f, y)</a:t>
+            </a:r>
+          </a:p>
+          <a:p>
+            <a:r>
+              <a:rPr lang="fr-FR" dirty="0" err="1"/>
+              <a:t>dfy</a:t>
+            </a:r>
+            <a:endParaRPr lang="fr-FR" dirty="0"/>
+          </a:p>
+        </p:txBody>
+      </p:sp>
+      <p:sp>
+        <p:nvSpPr>
+          <p:cNvPr id="14" name="Espace réservé du contenu 2">
+            <a:extLst>
+              <a:ext uri="{FF2B5EF4-FFF2-40B4-BE49-F238E27FC236}">
+                <a16:creationId xmlns:a16="http://schemas.microsoft.com/office/drawing/2014/main" id="{828AE434-2996-F934-D9D1-020DEED9A1E7}"/>
+              </a:ext>
+            </a:extLst>
+          </p:cNvPr>
+          <p:cNvSpPr txBox="1">
+            <a:spLocks/>
+          </p:cNvSpPr>
+          <p:nvPr/>
+        </p:nvSpPr>
+        <p:spPr>
+          <a:xfrm>
+            <a:off x="6638544" y="2478024"/>
+            <a:ext cx="4937760" cy="3694176"/>
+          </a:xfrm>
+          <a:prstGeom prst="rect">
+            <a:avLst/>
+          </a:prstGeom>
+        </p:spPr>
+        <p:txBody>
+          <a:bodyPr vert="horz" lIns="91440" tIns="45720" rIns="91440" bIns="45720" rtlCol="0">
+            <a:normAutofit/>
+          </a:bodyPr>
+          <a:lstStyle>
+            <a:lvl1pPr marL="228600" indent="-228600" algn="l" defTabSz="914400" rtl="0" eaLnBrk="1" latinLnBrk="0" hangingPunct="1">
+              <a:lnSpc>
+                <a:spcPct val="110000"/>
+              </a:lnSpc>
+              <a:spcBef>
+                <a:spcPts val="1000"/>
+              </a:spcBef>
+              <a:buFont typeface="Arial" panose="020B0604020202020204" pitchFamily="34" charset="0"/>
+              <a:buChar char="•"/>
+              <a:defRPr sz="2800" kern="1200">
+                <a:solidFill>
+                  <a:schemeClr val="tx1"/>
+                </a:solidFill>
+                <a:latin typeface="+mn-lt"/>
+                <a:ea typeface="+mn-ea"/>
+                <a:cs typeface="+mn-cs"/>
+              </a:defRPr>
+            </a:lvl1pPr>
+            <a:lvl2pPr marL="685800" indent="-228600" algn="l" defTabSz="914400" rtl="0" eaLnBrk="1" latinLnBrk="0" hangingPunct="1">
+              <a:lnSpc>
+                <a:spcPct val="110000"/>
+              </a:lnSpc>
+              <a:spcBef>
+                <a:spcPts val="500"/>
+              </a:spcBef>
+              <a:buFont typeface="Arial" panose="020B0604020202020204" pitchFamily="34" charset="0"/>
+              <a:buChar char="•"/>
+              <a:defRPr sz="2400" kern="1200">
+                <a:solidFill>
+                  <a:schemeClr val="tx1"/>
+                </a:solidFill>
+                <a:latin typeface="+mn-lt"/>
+                <a:ea typeface="+mn-ea"/>
+                <a:cs typeface="+mn-cs"/>
+              </a:defRPr>
+            </a:lvl2pPr>
+            <a:lvl3pPr marL="1143000" indent="-228600" algn="l" defTabSz="914400" rtl="0" eaLnBrk="1" latinLnBrk="0" hangingPunct="1">
+              <a:lnSpc>
+                <a:spcPct val="110000"/>
+              </a:lnSpc>
+              <a:spcBef>
+                <a:spcPts val="500"/>
+              </a:spcBef>
+              <a:buFont typeface="Arial" panose="020B0604020202020204" pitchFamily="34" charset="0"/>
+              <a:buChar char="•"/>
+              <a:defRPr sz="2000" kern="1200">
+                <a:solidFill>
+                  <a:schemeClr val="tx1"/>
+                </a:solidFill>
+                <a:latin typeface="+mn-lt"/>
+                <a:ea typeface="+mn-ea"/>
+                <a:cs typeface="+mn-cs"/>
+              </a:defRPr>
+            </a:lvl3pPr>
+            <a:lvl4pPr marL="1600200" indent="-228600" algn="l" defTabSz="914400" rtl="0" eaLnBrk="1" latinLnBrk="0" hangingPunct="1">
+              <a:lnSpc>
+                <a:spcPct val="110000"/>
+              </a:lnSpc>
+              <a:spcBef>
+                <a:spcPts val="500"/>
+              </a:spcBef>
+              <a:buFont typeface="Arial" panose="020B0604020202020204" pitchFamily="34" charset="0"/>
+              <a:buChar char="•"/>
+              <a:defRPr sz="1800" kern="1200">
+                <a:solidFill>
+                  <a:schemeClr val="tx1"/>
+                </a:solidFill>
+                <a:latin typeface="+mn-lt"/>
+                <a:ea typeface="+mn-ea"/>
+                <a:cs typeface="+mn-cs"/>
+              </a:defRPr>
+            </a:lvl4pPr>
+            <a:lvl5pPr marL="2057400" indent="-228600" algn="l" defTabSz="914400" rtl="0" eaLnBrk="1" latinLnBrk="0" hangingPunct="1">
+              <a:lnSpc>
+                <a:spcPct val="110000"/>
+              </a:lnSpc>
+              <a:spcBef>
+                <a:spcPts val="500"/>
+              </a:spcBef>
+              <a:buFont typeface="Arial" panose="020B0604020202020204" pitchFamily="34" charset="0"/>
+              <a:buChar char="•"/>
+              <a:defRPr sz="1800" kern="1200">
+                <a:solidFill>
+                  <a:schemeClr val="tx1"/>
+                </a:solidFill>
+                <a:latin typeface="+mn-lt"/>
+                <a:ea typeface="+mn-ea"/>
+                <a:cs typeface="+mn-cs"/>
+              </a:defRPr>
+            </a:lvl5pPr>
+            <a:lvl6pPr marL="2514600" indent="-228600" algn="l" defTabSz="914400" rtl="0" eaLnBrk="1" latinLnBrk="0" hangingPunct="1">
+              <a:lnSpc>
+                <a:spcPct val="90000"/>
+              </a:lnSpc>
+              <a:spcBef>
+                <a:spcPts val="500"/>
+              </a:spcBef>
+              <a:buFont typeface="Arial" panose="020B0604020202020204" pitchFamily="34" charset="0"/>
+              <a:buChar char="•"/>
+              <a:defRPr sz="1800" kern="1200">
+                <a:solidFill>
+                  <a:schemeClr val="tx1"/>
+                </a:solidFill>
+                <a:latin typeface="+mn-lt"/>
+                <a:ea typeface="+mn-ea"/>
+                <a:cs typeface="+mn-cs"/>
+              </a:defRPr>
+            </a:lvl6pPr>
+            <a:lvl7pPr marL="2971800" indent="-228600" algn="l" defTabSz="914400" rtl="0" eaLnBrk="1" latinLnBrk="0" hangingPunct="1">
+              <a:lnSpc>
+                <a:spcPct val="90000"/>
+              </a:lnSpc>
+              <a:spcBef>
+                <a:spcPts val="500"/>
+              </a:spcBef>
+              <a:buFont typeface="Arial" panose="020B0604020202020204" pitchFamily="34" charset="0"/>
+              <a:buChar char="•"/>
+              <a:defRPr sz="1800" kern="1200">
+                <a:solidFill>
+                  <a:schemeClr val="tx1"/>
+                </a:solidFill>
+                <a:latin typeface="+mn-lt"/>
+                <a:ea typeface="+mn-ea"/>
+                <a:cs typeface="+mn-cs"/>
+              </a:defRPr>
+            </a:lvl7pPr>
+            <a:lvl8pPr marL="3429000" indent="-228600" algn="l" defTabSz="914400" rtl="0" eaLnBrk="1" latinLnBrk="0" hangingPunct="1">
+              <a:lnSpc>
+                <a:spcPct val="90000"/>
+              </a:lnSpc>
+              <a:spcBef>
+                <a:spcPts val="500"/>
+              </a:spcBef>
+              <a:buFont typeface="Arial" panose="020B0604020202020204" pitchFamily="34" charset="0"/>
+              <a:buChar char="•"/>
+              <a:defRPr sz="1800" kern="1200">
+                <a:solidFill>
+                  <a:schemeClr val="tx1"/>
+                </a:solidFill>
+                <a:latin typeface="+mn-lt"/>
+                <a:ea typeface="+mn-ea"/>
+                <a:cs typeface="+mn-cs"/>
+              </a:defRPr>
+            </a:lvl8pPr>
+            <a:lvl9pPr marL="3886200" indent="-228600" algn="l" defTabSz="914400" rtl="0" eaLnBrk="1" latinLnBrk="0" hangingPunct="1">
+              <a:lnSpc>
+                <a:spcPct val="90000"/>
+              </a:lnSpc>
+              <a:spcBef>
+                <a:spcPts val="500"/>
+              </a:spcBef>
+              <a:buFont typeface="Arial" panose="020B0604020202020204" pitchFamily="34" charset="0"/>
+              <a:buChar char="•"/>
+              <a:defRPr sz="1800" kern="1200">
+                <a:solidFill>
+                  <a:schemeClr val="tx1"/>
+                </a:solidFill>
+                <a:latin typeface="+mn-lt"/>
+                <a:ea typeface="+mn-ea"/>
+                <a:cs typeface="+mn-cs"/>
+              </a:defRPr>
+            </a:lvl9pPr>
+          </a:lstStyle>
+          <a:p>
+            <a:r>
+              <a:rPr lang="fr-FR" dirty="0"/>
+              <a:t>…ou des intégrales</a:t>
+            </a:r>
+          </a:p>
+        </p:txBody>
+      </p:sp>
+      <p:sp>
+        <p:nvSpPr>
+          <p:cNvPr id="15" name="ZoneTexte 14">
+            <a:extLst>
+              <a:ext uri="{FF2B5EF4-FFF2-40B4-BE49-F238E27FC236}">
+                <a16:creationId xmlns:a16="http://schemas.microsoft.com/office/drawing/2014/main" id="{257E0BB7-316C-6CAC-2F90-FB49A2A9544F}"/>
+              </a:ext>
+            </a:extLst>
+          </p:cNvPr>
+          <p:cNvSpPr txBox="1"/>
+          <p:nvPr/>
+        </p:nvSpPr>
+        <p:spPr>
+          <a:xfrm>
+            <a:off x="6345936" y="3302376"/>
+            <a:ext cx="4765173" cy="646331"/>
+          </a:xfrm>
+          <a:prstGeom prst="rect">
+            <a:avLst/>
+          </a:prstGeom>
+          <a:solidFill>
+            <a:schemeClr val="accent1">
+              <a:lumMod val="40000"/>
+              <a:lumOff val="60000"/>
+            </a:schemeClr>
+          </a:solidFill>
+        </p:spPr>
+        <p:txBody>
+          <a:bodyPr wrap="square" rtlCol="0">
+            <a:spAutoFit/>
+          </a:bodyPr>
+          <a:lstStyle/>
+          <a:p>
+            <a:r>
+              <a:rPr lang="fr-FR" dirty="0" err="1"/>
+              <a:t>inte_f</a:t>
+            </a:r>
+            <a:r>
+              <a:rPr lang="fr-FR" dirty="0"/>
+              <a:t> </a:t>
+            </a:r>
+            <a:r>
+              <a:rPr lang="fr-FR" b="1" dirty="0"/>
+              <a:t>=</a:t>
+            </a:r>
+            <a:r>
+              <a:rPr lang="fr-FR" dirty="0"/>
+              <a:t> </a:t>
+            </a:r>
+            <a:r>
+              <a:rPr lang="fr-FR" i="1" dirty="0" err="1"/>
+              <a:t>sympy</a:t>
+            </a:r>
+            <a:r>
+              <a:rPr lang="fr-FR" dirty="0" err="1"/>
+              <a:t>.</a:t>
+            </a:r>
+            <a:r>
+              <a:rPr lang="fr-FR" b="1" dirty="0" err="1"/>
+              <a:t>integrate</a:t>
+            </a:r>
+            <a:r>
+              <a:rPr lang="fr-FR" dirty="0"/>
+              <a:t>(f, x)</a:t>
+            </a:r>
+          </a:p>
+          <a:p>
+            <a:r>
+              <a:rPr lang="fr-FR" dirty="0" err="1"/>
+              <a:t>inte_f</a:t>
+            </a:r>
+            <a:endParaRPr lang="fr-FR" dirty="0"/>
+          </a:p>
+        </p:txBody>
+      </p:sp>
+      <p:sp>
+        <p:nvSpPr>
+          <p:cNvPr id="18" name="ZoneTexte 17">
+            <a:extLst>
+              <a:ext uri="{FF2B5EF4-FFF2-40B4-BE49-F238E27FC236}">
+                <a16:creationId xmlns:a16="http://schemas.microsoft.com/office/drawing/2014/main" id="{3B8C2753-710A-CFCF-63D6-7A4D53A374F6}"/>
+              </a:ext>
+            </a:extLst>
+          </p:cNvPr>
+          <p:cNvSpPr txBox="1"/>
+          <p:nvPr/>
+        </p:nvSpPr>
+        <p:spPr>
+          <a:xfrm>
+            <a:off x="6345936" y="4091432"/>
+            <a:ext cx="4765173" cy="1754326"/>
+          </a:xfrm>
+          <a:prstGeom prst="rect">
+            <a:avLst/>
+          </a:prstGeom>
+          <a:solidFill>
+            <a:schemeClr val="accent1">
+              <a:lumMod val="40000"/>
+              <a:lumOff val="60000"/>
+            </a:schemeClr>
+          </a:solidFill>
+        </p:spPr>
+        <p:txBody>
+          <a:bodyPr wrap="square" rtlCol="0">
+            <a:spAutoFit/>
+          </a:bodyPr>
+          <a:lstStyle/>
+          <a:p>
+            <a:r>
+              <a:rPr lang="fr-FR" dirty="0"/>
+              <a:t>f </a:t>
+            </a:r>
+            <a:r>
+              <a:rPr lang="fr-FR" b="1" dirty="0"/>
+              <a:t>=</a:t>
+            </a:r>
+            <a:r>
+              <a:rPr lang="fr-FR" dirty="0"/>
+              <a:t> </a:t>
+            </a:r>
+            <a:r>
+              <a:rPr lang="fr-FR" i="1" dirty="0" err="1"/>
+              <a:t>sympy</a:t>
+            </a:r>
+            <a:r>
+              <a:rPr lang="fr-FR" dirty="0" err="1"/>
+              <a:t>.</a:t>
+            </a:r>
+            <a:r>
+              <a:rPr lang="fr-FR" b="1" dirty="0" err="1"/>
+              <a:t>exp</a:t>
+            </a:r>
+            <a:r>
+              <a:rPr lang="fr-FR" dirty="0"/>
+              <a:t>(x)/</a:t>
+            </a:r>
+            <a:br>
+              <a:rPr lang="fr-FR" dirty="0"/>
+            </a:br>
+            <a:r>
+              <a:rPr lang="fr-FR" dirty="0"/>
+              <a:t>(</a:t>
+            </a:r>
+            <a:r>
+              <a:rPr lang="fr-FR" i="1" dirty="0" err="1"/>
+              <a:t>sympy</a:t>
+            </a:r>
+            <a:r>
+              <a:rPr lang="fr-FR" dirty="0" err="1"/>
+              <a:t>.</a:t>
+            </a:r>
+            <a:r>
+              <a:rPr lang="fr-FR" b="1" dirty="0" err="1"/>
+              <a:t>sqrt</a:t>
+            </a:r>
+            <a:r>
+              <a:rPr lang="fr-FR" dirty="0"/>
+              <a:t>(</a:t>
+            </a:r>
+            <a:r>
+              <a:rPr lang="fr-FR" i="1" dirty="0" err="1"/>
+              <a:t>sympy</a:t>
+            </a:r>
+            <a:r>
+              <a:rPr lang="fr-FR" dirty="0" err="1"/>
+              <a:t>.</a:t>
+            </a:r>
+            <a:r>
+              <a:rPr lang="fr-FR" b="1" dirty="0" err="1"/>
+              <a:t>exp</a:t>
+            </a:r>
+            <a:r>
+              <a:rPr lang="fr-FR" dirty="0"/>
+              <a:t>(2*x)+9))</a:t>
+            </a:r>
+          </a:p>
+          <a:p>
+            <a:endParaRPr lang="fr-FR" dirty="0"/>
+          </a:p>
+          <a:p>
+            <a:r>
+              <a:rPr lang="fr-FR" dirty="0" err="1"/>
+              <a:t>inte_f</a:t>
+            </a:r>
+            <a:r>
+              <a:rPr lang="fr-FR" dirty="0"/>
+              <a:t> </a:t>
+            </a:r>
+            <a:r>
+              <a:rPr lang="fr-FR" b="1" dirty="0"/>
+              <a:t>=</a:t>
+            </a:r>
+            <a:r>
+              <a:rPr lang="fr-FR" dirty="0"/>
+              <a:t> </a:t>
+            </a:r>
+            <a:r>
+              <a:rPr lang="fr-FR" i="1" dirty="0" err="1"/>
+              <a:t>sympy</a:t>
+            </a:r>
+            <a:r>
+              <a:rPr lang="fr-FR" dirty="0" err="1"/>
+              <a:t>.</a:t>
+            </a:r>
+            <a:r>
+              <a:rPr lang="fr-FR" b="1" dirty="0" err="1"/>
+              <a:t>integrate</a:t>
+            </a:r>
+            <a:r>
+              <a:rPr lang="fr-FR" dirty="0"/>
+              <a:t>(f, (x, 0, </a:t>
+            </a:r>
+            <a:r>
+              <a:rPr lang="fr-FR" i="1" dirty="0"/>
+              <a:t>sympy</a:t>
+            </a:r>
+            <a:r>
+              <a:rPr lang="fr-FR" dirty="0"/>
+              <a:t>.</a:t>
+            </a:r>
+            <a:r>
+              <a:rPr lang="fr-FR" b="1" dirty="0"/>
+              <a:t>log</a:t>
+            </a:r>
+            <a:r>
+              <a:rPr lang="fr-FR" dirty="0"/>
+              <a:t>(4)))</a:t>
+            </a:r>
+          </a:p>
+          <a:p>
+            <a:r>
+              <a:rPr lang="fr-FR" dirty="0" err="1"/>
+              <a:t>inte_f</a:t>
+            </a:r>
+            <a:endParaRPr lang="fr-FR" dirty="0"/>
+          </a:p>
+        </p:txBody>
+      </p:sp>
+      <p:pic>
+        <p:nvPicPr>
+          <p:cNvPr id="6" name="Picture 8" descr="Résultat de recherche d'images pour &quot;spyder logo&quot;">
+            <a:extLst>
+              <a:ext uri="{FF2B5EF4-FFF2-40B4-BE49-F238E27FC236}">
+                <a16:creationId xmlns:a16="http://schemas.microsoft.com/office/drawing/2014/main" id="{15EF5648-F6C6-A818-2130-8F02900DDFE1}"/>
+              </a:ext>
+            </a:extLst>
+          </p:cNvPr>
+          <p:cNvPicPr>
+            <a:picLocks noChangeAspect="1" noChangeArrowheads="1"/>
+          </p:cNvPicPr>
+          <p:nvPr/>
+        </p:nvPicPr>
+        <p:blipFill>
+          <a:blip r:embed="rId5">
+            <a:extLst>
+              <a:ext uri="{28A0092B-C50C-407E-A947-70E740481C1C}">
+                <a14:useLocalDpi xmlns:a14="http://schemas.microsoft.com/office/drawing/2010/main" val="0"/>
+              </a:ext>
+            </a:extLst>
+          </a:blip>
+          <a:srcRect/>
+          <a:stretch>
+            <a:fillRect/>
+          </a:stretch>
+        </p:blipFill>
+        <p:spPr bwMode="auto">
+          <a:xfrm>
+            <a:off x="10162526" y="1757291"/>
+            <a:ext cx="947620" cy="473810"/>
+          </a:xfrm>
+          <a:prstGeom prst="rect">
+            <a:avLst/>
+          </a:prstGeom>
+          <a:noFill/>
+          <a:extLst>
+            <a:ext uri="{909E8E84-426E-40DD-AFC4-6F175D3DCCD1}">
+              <a14:hiddenFill xmlns:a14="http://schemas.microsoft.com/office/drawing/2010/main">
+                <a:solidFill>
+                  <a:srgbClr val="FFFFFF"/>
+                </a:solidFill>
+              </a14:hiddenFill>
+            </a:ext>
+          </a:extLst>
+        </p:spPr>
+      </p:pic>
+    </p:spTree>
+    <p:extLst>
+      <p:ext uri="{BB962C8B-B14F-4D97-AF65-F5344CB8AC3E}">
+        <p14:creationId xmlns:p14="http://schemas.microsoft.com/office/powerpoint/2010/main" val="1607553190"/>
+      </p:ext>
+    </p:extLst>
+  </p:cSld>
+  <p:clrMapOvr>
+    <a:masterClrMapping/>
+  </p:clrMapOvr>
+</p:sld>
+</file>
+
+<file path=ppt/slides/slide24.xml><?xml version="1.0" encoding="utf-8"?>
 <p:sld xmlns:a="http://schemas.openxmlformats.org/drawingml/2006/main" xmlns:r="http://schemas.openxmlformats.org/officeDocument/2006/relationships" xmlns:p="http://schemas.openxmlformats.org/presentationml/2006/main">
   <p:cSld>
     <p:bg>
@@ -18019,7 +19160,7 @@
           <a:p>
             <a:fld id="{B2DC25EE-239B-4C5F-AAD1-255A7D5F1EE2}" type="slidenum">
               <a:rPr lang="en-US" smtClean="0"/>
-              <a:t>23</a:t>
+              <a:t>24</a:t>
             </a:fld>
             <a:endParaRPr lang="en-US" dirty="0"/>
           </a:p>

--- a/ONIP/onip_b1_methodes_numeriques/seance2_equation_diff/B1_s2_1_Approche_Symbolique.pptx
+++ b/ONIP/onip_b1_methodes_numeriques/seance2_equation_diff/B1_s2_1_Approche_Symbolique.pptx
@@ -220,7 +220,7 @@
           <a:p>
             <a:fld id="{95F60532-AC81-4152-B45E-E054A978F780}" type="datetimeFigureOut">
               <a:rPr lang="fr-FR" smtClean="0"/>
-              <a:t>29/08/2023</a:t>
+              <a:t>26/09/2023</a:t>
             </a:fld>
             <a:endParaRPr lang="fr-FR"/>
           </a:p>
@@ -727,7 +727,7 @@
           <a:p>
             <a:fld id="{785B9D93-2D6F-4658-911E-89FF557AACEE}" type="datetime1">
               <a:rPr lang="en-US" smtClean="0"/>
-              <a:t>8/29/2023</a:t>
+              <a:t>9/26/2023</a:t>
             </a:fld>
             <a:endParaRPr lang="en-US" dirty="0"/>
           </a:p>
@@ -1097,7 +1097,7 @@
           <a:p>
             <a:fld id="{4709A133-4251-46D0-8E1C-3DC2CCEEC594}" type="datetime1">
               <a:rPr lang="en-US" smtClean="0"/>
-              <a:t>8/29/2023</a:t>
+              <a:t>9/26/2023</a:t>
             </a:fld>
             <a:endParaRPr lang="en-US"/>
           </a:p>
@@ -1306,7 +1306,7 @@
           <a:p>
             <a:fld id="{757C9D7A-C246-41BC-AB36-CBBE03C4FC3D}" type="datetime1">
               <a:rPr lang="en-US" smtClean="0"/>
-              <a:t>8/29/2023</a:t>
+              <a:t>9/26/2023</a:t>
             </a:fld>
             <a:endParaRPr lang="en-US"/>
           </a:p>
@@ -1776,7 +1776,7 @@
           <a:p>
             <a:fld id="{DD23859D-5799-4C59-B29C-0D397C1B3B07}" type="datetime1">
               <a:rPr lang="en-US" smtClean="0"/>
-              <a:t>8/29/2023</a:t>
+              <a:t>9/26/2023</a:t>
             </a:fld>
             <a:endParaRPr lang="en-US"/>
           </a:p>
@@ -2230,7 +2230,7 @@
           <a:p>
             <a:fld id="{B36A9650-6794-4EE4-9500-0C43A7CB6B4A}" type="datetime1">
               <a:rPr lang="en-US" smtClean="0"/>
-              <a:t>8/29/2023</a:t>
+              <a:t>9/26/2023</a:t>
             </a:fld>
             <a:endParaRPr lang="en-US"/>
           </a:p>
@@ -2762,7 +2762,7 @@
           <a:p>
             <a:fld id="{1792256C-3121-4D72-8DFF-855B713C834E}" type="datetime1">
               <a:rPr lang="en-US" smtClean="0"/>
-              <a:t>8/29/2023</a:t>
+              <a:t>9/26/2023</a:t>
             </a:fld>
             <a:endParaRPr lang="en-US"/>
           </a:p>
@@ -3461,7 +3461,7 @@
           <a:p>
             <a:fld id="{580DF3A2-C727-46A5-9AC9-16B2E63C7D3A}" type="datetime1">
               <a:rPr lang="en-US" smtClean="0"/>
-              <a:t>8/29/2023</a:t>
+              <a:t>9/26/2023</a:t>
             </a:fld>
             <a:endParaRPr lang="en-US"/>
           </a:p>
@@ -3790,7 +3790,7 @@
           <a:p>
             <a:fld id="{9D23748C-796D-4F23-89AF-A2738DF446EE}" type="datetime1">
               <a:rPr lang="en-US" smtClean="0"/>
-              <a:t>8/29/2023</a:t>
+              <a:t>9/26/2023</a:t>
             </a:fld>
             <a:endParaRPr lang="en-US"/>
           </a:p>
@@ -3903,7 +3903,7 @@
           <a:p>
             <a:fld id="{B3AFB1A7-BA76-4344-B812-B8E53F62AA62}" type="datetime1">
               <a:rPr lang="en-US" smtClean="0"/>
-              <a:t>8/29/2023</a:t>
+              <a:t>9/26/2023</a:t>
             </a:fld>
             <a:endParaRPr lang="en-US"/>
           </a:p>
@@ -4398,7 +4398,7 @@
           <a:p>
             <a:fld id="{D2DB139E-AA5F-415E-A7EE-D6EE1B304D34}" type="datetime1">
               <a:rPr lang="en-US" smtClean="0"/>
-              <a:t>8/29/2023</a:t>
+              <a:t>9/26/2023</a:t>
             </a:fld>
             <a:endParaRPr lang="en-US" dirty="0"/>
           </a:p>
@@ -4875,7 +4875,7 @@
           <a:p>
             <a:fld id="{B0611B75-8EAE-4E82-AD4E-BC980BBD0DF6}" type="datetime1">
               <a:rPr lang="en-US" smtClean="0"/>
-              <a:t>8/29/2023</a:t>
+              <a:t>9/26/2023</a:t>
             </a:fld>
             <a:endParaRPr lang="en-US"/>
           </a:p>
@@ -5118,7 +5118,7 @@
           <a:p>
             <a:fld id="{5A39691B-EC2E-4EEE-9557-97A59C128178}" type="datetime1">
               <a:rPr lang="en-US" smtClean="0"/>
-              <a:t>8/29/2023</a:t>
+              <a:t>9/26/2023</a:t>
             </a:fld>
             <a:endParaRPr lang="en-US"/>
           </a:p>
@@ -11734,8 +11734,8 @@
           </a:p>
         </p:txBody>
       </p:sp>
-      <mc:AlternateContent xmlns:mc="http://schemas.openxmlformats.org/markup-compatibility/2006">
-        <mc:Choice xmlns:a14="http://schemas.microsoft.com/office/drawing/2010/main" Requires="a14">
+      <mc:AlternateContent xmlns:mc="http://schemas.openxmlformats.org/markup-compatibility/2006" xmlns:a14="http://schemas.microsoft.com/office/drawing/2010/main">
+        <mc:Choice Requires="a14">
           <p:sp>
             <p:nvSpPr>
               <p:cNvPr id="14" name="ZoneTexte 13">
@@ -12055,7 +12055,7 @@
             </p:txBody>
           </p:sp>
         </mc:Choice>
-        <mc:Fallback>
+        <mc:Fallback xmlns="">
           <p:sp>
             <p:nvSpPr>
               <p:cNvPr id="14" name="ZoneTexte 13">
@@ -21864,7 +21864,7 @@
           <a:p>
             <a:r>
               <a:rPr lang="fr-FR" i="1" dirty="0" err="1"/>
-              <a:t>math</a:t>
+              <a:t>sympy</a:t>
             </a:r>
             <a:r>
               <a:rPr lang="fr-FR" dirty="0" err="1"/>
@@ -21883,7 +21883,7 @@
           <a:p>
             <a:r>
               <a:rPr lang="fr-FR" i="1" dirty="0" err="1"/>
-              <a:t>math</a:t>
+              <a:t>sympy</a:t>
             </a:r>
             <a:r>
               <a:rPr lang="fr-FR" dirty="0" err="1"/>
@@ -22456,93 +22456,6 @@
           </p:sp>
         </mc:Fallback>
       </mc:AlternateContent>
-      <p:sp>
-        <p:nvSpPr>
-          <p:cNvPr id="10" name="ZoneTexte 9">
-            <a:extLst>
-              <a:ext uri="{FF2B5EF4-FFF2-40B4-BE49-F238E27FC236}">
-                <a16:creationId xmlns:a16="http://schemas.microsoft.com/office/drawing/2014/main" id="{D30EDEB0-CCE3-B23B-E6CF-BF30E6B75DBC}"/>
-              </a:ext>
-            </a:extLst>
-          </p:cNvPr>
-          <p:cNvSpPr txBox="1"/>
-          <p:nvPr/>
-        </p:nvSpPr>
-        <p:spPr>
-          <a:xfrm>
-            <a:off x="6344973" y="3298959"/>
-            <a:ext cx="4765173" cy="923330"/>
-          </a:xfrm>
-          <a:prstGeom prst="rect">
-            <a:avLst/>
-          </a:prstGeom>
-          <a:solidFill>
-            <a:schemeClr val="accent1">
-              <a:lumMod val="40000"/>
-              <a:lumOff val="60000"/>
-            </a:schemeClr>
-          </a:solidFill>
-        </p:spPr>
-        <p:txBody>
-          <a:bodyPr wrap="square" rtlCol="0">
-            <a:spAutoFit/>
-          </a:bodyPr>
-          <a:lstStyle/>
-          <a:p>
-            <a:r>
-              <a:rPr lang="fr-FR" b="1" dirty="0"/>
-              <a:t>import</a:t>
-            </a:r>
-            <a:r>
-              <a:rPr lang="fr-FR" dirty="0"/>
-              <a:t> </a:t>
-            </a:r>
-            <a:r>
-              <a:rPr lang="fr-FR" i="1" dirty="0" err="1"/>
-              <a:t>sympy</a:t>
-            </a:r>
-            <a:endParaRPr lang="fr-FR" i="1" dirty="0"/>
-          </a:p>
-          <a:p>
-            <a:r>
-              <a:rPr lang="fr-FR" i="1" dirty="0" err="1"/>
-              <a:t>math</a:t>
-            </a:r>
-            <a:r>
-              <a:rPr lang="fr-FR" dirty="0" err="1"/>
-              <a:t>.</a:t>
-            </a:r>
-            <a:r>
-              <a:rPr lang="fr-FR" b="1" dirty="0" err="1"/>
-              <a:t>sqrt</a:t>
-            </a:r>
-            <a:r>
-              <a:rPr lang="fr-FR" dirty="0"/>
-              <a:t>(9)</a:t>
-            </a:r>
-            <a:endParaRPr lang="fr-FR" i="1" dirty="0"/>
-          </a:p>
-          <a:p>
-            <a:r>
-              <a:rPr lang="fr-FR" i="1" dirty="0" err="1"/>
-              <a:t>math</a:t>
-            </a:r>
-            <a:r>
-              <a:rPr lang="fr-FR" dirty="0" err="1"/>
-              <a:t>.</a:t>
-            </a:r>
-            <a:r>
-              <a:rPr lang="fr-FR" b="1" dirty="0" err="1"/>
-              <a:t>sqrt</a:t>
-            </a:r>
-            <a:r>
-              <a:rPr lang="fr-FR" dirty="0"/>
-              <a:t>(8)</a:t>
-            </a:r>
-            <a:endParaRPr lang="fr-FR" b="1" dirty="0"/>
-          </a:p>
-        </p:txBody>
-      </p:sp>
       <p:pic>
         <p:nvPicPr>
           <p:cNvPr id="2051" name="Picture 3">
@@ -22637,6 +22550,93 @@
           </a:extLst>
         </p:spPr>
       </p:pic>
+      <p:sp>
+        <p:nvSpPr>
+          <p:cNvPr id="11" name="ZoneTexte 10">
+            <a:extLst>
+              <a:ext uri="{FF2B5EF4-FFF2-40B4-BE49-F238E27FC236}">
+                <a16:creationId xmlns:a16="http://schemas.microsoft.com/office/drawing/2014/main" id="{0538A4D5-1C77-FE55-BC83-EB281608089C}"/>
+              </a:ext>
+            </a:extLst>
+          </p:cNvPr>
+          <p:cNvSpPr txBox="1"/>
+          <p:nvPr/>
+        </p:nvSpPr>
+        <p:spPr>
+          <a:xfrm>
+            <a:off x="6344973" y="3298959"/>
+            <a:ext cx="4765173" cy="923330"/>
+          </a:xfrm>
+          <a:prstGeom prst="rect">
+            <a:avLst/>
+          </a:prstGeom>
+          <a:solidFill>
+            <a:schemeClr val="accent1">
+              <a:lumMod val="40000"/>
+              <a:lumOff val="60000"/>
+            </a:schemeClr>
+          </a:solidFill>
+        </p:spPr>
+        <p:txBody>
+          <a:bodyPr wrap="square" rtlCol="0">
+            <a:spAutoFit/>
+          </a:bodyPr>
+          <a:lstStyle/>
+          <a:p>
+            <a:r>
+              <a:rPr lang="fr-FR" b="1" dirty="0"/>
+              <a:t>import</a:t>
+            </a:r>
+            <a:r>
+              <a:rPr lang="fr-FR" dirty="0"/>
+              <a:t> </a:t>
+            </a:r>
+            <a:r>
+              <a:rPr lang="fr-FR" i="1" dirty="0" err="1"/>
+              <a:t>sympy</a:t>
+            </a:r>
+            <a:endParaRPr lang="fr-FR" i="1" dirty="0"/>
+          </a:p>
+          <a:p>
+            <a:r>
+              <a:rPr lang="fr-FR" i="1" dirty="0" err="1"/>
+              <a:t>sympy</a:t>
+            </a:r>
+            <a:r>
+              <a:rPr lang="fr-FR" dirty="0" err="1"/>
+              <a:t>.</a:t>
+            </a:r>
+            <a:r>
+              <a:rPr lang="fr-FR" b="1" dirty="0" err="1"/>
+              <a:t>sqrt</a:t>
+            </a:r>
+            <a:r>
+              <a:rPr lang="fr-FR" dirty="0"/>
+              <a:t>(9)</a:t>
+            </a:r>
+            <a:endParaRPr lang="fr-FR" i="1" dirty="0"/>
+          </a:p>
+          <a:p>
+            <a:r>
+              <a:rPr lang="fr-FR" i="1" dirty="0" err="1"/>
+              <a:t>sympy</a:t>
+            </a:r>
+            <a:r>
+              <a:rPr lang="fr-FR" dirty="0" err="1"/>
+              <a:t>.</a:t>
+            </a:r>
+            <a:r>
+              <a:rPr lang="fr-FR" b="1" dirty="0" err="1"/>
+              <a:t>sqrt</a:t>
+            </a:r>
+            <a:r>
+              <a:rPr lang="fr-FR" dirty="0"/>
+              <a:t>(8)</a:t>
+            </a:r>
+            <a:endParaRPr lang="fr-FR" b="1" dirty="0"/>
+          </a:p>
+        </p:txBody>
+      </p:sp>
     </p:spTree>
     <p:extLst>
       <p:ext uri="{BB962C8B-B14F-4D97-AF65-F5344CB8AC3E}">
@@ -23098,93 +23098,6 @@
           </p:sp>
         </mc:Fallback>
       </mc:AlternateContent>
-      <p:sp>
-        <p:nvSpPr>
-          <p:cNvPr id="10" name="ZoneTexte 9">
-            <a:extLst>
-              <a:ext uri="{FF2B5EF4-FFF2-40B4-BE49-F238E27FC236}">
-                <a16:creationId xmlns:a16="http://schemas.microsoft.com/office/drawing/2014/main" id="{D30EDEB0-CCE3-B23B-E6CF-BF30E6B75DBC}"/>
-              </a:ext>
-            </a:extLst>
-          </p:cNvPr>
-          <p:cNvSpPr txBox="1"/>
-          <p:nvPr/>
-        </p:nvSpPr>
-        <p:spPr>
-          <a:xfrm>
-            <a:off x="6344973" y="3298959"/>
-            <a:ext cx="4765173" cy="923330"/>
-          </a:xfrm>
-          <a:prstGeom prst="rect">
-            <a:avLst/>
-          </a:prstGeom>
-          <a:solidFill>
-            <a:schemeClr val="accent1">
-              <a:lumMod val="40000"/>
-              <a:lumOff val="60000"/>
-            </a:schemeClr>
-          </a:solidFill>
-        </p:spPr>
-        <p:txBody>
-          <a:bodyPr wrap="square" rtlCol="0">
-            <a:spAutoFit/>
-          </a:bodyPr>
-          <a:lstStyle/>
-          <a:p>
-            <a:r>
-              <a:rPr lang="fr-FR" b="1" dirty="0"/>
-              <a:t>import</a:t>
-            </a:r>
-            <a:r>
-              <a:rPr lang="fr-FR" dirty="0"/>
-              <a:t> </a:t>
-            </a:r>
-            <a:r>
-              <a:rPr lang="fr-FR" i="1" dirty="0" err="1"/>
-              <a:t>sympy</a:t>
-            </a:r>
-            <a:endParaRPr lang="fr-FR" i="1" dirty="0"/>
-          </a:p>
-          <a:p>
-            <a:r>
-              <a:rPr lang="fr-FR" i="1" dirty="0" err="1"/>
-              <a:t>math</a:t>
-            </a:r>
-            <a:r>
-              <a:rPr lang="fr-FR" dirty="0" err="1"/>
-              <a:t>.</a:t>
-            </a:r>
-            <a:r>
-              <a:rPr lang="fr-FR" b="1" dirty="0" err="1"/>
-              <a:t>sqrt</a:t>
-            </a:r>
-            <a:r>
-              <a:rPr lang="fr-FR" dirty="0"/>
-              <a:t>(9)</a:t>
-            </a:r>
-            <a:endParaRPr lang="fr-FR" i="1" dirty="0"/>
-          </a:p>
-          <a:p>
-            <a:r>
-              <a:rPr lang="fr-FR" i="1" dirty="0" err="1"/>
-              <a:t>math</a:t>
-            </a:r>
-            <a:r>
-              <a:rPr lang="fr-FR" dirty="0" err="1"/>
-              <a:t>.</a:t>
-            </a:r>
-            <a:r>
-              <a:rPr lang="fr-FR" b="1" dirty="0" err="1"/>
-              <a:t>sqrt</a:t>
-            </a:r>
-            <a:r>
-              <a:rPr lang="fr-FR" dirty="0"/>
-              <a:t>(8)</a:t>
-            </a:r>
-            <a:endParaRPr lang="fr-FR" b="1" dirty="0"/>
-          </a:p>
-        </p:txBody>
-      </p:sp>
       <p:pic>
         <p:nvPicPr>
           <p:cNvPr id="2051" name="Picture 3">
@@ -23487,6 +23400,93 @@
           </a:extLst>
         </p:spPr>
       </p:pic>
+      <p:sp>
+        <p:nvSpPr>
+          <p:cNvPr id="15" name="ZoneTexte 14">
+            <a:extLst>
+              <a:ext uri="{FF2B5EF4-FFF2-40B4-BE49-F238E27FC236}">
+                <a16:creationId xmlns:a16="http://schemas.microsoft.com/office/drawing/2014/main" id="{0471D813-33D3-929D-C90C-31D37725920D}"/>
+              </a:ext>
+            </a:extLst>
+          </p:cNvPr>
+          <p:cNvSpPr txBox="1"/>
+          <p:nvPr/>
+        </p:nvSpPr>
+        <p:spPr>
+          <a:xfrm>
+            <a:off x="6344973" y="3298959"/>
+            <a:ext cx="4765173" cy="923330"/>
+          </a:xfrm>
+          <a:prstGeom prst="rect">
+            <a:avLst/>
+          </a:prstGeom>
+          <a:solidFill>
+            <a:schemeClr val="accent1">
+              <a:lumMod val="40000"/>
+              <a:lumOff val="60000"/>
+            </a:schemeClr>
+          </a:solidFill>
+        </p:spPr>
+        <p:txBody>
+          <a:bodyPr wrap="square" rtlCol="0">
+            <a:spAutoFit/>
+          </a:bodyPr>
+          <a:lstStyle/>
+          <a:p>
+            <a:r>
+              <a:rPr lang="fr-FR" b="1" dirty="0"/>
+              <a:t>import</a:t>
+            </a:r>
+            <a:r>
+              <a:rPr lang="fr-FR" dirty="0"/>
+              <a:t> </a:t>
+            </a:r>
+            <a:r>
+              <a:rPr lang="fr-FR" i="1" dirty="0" err="1"/>
+              <a:t>sympy</a:t>
+            </a:r>
+            <a:endParaRPr lang="fr-FR" i="1" dirty="0"/>
+          </a:p>
+          <a:p>
+            <a:r>
+              <a:rPr lang="fr-FR" i="1" dirty="0" err="1"/>
+              <a:t>sympy</a:t>
+            </a:r>
+            <a:r>
+              <a:rPr lang="fr-FR" dirty="0" err="1"/>
+              <a:t>.</a:t>
+            </a:r>
+            <a:r>
+              <a:rPr lang="fr-FR" b="1" dirty="0" err="1"/>
+              <a:t>sqrt</a:t>
+            </a:r>
+            <a:r>
+              <a:rPr lang="fr-FR" dirty="0"/>
+              <a:t>(9)</a:t>
+            </a:r>
+            <a:endParaRPr lang="fr-FR" i="1" dirty="0"/>
+          </a:p>
+          <a:p>
+            <a:r>
+              <a:rPr lang="fr-FR" i="1" dirty="0" err="1"/>
+              <a:t>sympy</a:t>
+            </a:r>
+            <a:r>
+              <a:rPr lang="fr-FR" dirty="0" err="1"/>
+              <a:t>.</a:t>
+            </a:r>
+            <a:r>
+              <a:rPr lang="fr-FR" b="1" dirty="0" err="1"/>
+              <a:t>sqrt</a:t>
+            </a:r>
+            <a:r>
+              <a:rPr lang="fr-FR" dirty="0"/>
+              <a:t>(8)</a:t>
+            </a:r>
+            <a:endParaRPr lang="fr-FR" b="1" dirty="0"/>
+          </a:p>
+        </p:txBody>
+      </p:sp>
     </p:spTree>
     <p:extLst>
       <p:ext uri="{BB962C8B-B14F-4D97-AF65-F5344CB8AC3E}">
@@ -23948,93 +23948,6 @@
           </p:sp>
         </mc:Fallback>
       </mc:AlternateContent>
-      <p:sp>
-        <p:nvSpPr>
-          <p:cNvPr id="10" name="ZoneTexte 9">
-            <a:extLst>
-              <a:ext uri="{FF2B5EF4-FFF2-40B4-BE49-F238E27FC236}">
-                <a16:creationId xmlns:a16="http://schemas.microsoft.com/office/drawing/2014/main" id="{D30EDEB0-CCE3-B23B-E6CF-BF30E6B75DBC}"/>
-              </a:ext>
-            </a:extLst>
-          </p:cNvPr>
-          <p:cNvSpPr txBox="1"/>
-          <p:nvPr/>
-        </p:nvSpPr>
-        <p:spPr>
-          <a:xfrm>
-            <a:off x="6344973" y="3298959"/>
-            <a:ext cx="4765173" cy="923330"/>
-          </a:xfrm>
-          <a:prstGeom prst="rect">
-            <a:avLst/>
-          </a:prstGeom>
-          <a:solidFill>
-            <a:schemeClr val="accent1">
-              <a:lumMod val="40000"/>
-              <a:lumOff val="60000"/>
-            </a:schemeClr>
-          </a:solidFill>
-        </p:spPr>
-        <p:txBody>
-          <a:bodyPr wrap="square" rtlCol="0">
-            <a:spAutoFit/>
-          </a:bodyPr>
-          <a:lstStyle/>
-          <a:p>
-            <a:r>
-              <a:rPr lang="fr-FR" b="1" dirty="0"/>
-              <a:t>import</a:t>
-            </a:r>
-            <a:r>
-              <a:rPr lang="fr-FR" dirty="0"/>
-              <a:t> </a:t>
-            </a:r>
-            <a:r>
-              <a:rPr lang="fr-FR" i="1" dirty="0" err="1"/>
-              <a:t>sympy</a:t>
-            </a:r>
-            <a:endParaRPr lang="fr-FR" i="1" dirty="0"/>
-          </a:p>
-          <a:p>
-            <a:r>
-              <a:rPr lang="fr-FR" i="1" dirty="0" err="1"/>
-              <a:t>math</a:t>
-            </a:r>
-            <a:r>
-              <a:rPr lang="fr-FR" dirty="0" err="1"/>
-              <a:t>.</a:t>
-            </a:r>
-            <a:r>
-              <a:rPr lang="fr-FR" b="1" dirty="0" err="1"/>
-              <a:t>sqrt</a:t>
-            </a:r>
-            <a:r>
-              <a:rPr lang="fr-FR" dirty="0"/>
-              <a:t>(9)</a:t>
-            </a:r>
-            <a:endParaRPr lang="fr-FR" i="1" dirty="0"/>
-          </a:p>
-          <a:p>
-            <a:r>
-              <a:rPr lang="fr-FR" i="1" dirty="0" err="1"/>
-              <a:t>math</a:t>
-            </a:r>
-            <a:r>
-              <a:rPr lang="fr-FR" dirty="0" err="1"/>
-              <a:t>.</a:t>
-            </a:r>
-            <a:r>
-              <a:rPr lang="fr-FR" b="1" dirty="0" err="1"/>
-              <a:t>sqrt</a:t>
-            </a:r>
-            <a:r>
-              <a:rPr lang="fr-FR" dirty="0"/>
-              <a:t>(8)</a:t>
-            </a:r>
-            <a:endParaRPr lang="fr-FR" b="1" dirty="0"/>
-          </a:p>
-        </p:txBody>
-      </p:sp>
       <p:pic>
         <p:nvPicPr>
           <p:cNvPr id="2051" name="Picture 3">
@@ -24337,6 +24250,93 @@
           </a:extLst>
         </p:spPr>
       </p:pic>
+      <p:sp>
+        <p:nvSpPr>
+          <p:cNvPr id="15" name="ZoneTexte 14">
+            <a:extLst>
+              <a:ext uri="{FF2B5EF4-FFF2-40B4-BE49-F238E27FC236}">
+                <a16:creationId xmlns:a16="http://schemas.microsoft.com/office/drawing/2014/main" id="{75950226-EAE3-A5D4-5E46-FDEC472AE954}"/>
+              </a:ext>
+            </a:extLst>
+          </p:cNvPr>
+          <p:cNvSpPr txBox="1"/>
+          <p:nvPr/>
+        </p:nvSpPr>
+        <p:spPr>
+          <a:xfrm>
+            <a:off x="6344973" y="3298959"/>
+            <a:ext cx="4765173" cy="923330"/>
+          </a:xfrm>
+          <a:prstGeom prst="rect">
+            <a:avLst/>
+          </a:prstGeom>
+          <a:solidFill>
+            <a:schemeClr val="accent1">
+              <a:lumMod val="40000"/>
+              <a:lumOff val="60000"/>
+            </a:schemeClr>
+          </a:solidFill>
+        </p:spPr>
+        <p:txBody>
+          <a:bodyPr wrap="square" rtlCol="0">
+            <a:spAutoFit/>
+          </a:bodyPr>
+          <a:lstStyle/>
+          <a:p>
+            <a:r>
+              <a:rPr lang="fr-FR" b="1" dirty="0"/>
+              <a:t>import</a:t>
+            </a:r>
+            <a:r>
+              <a:rPr lang="fr-FR" dirty="0"/>
+              <a:t> </a:t>
+            </a:r>
+            <a:r>
+              <a:rPr lang="fr-FR" i="1" dirty="0" err="1"/>
+              <a:t>sympy</a:t>
+            </a:r>
+            <a:endParaRPr lang="fr-FR" i="1" dirty="0"/>
+          </a:p>
+          <a:p>
+            <a:r>
+              <a:rPr lang="fr-FR" i="1" dirty="0" err="1"/>
+              <a:t>sympy</a:t>
+            </a:r>
+            <a:r>
+              <a:rPr lang="fr-FR" dirty="0" err="1"/>
+              <a:t>.</a:t>
+            </a:r>
+            <a:r>
+              <a:rPr lang="fr-FR" b="1" dirty="0" err="1"/>
+              <a:t>sqrt</a:t>
+            </a:r>
+            <a:r>
+              <a:rPr lang="fr-FR" dirty="0"/>
+              <a:t>(9)</a:t>
+            </a:r>
+            <a:endParaRPr lang="fr-FR" i="1" dirty="0"/>
+          </a:p>
+          <a:p>
+            <a:r>
+              <a:rPr lang="fr-FR" i="1" dirty="0" err="1"/>
+              <a:t>sympy</a:t>
+            </a:r>
+            <a:r>
+              <a:rPr lang="fr-FR" dirty="0" err="1"/>
+              <a:t>.</a:t>
+            </a:r>
+            <a:r>
+              <a:rPr lang="fr-FR" b="1" dirty="0" err="1"/>
+              <a:t>sqrt</a:t>
+            </a:r>
+            <a:r>
+              <a:rPr lang="fr-FR" dirty="0"/>
+              <a:t>(8)</a:t>
+            </a:r>
+            <a:endParaRPr lang="fr-FR" b="1" dirty="0"/>
+          </a:p>
+        </p:txBody>
+      </p:sp>
     </p:spTree>
     <p:extLst>
       <p:ext uri="{BB962C8B-B14F-4D97-AF65-F5344CB8AC3E}">
